--- a/ClusterSoftware/clustersoftware.pptx
+++ b/ClusterSoftware/clustersoftware.pptx
@@ -6,16 +6,17 @@
   </p:sldMasterIdLst>
   <p:sldIdLst>
     <p:sldId id="261" r:id="rId2"/>
-    <p:sldId id="256" r:id="rId3"/>
-    <p:sldId id="262" r:id="rId4"/>
-    <p:sldId id="257" r:id="rId5"/>
-    <p:sldId id="260" r:id="rId6"/>
-    <p:sldId id="258" r:id="rId7"/>
-    <p:sldId id="259" r:id="rId8"/>
-    <p:sldId id="263" r:id="rId9"/>
-    <p:sldId id="265" r:id="rId10"/>
-    <p:sldId id="268" r:id="rId11"/>
-    <p:sldId id="266" r:id="rId12"/>
+    <p:sldId id="269" r:id="rId3"/>
+    <p:sldId id="256" r:id="rId4"/>
+    <p:sldId id="270" r:id="rId5"/>
+    <p:sldId id="257" r:id="rId6"/>
+    <p:sldId id="260" r:id="rId7"/>
+    <p:sldId id="258" r:id="rId8"/>
+    <p:sldId id="259" r:id="rId9"/>
+    <p:sldId id="263" r:id="rId10"/>
+    <p:sldId id="265" r:id="rId11"/>
+    <p:sldId id="268" r:id="rId12"/>
+    <p:sldId id="266" r:id="rId13"/>
   </p:sldIdLst>
   <p:sldSz cx="12192000" cy="6858000"/>
   <p:notesSz cx="6858000" cy="9144000"/>
@@ -253,7 +254,7 @@
           <a:p>
             <a:fld id="{41349802-C406-439E-BB08-4E127FE88810}" type="datetimeFigureOut">
               <a:rPr lang="sv-SE" smtClean="0"/>
-              <a:t>2016-11-10</a:t>
+              <a:t>2016-11-13</a:t>
             </a:fld>
             <a:endParaRPr lang="sv-SE"/>
           </a:p>
@@ -423,7 +424,7 @@
           <a:p>
             <a:fld id="{41349802-C406-439E-BB08-4E127FE88810}" type="datetimeFigureOut">
               <a:rPr lang="sv-SE" smtClean="0"/>
-              <a:t>2016-11-10</a:t>
+              <a:t>2016-11-13</a:t>
             </a:fld>
             <a:endParaRPr lang="sv-SE"/>
           </a:p>
@@ -603,7 +604,7 @@
           <a:p>
             <a:fld id="{41349802-C406-439E-BB08-4E127FE88810}" type="datetimeFigureOut">
               <a:rPr lang="sv-SE" smtClean="0"/>
-              <a:t>2016-11-10</a:t>
+              <a:t>2016-11-13</a:t>
             </a:fld>
             <a:endParaRPr lang="sv-SE"/>
           </a:p>
@@ -773,7 +774,7 @@
           <a:p>
             <a:fld id="{41349802-C406-439E-BB08-4E127FE88810}" type="datetimeFigureOut">
               <a:rPr lang="sv-SE" smtClean="0"/>
-              <a:t>2016-11-10</a:t>
+              <a:t>2016-11-13</a:t>
             </a:fld>
             <a:endParaRPr lang="sv-SE"/>
           </a:p>
@@ -1019,7 +1020,7 @@
           <a:p>
             <a:fld id="{41349802-C406-439E-BB08-4E127FE88810}" type="datetimeFigureOut">
               <a:rPr lang="sv-SE" smtClean="0"/>
-              <a:t>2016-11-10</a:t>
+              <a:t>2016-11-13</a:t>
             </a:fld>
             <a:endParaRPr lang="sv-SE"/>
           </a:p>
@@ -1251,7 +1252,7 @@
           <a:p>
             <a:fld id="{41349802-C406-439E-BB08-4E127FE88810}" type="datetimeFigureOut">
               <a:rPr lang="sv-SE" smtClean="0"/>
-              <a:t>2016-11-10</a:t>
+              <a:t>2016-11-13</a:t>
             </a:fld>
             <a:endParaRPr lang="sv-SE"/>
           </a:p>
@@ -1618,7 +1619,7 @@
           <a:p>
             <a:fld id="{41349802-C406-439E-BB08-4E127FE88810}" type="datetimeFigureOut">
               <a:rPr lang="sv-SE" smtClean="0"/>
-              <a:t>2016-11-10</a:t>
+              <a:t>2016-11-13</a:t>
             </a:fld>
             <a:endParaRPr lang="sv-SE"/>
           </a:p>
@@ -1736,7 +1737,7 @@
           <a:p>
             <a:fld id="{41349802-C406-439E-BB08-4E127FE88810}" type="datetimeFigureOut">
               <a:rPr lang="sv-SE" smtClean="0"/>
-              <a:t>2016-11-10</a:t>
+              <a:t>2016-11-13</a:t>
             </a:fld>
             <a:endParaRPr lang="sv-SE"/>
           </a:p>
@@ -1831,7 +1832,7 @@
           <a:p>
             <a:fld id="{41349802-C406-439E-BB08-4E127FE88810}" type="datetimeFigureOut">
               <a:rPr lang="sv-SE" smtClean="0"/>
-              <a:t>2016-11-10</a:t>
+              <a:t>2016-11-13</a:t>
             </a:fld>
             <a:endParaRPr lang="sv-SE"/>
           </a:p>
@@ -2108,7 +2109,7 @@
           <a:p>
             <a:fld id="{41349802-C406-439E-BB08-4E127FE88810}" type="datetimeFigureOut">
               <a:rPr lang="sv-SE" smtClean="0"/>
-              <a:t>2016-11-10</a:t>
+              <a:t>2016-11-13</a:t>
             </a:fld>
             <a:endParaRPr lang="sv-SE"/>
           </a:p>
@@ -2361,7 +2362,7 @@
           <a:p>
             <a:fld id="{41349802-C406-439E-BB08-4E127FE88810}" type="datetimeFigureOut">
               <a:rPr lang="sv-SE" smtClean="0"/>
-              <a:t>2016-11-10</a:t>
+              <a:t>2016-11-13</a:t>
             </a:fld>
             <a:endParaRPr lang="sv-SE"/>
           </a:p>
@@ -2574,7 +2575,7 @@
           <a:p>
             <a:fld id="{41349802-C406-439E-BB08-4E127FE88810}" type="datetimeFigureOut">
               <a:rPr lang="sv-SE" smtClean="0"/>
-              <a:t>2016-11-10</a:t>
+              <a:t>2016-11-13</a:t>
             </a:fld>
             <a:endParaRPr lang="sv-SE"/>
           </a:p>
@@ -4246,6 +4247,2256 @@
                   <a:schemeClr val="tx1"/>
                 </a:solidFill>
               </a:rPr>
+              <a:t>Partition to State affinity</a:t>
+            </a:r>
+          </a:p>
+          <a:p>
+            <a:endParaRPr lang="sv-SE" sz="1600" b="1" i="1" dirty="0">
+              <a:solidFill>
+                <a:schemeClr val="tx1"/>
+              </a:solidFill>
+            </a:endParaRPr>
+          </a:p>
+          <a:p>
+            <a:r>
+              <a:rPr lang="sv-SE" sz="1600" dirty="0" smtClean="0">
+                <a:solidFill>
+                  <a:schemeClr val="tx1"/>
+                </a:solidFill>
+              </a:rPr>
+              <a:t>This is conceptually the same thing as </a:t>
+            </a:r>
+            <a:br>
+              <a:rPr lang="sv-SE" sz="1600" dirty="0" smtClean="0">
+                <a:solidFill>
+                  <a:schemeClr val="tx1"/>
+                </a:solidFill>
+              </a:rPr>
+            </a:br>
+            <a:r>
+              <a:rPr lang="sv-SE" sz="1600" b="1" dirty="0" smtClean="0">
+                <a:solidFill>
+                  <a:schemeClr val="tx1"/>
+                </a:solidFill>
+              </a:rPr>
+              <a:t>Akka Cluster Sharding</a:t>
+            </a:r>
+            <a:r>
+              <a:rPr lang="sv-SE" sz="1600" b="1" dirty="0">
+                <a:solidFill>
+                  <a:schemeClr val="tx1"/>
+                </a:solidFill>
+              </a:rPr>
+              <a:t> </a:t>
+            </a:r>
+            <a:r>
+              <a:rPr lang="sv-SE" sz="1600" dirty="0" smtClean="0">
+                <a:solidFill>
+                  <a:schemeClr val="tx1"/>
+                </a:solidFill>
+              </a:rPr>
+              <a:t>and similar to </a:t>
+            </a:r>
+            <a:r>
+              <a:rPr lang="sv-SE" sz="1600" b="1" dirty="0" smtClean="0">
+                <a:solidFill>
+                  <a:schemeClr val="tx1"/>
+                </a:solidFill>
+              </a:rPr>
+              <a:t>MsOrleans</a:t>
+            </a:r>
+            <a:r>
+              <a:rPr lang="sv-SE" sz="1600" dirty="0" smtClean="0">
+                <a:solidFill>
+                  <a:schemeClr val="tx1"/>
+                </a:solidFill>
+              </a:rPr>
+              <a:t> in the sense that developers do not need to care where objects are placed.</a:t>
+            </a:r>
+          </a:p>
+          <a:p>
+            <a:r>
+              <a:rPr lang="sv-SE" sz="1600" dirty="0">
+                <a:solidFill>
+                  <a:schemeClr val="tx1"/>
+                </a:solidFill>
+              </a:rPr>
+              <a:t>Although in a more coarse grained way, data </a:t>
+            </a:r>
+            <a:r>
+              <a:rPr lang="sv-SE" sz="1600" dirty="0" smtClean="0">
+                <a:solidFill>
+                  <a:schemeClr val="tx1"/>
+                </a:solidFill>
+              </a:rPr>
+              <a:t>islands optimizing for data locality </a:t>
+            </a:r>
+            <a:r>
+              <a:rPr lang="sv-SE" sz="1600" dirty="0">
+                <a:solidFill>
+                  <a:schemeClr val="tx1"/>
+                </a:solidFill>
+              </a:rPr>
+              <a:t>instead of individual actors</a:t>
+            </a:r>
+            <a:r>
+              <a:rPr lang="sv-SE" sz="1600" dirty="0" smtClean="0">
+                <a:solidFill>
+                  <a:schemeClr val="tx1"/>
+                </a:solidFill>
+              </a:rPr>
+              <a:t>.</a:t>
+            </a:r>
+            <a:endParaRPr lang="sv-SE" sz="1600" b="1" dirty="0">
+              <a:solidFill>
+                <a:schemeClr val="tx1"/>
+              </a:solidFill>
+            </a:endParaRPr>
+          </a:p>
+          <a:p>
+            <a:endParaRPr lang="sv-SE" sz="1600" b="1" dirty="0">
+              <a:solidFill>
+                <a:schemeClr val="tx1"/>
+              </a:solidFill>
+            </a:endParaRPr>
+          </a:p>
+        </p:txBody>
+      </p:sp>
+      <p:sp>
+        <p:nvSpPr>
+          <p:cNvPr id="5" name="Rounded Rectangle 4"/>
+          <p:cNvSpPr/>
+          <p:nvPr/>
+        </p:nvSpPr>
+        <p:spPr>
+          <a:xfrm>
+            <a:off x="8737441" y="2079782"/>
+            <a:ext cx="2939497" cy="1144026"/>
+          </a:xfrm>
+          <a:prstGeom prst="roundRect">
+            <a:avLst>
+              <a:gd name="adj" fmla="val 50000"/>
+            </a:avLst>
+          </a:prstGeom>
+          <a:ln>
+            <a:noFill/>
+          </a:ln>
+        </p:spPr>
+        <p:style>
+          <a:lnRef idx="2">
+            <a:schemeClr val="accent1">
+              <a:shade val="50000"/>
+            </a:schemeClr>
+          </a:lnRef>
+          <a:fillRef idx="1">
+            <a:schemeClr val="accent1"/>
+          </a:fillRef>
+          <a:effectRef idx="0">
+            <a:schemeClr val="accent1"/>
+          </a:effectRef>
+          <a:fontRef idx="minor">
+            <a:schemeClr val="lt1"/>
+          </a:fontRef>
+        </p:style>
+        <p:txBody>
+          <a:bodyPr rtlCol="0" anchor="ctr"/>
+          <a:lstStyle/>
+          <a:p>
+            <a:pPr algn="ctr"/>
+            <a:endParaRPr lang="sv-SE" b="1" dirty="0"/>
+          </a:p>
+        </p:txBody>
+      </p:sp>
+      <p:sp>
+        <p:nvSpPr>
+          <p:cNvPr id="7" name="Oval 6"/>
+          <p:cNvSpPr/>
+          <p:nvPr/>
+        </p:nvSpPr>
+        <p:spPr>
+          <a:xfrm>
+            <a:off x="8701999" y="2079783"/>
+            <a:ext cx="1144025" cy="1144025"/>
+          </a:xfrm>
+          <a:prstGeom prst="ellipse">
+            <a:avLst/>
+          </a:prstGeom>
+          <a:solidFill>
+            <a:schemeClr val="accent1"/>
+          </a:solidFill>
+          <a:ln w="25400">
+            <a:solidFill>
+              <a:schemeClr val="bg1"/>
+            </a:solidFill>
+          </a:ln>
+        </p:spPr>
+        <p:style>
+          <a:lnRef idx="2">
+            <a:schemeClr val="accent1">
+              <a:shade val="50000"/>
+            </a:schemeClr>
+          </a:lnRef>
+          <a:fillRef idx="1">
+            <a:schemeClr val="accent1"/>
+          </a:fillRef>
+          <a:effectRef idx="0">
+            <a:schemeClr val="accent1"/>
+          </a:effectRef>
+          <a:fontRef idx="minor">
+            <a:schemeClr val="lt1"/>
+          </a:fontRef>
+        </p:style>
+        <p:txBody>
+          <a:bodyPr rot="0" spcFirstLastPara="0" vertOverflow="overflow" horzOverflow="overflow" vert="horz" wrap="square" lIns="0" tIns="0" rIns="0" bIns="0" numCol="1" spcCol="0" rtlCol="0" fromWordArt="0" anchor="ctr" anchorCtr="0" forceAA="0" compatLnSpc="1">
+            <a:prstTxWarp prst="textNoShape">
+              <a:avLst/>
+            </a:prstTxWarp>
+            <a:noAutofit/>
+          </a:bodyPr>
+          <a:lstStyle/>
+          <a:p>
+            <a:pPr algn="ctr"/>
+            <a:r>
+              <a:rPr lang="sv-SE" b="1" dirty="0" smtClean="0">
+                <a:solidFill>
+                  <a:schemeClr val="bg1"/>
+                </a:solidFill>
+              </a:rPr>
+              <a:t>worker2</a:t>
+            </a:r>
+            <a:endParaRPr lang="sv-SE" b="1" dirty="0">
+              <a:solidFill>
+                <a:schemeClr val="bg1"/>
+              </a:solidFill>
+            </a:endParaRPr>
+          </a:p>
+        </p:txBody>
+      </p:sp>
+      <p:sp>
+        <p:nvSpPr>
+          <p:cNvPr id="4" name="Oval 3"/>
+          <p:cNvSpPr/>
+          <p:nvPr/>
+        </p:nvSpPr>
+        <p:spPr>
+          <a:xfrm>
+            <a:off x="4819409" y="2736534"/>
+            <a:ext cx="1144025" cy="1144025"/>
+          </a:xfrm>
+          <a:prstGeom prst="ellipse">
+            <a:avLst/>
+          </a:prstGeom>
+          <a:solidFill>
+            <a:schemeClr val="accent1"/>
+          </a:solidFill>
+          <a:ln w="25400">
+            <a:solidFill>
+              <a:schemeClr val="bg1"/>
+            </a:solidFill>
+          </a:ln>
+        </p:spPr>
+        <p:style>
+          <a:lnRef idx="2">
+            <a:schemeClr val="accent1">
+              <a:shade val="50000"/>
+            </a:schemeClr>
+          </a:lnRef>
+          <a:fillRef idx="1">
+            <a:schemeClr val="accent1"/>
+          </a:fillRef>
+          <a:effectRef idx="0">
+            <a:schemeClr val="accent1"/>
+          </a:effectRef>
+          <a:fontRef idx="minor">
+            <a:schemeClr val="lt1"/>
+          </a:fontRef>
+        </p:style>
+        <p:txBody>
+          <a:bodyPr lIns="0" tIns="0" rIns="0" bIns="0" rtlCol="0" anchor="ctr"/>
+          <a:lstStyle/>
+          <a:p>
+            <a:pPr algn="ctr"/>
+            <a:r>
+              <a:rPr lang="sv-SE" b="1" dirty="0" smtClean="0">
+                <a:solidFill>
+                  <a:schemeClr val="bg1"/>
+                </a:solidFill>
+              </a:rPr>
+              <a:t>source</a:t>
+            </a:r>
+            <a:endParaRPr lang="sv-SE" sz="1050" b="1" dirty="0" smtClean="0">
+              <a:solidFill>
+                <a:schemeClr val="bg1"/>
+              </a:solidFill>
+            </a:endParaRPr>
+          </a:p>
+        </p:txBody>
+      </p:sp>
+      <p:sp>
+        <p:nvSpPr>
+          <p:cNvPr id="16" name="Oval 15"/>
+          <p:cNvSpPr/>
+          <p:nvPr/>
+        </p:nvSpPr>
+        <p:spPr>
+          <a:xfrm>
+            <a:off x="5963434" y="2831209"/>
+            <a:ext cx="954676" cy="954676"/>
+          </a:xfrm>
+          <a:prstGeom prst="ellipse">
+            <a:avLst/>
+          </a:prstGeom>
+          <a:solidFill>
+            <a:schemeClr val="accent1">
+              <a:lumMod val="60000"/>
+              <a:lumOff val="40000"/>
+            </a:schemeClr>
+          </a:solidFill>
+          <a:ln w="25400">
+            <a:solidFill>
+              <a:schemeClr val="bg1"/>
+            </a:solidFill>
+          </a:ln>
+        </p:spPr>
+        <p:style>
+          <a:lnRef idx="2">
+            <a:schemeClr val="accent1">
+              <a:shade val="50000"/>
+            </a:schemeClr>
+          </a:lnRef>
+          <a:fillRef idx="1">
+            <a:schemeClr val="accent1"/>
+          </a:fillRef>
+          <a:effectRef idx="0">
+            <a:schemeClr val="accent1"/>
+          </a:effectRef>
+          <a:fontRef idx="minor">
+            <a:schemeClr val="lt1"/>
+          </a:fontRef>
+        </p:style>
+        <p:txBody>
+          <a:bodyPr lIns="0" tIns="0" rIns="0" bIns="0" rtlCol="0" anchor="ctr"/>
+          <a:lstStyle/>
+          <a:p>
+            <a:pPr algn="ctr"/>
+            <a:r>
+              <a:rPr lang="sv-SE" sz="1200" b="1" dirty="0" smtClean="0">
+                <a:solidFill>
+                  <a:schemeClr val="bg1"/>
+                </a:solidFill>
+              </a:rPr>
+              <a:t>producer</a:t>
+            </a:r>
+            <a:endParaRPr lang="sv-SE" sz="800" b="1" dirty="0" smtClean="0">
+              <a:solidFill>
+                <a:schemeClr val="bg1"/>
+              </a:solidFill>
+            </a:endParaRPr>
+          </a:p>
+        </p:txBody>
+      </p:sp>
+      <p:sp>
+        <p:nvSpPr>
+          <p:cNvPr id="37" name="Rounded Rectangle 36"/>
+          <p:cNvSpPr/>
+          <p:nvPr/>
+        </p:nvSpPr>
+        <p:spPr>
+          <a:xfrm>
+            <a:off x="7011045" y="2327214"/>
+            <a:ext cx="917623" cy="326175"/>
+          </a:xfrm>
+          <a:prstGeom prst="roundRect">
+            <a:avLst/>
+          </a:prstGeom>
+          <a:solidFill>
+            <a:schemeClr val="accent2">
+              <a:lumMod val="60000"/>
+              <a:lumOff val="40000"/>
+            </a:schemeClr>
+          </a:solidFill>
+          <a:ln w="25400">
+            <a:solidFill>
+              <a:schemeClr val="bg1"/>
+            </a:solidFill>
+          </a:ln>
+        </p:spPr>
+        <p:style>
+          <a:lnRef idx="2">
+            <a:schemeClr val="accent1">
+              <a:shade val="50000"/>
+            </a:schemeClr>
+          </a:lnRef>
+          <a:fillRef idx="1">
+            <a:schemeClr val="accent1"/>
+          </a:fillRef>
+          <a:effectRef idx="0">
+            <a:schemeClr val="accent1"/>
+          </a:effectRef>
+          <a:fontRef idx="minor">
+            <a:schemeClr val="lt1"/>
+          </a:fontRef>
+        </p:style>
+        <p:txBody>
+          <a:bodyPr rtlCol="0" anchor="ctr"/>
+          <a:lstStyle/>
+          <a:p>
+            <a:r>
+              <a:rPr lang="sv-SE" sz="1200" dirty="0" smtClean="0"/>
+              <a:t>partition</a:t>
+            </a:r>
+            <a:endParaRPr lang="sv-SE" sz="1200" dirty="0"/>
+          </a:p>
+        </p:txBody>
+      </p:sp>
+      <p:sp>
+        <p:nvSpPr>
+          <p:cNvPr id="38" name="Rounded Rectangle 37"/>
+          <p:cNvSpPr/>
+          <p:nvPr/>
+        </p:nvSpPr>
+        <p:spPr>
+          <a:xfrm>
+            <a:off x="7011047" y="2664424"/>
+            <a:ext cx="917623" cy="326175"/>
+          </a:xfrm>
+          <a:prstGeom prst="roundRect">
+            <a:avLst/>
+          </a:prstGeom>
+          <a:solidFill>
+            <a:schemeClr val="accent2">
+              <a:lumMod val="60000"/>
+              <a:lumOff val="40000"/>
+            </a:schemeClr>
+          </a:solidFill>
+          <a:ln w="25400">
+            <a:solidFill>
+              <a:schemeClr val="bg1"/>
+            </a:solidFill>
+          </a:ln>
+        </p:spPr>
+        <p:style>
+          <a:lnRef idx="2">
+            <a:schemeClr val="accent1">
+              <a:shade val="50000"/>
+            </a:schemeClr>
+          </a:lnRef>
+          <a:fillRef idx="1">
+            <a:schemeClr val="accent1"/>
+          </a:fillRef>
+          <a:effectRef idx="0">
+            <a:schemeClr val="accent1"/>
+          </a:effectRef>
+          <a:fontRef idx="minor">
+            <a:schemeClr val="lt1"/>
+          </a:fontRef>
+        </p:style>
+        <p:txBody>
+          <a:bodyPr rtlCol="0" anchor="ctr"/>
+          <a:lstStyle/>
+          <a:p>
+            <a:r>
+              <a:rPr lang="sv-SE" sz="1200" dirty="0" smtClean="0"/>
+              <a:t>partition</a:t>
+            </a:r>
+            <a:endParaRPr lang="sv-SE" sz="1200" dirty="0"/>
+          </a:p>
+        </p:txBody>
+      </p:sp>
+      <p:sp>
+        <p:nvSpPr>
+          <p:cNvPr id="23" name="Oval 22"/>
+          <p:cNvSpPr/>
+          <p:nvPr/>
+        </p:nvSpPr>
+        <p:spPr>
+          <a:xfrm>
+            <a:off x="7747321" y="2174458"/>
+            <a:ext cx="954676" cy="954676"/>
+          </a:xfrm>
+          <a:prstGeom prst="ellipse">
+            <a:avLst/>
+          </a:prstGeom>
+          <a:solidFill>
+            <a:schemeClr val="accent1">
+              <a:lumMod val="60000"/>
+              <a:lumOff val="40000"/>
+            </a:schemeClr>
+          </a:solidFill>
+          <a:ln w="25400">
+            <a:solidFill>
+              <a:schemeClr val="bg1"/>
+            </a:solidFill>
+          </a:ln>
+        </p:spPr>
+        <p:style>
+          <a:lnRef idx="2">
+            <a:schemeClr val="accent1">
+              <a:shade val="50000"/>
+            </a:schemeClr>
+          </a:lnRef>
+          <a:fillRef idx="1">
+            <a:schemeClr val="accent1"/>
+          </a:fillRef>
+          <a:effectRef idx="0">
+            <a:schemeClr val="accent1"/>
+          </a:effectRef>
+          <a:fontRef idx="minor">
+            <a:schemeClr val="lt1"/>
+          </a:fontRef>
+        </p:style>
+        <p:txBody>
+          <a:bodyPr lIns="0" tIns="0" rIns="0" bIns="0" rtlCol="0" anchor="ctr"/>
+          <a:lstStyle/>
+          <a:p>
+            <a:pPr algn="ctr"/>
+            <a:r>
+              <a:rPr lang="sv-SE" sz="1200" b="1" dirty="0" smtClean="0">
+                <a:solidFill>
+                  <a:schemeClr val="bg1"/>
+                </a:solidFill>
+              </a:rPr>
+              <a:t>consumer</a:t>
+            </a:r>
+            <a:endParaRPr lang="sv-SE" sz="800" b="1" dirty="0" smtClean="0">
+              <a:solidFill>
+                <a:schemeClr val="bg1"/>
+              </a:solidFill>
+            </a:endParaRPr>
+          </a:p>
+        </p:txBody>
+      </p:sp>
+      <p:sp>
+        <p:nvSpPr>
+          <p:cNvPr id="6" name="Rectangle 5"/>
+          <p:cNvSpPr/>
+          <p:nvPr/>
+        </p:nvSpPr>
+        <p:spPr>
+          <a:xfrm>
+            <a:off x="4212645" y="1"/>
+            <a:ext cx="7649951" cy="6858000"/>
+          </a:xfrm>
+          <a:prstGeom prst="rect">
+            <a:avLst/>
+          </a:prstGeom>
+          <a:solidFill>
+            <a:schemeClr val="bg1">
+              <a:alpha val="75000"/>
+            </a:schemeClr>
+          </a:solidFill>
+          <a:ln>
+            <a:noFill/>
+          </a:ln>
+        </p:spPr>
+        <p:style>
+          <a:lnRef idx="2">
+            <a:schemeClr val="accent1">
+              <a:shade val="50000"/>
+            </a:schemeClr>
+          </a:lnRef>
+          <a:fillRef idx="1">
+            <a:schemeClr val="accent1"/>
+          </a:fillRef>
+          <a:effectRef idx="0">
+            <a:schemeClr val="accent1"/>
+          </a:effectRef>
+          <a:fontRef idx="minor">
+            <a:schemeClr val="lt1"/>
+          </a:fontRef>
+        </p:style>
+        <p:txBody>
+          <a:bodyPr rtlCol="0" anchor="ctr"/>
+          <a:lstStyle/>
+          <a:p>
+            <a:pPr algn="ctr"/>
+            <a:endParaRPr lang="sv-SE"/>
+          </a:p>
+        </p:txBody>
+      </p:sp>
+      <p:grpSp>
+        <p:nvGrpSpPr>
+          <p:cNvPr id="34" name="Group 33"/>
+          <p:cNvGrpSpPr/>
+          <p:nvPr/>
+        </p:nvGrpSpPr>
+        <p:grpSpPr>
+          <a:xfrm>
+            <a:off x="4212647" y="2238899"/>
+            <a:ext cx="6831314" cy="1152500"/>
+            <a:chOff x="4213703" y="2241027"/>
+            <a:chExt cx="6831314" cy="1152500"/>
+          </a:xfrm>
+          <a:solidFill>
+            <a:schemeClr val="accent1"/>
+          </a:solidFill>
+        </p:grpSpPr>
+        <p:grpSp>
+          <p:nvGrpSpPr>
+            <p:cNvPr id="53" name="Group 52"/>
+            <p:cNvGrpSpPr/>
+            <p:nvPr/>
+          </p:nvGrpSpPr>
+          <p:grpSpPr>
+            <a:xfrm>
+              <a:off x="4620146" y="2387078"/>
+              <a:ext cx="5870241" cy="822660"/>
+              <a:chOff x="1217380" y="2432829"/>
+              <a:chExt cx="14736343" cy="822660"/>
+            </a:xfrm>
+            <a:grpFill/>
+          </p:grpSpPr>
+          <p:cxnSp>
+            <p:nvCxnSpPr>
+              <p:cNvPr id="54" name="Curved Connector 53"/>
+              <p:cNvCxnSpPr/>
+              <p:nvPr/>
+            </p:nvCxnSpPr>
+            <p:spPr>
+              <a:xfrm flipV="1">
+                <a:off x="6231248" y="2437009"/>
+                <a:ext cx="1038735" cy="818298"/>
+              </a:xfrm>
+              <a:prstGeom prst="curvedConnector3">
+                <a:avLst/>
+              </a:prstGeom>
+              <a:grpFill/>
+              <a:ln w="50800" cap="rnd">
+                <a:solidFill>
+                  <a:schemeClr val="accent1">
+                    <a:lumMod val="50000"/>
+                  </a:schemeClr>
+                </a:solidFill>
+              </a:ln>
+            </p:spPr>
+            <p:style>
+              <a:lnRef idx="1">
+                <a:schemeClr val="accent1"/>
+              </a:lnRef>
+              <a:fillRef idx="0">
+                <a:schemeClr val="accent1"/>
+              </a:fillRef>
+              <a:effectRef idx="0">
+                <a:schemeClr val="accent1"/>
+              </a:effectRef>
+              <a:fontRef idx="minor">
+                <a:schemeClr val="tx1"/>
+              </a:fontRef>
+            </p:style>
+          </p:cxnSp>
+          <p:cxnSp>
+            <p:nvCxnSpPr>
+              <p:cNvPr id="55" name="Straight Connector 54"/>
+              <p:cNvCxnSpPr/>
+              <p:nvPr/>
+            </p:nvCxnSpPr>
+            <p:spPr>
+              <a:xfrm>
+                <a:off x="7269983" y="2432829"/>
+                <a:ext cx="8683740" cy="0"/>
+              </a:xfrm>
+              <a:prstGeom prst="line">
+                <a:avLst/>
+              </a:prstGeom>
+              <a:grpFill/>
+              <a:ln w="50800" cap="rnd">
+                <a:solidFill>
+                  <a:schemeClr val="accent1">
+                    <a:lumMod val="50000"/>
+                  </a:schemeClr>
+                </a:solidFill>
+              </a:ln>
+            </p:spPr>
+            <p:style>
+              <a:lnRef idx="1">
+                <a:schemeClr val="accent1"/>
+              </a:lnRef>
+              <a:fillRef idx="0">
+                <a:schemeClr val="accent1"/>
+              </a:fillRef>
+              <a:effectRef idx="0">
+                <a:schemeClr val="accent1"/>
+              </a:effectRef>
+              <a:fontRef idx="minor">
+                <a:schemeClr val="tx1"/>
+              </a:fontRef>
+            </p:style>
+          </p:cxnSp>
+          <p:cxnSp>
+            <p:nvCxnSpPr>
+              <p:cNvPr id="56" name="Straight Connector 55"/>
+              <p:cNvCxnSpPr/>
+              <p:nvPr/>
+            </p:nvCxnSpPr>
+            <p:spPr>
+              <a:xfrm>
+                <a:off x="1217380" y="3248426"/>
+                <a:ext cx="5006167" cy="7063"/>
+              </a:xfrm>
+              <a:prstGeom prst="line">
+                <a:avLst/>
+              </a:prstGeom>
+              <a:grpFill/>
+              <a:ln w="50800" cap="rnd">
+                <a:solidFill>
+                  <a:schemeClr val="accent1">
+                    <a:lumMod val="50000"/>
+                  </a:schemeClr>
+                </a:solidFill>
+              </a:ln>
+            </p:spPr>
+            <p:style>
+              <a:lnRef idx="1">
+                <a:schemeClr val="accent1"/>
+              </a:lnRef>
+              <a:fillRef idx="0">
+                <a:schemeClr val="accent1"/>
+              </a:fillRef>
+              <a:effectRef idx="0">
+                <a:schemeClr val="accent1"/>
+              </a:effectRef>
+              <a:fontRef idx="minor">
+                <a:schemeClr val="tx1"/>
+              </a:fontRef>
+            </p:style>
+          </p:cxnSp>
+        </p:grpSp>
+        <p:grpSp>
+          <p:nvGrpSpPr>
+            <p:cNvPr id="60" name="Group 59"/>
+            <p:cNvGrpSpPr/>
+            <p:nvPr/>
+          </p:nvGrpSpPr>
+          <p:grpSpPr>
+            <a:xfrm>
+              <a:off x="4213703" y="3011822"/>
+              <a:ext cx="557419" cy="381705"/>
+              <a:chOff x="4875433" y="2174458"/>
+              <a:chExt cx="697076" cy="477338"/>
+            </a:xfrm>
+            <a:grpFill/>
+          </p:grpSpPr>
+          <p:sp>
+            <p:nvSpPr>
+              <p:cNvPr id="61" name="Rectangle 60"/>
+              <p:cNvSpPr/>
+              <p:nvPr/>
+            </p:nvSpPr>
+            <p:spPr>
+              <a:xfrm>
+                <a:off x="4875433" y="2174458"/>
+                <a:ext cx="697076" cy="477338"/>
+              </a:xfrm>
+              <a:prstGeom prst="rect">
+                <a:avLst/>
+              </a:prstGeom>
+              <a:grpFill/>
+              <a:ln w="50800" cap="rnd">
+                <a:solidFill>
+                  <a:schemeClr val="accent1">
+                    <a:lumMod val="50000"/>
+                  </a:schemeClr>
+                </a:solidFill>
+                <a:round/>
+              </a:ln>
+            </p:spPr>
+            <p:style>
+              <a:lnRef idx="2">
+                <a:schemeClr val="accent1">
+                  <a:shade val="50000"/>
+                </a:schemeClr>
+              </a:lnRef>
+              <a:fillRef idx="1">
+                <a:schemeClr val="accent1"/>
+              </a:fillRef>
+              <a:effectRef idx="0">
+                <a:schemeClr val="accent1"/>
+              </a:effectRef>
+              <a:fontRef idx="minor">
+                <a:schemeClr val="lt1"/>
+              </a:fontRef>
+            </p:style>
+            <p:txBody>
+              <a:bodyPr rtlCol="0" anchor="ctr"/>
+              <a:lstStyle/>
+              <a:p>
+                <a:pPr algn="ctr"/>
+                <a:endParaRPr lang="sv-SE"/>
+              </a:p>
+            </p:txBody>
+          </p:sp>
+          <p:sp>
+            <p:nvSpPr>
+              <p:cNvPr id="62" name="Isosceles Triangle 61"/>
+              <p:cNvSpPr/>
+              <p:nvPr/>
+            </p:nvSpPr>
+            <p:spPr>
+              <a:xfrm rot="10800000">
+                <a:off x="4941114" y="2174458"/>
+                <a:ext cx="569677" cy="282168"/>
+              </a:xfrm>
+              <a:prstGeom prst="triangle">
+                <a:avLst/>
+              </a:prstGeom>
+              <a:grpFill/>
+              <a:ln w="50800" cap="rnd">
+                <a:solidFill>
+                  <a:schemeClr val="accent1">
+                    <a:lumMod val="50000"/>
+                  </a:schemeClr>
+                </a:solidFill>
+                <a:round/>
+              </a:ln>
+            </p:spPr>
+            <p:style>
+              <a:lnRef idx="2">
+                <a:schemeClr val="accent1">
+                  <a:shade val="50000"/>
+                </a:schemeClr>
+              </a:lnRef>
+              <a:fillRef idx="1">
+                <a:schemeClr val="accent1"/>
+              </a:fillRef>
+              <a:effectRef idx="0">
+                <a:schemeClr val="accent1"/>
+              </a:effectRef>
+              <a:fontRef idx="minor">
+                <a:schemeClr val="lt1"/>
+              </a:fontRef>
+            </p:style>
+            <p:txBody>
+              <a:bodyPr rtlCol="0" anchor="ctr"/>
+              <a:lstStyle/>
+              <a:p>
+                <a:pPr algn="ctr"/>
+                <a:endParaRPr lang="sv-SE"/>
+              </a:p>
+            </p:txBody>
+          </p:sp>
+        </p:grpSp>
+        <p:sp>
+          <p:nvSpPr>
+            <p:cNvPr id="9" name="Oval 8"/>
+            <p:cNvSpPr/>
+            <p:nvPr/>
+          </p:nvSpPr>
+          <p:spPr>
+            <a:xfrm>
+              <a:off x="10466802" y="2241027"/>
+              <a:ext cx="292100" cy="292100"/>
+            </a:xfrm>
+            <a:prstGeom prst="ellipse">
+              <a:avLst/>
+            </a:prstGeom>
+            <a:grpFill/>
+            <a:ln w="50800">
+              <a:solidFill>
+                <a:schemeClr val="accent1">
+                  <a:lumMod val="50000"/>
+                </a:schemeClr>
+              </a:solidFill>
+            </a:ln>
+          </p:spPr>
+          <p:style>
+            <a:lnRef idx="2">
+              <a:schemeClr val="accent1">
+                <a:shade val="50000"/>
+              </a:schemeClr>
+            </a:lnRef>
+            <a:fillRef idx="1">
+              <a:schemeClr val="accent1"/>
+            </a:fillRef>
+            <a:effectRef idx="0">
+              <a:schemeClr val="accent1"/>
+            </a:effectRef>
+            <a:fontRef idx="minor">
+              <a:schemeClr val="lt1"/>
+            </a:fontRef>
+          </p:style>
+          <p:txBody>
+            <a:bodyPr rtlCol="0" anchor="ctr"/>
+            <a:lstStyle/>
+            <a:p>
+              <a:pPr algn="ctr"/>
+              <a:endParaRPr lang="sv-SE"/>
+            </a:p>
+          </p:txBody>
+        </p:sp>
+        <p:sp>
+          <p:nvSpPr>
+            <p:cNvPr id="63" name="Oval 62"/>
+            <p:cNvSpPr/>
+            <p:nvPr/>
+          </p:nvSpPr>
+          <p:spPr>
+            <a:xfrm>
+              <a:off x="10169238" y="2586367"/>
+              <a:ext cx="292100" cy="292100"/>
+            </a:xfrm>
+            <a:prstGeom prst="ellipse">
+              <a:avLst/>
+            </a:prstGeom>
+            <a:grpFill/>
+            <a:ln w="50800">
+              <a:solidFill>
+                <a:schemeClr val="accent1">
+                  <a:lumMod val="50000"/>
+                </a:schemeClr>
+              </a:solidFill>
+            </a:ln>
+          </p:spPr>
+          <p:style>
+            <a:lnRef idx="2">
+              <a:schemeClr val="accent1">
+                <a:shade val="50000"/>
+              </a:schemeClr>
+            </a:lnRef>
+            <a:fillRef idx="1">
+              <a:schemeClr val="accent1"/>
+            </a:fillRef>
+            <a:effectRef idx="0">
+              <a:schemeClr val="accent1"/>
+            </a:effectRef>
+            <a:fontRef idx="minor">
+              <a:schemeClr val="lt1"/>
+            </a:fontRef>
+          </p:style>
+          <p:txBody>
+            <a:bodyPr rtlCol="0" anchor="ctr"/>
+            <a:lstStyle/>
+            <a:p>
+              <a:pPr algn="ctr"/>
+              <a:endParaRPr lang="sv-SE"/>
+            </a:p>
+          </p:txBody>
+        </p:sp>
+        <p:sp>
+          <p:nvSpPr>
+            <p:cNvPr id="65" name="Oval 64"/>
+            <p:cNvSpPr/>
+            <p:nvPr/>
+          </p:nvSpPr>
+          <p:spPr>
+            <a:xfrm>
+              <a:off x="10752917" y="2586367"/>
+              <a:ext cx="292100" cy="292100"/>
+            </a:xfrm>
+            <a:prstGeom prst="ellipse">
+              <a:avLst/>
+            </a:prstGeom>
+            <a:grpFill/>
+            <a:ln w="50800">
+              <a:solidFill>
+                <a:schemeClr val="accent1">
+                  <a:lumMod val="50000"/>
+                </a:schemeClr>
+              </a:solidFill>
+            </a:ln>
+          </p:spPr>
+          <p:style>
+            <a:lnRef idx="2">
+              <a:schemeClr val="accent1">
+                <a:shade val="50000"/>
+              </a:schemeClr>
+            </a:lnRef>
+            <a:fillRef idx="1">
+              <a:schemeClr val="accent1"/>
+            </a:fillRef>
+            <a:effectRef idx="0">
+              <a:schemeClr val="accent1"/>
+            </a:effectRef>
+            <a:fontRef idx="minor">
+              <a:schemeClr val="lt1"/>
+            </a:fontRef>
+          </p:style>
+          <p:txBody>
+            <a:bodyPr rtlCol="0" anchor="ctr"/>
+            <a:lstStyle/>
+            <a:p>
+              <a:pPr algn="ctr"/>
+              <a:endParaRPr lang="sv-SE"/>
+            </a:p>
+          </p:txBody>
+        </p:sp>
+        <p:cxnSp>
+          <p:nvCxnSpPr>
+            <p:cNvPr id="66" name="Straight Connector 65"/>
+            <p:cNvCxnSpPr>
+              <a:stCxn id="63" idx="7"/>
+              <a:endCxn id="9" idx="3"/>
+            </p:cNvCxnSpPr>
+            <p:nvPr/>
+          </p:nvCxnSpPr>
+          <p:spPr>
+            <a:xfrm flipV="1">
+              <a:off x="10418561" y="2490350"/>
+              <a:ext cx="91018" cy="138794"/>
+            </a:xfrm>
+            <a:prstGeom prst="line">
+              <a:avLst/>
+            </a:prstGeom>
+            <a:grpFill/>
+            <a:ln w="50800" cap="rnd">
+              <a:solidFill>
+                <a:schemeClr val="accent1">
+                  <a:lumMod val="50000"/>
+                </a:schemeClr>
+              </a:solidFill>
+            </a:ln>
+          </p:spPr>
+          <p:style>
+            <a:lnRef idx="1">
+              <a:schemeClr val="accent1"/>
+            </a:lnRef>
+            <a:fillRef idx="0">
+              <a:schemeClr val="accent1"/>
+            </a:fillRef>
+            <a:effectRef idx="0">
+              <a:schemeClr val="accent1"/>
+            </a:effectRef>
+            <a:fontRef idx="minor">
+              <a:schemeClr val="tx1"/>
+            </a:fontRef>
+          </p:style>
+        </p:cxnSp>
+        <p:cxnSp>
+          <p:nvCxnSpPr>
+            <p:cNvPr id="67" name="Straight Connector 66"/>
+            <p:cNvCxnSpPr>
+              <a:stCxn id="65" idx="1"/>
+              <a:endCxn id="9" idx="5"/>
+            </p:cNvCxnSpPr>
+            <p:nvPr/>
+          </p:nvCxnSpPr>
+          <p:spPr>
+            <a:xfrm flipH="1" flipV="1">
+              <a:off x="10716125" y="2490350"/>
+              <a:ext cx="79569" cy="138794"/>
+            </a:xfrm>
+            <a:prstGeom prst="line">
+              <a:avLst/>
+            </a:prstGeom>
+            <a:grpFill/>
+            <a:ln w="50800" cap="rnd">
+              <a:solidFill>
+                <a:schemeClr val="accent1">
+                  <a:lumMod val="50000"/>
+                </a:schemeClr>
+              </a:solidFill>
+            </a:ln>
+          </p:spPr>
+          <p:style>
+            <a:lnRef idx="1">
+              <a:schemeClr val="accent1"/>
+            </a:lnRef>
+            <a:fillRef idx="0">
+              <a:schemeClr val="accent1"/>
+            </a:fillRef>
+            <a:effectRef idx="0">
+              <a:schemeClr val="accent1"/>
+            </a:effectRef>
+            <a:fontRef idx="minor">
+              <a:schemeClr val="tx1"/>
+            </a:fontRef>
+          </p:style>
+        </p:cxnSp>
+      </p:grpSp>
+    </p:spTree>
+    <p:extLst>
+      <p:ext uri="{BB962C8B-B14F-4D97-AF65-F5344CB8AC3E}">
+        <p14:creationId xmlns:p14="http://schemas.microsoft.com/office/powerpoint/2010/main" val="3613053573"/>
+      </p:ext>
+    </p:extLst>
+  </p:cSld>
+  <p:clrMapOvr>
+    <a:masterClrMapping/>
+  </p:clrMapOvr>
+  <p:timing>
+    <p:tnLst>
+      <p:par>
+        <p:cTn id="1" dur="indefinite" restart="never" nodeType="tmRoot"/>
+      </p:par>
+    </p:tnLst>
+  </p:timing>
+</p:sld>
+</file>
+
+<file path=ppt/slides/slide11.xml><?xml version="1.0" encoding="utf-8"?>
+<p:sld xmlns:a="http://schemas.openxmlformats.org/drawingml/2006/main" xmlns:r="http://schemas.openxmlformats.org/officeDocument/2006/relationships" xmlns:p="http://schemas.openxmlformats.org/presentationml/2006/main">
+  <p:cSld>
+    <p:spTree>
+      <p:nvGrpSpPr>
+        <p:cNvPr id="1" name=""/>
+        <p:cNvGrpSpPr/>
+        <p:nvPr/>
+      </p:nvGrpSpPr>
+      <p:grpSpPr>
+        <a:xfrm>
+          <a:off x="0" y="0"/>
+          <a:ext cx="0" cy="0"/>
+          <a:chOff x="0" y="0"/>
+          <a:chExt cx="0" cy="0"/>
+        </a:xfrm>
+      </p:grpSpPr>
+      <p:cxnSp>
+        <p:nvCxnSpPr>
+          <p:cNvPr id="19" name="Curved Connector 18"/>
+          <p:cNvCxnSpPr>
+            <a:stCxn id="16" idx="0"/>
+            <a:endCxn id="17" idx="2"/>
+          </p:cNvCxnSpPr>
+          <p:nvPr/>
+        </p:nvCxnSpPr>
+        <p:spPr>
+          <a:xfrm rot="5400000" flipH="1" flipV="1">
+            <a:off x="6347589" y="1431476"/>
+            <a:ext cx="1492917" cy="1306550"/>
+          </a:xfrm>
+          <a:prstGeom prst="curvedConnector2">
+            <a:avLst/>
+          </a:prstGeom>
+          <a:ln w="25400">
+            <a:solidFill>
+              <a:schemeClr val="accent1">
+                <a:lumMod val="75000"/>
+              </a:schemeClr>
+            </a:solidFill>
+            <a:tailEnd type="arrow"/>
+          </a:ln>
+        </p:spPr>
+        <p:style>
+          <a:lnRef idx="1">
+            <a:schemeClr val="accent1"/>
+          </a:lnRef>
+          <a:fillRef idx="0">
+            <a:schemeClr val="accent1"/>
+          </a:fillRef>
+          <a:effectRef idx="0">
+            <a:schemeClr val="accent1"/>
+          </a:effectRef>
+          <a:fontRef idx="minor">
+            <a:schemeClr val="tx1"/>
+          </a:fontRef>
+        </p:style>
+      </p:cxnSp>
+      <p:cxnSp>
+        <p:nvCxnSpPr>
+          <p:cNvPr id="21" name="Curved Connector 20"/>
+          <p:cNvCxnSpPr>
+            <a:stCxn id="16" idx="4"/>
+            <a:endCxn id="26" idx="2"/>
+          </p:cNvCxnSpPr>
+          <p:nvPr/>
+        </p:nvCxnSpPr>
+        <p:spPr>
+          <a:xfrm rot="16200000" flipH="1">
+            <a:off x="6347590" y="3879067"/>
+            <a:ext cx="1492915" cy="1306550"/>
+          </a:xfrm>
+          <a:prstGeom prst="curvedConnector2">
+            <a:avLst/>
+          </a:prstGeom>
+          <a:ln w="25400">
+            <a:solidFill>
+              <a:schemeClr val="accent1">
+                <a:lumMod val="75000"/>
+              </a:schemeClr>
+            </a:solidFill>
+            <a:tailEnd type="arrow"/>
+          </a:ln>
+        </p:spPr>
+        <p:style>
+          <a:lnRef idx="1">
+            <a:schemeClr val="accent1"/>
+          </a:lnRef>
+          <a:fillRef idx="0">
+            <a:schemeClr val="accent1"/>
+          </a:fillRef>
+          <a:effectRef idx="0">
+            <a:schemeClr val="accent1"/>
+          </a:effectRef>
+          <a:fontRef idx="minor">
+            <a:schemeClr val="tx1"/>
+          </a:fontRef>
+        </p:style>
+      </p:cxnSp>
+      <p:grpSp>
+        <p:nvGrpSpPr>
+          <p:cNvPr id="29" name="Group 28"/>
+          <p:cNvGrpSpPr/>
+          <p:nvPr/>
+        </p:nvGrpSpPr>
+        <p:grpSpPr>
+          <a:xfrm>
+            <a:off x="5963434" y="293960"/>
+            <a:ext cx="2739320" cy="6029172"/>
+            <a:chOff x="2327565" y="205943"/>
+            <a:chExt cx="7329869" cy="6029172"/>
+          </a:xfrm>
+        </p:grpSpPr>
+        <p:sp>
+          <p:nvSpPr>
+            <p:cNvPr id="27" name="Rounded Rectangle 26"/>
+            <p:cNvSpPr/>
+            <p:nvPr/>
+          </p:nvSpPr>
+          <p:spPr>
+            <a:xfrm>
+              <a:off x="2327565" y="205943"/>
+              <a:ext cx="7329869" cy="6029172"/>
+            </a:xfrm>
+            <a:prstGeom prst="roundRect">
+              <a:avLst>
+                <a:gd name="adj" fmla="val 41301"/>
+              </a:avLst>
+            </a:prstGeom>
+            <a:noFill/>
+            <a:ln w="25400">
+              <a:solidFill>
+                <a:schemeClr val="bg1">
+                  <a:lumMod val="50000"/>
+                </a:schemeClr>
+              </a:solidFill>
+              <a:prstDash val="dash"/>
+            </a:ln>
+          </p:spPr>
+          <p:style>
+            <a:lnRef idx="2">
+              <a:schemeClr val="accent1">
+                <a:shade val="50000"/>
+              </a:schemeClr>
+            </a:lnRef>
+            <a:fillRef idx="1">
+              <a:schemeClr val="accent1"/>
+            </a:fillRef>
+            <a:effectRef idx="0">
+              <a:schemeClr val="accent1"/>
+            </a:effectRef>
+            <a:fontRef idx="minor">
+              <a:schemeClr val="lt1"/>
+            </a:fontRef>
+          </p:style>
+          <p:txBody>
+            <a:bodyPr rot="0" spcFirstLastPara="0" vertOverflow="overflow" horzOverflow="overflow" vert="horz" wrap="square" lIns="0" tIns="0" rIns="0" bIns="0" numCol="1" spcCol="0" rtlCol="0" fromWordArt="0" anchor="t" anchorCtr="0" forceAA="0" compatLnSpc="1">
+              <a:prstTxWarp prst="textNoShape">
+                <a:avLst/>
+              </a:prstTxWarp>
+              <a:noAutofit/>
+            </a:bodyPr>
+            <a:lstStyle/>
+            <a:p>
+              <a:pPr algn="ctr"/>
+              <a:endParaRPr lang="sv-SE" sz="3200" b="1" dirty="0">
+                <a:solidFill>
+                  <a:schemeClr val="tx1"/>
+                </a:solidFill>
+              </a:endParaRPr>
+            </a:p>
+          </p:txBody>
+        </p:sp>
+        <p:sp>
+          <p:nvSpPr>
+            <p:cNvPr id="28" name="TextBox 27"/>
+            <p:cNvSpPr txBox="1"/>
+            <p:nvPr/>
+          </p:nvSpPr>
+          <p:spPr>
+            <a:xfrm>
+              <a:off x="4609184" y="364022"/>
+              <a:ext cx="3770990" cy="461665"/>
+            </a:xfrm>
+            <a:prstGeom prst="rect">
+              <a:avLst/>
+            </a:prstGeom>
+            <a:noFill/>
+          </p:spPr>
+          <p:txBody>
+            <a:bodyPr wrap="square" rtlCol="0">
+              <a:spAutoFit/>
+            </a:bodyPr>
+            <a:lstStyle/>
+            <a:p>
+              <a:r>
+                <a:rPr lang="sv-SE" sz="2400" b="1" dirty="0" smtClean="0"/>
+                <a:t>Cluster</a:t>
+              </a:r>
+              <a:endParaRPr lang="sv-SE" sz="2400" b="1" dirty="0"/>
+            </a:p>
+          </p:txBody>
+        </p:sp>
+      </p:grpSp>
+      <p:grpSp>
+        <p:nvGrpSpPr>
+          <p:cNvPr id="35" name="Group 34"/>
+          <p:cNvGrpSpPr/>
+          <p:nvPr/>
+        </p:nvGrpSpPr>
+        <p:grpSpPr>
+          <a:xfrm>
+            <a:off x="7012030" y="766280"/>
+            <a:ext cx="2833994" cy="1144025"/>
+            <a:chOff x="7012030" y="766280"/>
+            <a:chExt cx="2833994" cy="1144025"/>
+          </a:xfrm>
+        </p:grpSpPr>
+        <p:grpSp>
+          <p:nvGrpSpPr>
+            <p:cNvPr id="3" name="Group 2"/>
+            <p:cNvGrpSpPr/>
+            <p:nvPr/>
+          </p:nvGrpSpPr>
+          <p:grpSpPr>
+            <a:xfrm>
+              <a:off x="7012030" y="1036272"/>
+              <a:ext cx="917624" cy="663385"/>
+              <a:chOff x="6971245" y="1178751"/>
+              <a:chExt cx="958410" cy="663385"/>
+            </a:xfrm>
+            <a:solidFill>
+              <a:schemeClr val="accent2">
+                <a:lumMod val="60000"/>
+                <a:lumOff val="40000"/>
+              </a:schemeClr>
+            </a:solidFill>
+          </p:grpSpPr>
+          <p:sp>
+            <p:nvSpPr>
+              <p:cNvPr id="2" name="Rounded Rectangle 1"/>
+              <p:cNvSpPr/>
+              <p:nvPr/>
+            </p:nvSpPr>
+            <p:spPr>
+              <a:xfrm>
+                <a:off x="6971246" y="1178751"/>
+                <a:ext cx="958409" cy="326175"/>
+              </a:xfrm>
+              <a:prstGeom prst="roundRect">
+                <a:avLst/>
+              </a:prstGeom>
+              <a:grpFill/>
+              <a:ln w="25400">
+                <a:solidFill>
+                  <a:schemeClr val="bg1"/>
+                </a:solidFill>
+              </a:ln>
+            </p:spPr>
+            <p:style>
+              <a:lnRef idx="2">
+                <a:schemeClr val="accent1">
+                  <a:shade val="50000"/>
+                </a:schemeClr>
+              </a:lnRef>
+              <a:fillRef idx="1">
+                <a:schemeClr val="accent1"/>
+              </a:fillRef>
+              <a:effectRef idx="0">
+                <a:schemeClr val="accent1"/>
+              </a:effectRef>
+              <a:fontRef idx="minor">
+                <a:schemeClr val="lt1"/>
+              </a:fontRef>
+            </p:style>
+            <p:txBody>
+              <a:bodyPr rtlCol="0" anchor="ctr"/>
+              <a:lstStyle/>
+              <a:p>
+                <a:r>
+                  <a:rPr lang="sv-SE" sz="1200" dirty="0" smtClean="0"/>
+                  <a:t>partition</a:t>
+                </a:r>
+                <a:endParaRPr lang="sv-SE" sz="1200" dirty="0"/>
+              </a:p>
+            </p:txBody>
+          </p:sp>
+          <p:sp>
+            <p:nvSpPr>
+              <p:cNvPr id="20" name="Rounded Rectangle 19"/>
+              <p:cNvSpPr/>
+              <p:nvPr/>
+            </p:nvSpPr>
+            <p:spPr>
+              <a:xfrm>
+                <a:off x="6971245" y="1515961"/>
+                <a:ext cx="958409" cy="326175"/>
+              </a:xfrm>
+              <a:prstGeom prst="roundRect">
+                <a:avLst/>
+              </a:prstGeom>
+              <a:grpFill/>
+              <a:ln w="25400">
+                <a:solidFill>
+                  <a:schemeClr val="bg1"/>
+                </a:solidFill>
+              </a:ln>
+            </p:spPr>
+            <p:style>
+              <a:lnRef idx="2">
+                <a:schemeClr val="accent1">
+                  <a:shade val="50000"/>
+                </a:schemeClr>
+              </a:lnRef>
+              <a:fillRef idx="1">
+                <a:schemeClr val="accent1"/>
+              </a:fillRef>
+              <a:effectRef idx="0">
+                <a:schemeClr val="accent1"/>
+              </a:effectRef>
+              <a:fontRef idx="minor">
+                <a:schemeClr val="lt1"/>
+              </a:fontRef>
+            </p:style>
+            <p:txBody>
+              <a:bodyPr rtlCol="0" anchor="ctr"/>
+              <a:lstStyle/>
+              <a:p>
+                <a:r>
+                  <a:rPr lang="sv-SE" sz="1200" dirty="0" smtClean="0"/>
+                  <a:t>partition</a:t>
+                </a:r>
+                <a:endParaRPr lang="sv-SE" sz="1200" dirty="0"/>
+              </a:p>
+            </p:txBody>
+          </p:sp>
+        </p:grpSp>
+        <p:grpSp>
+          <p:nvGrpSpPr>
+            <p:cNvPr id="12" name="Group 11"/>
+            <p:cNvGrpSpPr/>
+            <p:nvPr/>
+          </p:nvGrpSpPr>
+          <p:grpSpPr>
+            <a:xfrm>
+              <a:off x="7747322" y="766280"/>
+              <a:ext cx="2098702" cy="1144025"/>
+              <a:chOff x="7747322" y="766280"/>
+              <a:chExt cx="2098702" cy="1144025"/>
+            </a:xfrm>
+          </p:grpSpPr>
+          <p:sp>
+            <p:nvSpPr>
+              <p:cNvPr id="8" name="Oval 7"/>
+              <p:cNvSpPr/>
+              <p:nvPr/>
+            </p:nvSpPr>
+            <p:spPr>
+              <a:xfrm>
+                <a:off x="8701999" y="766280"/>
+                <a:ext cx="1144025" cy="1144025"/>
+              </a:xfrm>
+              <a:prstGeom prst="ellipse">
+                <a:avLst/>
+              </a:prstGeom>
+              <a:solidFill>
+                <a:schemeClr val="accent1"/>
+              </a:solidFill>
+              <a:ln w="25400">
+                <a:solidFill>
+                  <a:schemeClr val="bg1"/>
+                </a:solidFill>
+              </a:ln>
+            </p:spPr>
+            <p:style>
+              <a:lnRef idx="2">
+                <a:schemeClr val="accent1">
+                  <a:shade val="50000"/>
+                </a:schemeClr>
+              </a:lnRef>
+              <a:fillRef idx="1">
+                <a:schemeClr val="accent1"/>
+              </a:fillRef>
+              <a:effectRef idx="0">
+                <a:schemeClr val="accent1"/>
+              </a:effectRef>
+              <a:fontRef idx="minor">
+                <a:schemeClr val="lt1"/>
+              </a:fontRef>
+            </p:style>
+            <p:txBody>
+              <a:bodyPr rot="0" spcFirstLastPara="0" vertOverflow="overflow" horzOverflow="overflow" vert="horz" wrap="square" lIns="0" tIns="0" rIns="0" bIns="0" numCol="1" spcCol="0" rtlCol="0" fromWordArt="0" anchor="ctr" anchorCtr="0" forceAA="0" compatLnSpc="1">
+                <a:prstTxWarp prst="textNoShape">
+                  <a:avLst/>
+                </a:prstTxWarp>
+                <a:noAutofit/>
+              </a:bodyPr>
+              <a:lstStyle/>
+              <a:p>
+                <a:pPr algn="ctr"/>
+                <a:r>
+                  <a:rPr lang="sv-SE" b="1" dirty="0" smtClean="0">
+                    <a:solidFill>
+                      <a:schemeClr val="bg1"/>
+                    </a:solidFill>
+                  </a:rPr>
+                  <a:t>worker1</a:t>
+                </a:r>
+                <a:endParaRPr lang="sv-SE" b="1" dirty="0">
+                  <a:solidFill>
+                    <a:schemeClr val="bg1"/>
+                  </a:solidFill>
+                </a:endParaRPr>
+              </a:p>
+            </p:txBody>
+          </p:sp>
+          <p:sp>
+            <p:nvSpPr>
+              <p:cNvPr id="17" name="Oval 16"/>
+              <p:cNvSpPr/>
+              <p:nvPr/>
+            </p:nvSpPr>
+            <p:spPr>
+              <a:xfrm>
+                <a:off x="7747322" y="860954"/>
+                <a:ext cx="954676" cy="954676"/>
+              </a:xfrm>
+              <a:prstGeom prst="ellipse">
+                <a:avLst/>
+              </a:prstGeom>
+              <a:solidFill>
+                <a:schemeClr val="accent1">
+                  <a:lumMod val="60000"/>
+                  <a:lumOff val="40000"/>
+                </a:schemeClr>
+              </a:solidFill>
+              <a:ln w="25400">
+                <a:solidFill>
+                  <a:schemeClr val="bg1"/>
+                </a:solidFill>
+              </a:ln>
+            </p:spPr>
+            <p:style>
+              <a:lnRef idx="2">
+                <a:schemeClr val="accent1">
+                  <a:shade val="50000"/>
+                </a:schemeClr>
+              </a:lnRef>
+              <a:fillRef idx="1">
+                <a:schemeClr val="accent1"/>
+              </a:fillRef>
+              <a:effectRef idx="0">
+                <a:schemeClr val="accent1"/>
+              </a:effectRef>
+              <a:fontRef idx="minor">
+                <a:schemeClr val="lt1"/>
+              </a:fontRef>
+            </p:style>
+            <p:txBody>
+              <a:bodyPr lIns="0" tIns="0" rIns="0" bIns="0" rtlCol="0" anchor="ctr"/>
+              <a:lstStyle/>
+              <a:p>
+                <a:pPr algn="ctr"/>
+                <a:r>
+                  <a:rPr lang="sv-SE" sz="1200" b="1" dirty="0" smtClean="0">
+                    <a:solidFill>
+                      <a:schemeClr val="bg1"/>
+                    </a:solidFill>
+                  </a:rPr>
+                  <a:t>consumer</a:t>
+                </a:r>
+                <a:endParaRPr lang="sv-SE" sz="800" b="1" dirty="0" smtClean="0">
+                  <a:solidFill>
+                    <a:schemeClr val="bg1"/>
+                  </a:solidFill>
+                </a:endParaRPr>
+              </a:p>
+            </p:txBody>
+          </p:sp>
+        </p:grpSp>
+      </p:grpSp>
+      <p:grpSp>
+        <p:nvGrpSpPr>
+          <p:cNvPr id="52" name="Group 51"/>
+          <p:cNvGrpSpPr/>
+          <p:nvPr/>
+        </p:nvGrpSpPr>
+        <p:grpSpPr>
+          <a:xfrm>
+            <a:off x="7061955" y="4706788"/>
+            <a:ext cx="2784069" cy="1144025"/>
+            <a:chOff x="7061955" y="4706788"/>
+            <a:chExt cx="2784069" cy="1144025"/>
+          </a:xfrm>
+        </p:grpSpPr>
+        <p:grpSp>
+          <p:nvGrpSpPr>
+            <p:cNvPr id="40" name="Group 39"/>
+            <p:cNvGrpSpPr/>
+            <p:nvPr/>
+          </p:nvGrpSpPr>
+          <p:grpSpPr>
+            <a:xfrm>
+              <a:off x="7061955" y="4798834"/>
+              <a:ext cx="917625" cy="1006556"/>
+              <a:chOff x="6971244" y="1178751"/>
+              <a:chExt cx="958411" cy="1006556"/>
+            </a:xfrm>
+            <a:solidFill>
+              <a:schemeClr val="accent2">
+                <a:lumMod val="60000"/>
+                <a:lumOff val="40000"/>
+              </a:schemeClr>
+            </a:solidFill>
+          </p:grpSpPr>
+          <p:sp>
+            <p:nvSpPr>
+              <p:cNvPr id="41" name="Rounded Rectangle 40"/>
+              <p:cNvSpPr/>
+              <p:nvPr/>
+            </p:nvSpPr>
+            <p:spPr>
+              <a:xfrm>
+                <a:off x="6971246" y="1178751"/>
+                <a:ext cx="958409" cy="326175"/>
+              </a:xfrm>
+              <a:prstGeom prst="roundRect">
+                <a:avLst/>
+              </a:prstGeom>
+              <a:grpFill/>
+              <a:ln w="25400">
+                <a:solidFill>
+                  <a:schemeClr val="bg1"/>
+                </a:solidFill>
+              </a:ln>
+            </p:spPr>
+            <p:style>
+              <a:lnRef idx="2">
+                <a:schemeClr val="accent1">
+                  <a:shade val="50000"/>
+                </a:schemeClr>
+              </a:lnRef>
+              <a:fillRef idx="1">
+                <a:schemeClr val="accent1"/>
+              </a:fillRef>
+              <a:effectRef idx="0">
+                <a:schemeClr val="accent1"/>
+              </a:effectRef>
+              <a:fontRef idx="minor">
+                <a:schemeClr val="lt1"/>
+              </a:fontRef>
+            </p:style>
+            <p:txBody>
+              <a:bodyPr rtlCol="0" anchor="ctr"/>
+              <a:lstStyle/>
+              <a:p>
+                <a:r>
+                  <a:rPr lang="sv-SE" sz="1200" dirty="0" smtClean="0"/>
+                  <a:t>partition</a:t>
+                </a:r>
+                <a:endParaRPr lang="sv-SE" sz="1200" dirty="0"/>
+              </a:p>
+            </p:txBody>
+          </p:sp>
+          <p:sp>
+            <p:nvSpPr>
+              <p:cNvPr id="42" name="Rounded Rectangle 41"/>
+              <p:cNvSpPr/>
+              <p:nvPr/>
+            </p:nvSpPr>
+            <p:spPr>
+              <a:xfrm>
+                <a:off x="6971245" y="1515961"/>
+                <a:ext cx="958409" cy="326175"/>
+              </a:xfrm>
+              <a:prstGeom prst="roundRect">
+                <a:avLst/>
+              </a:prstGeom>
+              <a:grpFill/>
+              <a:ln w="25400">
+                <a:solidFill>
+                  <a:schemeClr val="bg1"/>
+                </a:solidFill>
+              </a:ln>
+            </p:spPr>
+            <p:style>
+              <a:lnRef idx="2">
+                <a:schemeClr val="accent1">
+                  <a:shade val="50000"/>
+                </a:schemeClr>
+              </a:lnRef>
+              <a:fillRef idx="1">
+                <a:schemeClr val="accent1"/>
+              </a:fillRef>
+              <a:effectRef idx="0">
+                <a:schemeClr val="accent1"/>
+              </a:effectRef>
+              <a:fontRef idx="minor">
+                <a:schemeClr val="lt1"/>
+              </a:fontRef>
+            </p:style>
+            <p:txBody>
+              <a:bodyPr rtlCol="0" anchor="ctr"/>
+              <a:lstStyle/>
+              <a:p>
+                <a:r>
+                  <a:rPr lang="sv-SE" sz="1200" dirty="0" smtClean="0"/>
+                  <a:t>partition</a:t>
+                </a:r>
+                <a:endParaRPr lang="sv-SE" sz="1200" dirty="0"/>
+              </a:p>
+            </p:txBody>
+          </p:sp>
+          <p:sp>
+            <p:nvSpPr>
+              <p:cNvPr id="43" name="Rounded Rectangle 42"/>
+              <p:cNvSpPr/>
+              <p:nvPr/>
+            </p:nvSpPr>
+            <p:spPr>
+              <a:xfrm>
+                <a:off x="6971244" y="1859132"/>
+                <a:ext cx="958409" cy="326175"/>
+              </a:xfrm>
+              <a:prstGeom prst="roundRect">
+                <a:avLst/>
+              </a:prstGeom>
+              <a:grpFill/>
+              <a:ln w="25400">
+                <a:solidFill>
+                  <a:schemeClr val="bg1"/>
+                </a:solidFill>
+              </a:ln>
+            </p:spPr>
+            <p:style>
+              <a:lnRef idx="2">
+                <a:schemeClr val="accent1">
+                  <a:shade val="50000"/>
+                </a:schemeClr>
+              </a:lnRef>
+              <a:fillRef idx="1">
+                <a:schemeClr val="accent1"/>
+              </a:fillRef>
+              <a:effectRef idx="0">
+                <a:schemeClr val="accent1"/>
+              </a:effectRef>
+              <a:fontRef idx="minor">
+                <a:schemeClr val="lt1"/>
+              </a:fontRef>
+            </p:style>
+            <p:txBody>
+              <a:bodyPr rtlCol="0" anchor="ctr"/>
+              <a:lstStyle/>
+              <a:p>
+                <a:r>
+                  <a:rPr lang="sv-SE" sz="1200" dirty="0" smtClean="0"/>
+                  <a:t>partition</a:t>
+                </a:r>
+                <a:endParaRPr lang="sv-SE" sz="1200" dirty="0"/>
+              </a:p>
+            </p:txBody>
+          </p:sp>
+        </p:grpSp>
+        <p:grpSp>
+          <p:nvGrpSpPr>
+            <p:cNvPr id="18" name="Group 17"/>
+            <p:cNvGrpSpPr/>
+            <p:nvPr/>
+          </p:nvGrpSpPr>
+          <p:grpSpPr>
+            <a:xfrm>
+              <a:off x="7747322" y="4706788"/>
+              <a:ext cx="2098702" cy="1144025"/>
+              <a:chOff x="7747322" y="4706788"/>
+              <a:chExt cx="2098702" cy="1144025"/>
+            </a:xfrm>
+          </p:grpSpPr>
+          <p:sp>
+            <p:nvSpPr>
+              <p:cNvPr id="10" name="Oval 9"/>
+              <p:cNvSpPr/>
+              <p:nvPr/>
+            </p:nvSpPr>
+            <p:spPr>
+              <a:xfrm>
+                <a:off x="8701999" y="4706788"/>
+                <a:ext cx="1144025" cy="1144025"/>
+              </a:xfrm>
+              <a:prstGeom prst="ellipse">
+                <a:avLst/>
+              </a:prstGeom>
+              <a:solidFill>
+                <a:schemeClr val="accent1"/>
+              </a:solidFill>
+              <a:ln w="25400">
+                <a:solidFill>
+                  <a:schemeClr val="bg1"/>
+                </a:solidFill>
+              </a:ln>
+            </p:spPr>
+            <p:style>
+              <a:lnRef idx="2">
+                <a:schemeClr val="accent1">
+                  <a:shade val="50000"/>
+                </a:schemeClr>
+              </a:lnRef>
+              <a:fillRef idx="1">
+                <a:schemeClr val="accent1"/>
+              </a:fillRef>
+              <a:effectRef idx="0">
+                <a:schemeClr val="accent1"/>
+              </a:effectRef>
+              <a:fontRef idx="minor">
+                <a:schemeClr val="lt1"/>
+              </a:fontRef>
+            </p:style>
+            <p:txBody>
+              <a:bodyPr rot="0" spcFirstLastPara="0" vertOverflow="overflow" horzOverflow="overflow" vert="horz" wrap="square" lIns="0" tIns="0" rIns="0" bIns="0" numCol="1" spcCol="0" rtlCol="0" fromWordArt="0" anchor="ctr" anchorCtr="0" forceAA="0" compatLnSpc="1">
+                <a:prstTxWarp prst="textNoShape">
+                  <a:avLst/>
+                </a:prstTxWarp>
+                <a:noAutofit/>
+              </a:bodyPr>
+              <a:lstStyle/>
+              <a:p>
+                <a:pPr algn="ctr"/>
+                <a:r>
+                  <a:rPr lang="sv-SE" b="1" dirty="0" smtClean="0">
+                    <a:solidFill>
+                      <a:schemeClr val="bg1"/>
+                    </a:solidFill>
+                  </a:rPr>
+                  <a:t>worker4</a:t>
+                </a:r>
+                <a:endParaRPr lang="sv-SE" b="1" dirty="0">
+                  <a:solidFill>
+                    <a:schemeClr val="bg1"/>
+                  </a:solidFill>
+                </a:endParaRPr>
+              </a:p>
+            </p:txBody>
+          </p:sp>
+          <p:sp>
+            <p:nvSpPr>
+              <p:cNvPr id="26" name="Oval 25"/>
+              <p:cNvSpPr/>
+              <p:nvPr/>
+            </p:nvSpPr>
+            <p:spPr>
+              <a:xfrm>
+                <a:off x="7747322" y="4801462"/>
+                <a:ext cx="954676" cy="954676"/>
+              </a:xfrm>
+              <a:prstGeom prst="ellipse">
+                <a:avLst/>
+              </a:prstGeom>
+              <a:solidFill>
+                <a:schemeClr val="accent1">
+                  <a:lumMod val="60000"/>
+                  <a:lumOff val="40000"/>
+                </a:schemeClr>
+              </a:solidFill>
+              <a:ln w="25400">
+                <a:solidFill>
+                  <a:schemeClr val="bg1"/>
+                </a:solidFill>
+              </a:ln>
+            </p:spPr>
+            <p:style>
+              <a:lnRef idx="2">
+                <a:schemeClr val="accent1">
+                  <a:shade val="50000"/>
+                </a:schemeClr>
+              </a:lnRef>
+              <a:fillRef idx="1">
+                <a:schemeClr val="accent1"/>
+              </a:fillRef>
+              <a:effectRef idx="0">
+                <a:schemeClr val="accent1"/>
+              </a:effectRef>
+              <a:fontRef idx="minor">
+                <a:schemeClr val="lt1"/>
+              </a:fontRef>
+            </p:style>
+            <p:txBody>
+              <a:bodyPr lIns="0" tIns="0" rIns="0" bIns="0" rtlCol="0" anchor="ctr"/>
+              <a:lstStyle/>
+              <a:p>
+                <a:pPr algn="ctr"/>
+                <a:r>
+                  <a:rPr lang="sv-SE" sz="1200" b="1" dirty="0" smtClean="0">
+                    <a:solidFill>
+                      <a:schemeClr val="bg1"/>
+                    </a:solidFill>
+                  </a:rPr>
+                  <a:t>consumer</a:t>
+                </a:r>
+                <a:endParaRPr lang="sv-SE" sz="800" b="1" dirty="0" smtClean="0">
+                  <a:solidFill>
+                    <a:schemeClr val="bg1"/>
+                  </a:solidFill>
+                </a:endParaRPr>
+              </a:p>
+            </p:txBody>
+          </p:sp>
+        </p:grpSp>
+      </p:grpSp>
+      <p:cxnSp>
+        <p:nvCxnSpPr>
+          <p:cNvPr id="48" name="Curved Connector 47"/>
+          <p:cNvCxnSpPr>
+            <a:stCxn id="16" idx="5"/>
+            <a:endCxn id="33" idx="2"/>
+          </p:cNvCxnSpPr>
+          <p:nvPr/>
+        </p:nvCxnSpPr>
+        <p:spPr>
+          <a:xfrm rot="16200000" flipH="1">
+            <a:off x="7104472" y="3319904"/>
+            <a:ext cx="319223" cy="971565"/>
+          </a:xfrm>
+          <a:prstGeom prst="curvedConnector2">
+            <a:avLst/>
+          </a:prstGeom>
+          <a:ln w="25400">
+            <a:solidFill>
+              <a:schemeClr val="accent1">
+                <a:lumMod val="75000"/>
+              </a:schemeClr>
+            </a:solidFill>
+            <a:tailEnd type="arrow"/>
+          </a:ln>
+        </p:spPr>
+        <p:style>
+          <a:lnRef idx="1">
+            <a:schemeClr val="accent1"/>
+          </a:lnRef>
+          <a:fillRef idx="0">
+            <a:schemeClr val="accent1"/>
+          </a:fillRef>
+          <a:effectRef idx="0">
+            <a:schemeClr val="accent1"/>
+          </a:effectRef>
+          <a:fontRef idx="minor">
+            <a:schemeClr val="tx1"/>
+          </a:fontRef>
+        </p:style>
+      </p:cxnSp>
+      <p:grpSp>
+        <p:nvGrpSpPr>
+          <p:cNvPr id="51" name="Group 50"/>
+          <p:cNvGrpSpPr/>
+          <p:nvPr/>
+        </p:nvGrpSpPr>
+        <p:grpSpPr>
+          <a:xfrm>
+            <a:off x="7011045" y="3393286"/>
+            <a:ext cx="2837524" cy="1144025"/>
+            <a:chOff x="7011045" y="3412009"/>
+            <a:chExt cx="2837524" cy="1144025"/>
+          </a:xfrm>
+        </p:grpSpPr>
+        <p:grpSp>
+          <p:nvGrpSpPr>
+            <p:cNvPr id="45" name="Group 44"/>
+            <p:cNvGrpSpPr/>
+            <p:nvPr/>
+          </p:nvGrpSpPr>
+          <p:grpSpPr>
+            <a:xfrm>
+              <a:off x="7011045" y="3657794"/>
+              <a:ext cx="917625" cy="663385"/>
+              <a:chOff x="6971243" y="1178751"/>
+              <a:chExt cx="958411" cy="663385"/>
+            </a:xfrm>
+            <a:solidFill>
+              <a:schemeClr val="accent2">
+                <a:lumMod val="60000"/>
+                <a:lumOff val="40000"/>
+              </a:schemeClr>
+            </a:solidFill>
+          </p:grpSpPr>
+          <p:sp>
+            <p:nvSpPr>
+              <p:cNvPr id="46" name="Rounded Rectangle 45"/>
+              <p:cNvSpPr/>
+              <p:nvPr/>
+            </p:nvSpPr>
+            <p:spPr>
+              <a:xfrm>
+                <a:off x="6971243" y="1178751"/>
+                <a:ext cx="958409" cy="326175"/>
+              </a:xfrm>
+              <a:prstGeom prst="roundRect">
+                <a:avLst/>
+              </a:prstGeom>
+              <a:grpFill/>
+              <a:ln w="25400">
+                <a:solidFill>
+                  <a:schemeClr val="bg1"/>
+                </a:solidFill>
+              </a:ln>
+            </p:spPr>
+            <p:style>
+              <a:lnRef idx="2">
+                <a:schemeClr val="accent1">
+                  <a:shade val="50000"/>
+                </a:schemeClr>
+              </a:lnRef>
+              <a:fillRef idx="1">
+                <a:schemeClr val="accent1"/>
+              </a:fillRef>
+              <a:effectRef idx="0">
+                <a:schemeClr val="accent1"/>
+              </a:effectRef>
+              <a:fontRef idx="minor">
+                <a:schemeClr val="lt1"/>
+              </a:fontRef>
+            </p:style>
+            <p:txBody>
+              <a:bodyPr rtlCol="0" anchor="ctr"/>
+              <a:lstStyle/>
+              <a:p>
+                <a:r>
+                  <a:rPr lang="sv-SE" sz="1200" dirty="0" smtClean="0"/>
+                  <a:t>partition</a:t>
+                </a:r>
+                <a:endParaRPr lang="sv-SE" sz="1200" dirty="0"/>
+              </a:p>
+            </p:txBody>
+          </p:sp>
+          <p:sp>
+            <p:nvSpPr>
+              <p:cNvPr id="47" name="Rounded Rectangle 46"/>
+              <p:cNvSpPr/>
+              <p:nvPr/>
+            </p:nvSpPr>
+            <p:spPr>
+              <a:xfrm>
+                <a:off x="6971245" y="1515961"/>
+                <a:ext cx="958409" cy="326175"/>
+              </a:xfrm>
+              <a:prstGeom prst="roundRect">
+                <a:avLst/>
+              </a:prstGeom>
+              <a:grpFill/>
+              <a:ln w="25400">
+                <a:solidFill>
+                  <a:schemeClr val="bg1"/>
+                </a:solidFill>
+              </a:ln>
+            </p:spPr>
+            <p:style>
+              <a:lnRef idx="2">
+                <a:schemeClr val="accent1">
+                  <a:shade val="50000"/>
+                </a:schemeClr>
+              </a:lnRef>
+              <a:fillRef idx="1">
+                <a:schemeClr val="accent1"/>
+              </a:fillRef>
+              <a:effectRef idx="0">
+                <a:schemeClr val="accent1"/>
+              </a:effectRef>
+              <a:fontRef idx="minor">
+                <a:schemeClr val="lt1"/>
+              </a:fontRef>
+            </p:style>
+            <p:txBody>
+              <a:bodyPr rtlCol="0" anchor="ctr"/>
+              <a:lstStyle/>
+              <a:p>
+                <a:r>
+                  <a:rPr lang="sv-SE" sz="1200" dirty="0" smtClean="0"/>
+                  <a:t>partition</a:t>
+                </a:r>
+                <a:endParaRPr lang="sv-SE" sz="1200" dirty="0"/>
+              </a:p>
+            </p:txBody>
+          </p:sp>
+        </p:grpSp>
+        <p:grpSp>
+          <p:nvGrpSpPr>
+            <p:cNvPr id="14" name="Group 13"/>
+            <p:cNvGrpSpPr/>
+            <p:nvPr/>
+          </p:nvGrpSpPr>
+          <p:grpSpPr>
+            <a:xfrm>
+              <a:off x="7749866" y="3412009"/>
+              <a:ext cx="2098703" cy="1144025"/>
+              <a:chOff x="7749866" y="3412009"/>
+              <a:chExt cx="2098703" cy="1144025"/>
+            </a:xfrm>
+          </p:grpSpPr>
+          <p:sp>
+            <p:nvSpPr>
+              <p:cNvPr id="32" name="Oval 31"/>
+              <p:cNvSpPr/>
+              <p:nvPr/>
+            </p:nvSpPr>
+            <p:spPr>
+              <a:xfrm>
+                <a:off x="8704544" y="3412009"/>
+                <a:ext cx="1144025" cy="1144025"/>
+              </a:xfrm>
+              <a:prstGeom prst="ellipse">
+                <a:avLst/>
+              </a:prstGeom>
+              <a:solidFill>
+                <a:schemeClr val="accent1"/>
+              </a:solidFill>
+              <a:ln w="25400">
+                <a:solidFill>
+                  <a:schemeClr val="bg1"/>
+                </a:solidFill>
+              </a:ln>
+            </p:spPr>
+            <p:style>
+              <a:lnRef idx="2">
+                <a:schemeClr val="accent1">
+                  <a:shade val="50000"/>
+                </a:schemeClr>
+              </a:lnRef>
+              <a:fillRef idx="1">
+                <a:schemeClr val="accent1"/>
+              </a:fillRef>
+              <a:effectRef idx="0">
+                <a:schemeClr val="accent1"/>
+              </a:effectRef>
+              <a:fontRef idx="minor">
+                <a:schemeClr val="lt1"/>
+              </a:fontRef>
+            </p:style>
+            <p:txBody>
+              <a:bodyPr rot="0" spcFirstLastPara="0" vertOverflow="overflow" horzOverflow="overflow" vert="horz" wrap="square" lIns="0" tIns="0" rIns="0" bIns="0" numCol="1" spcCol="0" rtlCol="0" fromWordArt="0" anchor="ctr" anchorCtr="0" forceAA="0" compatLnSpc="1">
+                <a:prstTxWarp prst="textNoShape">
+                  <a:avLst/>
+                </a:prstTxWarp>
+                <a:noAutofit/>
+              </a:bodyPr>
+              <a:lstStyle/>
+              <a:p>
+                <a:pPr algn="ctr"/>
+                <a:r>
+                  <a:rPr lang="sv-SE" b="1" dirty="0" smtClean="0">
+                    <a:solidFill>
+                      <a:schemeClr val="bg1"/>
+                    </a:solidFill>
+                  </a:rPr>
+                  <a:t>worker3</a:t>
+                </a:r>
+                <a:endParaRPr lang="sv-SE" b="1" dirty="0">
+                  <a:solidFill>
+                    <a:schemeClr val="bg1"/>
+                  </a:solidFill>
+                </a:endParaRPr>
+              </a:p>
+            </p:txBody>
+          </p:sp>
+          <p:sp>
+            <p:nvSpPr>
+              <p:cNvPr id="33" name="Oval 32"/>
+              <p:cNvSpPr/>
+              <p:nvPr/>
+            </p:nvSpPr>
+            <p:spPr>
+              <a:xfrm>
+                <a:off x="7749866" y="3506684"/>
+                <a:ext cx="954676" cy="954676"/>
+              </a:xfrm>
+              <a:prstGeom prst="ellipse">
+                <a:avLst/>
+              </a:prstGeom>
+              <a:solidFill>
+                <a:schemeClr val="accent1">
+                  <a:lumMod val="60000"/>
+                  <a:lumOff val="40000"/>
+                </a:schemeClr>
+              </a:solidFill>
+              <a:ln w="25400">
+                <a:solidFill>
+                  <a:schemeClr val="bg1"/>
+                </a:solidFill>
+              </a:ln>
+            </p:spPr>
+            <p:style>
+              <a:lnRef idx="2">
+                <a:schemeClr val="accent1">
+                  <a:shade val="50000"/>
+                </a:schemeClr>
+              </a:lnRef>
+              <a:fillRef idx="1">
+                <a:schemeClr val="accent1"/>
+              </a:fillRef>
+              <a:effectRef idx="0">
+                <a:schemeClr val="accent1"/>
+              </a:effectRef>
+              <a:fontRef idx="minor">
+                <a:schemeClr val="lt1"/>
+              </a:fontRef>
+            </p:style>
+            <p:txBody>
+              <a:bodyPr lIns="0" tIns="0" rIns="0" bIns="0" rtlCol="0" anchor="ctr"/>
+              <a:lstStyle/>
+              <a:p>
+                <a:pPr algn="ctr"/>
+                <a:r>
+                  <a:rPr lang="sv-SE" sz="1200" b="1" dirty="0" smtClean="0">
+                    <a:solidFill>
+                      <a:schemeClr val="bg1"/>
+                    </a:solidFill>
+                  </a:rPr>
+                  <a:t>consumer</a:t>
+                </a:r>
+                <a:endParaRPr lang="sv-SE" sz="800" b="1" dirty="0" smtClean="0">
+                  <a:solidFill>
+                    <a:schemeClr val="bg1"/>
+                  </a:solidFill>
+                </a:endParaRPr>
+              </a:p>
+            </p:txBody>
+          </p:sp>
+        </p:grpSp>
+      </p:grpSp>
+      <p:sp>
+        <p:nvSpPr>
+          <p:cNvPr id="49" name="Rectangle 48"/>
+          <p:cNvSpPr/>
+          <p:nvPr/>
+        </p:nvSpPr>
+        <p:spPr>
+          <a:xfrm>
+            <a:off x="210571" y="132594"/>
+            <a:ext cx="3892004" cy="5346621"/>
+          </a:xfrm>
+          <a:prstGeom prst="rect">
+            <a:avLst/>
+          </a:prstGeom>
+          <a:noFill/>
+          <a:ln>
+            <a:noFill/>
+          </a:ln>
+        </p:spPr>
+        <p:style>
+          <a:lnRef idx="2">
+            <a:schemeClr val="accent1">
+              <a:shade val="50000"/>
+            </a:schemeClr>
+          </a:lnRef>
+          <a:fillRef idx="1">
+            <a:schemeClr val="accent1"/>
+          </a:fillRef>
+          <a:effectRef idx="0">
+            <a:schemeClr val="accent1"/>
+          </a:effectRef>
+          <a:fontRef idx="minor">
+            <a:schemeClr val="lt1"/>
+          </a:fontRef>
+        </p:style>
+        <p:txBody>
+          <a:bodyPr rot="0" spcFirstLastPara="0" vertOverflow="overflow" horzOverflow="overflow" vert="horz" wrap="square" lIns="144000" tIns="144000" rIns="144000" bIns="144000" numCol="1" spcCol="0" rtlCol="0" fromWordArt="0" anchor="t" anchorCtr="0" forceAA="0" compatLnSpc="1">
+            <a:prstTxWarp prst="textNoShape">
+              <a:avLst/>
+            </a:prstTxWarp>
+            <a:noAutofit/>
+          </a:bodyPr>
+          <a:lstStyle/>
+          <a:p>
+            <a:r>
+              <a:rPr lang="sv-SE" sz="1600" b="1" dirty="0" smtClean="0">
+                <a:solidFill>
+                  <a:schemeClr val="tx1"/>
+                </a:solidFill>
+              </a:rPr>
               <a:t>Chose your own abstraction</a:t>
             </a:r>
           </a:p>
@@ -5453,7 +7704,7 @@
 </p:sld>
 </file>
 
-<file path=ppt/slides/slide11.xml><?xml version="1.0" encoding="utf-8"?>
+<file path=ppt/slides/slide12.xml><?xml version="1.0" encoding="utf-8"?>
 <p:sld xmlns:a="http://schemas.openxmlformats.org/drawingml/2006/main" xmlns:r="http://schemas.openxmlformats.org/officeDocument/2006/relationships" xmlns:p="http://schemas.openxmlformats.org/presentationml/2006/main">
   <p:cSld>
     <p:spTree>
@@ -8645,6 +10896,495 @@
 </file>
 
 <file path=ppt/slides/slide2.xml><?xml version="1.0" encoding="utf-8"?>
+<p:sld xmlns:a="http://schemas.openxmlformats.org/drawingml/2006/main" xmlns:r="http://schemas.openxmlformats.org/officeDocument/2006/relationships" xmlns:p="http://schemas.openxmlformats.org/presentationml/2006/main">
+  <p:cSld>
+    <p:spTree>
+      <p:nvGrpSpPr>
+        <p:cNvPr id="1" name=""/>
+        <p:cNvGrpSpPr/>
+        <p:nvPr/>
+      </p:nvGrpSpPr>
+      <p:grpSpPr>
+        <a:xfrm>
+          <a:off x="0" y="0"/>
+          <a:ext cx="0" cy="0"/>
+          <a:chOff x="0" y="0"/>
+          <a:chExt cx="0" cy="0"/>
+        </a:xfrm>
+      </p:grpSpPr>
+      <p:grpSp>
+        <p:nvGrpSpPr>
+          <p:cNvPr id="8" name="Group 7"/>
+          <p:cNvGrpSpPr/>
+          <p:nvPr/>
+        </p:nvGrpSpPr>
+        <p:grpSpPr>
+          <a:xfrm>
+            <a:off x="1317172" y="2600845"/>
+            <a:ext cx="9557656" cy="1399591"/>
+            <a:chOff x="1137831" y="2026256"/>
+            <a:chExt cx="9557656" cy="1399591"/>
+          </a:xfrm>
+        </p:grpSpPr>
+        <p:sp>
+          <p:nvSpPr>
+            <p:cNvPr id="4" name="Rectangle 3"/>
+            <p:cNvSpPr/>
+            <p:nvPr/>
+          </p:nvSpPr>
+          <p:spPr>
+            <a:xfrm>
+              <a:off x="1137831" y="2026256"/>
+              <a:ext cx="2584579" cy="1399591"/>
+            </a:xfrm>
+            <a:prstGeom prst="rect">
+              <a:avLst/>
+            </a:prstGeom>
+            <a:ln>
+              <a:noFill/>
+            </a:ln>
+          </p:spPr>
+          <p:style>
+            <a:lnRef idx="2">
+              <a:schemeClr val="accent1">
+                <a:shade val="50000"/>
+              </a:schemeClr>
+            </a:lnRef>
+            <a:fillRef idx="1">
+              <a:schemeClr val="accent1"/>
+            </a:fillRef>
+            <a:effectRef idx="0">
+              <a:schemeClr val="accent1"/>
+            </a:effectRef>
+            <a:fontRef idx="minor">
+              <a:schemeClr val="lt1"/>
+            </a:fontRef>
+          </p:style>
+          <p:txBody>
+            <a:bodyPr rtlCol="0" anchor="ctr"/>
+            <a:lstStyle/>
+            <a:p>
+              <a:pPr algn="ctr"/>
+              <a:r>
+                <a:rPr lang="sv-SE" b="1" dirty="0" smtClean="0"/>
+                <a:t>No state</a:t>
+              </a:r>
+            </a:p>
+            <a:p>
+              <a:pPr algn="ctr"/>
+              <a:r>
+                <a:rPr lang="sv-SE" dirty="0" smtClean="0"/>
+                <a:t>Easy to scale out</a:t>
+              </a:r>
+              <a:endParaRPr lang="sv-SE" dirty="0"/>
+            </a:p>
+          </p:txBody>
+        </p:sp>
+        <p:sp>
+          <p:nvSpPr>
+            <p:cNvPr id="5" name="Rectangle 4"/>
+            <p:cNvSpPr/>
+            <p:nvPr/>
+          </p:nvSpPr>
+          <p:spPr>
+            <a:xfrm>
+              <a:off x="8110908" y="2026256"/>
+              <a:ext cx="2584579" cy="1399591"/>
+            </a:xfrm>
+            <a:prstGeom prst="rect">
+              <a:avLst/>
+            </a:prstGeom>
+            <a:ln w="25400">
+              <a:solidFill>
+                <a:schemeClr val="accent1">
+                  <a:shade val="50000"/>
+                </a:schemeClr>
+              </a:solidFill>
+              <a:prstDash val="sysDash"/>
+            </a:ln>
+          </p:spPr>
+          <p:style>
+            <a:lnRef idx="2">
+              <a:schemeClr val="accent1">
+                <a:shade val="50000"/>
+              </a:schemeClr>
+            </a:lnRef>
+            <a:fillRef idx="1">
+              <a:schemeClr val="accent1"/>
+            </a:fillRef>
+            <a:effectRef idx="0">
+              <a:schemeClr val="accent1"/>
+            </a:effectRef>
+            <a:fontRef idx="minor">
+              <a:schemeClr val="lt1"/>
+            </a:fontRef>
+          </p:style>
+          <p:txBody>
+            <a:bodyPr rtlCol="0" anchor="ctr"/>
+            <a:lstStyle/>
+            <a:p>
+              <a:pPr algn="ctr"/>
+              <a:r>
+                <a:rPr lang="sv-SE" b="1" dirty="0" smtClean="0"/>
+                <a:t>Long term state</a:t>
+              </a:r>
+            </a:p>
+            <a:p>
+              <a:pPr algn="ctr"/>
+              <a:r>
+                <a:rPr lang="sv-SE" dirty="0" smtClean="0"/>
+                <a:t>Harder to scale out</a:t>
+              </a:r>
+              <a:endParaRPr lang="sv-SE" dirty="0"/>
+            </a:p>
+          </p:txBody>
+        </p:sp>
+        <p:sp>
+          <p:nvSpPr>
+            <p:cNvPr id="6" name="Rectangle 5"/>
+            <p:cNvSpPr/>
+            <p:nvPr/>
+          </p:nvSpPr>
+          <p:spPr>
+            <a:xfrm>
+              <a:off x="4624369" y="2026256"/>
+              <a:ext cx="2584579" cy="1399591"/>
+            </a:xfrm>
+            <a:prstGeom prst="rect">
+              <a:avLst/>
+            </a:prstGeom>
+            <a:ln>
+              <a:noFill/>
+            </a:ln>
+          </p:spPr>
+          <p:style>
+            <a:lnRef idx="2">
+              <a:schemeClr val="accent1">
+                <a:shade val="50000"/>
+              </a:schemeClr>
+            </a:lnRef>
+            <a:fillRef idx="1">
+              <a:schemeClr val="accent1"/>
+            </a:fillRef>
+            <a:effectRef idx="0">
+              <a:schemeClr val="accent1"/>
+            </a:effectRef>
+            <a:fontRef idx="minor">
+              <a:schemeClr val="lt1"/>
+            </a:fontRef>
+          </p:style>
+          <p:txBody>
+            <a:bodyPr rtlCol="0" anchor="ctr"/>
+            <a:lstStyle/>
+            <a:p>
+              <a:pPr algn="ctr"/>
+              <a:r>
+                <a:rPr lang="sv-SE" b="1" dirty="0" smtClean="0"/>
+                <a:t>Short term state</a:t>
+              </a:r>
+            </a:p>
+            <a:p>
+              <a:pPr algn="ctr"/>
+              <a:r>
+                <a:rPr lang="sv-SE" dirty="0" smtClean="0"/>
+                <a:t>Easy to scale out</a:t>
+              </a:r>
+              <a:endParaRPr lang="sv-SE" dirty="0"/>
+            </a:p>
+          </p:txBody>
+        </p:sp>
+      </p:grpSp>
+      <p:sp>
+        <p:nvSpPr>
+          <p:cNvPr id="7" name="Line Callout 2 (No Border) 6"/>
+          <p:cNvSpPr/>
+          <p:nvPr/>
+        </p:nvSpPr>
+        <p:spPr>
+          <a:xfrm>
+            <a:off x="3405539" y="4621463"/>
+            <a:ext cx="5380919" cy="434648"/>
+          </a:xfrm>
+          <a:prstGeom prst="callout2">
+            <a:avLst>
+              <a:gd name="adj1" fmla="val 59251"/>
+              <a:gd name="adj2" fmla="val 98886"/>
+              <a:gd name="adj3" fmla="val 61500"/>
+              <a:gd name="adj4" fmla="val 104702"/>
+              <a:gd name="adj5" fmla="val -117921"/>
+              <a:gd name="adj6" fmla="val 107543"/>
+            </a:avLst>
+          </a:prstGeom>
+          <a:noFill/>
+          <a:ln w="25400">
+            <a:solidFill>
+              <a:schemeClr val="tx1"/>
+            </a:solidFill>
+          </a:ln>
+        </p:spPr>
+        <p:style>
+          <a:lnRef idx="2">
+            <a:schemeClr val="accent1">
+              <a:shade val="50000"/>
+            </a:schemeClr>
+          </a:lnRef>
+          <a:fillRef idx="1">
+            <a:schemeClr val="accent1"/>
+          </a:fillRef>
+          <a:effectRef idx="0">
+            <a:schemeClr val="accent1"/>
+          </a:effectRef>
+          <a:fontRef idx="minor">
+            <a:schemeClr val="lt1"/>
+          </a:fontRef>
+        </p:style>
+        <p:txBody>
+          <a:bodyPr rtlCol="0" anchor="ctr"/>
+          <a:lstStyle/>
+          <a:p>
+            <a:r>
+              <a:rPr lang="sv-SE" b="1" dirty="0" smtClean="0">
+                <a:solidFill>
+                  <a:schemeClr val="tx1"/>
+                </a:solidFill>
+              </a:rPr>
+              <a:t>State needs to move around when nodes fail.</a:t>
+            </a:r>
+            <a:br>
+              <a:rPr lang="sv-SE" b="1" dirty="0" smtClean="0">
+                <a:solidFill>
+                  <a:schemeClr val="tx1"/>
+                </a:solidFill>
+              </a:rPr>
+            </a:br>
+            <a:r>
+              <a:rPr lang="sv-SE" b="1" dirty="0" smtClean="0">
+                <a:solidFill>
+                  <a:schemeClr val="tx1"/>
+                </a:solidFill>
+              </a:rPr>
+              <a:t>Everyone need to agree on what node owns the state</a:t>
+            </a:r>
+            <a:endParaRPr lang="sv-SE" b="1" dirty="0">
+              <a:solidFill>
+                <a:schemeClr val="tx1"/>
+              </a:solidFill>
+            </a:endParaRPr>
+          </a:p>
+        </p:txBody>
+      </p:sp>
+      <p:sp>
+        <p:nvSpPr>
+          <p:cNvPr id="10" name="Right Arrow 9"/>
+          <p:cNvSpPr/>
+          <p:nvPr/>
+        </p:nvSpPr>
+        <p:spPr>
+          <a:xfrm>
+            <a:off x="1317172" y="1398168"/>
+            <a:ext cx="9557656" cy="458965"/>
+          </a:xfrm>
+          <a:prstGeom prst="rightArrow">
+            <a:avLst>
+              <a:gd name="adj1" fmla="val 100000"/>
+              <a:gd name="adj2" fmla="val 50000"/>
+            </a:avLst>
+          </a:prstGeom>
+          <a:solidFill>
+            <a:schemeClr val="accent1">
+              <a:lumMod val="60000"/>
+              <a:lumOff val="40000"/>
+            </a:schemeClr>
+          </a:solidFill>
+          <a:ln>
+            <a:noFill/>
+          </a:ln>
+        </p:spPr>
+        <p:style>
+          <a:lnRef idx="2">
+            <a:schemeClr val="accent1">
+              <a:shade val="50000"/>
+            </a:schemeClr>
+          </a:lnRef>
+          <a:fillRef idx="1">
+            <a:schemeClr val="accent1"/>
+          </a:fillRef>
+          <a:effectRef idx="0">
+            <a:schemeClr val="accent1"/>
+          </a:effectRef>
+          <a:fontRef idx="minor">
+            <a:schemeClr val="lt1"/>
+          </a:fontRef>
+        </p:style>
+        <p:txBody>
+          <a:bodyPr rtlCol="0" anchor="ctr"/>
+          <a:lstStyle/>
+          <a:p>
+            <a:pPr algn="ctr"/>
+            <a:r>
+              <a:rPr lang="sv-SE" dirty="0" smtClean="0"/>
+              <a:t>Consistency</a:t>
+            </a:r>
+            <a:endParaRPr lang="sv-SE" dirty="0"/>
+          </a:p>
+        </p:txBody>
+      </p:sp>
+      <p:sp>
+        <p:nvSpPr>
+          <p:cNvPr id="12" name="Left Arrow 11"/>
+          <p:cNvSpPr/>
+          <p:nvPr/>
+        </p:nvSpPr>
+        <p:spPr>
+          <a:xfrm>
+            <a:off x="1317170" y="1999506"/>
+            <a:ext cx="9557656" cy="458965"/>
+          </a:xfrm>
+          <a:prstGeom prst="leftArrow">
+            <a:avLst>
+              <a:gd name="adj1" fmla="val 100000"/>
+              <a:gd name="adj2" fmla="val 50000"/>
+            </a:avLst>
+          </a:prstGeom>
+          <a:solidFill>
+            <a:schemeClr val="accent1">
+              <a:lumMod val="60000"/>
+              <a:lumOff val="40000"/>
+            </a:schemeClr>
+          </a:solidFill>
+          <a:ln>
+            <a:noFill/>
+          </a:ln>
+        </p:spPr>
+        <p:style>
+          <a:lnRef idx="2">
+            <a:schemeClr val="accent1">
+              <a:shade val="50000"/>
+            </a:schemeClr>
+          </a:lnRef>
+          <a:fillRef idx="1">
+            <a:schemeClr val="accent1"/>
+          </a:fillRef>
+          <a:effectRef idx="0">
+            <a:schemeClr val="accent1"/>
+          </a:effectRef>
+          <a:fontRef idx="minor">
+            <a:schemeClr val="lt1"/>
+          </a:fontRef>
+        </p:style>
+        <p:txBody>
+          <a:bodyPr rtlCol="0" anchor="ctr"/>
+          <a:lstStyle/>
+          <a:p>
+            <a:pPr algn="ctr"/>
+            <a:r>
+              <a:rPr lang="sv-SE" dirty="0" smtClean="0"/>
+              <a:t>Availability</a:t>
+            </a:r>
+            <a:endParaRPr lang="sv-SE" dirty="0"/>
+          </a:p>
+        </p:txBody>
+      </p:sp>
+    </p:spTree>
+    <p:extLst>
+      <p:ext uri="{BB962C8B-B14F-4D97-AF65-F5344CB8AC3E}">
+        <p14:creationId xmlns:p14="http://schemas.microsoft.com/office/powerpoint/2010/main" val="2548020934"/>
+      </p:ext>
+    </p:extLst>
+  </p:cSld>
+  <p:clrMapOvr>
+    <a:masterClrMapping/>
+  </p:clrMapOvr>
+  <p:timing>
+    <p:tnLst>
+      <p:par>
+        <p:cTn id="1" dur="indefinite" restart="never" nodeType="tmRoot">
+          <p:childTnLst>
+            <p:seq concurrent="1" nextAc="seek">
+              <p:cTn id="2" dur="indefinite" nodeType="mainSeq">
+                <p:childTnLst>
+                  <p:par>
+                    <p:cTn id="3" fill="hold">
+                      <p:stCondLst>
+                        <p:cond delay="indefinite"/>
+                      </p:stCondLst>
+                      <p:childTnLst>
+                        <p:par>
+                          <p:cTn id="4" fill="hold">
+                            <p:stCondLst>
+                              <p:cond delay="0"/>
+                            </p:stCondLst>
+                            <p:childTnLst>
+                              <p:par>
+                                <p:cTn id="5" presetID="10" presetClass="entr" presetSubtype="0" fill="hold" grpId="0" nodeType="clickEffect">
+                                  <p:stCondLst>
+                                    <p:cond delay="0"/>
+                                  </p:stCondLst>
+                                  <p:childTnLst>
+                                    <p:set>
+                                      <p:cBhvr>
+                                        <p:cTn id="6" dur="1" fill="hold">
+                                          <p:stCondLst>
+                                            <p:cond delay="0"/>
+                                          </p:stCondLst>
+                                        </p:cTn>
+                                        <p:tgtEl>
+                                          <p:spTgt spid="7"/>
+                                        </p:tgtEl>
+                                        <p:attrNameLst>
+                                          <p:attrName>style.visibility</p:attrName>
+                                        </p:attrNameLst>
+                                      </p:cBhvr>
+                                      <p:to>
+                                        <p:strVal val="visible"/>
+                                      </p:to>
+                                    </p:set>
+                                    <p:animEffect transition="in" filter="fade">
+                                      <p:cBhvr>
+                                        <p:cTn id="7" dur="500"/>
+                                        <p:tgtEl>
+                                          <p:spTgt spid="7"/>
+                                        </p:tgtEl>
+                                      </p:cBhvr>
+                                    </p:animEffect>
+                                  </p:childTnLst>
+                                </p:cTn>
+                              </p:par>
+                            </p:childTnLst>
+                          </p:cTn>
+                        </p:par>
+                      </p:childTnLst>
+                    </p:cTn>
+                  </p:par>
+                </p:childTnLst>
+              </p:cTn>
+              <p:prevCondLst>
+                <p:cond evt="onPrev" delay="0">
+                  <p:tgtEl>
+                    <p:sldTgt/>
+                  </p:tgtEl>
+                </p:cond>
+              </p:prevCondLst>
+              <p:nextCondLst>
+                <p:cond evt="onNext" delay="0">
+                  <p:tgtEl>
+                    <p:sldTgt/>
+                  </p:tgtEl>
+                </p:cond>
+              </p:nextCondLst>
+            </p:seq>
+          </p:childTnLst>
+        </p:cTn>
+      </p:par>
+    </p:tnLst>
+    <p:bldLst>
+      <p:bldP spid="7" grpId="0" animBg="1"/>
+    </p:bldLst>
+  </p:timing>
+</p:sld>
+</file>
+
+<file path=ppt/slides/slide3.xml><?xml version="1.0" encoding="utf-8"?>
 <p:sld xmlns:a="http://schemas.openxmlformats.org/drawingml/2006/main" xmlns:r="http://schemas.openxmlformats.org/officeDocument/2006/relationships" xmlns:p="http://schemas.openxmlformats.org/presentationml/2006/main">
   <p:cSld>
     <p:spTree>
@@ -9874,7 +12614,7 @@
         </p:grpSpPr>
         <p:sp>
           <p:nvSpPr>
-            <p:cNvPr id="27" name="Oval 26"/>
+            <p:cNvPr id="27" name="Rounded Rectangle 26"/>
             <p:cNvSpPr/>
             <p:nvPr/>
           </p:nvSpPr>
@@ -9883,8 +12623,10 @@
               <a:off x="2327565" y="205943"/>
               <a:ext cx="7329869" cy="6029172"/>
             </a:xfrm>
-            <a:prstGeom prst="ellipse">
-              <a:avLst/>
+            <a:prstGeom prst="roundRect">
+              <a:avLst>
+                <a:gd name="adj" fmla="val 31833"/>
+              </a:avLst>
             </a:prstGeom>
             <a:noFill/>
             <a:ln w="25400">
@@ -10110,6 +12852,140 @@
           </a:p>
         </p:txBody>
       </p:sp>
+      <p:sp>
+        <p:nvSpPr>
+          <p:cNvPr id="45" name="Line Callout 2 (No Border) 44"/>
+          <p:cNvSpPr/>
+          <p:nvPr/>
+        </p:nvSpPr>
+        <p:spPr>
+          <a:xfrm>
+            <a:off x="2065352" y="3923304"/>
+            <a:ext cx="2586518" cy="434648"/>
+          </a:xfrm>
+          <a:prstGeom prst="callout2">
+            <a:avLst>
+              <a:gd name="adj1" fmla="val 59251"/>
+              <a:gd name="adj2" fmla="val 98886"/>
+              <a:gd name="adj3" fmla="val 61500"/>
+              <a:gd name="adj4" fmla="val 108147"/>
+              <a:gd name="adj5" fmla="val -5626"/>
+              <a:gd name="adj6" fmla="val 120293"/>
+            </a:avLst>
+          </a:prstGeom>
+          <a:solidFill>
+            <a:schemeClr val="bg1"/>
+          </a:solidFill>
+          <a:ln w="25400">
+            <a:solidFill>
+              <a:schemeClr val="tx1"/>
+            </a:solidFill>
+          </a:ln>
+        </p:spPr>
+        <p:style>
+          <a:lnRef idx="2">
+            <a:schemeClr val="accent1">
+              <a:shade val="50000"/>
+            </a:schemeClr>
+          </a:lnRef>
+          <a:fillRef idx="1">
+            <a:schemeClr val="accent1"/>
+          </a:fillRef>
+          <a:effectRef idx="0">
+            <a:schemeClr val="accent1"/>
+          </a:effectRef>
+          <a:fontRef idx="minor">
+            <a:schemeClr val="lt1"/>
+          </a:fontRef>
+        </p:style>
+        <p:txBody>
+          <a:bodyPr rtlCol="0" anchor="ctr"/>
+          <a:lstStyle/>
+          <a:p>
+            <a:pPr algn="ctr"/>
+            <a:r>
+              <a:rPr lang="sv-SE" b="1" dirty="0" smtClean="0">
+                <a:solidFill>
+                  <a:schemeClr val="tx1"/>
+                </a:solidFill>
+              </a:rPr>
+              <a:t>Whatever you have here</a:t>
+            </a:r>
+            <a:endParaRPr lang="sv-SE" b="1" dirty="0">
+              <a:solidFill>
+                <a:schemeClr val="tx1"/>
+              </a:solidFill>
+            </a:endParaRPr>
+          </a:p>
+        </p:txBody>
+      </p:sp>
+      <p:sp>
+        <p:nvSpPr>
+          <p:cNvPr id="46" name="Line Callout 2 (No Border) 45"/>
+          <p:cNvSpPr/>
+          <p:nvPr/>
+        </p:nvSpPr>
+        <p:spPr>
+          <a:xfrm>
+            <a:off x="6471138" y="5508678"/>
+            <a:ext cx="2018137" cy="434648"/>
+          </a:xfrm>
+          <a:prstGeom prst="callout2">
+            <a:avLst>
+              <a:gd name="adj1" fmla="val 59251"/>
+              <a:gd name="adj2" fmla="val 98886"/>
+              <a:gd name="adj3" fmla="val 61500"/>
+              <a:gd name="adj4" fmla="val 108147"/>
+              <a:gd name="adj5" fmla="val -5626"/>
+              <a:gd name="adj6" fmla="val 120293"/>
+            </a:avLst>
+          </a:prstGeom>
+          <a:solidFill>
+            <a:schemeClr val="bg1"/>
+          </a:solidFill>
+          <a:ln w="25400">
+            <a:solidFill>
+              <a:schemeClr val="tx1"/>
+            </a:solidFill>
+          </a:ln>
+        </p:spPr>
+        <p:style>
+          <a:lnRef idx="2">
+            <a:schemeClr val="accent1">
+              <a:shade val="50000"/>
+            </a:schemeClr>
+          </a:lnRef>
+          <a:fillRef idx="1">
+            <a:schemeClr val="accent1"/>
+          </a:fillRef>
+          <a:effectRef idx="0">
+            <a:schemeClr val="accent1"/>
+          </a:effectRef>
+          <a:fontRef idx="minor">
+            <a:schemeClr val="lt1"/>
+          </a:fontRef>
+        </p:style>
+        <p:txBody>
+          <a:bodyPr rtlCol="0" anchor="ctr"/>
+          <a:lstStyle/>
+          <a:p>
+            <a:pPr algn="ctr"/>
+            <a:r>
+              <a:rPr lang="sv-SE" b="1" dirty="0" smtClean="0">
+                <a:solidFill>
+                  <a:schemeClr val="tx1"/>
+                </a:solidFill>
+              </a:rPr>
+              <a:t>Must also be here</a:t>
+            </a:r>
+            <a:endParaRPr lang="sv-SE" b="1" dirty="0">
+              <a:solidFill>
+                <a:schemeClr val="tx1"/>
+              </a:solidFill>
+            </a:endParaRPr>
+          </a:p>
+        </p:txBody>
+      </p:sp>
     </p:spTree>
     <p:extLst>
       <p:ext uri="{BB962C8B-B14F-4D97-AF65-F5344CB8AC3E}">
@@ -10123,14 +12999,147 @@
   <p:timing>
     <p:tnLst>
       <p:par>
-        <p:cTn id="1" dur="indefinite" restart="never" nodeType="tmRoot"/>
+        <p:cTn id="1" dur="indefinite" restart="never" nodeType="tmRoot">
+          <p:childTnLst>
+            <p:seq concurrent="1" nextAc="seek">
+              <p:cTn id="2" dur="indefinite" nodeType="mainSeq">
+                <p:childTnLst>
+                  <p:par>
+                    <p:cTn id="3" fill="hold">
+                      <p:stCondLst>
+                        <p:cond delay="indefinite"/>
+                      </p:stCondLst>
+                      <p:childTnLst>
+                        <p:par>
+                          <p:cTn id="4" fill="hold">
+                            <p:stCondLst>
+                              <p:cond delay="0"/>
+                            </p:stCondLst>
+                            <p:childTnLst>
+                              <p:par>
+                                <p:cTn id="5" presetID="10" presetClass="entr" presetSubtype="0" fill="hold" grpId="0" nodeType="clickEffect">
+                                  <p:stCondLst>
+                                    <p:cond delay="0"/>
+                                  </p:stCondLst>
+                                  <p:childTnLst>
+                                    <p:set>
+                                      <p:cBhvr>
+                                        <p:cTn id="6" dur="1" fill="hold">
+                                          <p:stCondLst>
+                                            <p:cond delay="0"/>
+                                          </p:stCondLst>
+                                        </p:cTn>
+                                        <p:tgtEl>
+                                          <p:spTgt spid="45"/>
+                                        </p:tgtEl>
+                                        <p:attrNameLst>
+                                          <p:attrName>style.visibility</p:attrName>
+                                        </p:attrNameLst>
+                                      </p:cBhvr>
+                                      <p:to>
+                                        <p:strVal val="visible"/>
+                                      </p:to>
+                                    </p:set>
+                                    <p:animEffect transition="in" filter="fade">
+                                      <p:cBhvr>
+                                        <p:cTn id="7" dur="500"/>
+                                        <p:tgtEl>
+                                          <p:spTgt spid="45"/>
+                                        </p:tgtEl>
+                                      </p:cBhvr>
+                                    </p:animEffect>
+                                  </p:childTnLst>
+                                </p:cTn>
+                              </p:par>
+                            </p:childTnLst>
+                          </p:cTn>
+                        </p:par>
+                      </p:childTnLst>
+                    </p:cTn>
+                  </p:par>
+                  <p:par>
+                    <p:cTn id="8" fill="hold">
+                      <p:stCondLst>
+                        <p:cond delay="indefinite"/>
+                      </p:stCondLst>
+                      <p:childTnLst>
+                        <p:par>
+                          <p:cTn id="9" fill="hold">
+                            <p:stCondLst>
+                              <p:cond delay="0"/>
+                            </p:stCondLst>
+                            <p:childTnLst>
+                              <p:par>
+                                <p:cTn id="10" presetID="10" presetClass="entr" presetSubtype="0" fill="hold" grpId="0" nodeType="clickEffect">
+                                  <p:stCondLst>
+                                    <p:cond delay="0"/>
+                                  </p:stCondLst>
+                                  <p:childTnLst>
+                                    <p:set>
+                                      <p:cBhvr>
+                                        <p:cTn id="11" dur="1" fill="hold">
+                                          <p:stCondLst>
+                                            <p:cond delay="0"/>
+                                          </p:stCondLst>
+                                        </p:cTn>
+                                        <p:tgtEl>
+                                          <p:spTgt spid="46"/>
+                                        </p:tgtEl>
+                                        <p:attrNameLst>
+                                          <p:attrName>style.visibility</p:attrName>
+                                        </p:attrNameLst>
+                                      </p:cBhvr>
+                                      <p:to>
+                                        <p:strVal val="visible"/>
+                                      </p:to>
+                                    </p:set>
+                                    <p:animEffect transition="in" filter="fade">
+                                      <p:cBhvr>
+                                        <p:cTn id="12" dur="500"/>
+                                        <p:tgtEl>
+                                          <p:spTgt spid="46"/>
+                                        </p:tgtEl>
+                                      </p:cBhvr>
+                                    </p:animEffect>
+                                  </p:childTnLst>
+                                </p:cTn>
+                              </p:par>
+                            </p:childTnLst>
+                          </p:cTn>
+                        </p:par>
+                      </p:childTnLst>
+                    </p:cTn>
+                  </p:par>
+                </p:childTnLst>
+              </p:cTn>
+              <p:prevCondLst>
+                <p:cond evt="onPrev" delay="0">
+                  <p:tgtEl>
+                    <p:sldTgt/>
+                  </p:tgtEl>
+                </p:cond>
+              </p:prevCondLst>
+              <p:nextCondLst>
+                <p:cond evt="onNext" delay="0">
+                  <p:tgtEl>
+                    <p:sldTgt/>
+                  </p:tgtEl>
+                </p:cond>
+              </p:nextCondLst>
+            </p:seq>
+          </p:childTnLst>
+        </p:cTn>
       </p:par>
     </p:tnLst>
+    <p:bldLst>
+      <p:bldP spid="45" grpId="0" animBg="1"/>
+      <p:bldP spid="46" grpId="0" animBg="1"/>
+    </p:bldLst>
   </p:timing>
 </p:sld>
 </file>
 
-<file path=ppt/slides/slide3.xml><?xml version="1.0" encoding="utf-8"?>
+<file path=ppt/slides/slide4.xml><?xml version="1.0" encoding="utf-8"?>
 <p:sld xmlns:a="http://schemas.openxmlformats.org/drawingml/2006/main" xmlns:r="http://schemas.openxmlformats.org/officeDocument/2006/relationships" xmlns:p="http://schemas.openxmlformats.org/presentationml/2006/main">
   <p:cSld>
     <p:spTree>
@@ -10147,36 +13156,6 @@
           <a:chExt cx="0" cy="0"/>
         </a:xfrm>
       </p:grpSpPr>
-      <p:sp>
-        <p:nvSpPr>
-          <p:cNvPr id="18" name="TextBox 17"/>
-          <p:cNvSpPr txBox="1"/>
-          <p:nvPr/>
-        </p:nvSpPr>
-        <p:spPr>
-          <a:xfrm>
-            <a:off x="7342232" y="488984"/>
-            <a:ext cx="1076705" cy="461665"/>
-          </a:xfrm>
-          <a:prstGeom prst="rect">
-            <a:avLst/>
-          </a:prstGeom>
-          <a:noFill/>
-        </p:spPr>
-        <p:txBody>
-          <a:bodyPr wrap="none" rtlCol="0">
-            <a:spAutoFit/>
-          </a:bodyPr>
-          <a:lstStyle/>
-          <a:p>
-            <a:r>
-              <a:rPr lang="sv-SE" sz="2400" b="1" dirty="0" smtClean="0"/>
-              <a:t>Cluster</a:t>
-            </a:r>
-            <a:endParaRPr lang="sv-SE" sz="2400" b="1" dirty="0"/>
-          </a:p>
-        </p:txBody>
-      </p:sp>
       <p:sp>
         <p:nvSpPr>
           <p:cNvPr id="4" name="Oval 3"/>
@@ -10555,64 +13534,111 @@
           </a:fontRef>
         </p:style>
       </p:cxnSp>
-      <p:sp>
-        <p:nvSpPr>
-          <p:cNvPr id="17" name="Oval 16"/>
-          <p:cNvSpPr/>
+      <p:grpSp>
+        <p:nvGrpSpPr>
+          <p:cNvPr id="29" name="Group 28"/>
+          <p:cNvGrpSpPr/>
           <p:nvPr/>
-        </p:nvSpPr>
-        <p:spPr>
+        </p:nvGrpSpPr>
+        <p:grpSpPr>
           <a:xfrm>
             <a:off x="4219933" y="293960"/>
             <a:ext cx="7329869" cy="6029172"/>
+            <a:chOff x="2327565" y="205943"/>
+            <a:chExt cx="7329869" cy="6029172"/>
           </a:xfrm>
-          <a:prstGeom prst="ellipse">
-            <a:avLst/>
-          </a:prstGeom>
-          <a:solidFill>
-            <a:schemeClr val="bg1">
-              <a:alpha val="75000"/>
-            </a:schemeClr>
-          </a:solidFill>
-          <a:ln w="25400">
+        </p:grpSpPr>
+        <p:sp>
+          <p:nvSpPr>
+            <p:cNvPr id="27" name="Rounded Rectangle 26"/>
+            <p:cNvSpPr/>
+            <p:nvPr/>
+          </p:nvSpPr>
+          <p:spPr>
+            <a:xfrm>
+              <a:off x="2327565" y="205943"/>
+              <a:ext cx="7329869" cy="6029172"/>
+            </a:xfrm>
+            <a:prstGeom prst="roundRect">
+              <a:avLst>
+                <a:gd name="adj" fmla="val 31833"/>
+              </a:avLst>
+            </a:prstGeom>
             <a:noFill/>
-            <a:prstDash val="dash"/>
-          </a:ln>
-        </p:spPr>
-        <p:style>
-          <a:lnRef idx="2">
-            <a:schemeClr val="accent1">
-              <a:shade val="50000"/>
-            </a:schemeClr>
-          </a:lnRef>
-          <a:fillRef idx="1">
-            <a:schemeClr val="accent1"/>
-          </a:fillRef>
-          <a:effectRef idx="0">
-            <a:schemeClr val="accent1"/>
-          </a:effectRef>
-          <a:fontRef idx="minor">
-            <a:schemeClr val="lt1"/>
-          </a:fontRef>
-        </p:style>
-        <p:txBody>
-          <a:bodyPr rot="0" spcFirstLastPara="0" vertOverflow="overflow" horzOverflow="overflow" vert="horz" wrap="square" lIns="0" tIns="0" rIns="0" bIns="0" numCol="1" spcCol="0" rtlCol="0" fromWordArt="0" anchor="t" anchorCtr="0" forceAA="0" compatLnSpc="1">
-            <a:prstTxWarp prst="textNoShape">
+            <a:ln w="25400">
+              <a:solidFill>
+                <a:schemeClr val="bg1">
+                  <a:lumMod val="50000"/>
+                </a:schemeClr>
+              </a:solidFill>
+              <a:prstDash val="dash"/>
+            </a:ln>
+          </p:spPr>
+          <p:style>
+            <a:lnRef idx="2">
+              <a:schemeClr val="accent1">
+                <a:shade val="50000"/>
+              </a:schemeClr>
+            </a:lnRef>
+            <a:fillRef idx="1">
+              <a:schemeClr val="accent1"/>
+            </a:fillRef>
+            <a:effectRef idx="0">
+              <a:schemeClr val="accent1"/>
+            </a:effectRef>
+            <a:fontRef idx="minor">
+              <a:schemeClr val="lt1"/>
+            </a:fontRef>
+          </p:style>
+          <p:txBody>
+            <a:bodyPr rot="0" spcFirstLastPara="0" vertOverflow="overflow" horzOverflow="overflow" vert="horz" wrap="square" lIns="0" tIns="0" rIns="0" bIns="0" numCol="1" spcCol="0" rtlCol="0" fromWordArt="0" anchor="t" anchorCtr="0" forceAA="0" compatLnSpc="1">
+              <a:prstTxWarp prst="textNoShape">
+                <a:avLst/>
+              </a:prstTxWarp>
+              <a:noAutofit/>
+            </a:bodyPr>
+            <a:lstStyle/>
+            <a:p>
+              <a:pPr algn="ctr"/>
+              <a:endParaRPr lang="sv-SE" sz="3200" b="1" dirty="0">
+                <a:solidFill>
+                  <a:schemeClr val="tx1"/>
+                </a:solidFill>
+              </a:endParaRPr>
+            </a:p>
+          </p:txBody>
+        </p:sp>
+        <p:sp>
+          <p:nvSpPr>
+            <p:cNvPr id="28" name="TextBox 27"/>
+            <p:cNvSpPr txBox="1"/>
+            <p:nvPr/>
+          </p:nvSpPr>
+          <p:spPr>
+            <a:xfrm>
+              <a:off x="5449864" y="400967"/>
+              <a:ext cx="1076705" cy="461665"/>
+            </a:xfrm>
+            <a:prstGeom prst="rect">
               <a:avLst/>
-            </a:prstTxWarp>
-            <a:noAutofit/>
-          </a:bodyPr>
-          <a:lstStyle/>
-          <a:p>
-            <a:pPr algn="ctr"/>
-            <a:endParaRPr lang="sv-SE" sz="3200" b="1" dirty="0">
-              <a:solidFill>
-                <a:schemeClr val="tx1"/>
-              </a:solidFill>
-            </a:endParaRPr>
-          </a:p>
-        </p:txBody>
-      </p:sp>
+            </a:prstGeom>
+            <a:noFill/>
+          </p:spPr>
+          <p:txBody>
+            <a:bodyPr wrap="none" rtlCol="0">
+              <a:spAutoFit/>
+            </a:bodyPr>
+            <a:lstStyle/>
+            <a:p>
+              <a:r>
+                <a:rPr lang="sv-SE" sz="2400" b="1" dirty="0" smtClean="0"/>
+                <a:t>Cluster</a:t>
+              </a:r>
+              <a:endParaRPr lang="sv-SE" sz="2400" b="1" dirty="0"/>
+            </a:p>
+          </p:txBody>
+        </p:sp>
+      </p:grpSp>
       <p:sp>
         <p:nvSpPr>
           <p:cNvPr id="30" name="Rectangle 29"/>
@@ -10622,7 +13648,7 @@
         <p:spPr>
           <a:xfrm>
             <a:off x="210571" y="132595"/>
-            <a:ext cx="3955572" cy="3671700"/>
+            <a:ext cx="3955572" cy="2375892"/>
           </a:xfrm>
           <a:prstGeom prst="rect">
             <a:avLst/>
@@ -10658,13 +13684,15 @@
           <a:lstStyle/>
           <a:p>
             <a:r>
-              <a:rPr lang="sv-SE" sz="1600" b="1" dirty="0" smtClean="0">
+              <a:rPr lang="sv-SE" sz="1600" b="1" dirty="0">
                 <a:solidFill>
                   <a:schemeClr val="tx1"/>
                 </a:solidFill>
               </a:rPr>
               <a:t>Framework specific protocols</a:t>
             </a:r>
+          </a:p>
+          <a:p>
             <a:endParaRPr lang="sv-SE" sz="1600" b="1" dirty="0">
               <a:solidFill>
                 <a:schemeClr val="tx1"/>
@@ -10672,45 +13700,13 @@
             </a:endParaRPr>
           </a:p>
           <a:p>
-            <a:endParaRPr lang="sv-SE" sz="1600" b="1" dirty="0">
-              <a:solidFill>
-                <a:schemeClr val="tx1"/>
-              </a:solidFill>
-            </a:endParaRPr>
-          </a:p>
-          <a:p>
             <a:r>
-              <a:rPr lang="sv-SE" sz="1600" dirty="0" smtClean="0">
+              <a:rPr lang="sv-SE" sz="1600" dirty="0">
                 <a:solidFill>
                   <a:schemeClr val="tx1"/>
                 </a:solidFill>
               </a:rPr>
               <a:t>For example, all of the major Actor Model frameworks and languages have their own specific homegrown protocols</a:t>
-            </a:r>
-          </a:p>
-          <a:p>
-            <a:endParaRPr lang="sv-SE" sz="1600" dirty="0" smtClean="0">
-              <a:solidFill>
-                <a:schemeClr val="tx1"/>
-              </a:solidFill>
-            </a:endParaRPr>
-          </a:p>
-          <a:p>
-            <a:r>
-              <a:rPr lang="sv-SE" sz="1600" b="1" dirty="0" smtClean="0">
-                <a:solidFill>
-                  <a:schemeClr val="tx1"/>
-                </a:solidFill>
-              </a:rPr>
-              <a:t>Erlang OTP, Akka, Akka.NET, MsOrleans, </a:t>
-            </a:r>
-            <a:r>
-              <a:rPr lang="sv-SE" sz="1600" dirty="0" smtClean="0">
-                <a:solidFill>
-                  <a:schemeClr val="tx1"/>
-                </a:solidFill>
-              </a:rPr>
-              <a:t>none of them can talk to eachother using their own cluster protocols.</a:t>
             </a:r>
           </a:p>
           <a:p>
@@ -10721,143 +13717,97 @@
             </a:endParaRPr>
           </a:p>
           <a:p>
+            <a:r>
+              <a:rPr lang="sv-SE" sz="1600" b="1" dirty="0">
+                <a:solidFill>
+                  <a:schemeClr val="tx1"/>
+                </a:solidFill>
+              </a:rPr>
+              <a:t>Erlang OTP, Akka, Akka.NET, MsOrleans, </a:t>
+            </a:r>
+            <a:r>
+              <a:rPr lang="sv-SE" sz="1600" dirty="0">
+                <a:solidFill>
+                  <a:schemeClr val="tx1"/>
+                </a:solidFill>
+              </a:rPr>
+              <a:t>none of them can talk to eachother using their own cluster protocols.</a:t>
+            </a:r>
+          </a:p>
+          <a:p>
             <a:endParaRPr lang="sv-SE" sz="1600" dirty="0">
               <a:solidFill>
                 <a:schemeClr val="tx1"/>
               </a:solidFill>
             </a:endParaRPr>
           </a:p>
+          <a:p>
+            <a:endParaRPr lang="sv-SE" sz="1600" dirty="0">
+              <a:solidFill>
+                <a:schemeClr val="tx1"/>
+              </a:solidFill>
+            </a:endParaRPr>
+          </a:p>
         </p:txBody>
       </p:sp>
       <p:sp>
         <p:nvSpPr>
-          <p:cNvPr id="14" name="Freeform 13"/>
+          <p:cNvPr id="20" name="TextBox 19"/>
+          <p:cNvSpPr txBox="1"/>
+          <p:nvPr/>
+        </p:nvSpPr>
+        <p:spPr>
+          <a:xfrm>
+            <a:off x="7372431" y="961007"/>
+            <a:ext cx="1016304" cy="369332"/>
+          </a:xfrm>
+          <a:prstGeom prst="rect">
+            <a:avLst/>
+          </a:prstGeom>
+          <a:noFill/>
+        </p:spPr>
+        <p:txBody>
+          <a:bodyPr wrap="none" rtlCol="0">
+            <a:spAutoFit/>
+          </a:bodyPr>
+          <a:lstStyle/>
+          <a:p>
+            <a:r>
+              <a:rPr lang="sv-SE" dirty="0" smtClean="0"/>
+              <a:t>Network</a:t>
+            </a:r>
+            <a:endParaRPr lang="sv-SE" dirty="0"/>
+          </a:p>
+        </p:txBody>
+      </p:sp>
+      <p:sp>
+        <p:nvSpPr>
+          <p:cNvPr id="47" name="Line Callout 2 (No Border) 46"/>
           <p:cNvSpPr/>
           <p:nvPr/>
         </p:nvSpPr>
         <p:spPr>
           <a:xfrm>
-            <a:off x="6017224" y="293960"/>
-            <a:ext cx="2583282" cy="6029172"/>
+            <a:off x="2556026" y="4490021"/>
+            <a:ext cx="3905318" cy="1223648"/>
           </a:xfrm>
-          <a:custGeom>
-            <a:avLst/>
-            <a:gdLst>
-              <a:gd name="connsiteX0" fmla="*/ 1867644 w 2583282"/>
-              <a:gd name="connsiteY0" fmla="*/ 0 h 6029172"/>
-              <a:gd name="connsiteX1" fmla="*/ 2425778 w 2583282"/>
-              <a:gd name="connsiteY1" fmla="*/ 34735 h 6029172"/>
-              <a:gd name="connsiteX2" fmla="*/ 2583282 w 2583282"/>
-              <a:gd name="connsiteY2" fmla="*/ 57871 h 6029172"/>
-              <a:gd name="connsiteX3" fmla="*/ 2583282 w 2583282"/>
-              <a:gd name="connsiteY3" fmla="*/ 5971301 h 6029172"/>
-              <a:gd name="connsiteX4" fmla="*/ 2425778 w 2583282"/>
-              <a:gd name="connsiteY4" fmla="*/ 5994437 h 6029172"/>
-              <a:gd name="connsiteX5" fmla="*/ 1867644 w 2583282"/>
-              <a:gd name="connsiteY5" fmla="*/ 6029172 h 6029172"/>
-              <a:gd name="connsiteX6" fmla="*/ 120719 w 2583282"/>
-              <a:gd name="connsiteY6" fmla="*/ 5665328 h 6029172"/>
-              <a:gd name="connsiteX7" fmla="*/ 0 w 2583282"/>
-              <a:gd name="connsiteY7" fmla="*/ 5605004 h 6029172"/>
-              <a:gd name="connsiteX8" fmla="*/ 0 w 2583282"/>
-              <a:gd name="connsiteY8" fmla="*/ 424168 h 6029172"/>
-              <a:gd name="connsiteX9" fmla="*/ 120719 w 2583282"/>
-              <a:gd name="connsiteY9" fmla="*/ 363844 h 6029172"/>
-              <a:gd name="connsiteX10" fmla="*/ 1867644 w 2583282"/>
-              <a:gd name="connsiteY10" fmla="*/ 0 h 6029172"/>
-            </a:gdLst>
-            <a:ahLst/>
-            <a:cxnLst>
-              <a:cxn ang="0">
-                <a:pos x="connsiteX0" y="connsiteY0"/>
-              </a:cxn>
-              <a:cxn ang="0">
-                <a:pos x="connsiteX1" y="connsiteY1"/>
-              </a:cxn>
-              <a:cxn ang="0">
-                <a:pos x="connsiteX2" y="connsiteY2"/>
-              </a:cxn>
-              <a:cxn ang="0">
-                <a:pos x="connsiteX3" y="connsiteY3"/>
-              </a:cxn>
-              <a:cxn ang="0">
-                <a:pos x="connsiteX4" y="connsiteY4"/>
-              </a:cxn>
-              <a:cxn ang="0">
-                <a:pos x="connsiteX5" y="connsiteY5"/>
-              </a:cxn>
-              <a:cxn ang="0">
-                <a:pos x="connsiteX6" y="connsiteY6"/>
-              </a:cxn>
-              <a:cxn ang="0">
-                <a:pos x="connsiteX7" y="connsiteY7"/>
-              </a:cxn>
-              <a:cxn ang="0">
-                <a:pos x="connsiteX8" y="connsiteY8"/>
-              </a:cxn>
-              <a:cxn ang="0">
-                <a:pos x="connsiteX9" y="connsiteY9"/>
-              </a:cxn>
-              <a:cxn ang="0">
-                <a:pos x="connsiteX10" y="connsiteY10"/>
-              </a:cxn>
-            </a:cxnLst>
-            <a:rect l="l" t="t" r="r" b="b"/>
-            <a:pathLst>
-              <a:path w="2583282" h="6029172">
-                <a:moveTo>
-                  <a:pt x="1867644" y="0"/>
-                </a:moveTo>
-                <a:cubicBezTo>
-                  <a:pt x="2057402" y="0"/>
-                  <a:pt x="2243792" y="11863"/>
-                  <a:pt x="2425778" y="34735"/>
-                </a:cubicBezTo>
-                <a:lnTo>
-                  <a:pt x="2583282" y="57871"/>
-                </a:lnTo>
-                <a:lnTo>
-                  <a:pt x="2583282" y="5971301"/>
-                </a:lnTo>
-                <a:lnTo>
-                  <a:pt x="2425778" y="5994437"/>
-                </a:lnTo>
-                <a:cubicBezTo>
-                  <a:pt x="2243792" y="6017310"/>
-                  <a:pt x="2057402" y="6029172"/>
-                  <a:pt x="1867644" y="6029172"/>
-                </a:cubicBezTo>
-                <a:cubicBezTo>
-                  <a:pt x="1235117" y="6029172"/>
-                  <a:pt x="640015" y="5897368"/>
-                  <a:pt x="120719" y="5665328"/>
-                </a:cubicBezTo>
-                <a:lnTo>
-                  <a:pt x="0" y="5605004"/>
-                </a:lnTo>
-                <a:lnTo>
-                  <a:pt x="0" y="424168"/>
-                </a:lnTo>
-                <a:lnTo>
-                  <a:pt x="120719" y="363844"/>
-                </a:lnTo>
-                <a:cubicBezTo>
-                  <a:pt x="640015" y="131804"/>
-                  <a:pt x="1235117" y="0"/>
-                  <a:pt x="1867644" y="0"/>
-                </a:cubicBezTo>
-                <a:close/>
-              </a:path>
-            </a:pathLst>
-          </a:custGeom>
+          <a:prstGeom prst="callout2">
+            <a:avLst>
+              <a:gd name="adj1" fmla="val 59251"/>
+              <a:gd name="adj2" fmla="val 98886"/>
+              <a:gd name="adj3" fmla="val 59480"/>
+              <a:gd name="adj4" fmla="val 108147"/>
+              <a:gd name="adj5" fmla="val 52021"/>
+              <a:gd name="adj6" fmla="val 132579"/>
+            </a:avLst>
+          </a:prstGeom>
           <a:solidFill>
-            <a:srgbClr val="8E0000"/>
+            <a:schemeClr val="bg1"/>
           </a:solidFill>
-          <a:ln w="50800">
+          <a:ln w="25400">
             <a:solidFill>
-              <a:schemeClr val="bg1"/>
+              <a:schemeClr val="tx1"/>
             </a:solidFill>
-            <a:prstDash val="solid"/>
           </a:ln>
         </p:spPr>
         <p:style>
@@ -10877,81 +13827,64 @@
           </a:fontRef>
         </p:style>
         <p:txBody>
-          <a:bodyPr wrap="square" lIns="216000" tIns="0" rIns="108000" bIns="0" rtlCol="0" anchor="ctr">
-            <a:noAutofit/>
-          </a:bodyPr>
+          <a:bodyPr rtlCol="0" anchor="ctr"/>
           <a:lstStyle/>
           <a:p>
-            <a:endParaRPr lang="sv-SE" sz="2400" b="1" dirty="0">
-              <a:solidFill>
-                <a:schemeClr val="bg1"/>
-              </a:solidFill>
-            </a:endParaRPr>
-          </a:p>
-        </p:txBody>
-      </p:sp>
-      <p:sp>
-        <p:nvSpPr>
-          <p:cNvPr id="13" name="Oval 12"/>
-          <p:cNvSpPr/>
-          <p:nvPr/>
-        </p:nvSpPr>
-        <p:spPr>
-          <a:xfrm>
-            <a:off x="4215649" y="293960"/>
-            <a:ext cx="7329869" cy="6029172"/>
-          </a:xfrm>
-          <a:prstGeom prst="ellipse">
-            <a:avLst/>
-          </a:prstGeom>
-          <a:noFill/>
-          <a:ln w="25400">
-            <a:solidFill>
-              <a:schemeClr val="bg1">
-                <a:lumMod val="50000"/>
-                <a:alpha val="17000"/>
-              </a:schemeClr>
-            </a:solidFill>
-            <a:prstDash val="dash"/>
-          </a:ln>
-        </p:spPr>
-        <p:style>
-          <a:lnRef idx="2">
-            <a:schemeClr val="accent1">
-              <a:shade val="50000"/>
-            </a:schemeClr>
-          </a:lnRef>
-          <a:fillRef idx="1">
-            <a:schemeClr val="accent1"/>
-          </a:fillRef>
-          <a:effectRef idx="0">
-            <a:schemeClr val="accent1"/>
-          </a:effectRef>
-          <a:fontRef idx="minor">
-            <a:schemeClr val="lt1"/>
-          </a:fontRef>
-        </p:style>
-        <p:txBody>
-          <a:bodyPr rot="0" spcFirstLastPara="0" vertOverflow="overflow" horzOverflow="overflow" vert="horz" wrap="square" lIns="0" tIns="0" rIns="0" bIns="0" numCol="1" spcCol="0" rtlCol="0" fromWordArt="0" anchor="t" anchorCtr="0" forceAA="0" compatLnSpc="1">
-            <a:prstTxWarp prst="textNoShape">
-              <a:avLst/>
-            </a:prstTxWarp>
-            <a:noAutofit/>
-          </a:bodyPr>
-          <a:lstStyle/>
-          <a:p>
-            <a:pPr algn="ctr"/>
-            <a:endParaRPr lang="sv-SE" sz="3200" b="1" dirty="0">
-              <a:solidFill>
-                <a:schemeClr val="tx1"/>
-              </a:solidFill>
-            </a:endParaRPr>
+            <a:r>
+              <a:rPr lang="sv-SE" sz="2400" b="1" dirty="0">
+                <a:solidFill>
+                  <a:schemeClr val="tx1"/>
+                </a:solidFill>
+              </a:rPr>
+              <a:t>Homegrown, </a:t>
+            </a:r>
+          </a:p>
+          <a:p>
+            <a:r>
+              <a:rPr lang="sv-SE" sz="2400" b="1" dirty="0">
+                <a:solidFill>
+                  <a:schemeClr val="tx1"/>
+                </a:solidFill>
+              </a:rPr>
+              <a:t>non standard, </a:t>
+            </a:r>
+            <a:r>
+              <a:rPr lang="sv-SE" sz="2400" b="1" dirty="0" smtClean="0">
+                <a:solidFill>
+                  <a:schemeClr val="tx1"/>
+                </a:solidFill>
+              </a:rPr>
+              <a:t/>
+            </a:r>
+            <a:br>
+              <a:rPr lang="sv-SE" sz="2400" b="1" dirty="0" smtClean="0">
+                <a:solidFill>
+                  <a:schemeClr val="tx1"/>
+                </a:solidFill>
+              </a:rPr>
+            </a:br>
+            <a:r>
+              <a:rPr lang="sv-SE" sz="2400" b="1" dirty="0" smtClean="0">
+                <a:solidFill>
+                  <a:schemeClr val="tx1"/>
+                </a:solidFill>
+              </a:rPr>
+              <a:t>framework </a:t>
+            </a:r>
+            <a:r>
+              <a:rPr lang="sv-SE" sz="2400" b="1" dirty="0">
+                <a:solidFill>
+                  <a:schemeClr val="tx1"/>
+                </a:solidFill>
+              </a:rPr>
+              <a:t>specific protocol </a:t>
+            </a:r>
           </a:p>
         </p:txBody>
       </p:sp>
       <p:grpSp>
         <p:nvGrpSpPr>
-          <p:cNvPr id="50" name="Group 49"/>
+          <p:cNvPr id="14" name="Group 13"/>
           <p:cNvGrpSpPr/>
           <p:nvPr/>
         </p:nvGrpSpPr>
@@ -10965,7 +13898,7 @@
         </p:grpSpPr>
         <p:grpSp>
           <p:nvGrpSpPr>
-            <p:cNvPr id="51" name="Group 50"/>
+            <p:cNvPr id="13" name="Group 12"/>
             <p:cNvGrpSpPr/>
             <p:nvPr/>
           </p:nvGrpSpPr>
@@ -10979,7 +13912,7 @@
           </p:grpSpPr>
           <p:grpSp>
             <p:nvGrpSpPr>
-              <p:cNvPr id="73" name="Group 72"/>
+              <p:cNvPr id="12" name="Group 11"/>
               <p:cNvGrpSpPr/>
               <p:nvPr/>
             </p:nvGrpSpPr>
@@ -10993,7 +13926,7 @@
             </p:grpSpPr>
             <p:cxnSp>
               <p:nvCxnSpPr>
-                <p:cNvPr id="77" name="Curved Connector 76"/>
+                <p:cNvPr id="3" name="Curved Connector 2"/>
                 <p:cNvCxnSpPr/>
                 <p:nvPr/>
               </p:nvCxnSpPr>
@@ -11007,7 +13940,7 @@
                 </a:prstGeom>
                 <a:ln w="50800" cap="rnd">
                   <a:solidFill>
-                    <a:srgbClr val="6C0000"/>
+                    <a:srgbClr val="FF0000"/>
                   </a:solidFill>
                   <a:prstDash val="solid"/>
                   <a:round/>
@@ -11030,7 +13963,7 @@
             </p:cxnSp>
             <p:cxnSp>
               <p:nvCxnSpPr>
-                <p:cNvPr id="78" name="Curved Connector 77"/>
+                <p:cNvPr id="17" name="Curved Connector 16"/>
                 <p:cNvCxnSpPr/>
                 <p:nvPr/>
               </p:nvCxnSpPr>
@@ -11044,7 +13977,7 @@
                 </a:prstGeom>
                 <a:ln w="50800" cap="rnd">
                   <a:solidFill>
-                    <a:srgbClr val="6C0000"/>
+                    <a:srgbClr val="FF0000"/>
                   </a:solidFill>
                   <a:prstDash val="solid"/>
                   <a:round/>
@@ -11068,7 +14001,7 @@
           </p:grpSp>
           <p:grpSp>
             <p:nvGrpSpPr>
-              <p:cNvPr id="74" name="Group 73"/>
+              <p:cNvPr id="23" name="Group 22"/>
               <p:cNvGrpSpPr/>
               <p:nvPr/>
             </p:nvGrpSpPr>
@@ -11082,7 +14015,7 @@
             </p:grpSpPr>
             <p:cxnSp>
               <p:nvCxnSpPr>
-                <p:cNvPr id="75" name="Curved Connector 74"/>
+                <p:cNvPr id="24" name="Curved Connector 23"/>
                 <p:cNvCxnSpPr/>
                 <p:nvPr/>
               </p:nvCxnSpPr>
@@ -11096,7 +14029,7 @@
                 </a:prstGeom>
                 <a:ln w="50800" cap="rnd">
                   <a:solidFill>
-                    <a:srgbClr val="6C0000"/>
+                    <a:srgbClr val="FF0000"/>
                   </a:solidFill>
                   <a:prstDash val="solid"/>
                   <a:round/>
@@ -11119,7 +14052,7 @@
             </p:cxnSp>
             <p:cxnSp>
               <p:nvCxnSpPr>
-                <p:cNvPr id="76" name="Curved Connector 75"/>
+                <p:cNvPr id="25" name="Curved Connector 24"/>
                 <p:cNvCxnSpPr/>
                 <p:nvPr/>
               </p:nvCxnSpPr>
@@ -11133,7 +14066,393 @@
                 </a:prstGeom>
                 <a:ln w="50800" cap="rnd">
                   <a:solidFill>
-                    <a:srgbClr val="6C0000"/>
+                    <a:srgbClr val="FF0000"/>
+                  </a:solidFill>
+                  <a:prstDash val="solid"/>
+                  <a:round/>
+                </a:ln>
+              </p:spPr>
+              <p:style>
+                <a:lnRef idx="1">
+                  <a:schemeClr val="accent1"/>
+                </a:lnRef>
+                <a:fillRef idx="0">
+                  <a:schemeClr val="accent1"/>
+                </a:fillRef>
+                <a:effectRef idx="0">
+                  <a:schemeClr val="accent1"/>
+                </a:effectRef>
+                <a:fontRef idx="minor">
+                  <a:schemeClr val="tx1"/>
+                </a:fontRef>
+              </p:style>
+            </p:cxnSp>
+          </p:grpSp>
+        </p:grpSp>
+        <p:grpSp>
+          <p:nvGrpSpPr>
+            <p:cNvPr id="31" name="Group 30"/>
+            <p:cNvGrpSpPr/>
+            <p:nvPr/>
+          </p:nvGrpSpPr>
+          <p:grpSpPr>
+            <a:xfrm>
+              <a:off x="7572375" y="2149003"/>
+              <a:ext cx="219075" cy="952500"/>
+              <a:chOff x="7572375" y="1181099"/>
+              <a:chExt cx="219075" cy="952500"/>
+            </a:xfrm>
+          </p:grpSpPr>
+          <p:grpSp>
+            <p:nvGrpSpPr>
+              <p:cNvPr id="32" name="Group 31"/>
+              <p:cNvGrpSpPr/>
+              <p:nvPr/>
+            </p:nvGrpSpPr>
+            <p:grpSpPr>
+              <a:xfrm>
+                <a:off x="7572375" y="1181099"/>
+                <a:ext cx="219075" cy="476250"/>
+                <a:chOff x="7572375" y="1181099"/>
+                <a:chExt cx="219075" cy="476250"/>
+              </a:xfrm>
+            </p:grpSpPr>
+            <p:cxnSp>
+              <p:nvCxnSpPr>
+                <p:cNvPr id="36" name="Curved Connector 35"/>
+                <p:cNvCxnSpPr/>
+                <p:nvPr/>
+              </p:nvCxnSpPr>
+              <p:spPr>
+                <a:xfrm rot="16200000" flipH="1">
+                  <a:off x="7562850" y="1190624"/>
+                  <a:ext cx="238125" cy="219075"/>
+                </a:xfrm>
+                <a:prstGeom prst="curvedConnector3">
+                  <a:avLst/>
+                </a:prstGeom>
+                <a:ln w="50800" cap="rnd">
+                  <a:solidFill>
+                    <a:srgbClr val="FF0000"/>
+                  </a:solidFill>
+                  <a:prstDash val="solid"/>
+                  <a:round/>
+                </a:ln>
+              </p:spPr>
+              <p:style>
+                <a:lnRef idx="1">
+                  <a:schemeClr val="accent1"/>
+                </a:lnRef>
+                <a:fillRef idx="0">
+                  <a:schemeClr val="accent1"/>
+                </a:fillRef>
+                <a:effectRef idx="0">
+                  <a:schemeClr val="accent1"/>
+                </a:effectRef>
+                <a:fontRef idx="minor">
+                  <a:schemeClr val="tx1"/>
+                </a:fontRef>
+              </p:style>
+            </p:cxnSp>
+            <p:cxnSp>
+              <p:nvCxnSpPr>
+                <p:cNvPr id="37" name="Curved Connector 36"/>
+                <p:cNvCxnSpPr/>
+                <p:nvPr/>
+              </p:nvCxnSpPr>
+              <p:spPr>
+                <a:xfrm rot="5400000">
+                  <a:off x="7562851" y="1428750"/>
+                  <a:ext cx="238123" cy="219075"/>
+                </a:xfrm>
+                <a:prstGeom prst="curvedConnector3">
+                  <a:avLst/>
+                </a:prstGeom>
+                <a:ln w="50800" cap="rnd">
+                  <a:solidFill>
+                    <a:srgbClr val="FF0000"/>
+                  </a:solidFill>
+                  <a:prstDash val="solid"/>
+                  <a:round/>
+                </a:ln>
+              </p:spPr>
+              <p:style>
+                <a:lnRef idx="1">
+                  <a:schemeClr val="accent1"/>
+                </a:lnRef>
+                <a:fillRef idx="0">
+                  <a:schemeClr val="accent1"/>
+                </a:fillRef>
+                <a:effectRef idx="0">
+                  <a:schemeClr val="accent1"/>
+                </a:effectRef>
+                <a:fontRef idx="minor">
+                  <a:schemeClr val="tx1"/>
+                </a:fontRef>
+              </p:style>
+            </p:cxnSp>
+          </p:grpSp>
+          <p:grpSp>
+            <p:nvGrpSpPr>
+              <p:cNvPr id="33" name="Group 32"/>
+              <p:cNvGrpSpPr/>
+              <p:nvPr/>
+            </p:nvGrpSpPr>
+            <p:grpSpPr>
+              <a:xfrm>
+                <a:off x="7572375" y="1657349"/>
+                <a:ext cx="219075" cy="476250"/>
+                <a:chOff x="7572375" y="1181099"/>
+                <a:chExt cx="219075" cy="476250"/>
+              </a:xfrm>
+            </p:grpSpPr>
+            <p:cxnSp>
+              <p:nvCxnSpPr>
+                <p:cNvPr id="34" name="Curved Connector 33"/>
+                <p:cNvCxnSpPr/>
+                <p:nvPr/>
+              </p:nvCxnSpPr>
+              <p:spPr>
+                <a:xfrm rot="16200000" flipH="1">
+                  <a:off x="7562850" y="1190624"/>
+                  <a:ext cx="238125" cy="219075"/>
+                </a:xfrm>
+                <a:prstGeom prst="curvedConnector3">
+                  <a:avLst/>
+                </a:prstGeom>
+                <a:ln w="50800" cap="rnd">
+                  <a:solidFill>
+                    <a:srgbClr val="FF0000"/>
+                  </a:solidFill>
+                  <a:prstDash val="solid"/>
+                  <a:round/>
+                </a:ln>
+              </p:spPr>
+              <p:style>
+                <a:lnRef idx="1">
+                  <a:schemeClr val="accent1"/>
+                </a:lnRef>
+                <a:fillRef idx="0">
+                  <a:schemeClr val="accent1"/>
+                </a:fillRef>
+                <a:effectRef idx="0">
+                  <a:schemeClr val="accent1"/>
+                </a:effectRef>
+                <a:fontRef idx="minor">
+                  <a:schemeClr val="tx1"/>
+                </a:fontRef>
+              </p:style>
+            </p:cxnSp>
+            <p:cxnSp>
+              <p:nvCxnSpPr>
+                <p:cNvPr id="35" name="Curved Connector 34"/>
+                <p:cNvCxnSpPr/>
+                <p:nvPr/>
+              </p:nvCxnSpPr>
+              <p:spPr>
+                <a:xfrm rot="5400000">
+                  <a:off x="7562851" y="1428750"/>
+                  <a:ext cx="238123" cy="219075"/>
+                </a:xfrm>
+                <a:prstGeom prst="curvedConnector3">
+                  <a:avLst/>
+                </a:prstGeom>
+                <a:ln w="50800" cap="rnd">
+                  <a:solidFill>
+                    <a:srgbClr val="FF0000"/>
+                  </a:solidFill>
+                  <a:prstDash val="solid"/>
+                  <a:round/>
+                </a:ln>
+              </p:spPr>
+              <p:style>
+                <a:lnRef idx="1">
+                  <a:schemeClr val="accent1"/>
+                </a:lnRef>
+                <a:fillRef idx="0">
+                  <a:schemeClr val="accent1"/>
+                </a:fillRef>
+                <a:effectRef idx="0">
+                  <a:schemeClr val="accent1"/>
+                </a:effectRef>
+                <a:fontRef idx="minor">
+                  <a:schemeClr val="tx1"/>
+                </a:fontRef>
+              </p:style>
+            </p:cxnSp>
+          </p:grpSp>
+        </p:grpSp>
+        <p:grpSp>
+          <p:nvGrpSpPr>
+            <p:cNvPr id="38" name="Group 37"/>
+            <p:cNvGrpSpPr/>
+            <p:nvPr/>
+          </p:nvGrpSpPr>
+          <p:grpSpPr>
+            <a:xfrm>
+              <a:off x="7572375" y="3101503"/>
+              <a:ext cx="219075" cy="952500"/>
+              <a:chOff x="7572375" y="1181099"/>
+              <a:chExt cx="219075" cy="952500"/>
+            </a:xfrm>
+          </p:grpSpPr>
+          <p:grpSp>
+            <p:nvGrpSpPr>
+              <p:cNvPr id="39" name="Group 38"/>
+              <p:cNvGrpSpPr/>
+              <p:nvPr/>
+            </p:nvGrpSpPr>
+            <p:grpSpPr>
+              <a:xfrm>
+                <a:off x="7572375" y="1181099"/>
+                <a:ext cx="219075" cy="476250"/>
+                <a:chOff x="7572375" y="1181099"/>
+                <a:chExt cx="219075" cy="476250"/>
+              </a:xfrm>
+            </p:grpSpPr>
+            <p:cxnSp>
+              <p:nvCxnSpPr>
+                <p:cNvPr id="43" name="Curved Connector 42"/>
+                <p:cNvCxnSpPr/>
+                <p:nvPr/>
+              </p:nvCxnSpPr>
+              <p:spPr>
+                <a:xfrm rot="16200000" flipH="1">
+                  <a:off x="7562850" y="1190624"/>
+                  <a:ext cx="238125" cy="219075"/>
+                </a:xfrm>
+                <a:prstGeom prst="curvedConnector3">
+                  <a:avLst/>
+                </a:prstGeom>
+                <a:ln w="50800" cap="rnd">
+                  <a:solidFill>
+                    <a:srgbClr val="FF0000"/>
+                  </a:solidFill>
+                  <a:prstDash val="solid"/>
+                  <a:round/>
+                </a:ln>
+              </p:spPr>
+              <p:style>
+                <a:lnRef idx="1">
+                  <a:schemeClr val="accent1"/>
+                </a:lnRef>
+                <a:fillRef idx="0">
+                  <a:schemeClr val="accent1"/>
+                </a:fillRef>
+                <a:effectRef idx="0">
+                  <a:schemeClr val="accent1"/>
+                </a:effectRef>
+                <a:fontRef idx="minor">
+                  <a:schemeClr val="tx1"/>
+                </a:fontRef>
+              </p:style>
+            </p:cxnSp>
+            <p:cxnSp>
+              <p:nvCxnSpPr>
+                <p:cNvPr id="44" name="Curved Connector 43"/>
+                <p:cNvCxnSpPr/>
+                <p:nvPr/>
+              </p:nvCxnSpPr>
+              <p:spPr>
+                <a:xfrm rot="5400000">
+                  <a:off x="7562851" y="1428750"/>
+                  <a:ext cx="238123" cy="219075"/>
+                </a:xfrm>
+                <a:prstGeom prst="curvedConnector3">
+                  <a:avLst/>
+                </a:prstGeom>
+                <a:ln w="50800" cap="rnd">
+                  <a:solidFill>
+                    <a:srgbClr val="FF0000"/>
+                  </a:solidFill>
+                  <a:prstDash val="solid"/>
+                  <a:round/>
+                </a:ln>
+              </p:spPr>
+              <p:style>
+                <a:lnRef idx="1">
+                  <a:schemeClr val="accent1"/>
+                </a:lnRef>
+                <a:fillRef idx="0">
+                  <a:schemeClr val="accent1"/>
+                </a:fillRef>
+                <a:effectRef idx="0">
+                  <a:schemeClr val="accent1"/>
+                </a:effectRef>
+                <a:fontRef idx="minor">
+                  <a:schemeClr val="tx1"/>
+                </a:fontRef>
+              </p:style>
+            </p:cxnSp>
+          </p:grpSp>
+          <p:grpSp>
+            <p:nvGrpSpPr>
+              <p:cNvPr id="40" name="Group 39"/>
+              <p:cNvGrpSpPr/>
+              <p:nvPr/>
+            </p:nvGrpSpPr>
+            <p:grpSpPr>
+              <a:xfrm>
+                <a:off x="7572375" y="1657349"/>
+                <a:ext cx="219075" cy="476250"/>
+                <a:chOff x="7572375" y="1181099"/>
+                <a:chExt cx="219075" cy="476250"/>
+              </a:xfrm>
+            </p:grpSpPr>
+            <p:cxnSp>
+              <p:nvCxnSpPr>
+                <p:cNvPr id="41" name="Curved Connector 40"/>
+                <p:cNvCxnSpPr/>
+                <p:nvPr/>
+              </p:nvCxnSpPr>
+              <p:spPr>
+                <a:xfrm rot="16200000" flipH="1">
+                  <a:off x="7562850" y="1190624"/>
+                  <a:ext cx="238125" cy="219075"/>
+                </a:xfrm>
+                <a:prstGeom prst="curvedConnector3">
+                  <a:avLst/>
+                </a:prstGeom>
+                <a:ln w="50800" cap="rnd">
+                  <a:solidFill>
+                    <a:srgbClr val="FF0000"/>
+                  </a:solidFill>
+                  <a:prstDash val="solid"/>
+                  <a:round/>
+                </a:ln>
+              </p:spPr>
+              <p:style>
+                <a:lnRef idx="1">
+                  <a:schemeClr val="accent1"/>
+                </a:lnRef>
+                <a:fillRef idx="0">
+                  <a:schemeClr val="accent1"/>
+                </a:fillRef>
+                <a:effectRef idx="0">
+                  <a:schemeClr val="accent1"/>
+                </a:effectRef>
+                <a:fontRef idx="minor">
+                  <a:schemeClr val="tx1"/>
+                </a:fontRef>
+              </p:style>
+            </p:cxnSp>
+            <p:cxnSp>
+              <p:nvCxnSpPr>
+                <p:cNvPr id="42" name="Curved Connector 41"/>
+                <p:cNvCxnSpPr/>
+                <p:nvPr/>
+              </p:nvCxnSpPr>
+              <p:spPr>
+                <a:xfrm rot="5400000">
+                  <a:off x="7562851" y="1428750"/>
+                  <a:ext cx="238123" cy="219075"/>
+                </a:xfrm>
+                <a:prstGeom prst="curvedConnector3">
+                  <a:avLst/>
+                </a:prstGeom>
+                <a:ln w="50800" cap="rnd">
+                  <a:solidFill>
+                    <a:srgbClr val="FF0000"/>
                   </a:solidFill>
                   <a:prstDash val="solid"/>
                   <a:round/>
@@ -11164,392 +14483,6 @@
           </p:nvGrpSpPr>
           <p:grpSpPr>
             <a:xfrm>
-              <a:off x="7572375" y="2149003"/>
-              <a:ext cx="219075" cy="952500"/>
-              <a:chOff x="7572375" y="1181099"/>
-              <a:chExt cx="219075" cy="952500"/>
-            </a:xfrm>
-          </p:grpSpPr>
-          <p:grpSp>
-            <p:nvGrpSpPr>
-              <p:cNvPr id="67" name="Group 66"/>
-              <p:cNvGrpSpPr/>
-              <p:nvPr/>
-            </p:nvGrpSpPr>
-            <p:grpSpPr>
-              <a:xfrm>
-                <a:off x="7572375" y="1181099"/>
-                <a:ext cx="219075" cy="476250"/>
-                <a:chOff x="7572375" y="1181099"/>
-                <a:chExt cx="219075" cy="476250"/>
-              </a:xfrm>
-            </p:grpSpPr>
-            <p:cxnSp>
-              <p:nvCxnSpPr>
-                <p:cNvPr id="71" name="Curved Connector 70"/>
-                <p:cNvCxnSpPr/>
-                <p:nvPr/>
-              </p:nvCxnSpPr>
-              <p:spPr>
-                <a:xfrm rot="16200000" flipH="1">
-                  <a:off x="7562850" y="1190624"/>
-                  <a:ext cx="238125" cy="219075"/>
-                </a:xfrm>
-                <a:prstGeom prst="curvedConnector3">
-                  <a:avLst/>
-                </a:prstGeom>
-                <a:ln w="50800" cap="rnd">
-                  <a:solidFill>
-                    <a:srgbClr val="6C0000"/>
-                  </a:solidFill>
-                  <a:prstDash val="solid"/>
-                  <a:round/>
-                </a:ln>
-              </p:spPr>
-              <p:style>
-                <a:lnRef idx="1">
-                  <a:schemeClr val="accent1"/>
-                </a:lnRef>
-                <a:fillRef idx="0">
-                  <a:schemeClr val="accent1"/>
-                </a:fillRef>
-                <a:effectRef idx="0">
-                  <a:schemeClr val="accent1"/>
-                </a:effectRef>
-                <a:fontRef idx="minor">
-                  <a:schemeClr val="tx1"/>
-                </a:fontRef>
-              </p:style>
-            </p:cxnSp>
-            <p:cxnSp>
-              <p:nvCxnSpPr>
-                <p:cNvPr id="72" name="Curved Connector 71"/>
-                <p:cNvCxnSpPr/>
-                <p:nvPr/>
-              </p:nvCxnSpPr>
-              <p:spPr>
-                <a:xfrm rot="5400000">
-                  <a:off x="7562851" y="1428750"/>
-                  <a:ext cx="238123" cy="219075"/>
-                </a:xfrm>
-                <a:prstGeom prst="curvedConnector3">
-                  <a:avLst/>
-                </a:prstGeom>
-                <a:ln w="50800" cap="rnd">
-                  <a:solidFill>
-                    <a:srgbClr val="6C0000"/>
-                  </a:solidFill>
-                  <a:prstDash val="solid"/>
-                  <a:round/>
-                </a:ln>
-              </p:spPr>
-              <p:style>
-                <a:lnRef idx="1">
-                  <a:schemeClr val="accent1"/>
-                </a:lnRef>
-                <a:fillRef idx="0">
-                  <a:schemeClr val="accent1"/>
-                </a:fillRef>
-                <a:effectRef idx="0">
-                  <a:schemeClr val="accent1"/>
-                </a:effectRef>
-                <a:fontRef idx="minor">
-                  <a:schemeClr val="tx1"/>
-                </a:fontRef>
-              </p:style>
-            </p:cxnSp>
-          </p:grpSp>
-          <p:grpSp>
-            <p:nvGrpSpPr>
-              <p:cNvPr id="68" name="Group 67"/>
-              <p:cNvGrpSpPr/>
-              <p:nvPr/>
-            </p:nvGrpSpPr>
-            <p:grpSpPr>
-              <a:xfrm>
-                <a:off x="7572375" y="1657349"/>
-                <a:ext cx="219075" cy="476250"/>
-                <a:chOff x="7572375" y="1181099"/>
-                <a:chExt cx="219075" cy="476250"/>
-              </a:xfrm>
-            </p:grpSpPr>
-            <p:cxnSp>
-              <p:nvCxnSpPr>
-                <p:cNvPr id="69" name="Curved Connector 68"/>
-                <p:cNvCxnSpPr/>
-                <p:nvPr/>
-              </p:nvCxnSpPr>
-              <p:spPr>
-                <a:xfrm rot="16200000" flipH="1">
-                  <a:off x="7562850" y="1190624"/>
-                  <a:ext cx="238125" cy="219075"/>
-                </a:xfrm>
-                <a:prstGeom prst="curvedConnector3">
-                  <a:avLst/>
-                </a:prstGeom>
-                <a:ln w="50800" cap="rnd">
-                  <a:solidFill>
-                    <a:srgbClr val="6C0000"/>
-                  </a:solidFill>
-                  <a:prstDash val="solid"/>
-                  <a:round/>
-                </a:ln>
-              </p:spPr>
-              <p:style>
-                <a:lnRef idx="1">
-                  <a:schemeClr val="accent1"/>
-                </a:lnRef>
-                <a:fillRef idx="0">
-                  <a:schemeClr val="accent1"/>
-                </a:fillRef>
-                <a:effectRef idx="0">
-                  <a:schemeClr val="accent1"/>
-                </a:effectRef>
-                <a:fontRef idx="minor">
-                  <a:schemeClr val="tx1"/>
-                </a:fontRef>
-              </p:style>
-            </p:cxnSp>
-            <p:cxnSp>
-              <p:nvCxnSpPr>
-                <p:cNvPr id="70" name="Curved Connector 69"/>
-                <p:cNvCxnSpPr/>
-                <p:nvPr/>
-              </p:nvCxnSpPr>
-              <p:spPr>
-                <a:xfrm rot="5400000">
-                  <a:off x="7562851" y="1428750"/>
-                  <a:ext cx="238123" cy="219075"/>
-                </a:xfrm>
-                <a:prstGeom prst="curvedConnector3">
-                  <a:avLst/>
-                </a:prstGeom>
-                <a:ln w="50800" cap="rnd">
-                  <a:solidFill>
-                    <a:srgbClr val="6C0000"/>
-                  </a:solidFill>
-                  <a:prstDash val="solid"/>
-                  <a:round/>
-                </a:ln>
-              </p:spPr>
-              <p:style>
-                <a:lnRef idx="1">
-                  <a:schemeClr val="accent1"/>
-                </a:lnRef>
-                <a:fillRef idx="0">
-                  <a:schemeClr val="accent1"/>
-                </a:fillRef>
-                <a:effectRef idx="0">
-                  <a:schemeClr val="accent1"/>
-                </a:effectRef>
-                <a:fontRef idx="minor">
-                  <a:schemeClr val="tx1"/>
-                </a:fontRef>
-              </p:style>
-            </p:cxnSp>
-          </p:grpSp>
-        </p:grpSp>
-        <p:grpSp>
-          <p:nvGrpSpPr>
-            <p:cNvPr id="53" name="Group 52"/>
-            <p:cNvGrpSpPr/>
-            <p:nvPr/>
-          </p:nvGrpSpPr>
-          <p:grpSpPr>
-            <a:xfrm>
-              <a:off x="7572375" y="3101503"/>
-              <a:ext cx="219075" cy="952500"/>
-              <a:chOff x="7572375" y="1181099"/>
-              <a:chExt cx="219075" cy="952500"/>
-            </a:xfrm>
-          </p:grpSpPr>
-          <p:grpSp>
-            <p:nvGrpSpPr>
-              <p:cNvPr id="61" name="Group 60"/>
-              <p:cNvGrpSpPr/>
-              <p:nvPr/>
-            </p:nvGrpSpPr>
-            <p:grpSpPr>
-              <a:xfrm>
-                <a:off x="7572375" y="1181099"/>
-                <a:ext cx="219075" cy="476250"/>
-                <a:chOff x="7572375" y="1181099"/>
-                <a:chExt cx="219075" cy="476250"/>
-              </a:xfrm>
-            </p:grpSpPr>
-            <p:cxnSp>
-              <p:nvCxnSpPr>
-                <p:cNvPr id="65" name="Curved Connector 64"/>
-                <p:cNvCxnSpPr/>
-                <p:nvPr/>
-              </p:nvCxnSpPr>
-              <p:spPr>
-                <a:xfrm rot="16200000" flipH="1">
-                  <a:off x="7562850" y="1190624"/>
-                  <a:ext cx="238125" cy="219075"/>
-                </a:xfrm>
-                <a:prstGeom prst="curvedConnector3">
-                  <a:avLst/>
-                </a:prstGeom>
-                <a:ln w="50800" cap="rnd">
-                  <a:solidFill>
-                    <a:srgbClr val="6C0000"/>
-                  </a:solidFill>
-                  <a:prstDash val="solid"/>
-                  <a:round/>
-                </a:ln>
-              </p:spPr>
-              <p:style>
-                <a:lnRef idx="1">
-                  <a:schemeClr val="accent1"/>
-                </a:lnRef>
-                <a:fillRef idx="0">
-                  <a:schemeClr val="accent1"/>
-                </a:fillRef>
-                <a:effectRef idx="0">
-                  <a:schemeClr val="accent1"/>
-                </a:effectRef>
-                <a:fontRef idx="minor">
-                  <a:schemeClr val="tx1"/>
-                </a:fontRef>
-              </p:style>
-            </p:cxnSp>
-            <p:cxnSp>
-              <p:nvCxnSpPr>
-                <p:cNvPr id="66" name="Curved Connector 65"/>
-                <p:cNvCxnSpPr/>
-                <p:nvPr/>
-              </p:nvCxnSpPr>
-              <p:spPr>
-                <a:xfrm rot="5400000">
-                  <a:off x="7562851" y="1428750"/>
-                  <a:ext cx="238123" cy="219075"/>
-                </a:xfrm>
-                <a:prstGeom prst="curvedConnector3">
-                  <a:avLst/>
-                </a:prstGeom>
-                <a:ln w="50800" cap="rnd">
-                  <a:solidFill>
-                    <a:srgbClr val="6C0000"/>
-                  </a:solidFill>
-                  <a:prstDash val="solid"/>
-                  <a:round/>
-                </a:ln>
-              </p:spPr>
-              <p:style>
-                <a:lnRef idx="1">
-                  <a:schemeClr val="accent1"/>
-                </a:lnRef>
-                <a:fillRef idx="0">
-                  <a:schemeClr val="accent1"/>
-                </a:fillRef>
-                <a:effectRef idx="0">
-                  <a:schemeClr val="accent1"/>
-                </a:effectRef>
-                <a:fontRef idx="minor">
-                  <a:schemeClr val="tx1"/>
-                </a:fontRef>
-              </p:style>
-            </p:cxnSp>
-          </p:grpSp>
-          <p:grpSp>
-            <p:nvGrpSpPr>
-              <p:cNvPr id="62" name="Group 61"/>
-              <p:cNvGrpSpPr/>
-              <p:nvPr/>
-            </p:nvGrpSpPr>
-            <p:grpSpPr>
-              <a:xfrm>
-                <a:off x="7572375" y="1657349"/>
-                <a:ext cx="219075" cy="476250"/>
-                <a:chOff x="7572375" y="1181099"/>
-                <a:chExt cx="219075" cy="476250"/>
-              </a:xfrm>
-            </p:grpSpPr>
-            <p:cxnSp>
-              <p:nvCxnSpPr>
-                <p:cNvPr id="63" name="Curved Connector 62"/>
-                <p:cNvCxnSpPr/>
-                <p:nvPr/>
-              </p:nvCxnSpPr>
-              <p:spPr>
-                <a:xfrm rot="16200000" flipH="1">
-                  <a:off x="7562850" y="1190624"/>
-                  <a:ext cx="238125" cy="219075"/>
-                </a:xfrm>
-                <a:prstGeom prst="curvedConnector3">
-                  <a:avLst/>
-                </a:prstGeom>
-                <a:ln w="50800" cap="rnd">
-                  <a:solidFill>
-                    <a:srgbClr val="6C0000"/>
-                  </a:solidFill>
-                  <a:prstDash val="solid"/>
-                  <a:round/>
-                </a:ln>
-              </p:spPr>
-              <p:style>
-                <a:lnRef idx="1">
-                  <a:schemeClr val="accent1"/>
-                </a:lnRef>
-                <a:fillRef idx="0">
-                  <a:schemeClr val="accent1"/>
-                </a:fillRef>
-                <a:effectRef idx="0">
-                  <a:schemeClr val="accent1"/>
-                </a:effectRef>
-                <a:fontRef idx="minor">
-                  <a:schemeClr val="tx1"/>
-                </a:fontRef>
-              </p:style>
-            </p:cxnSp>
-            <p:cxnSp>
-              <p:nvCxnSpPr>
-                <p:cNvPr id="64" name="Curved Connector 63"/>
-                <p:cNvCxnSpPr/>
-                <p:nvPr/>
-              </p:nvCxnSpPr>
-              <p:spPr>
-                <a:xfrm rot="5400000">
-                  <a:off x="7562851" y="1428750"/>
-                  <a:ext cx="238123" cy="219075"/>
-                </a:xfrm>
-                <a:prstGeom prst="curvedConnector3">
-                  <a:avLst/>
-                </a:prstGeom>
-                <a:ln w="50800" cap="rnd">
-                  <a:solidFill>
-                    <a:srgbClr val="6C0000"/>
-                  </a:solidFill>
-                  <a:prstDash val="solid"/>
-                  <a:round/>
-                </a:ln>
-              </p:spPr>
-              <p:style>
-                <a:lnRef idx="1">
-                  <a:schemeClr val="accent1"/>
-                </a:lnRef>
-                <a:fillRef idx="0">
-                  <a:schemeClr val="accent1"/>
-                </a:fillRef>
-                <a:effectRef idx="0">
-                  <a:schemeClr val="accent1"/>
-                </a:effectRef>
-                <a:fontRef idx="minor">
-                  <a:schemeClr val="tx1"/>
-                </a:fontRef>
-              </p:style>
-            </p:cxnSp>
-          </p:grpSp>
-        </p:grpSp>
-        <p:grpSp>
-          <p:nvGrpSpPr>
-            <p:cNvPr id="54" name="Group 53"/>
-            <p:cNvGrpSpPr/>
-            <p:nvPr/>
-          </p:nvGrpSpPr>
-          <p:grpSpPr>
-            <a:xfrm>
               <a:off x="7572374" y="4058928"/>
               <a:ext cx="219075" cy="952500"/>
               <a:chOff x="7572375" y="1181099"/>
@@ -11558,102 +14491,13 @@
           </p:grpSpPr>
           <p:grpSp>
             <p:nvGrpSpPr>
-              <p:cNvPr id="55" name="Group 54"/>
+              <p:cNvPr id="53" name="Group 52"/>
               <p:cNvGrpSpPr/>
               <p:nvPr/>
             </p:nvGrpSpPr>
             <p:grpSpPr>
               <a:xfrm>
                 <a:off x="7572375" y="1181099"/>
-                <a:ext cx="219075" cy="476250"/>
-                <a:chOff x="7572375" y="1181099"/>
-                <a:chExt cx="219075" cy="476250"/>
-              </a:xfrm>
-            </p:grpSpPr>
-            <p:cxnSp>
-              <p:nvCxnSpPr>
-                <p:cNvPr id="59" name="Curved Connector 58"/>
-                <p:cNvCxnSpPr/>
-                <p:nvPr/>
-              </p:nvCxnSpPr>
-              <p:spPr>
-                <a:xfrm rot="16200000" flipH="1">
-                  <a:off x="7562850" y="1190624"/>
-                  <a:ext cx="238125" cy="219075"/>
-                </a:xfrm>
-                <a:prstGeom prst="curvedConnector3">
-                  <a:avLst/>
-                </a:prstGeom>
-                <a:ln w="50800" cap="rnd">
-                  <a:solidFill>
-                    <a:srgbClr val="6C0000"/>
-                  </a:solidFill>
-                  <a:prstDash val="solid"/>
-                  <a:round/>
-                </a:ln>
-              </p:spPr>
-              <p:style>
-                <a:lnRef idx="1">
-                  <a:schemeClr val="accent1"/>
-                </a:lnRef>
-                <a:fillRef idx="0">
-                  <a:schemeClr val="accent1"/>
-                </a:fillRef>
-                <a:effectRef idx="0">
-                  <a:schemeClr val="accent1"/>
-                </a:effectRef>
-                <a:fontRef idx="minor">
-                  <a:schemeClr val="tx1"/>
-                </a:fontRef>
-              </p:style>
-            </p:cxnSp>
-            <p:cxnSp>
-              <p:nvCxnSpPr>
-                <p:cNvPr id="60" name="Curved Connector 59"/>
-                <p:cNvCxnSpPr/>
-                <p:nvPr/>
-              </p:nvCxnSpPr>
-              <p:spPr>
-                <a:xfrm rot="5400000">
-                  <a:off x="7562851" y="1428750"/>
-                  <a:ext cx="238123" cy="219075"/>
-                </a:xfrm>
-                <a:prstGeom prst="curvedConnector3">
-                  <a:avLst/>
-                </a:prstGeom>
-                <a:ln w="50800" cap="rnd">
-                  <a:solidFill>
-                    <a:srgbClr val="6C0000"/>
-                  </a:solidFill>
-                  <a:prstDash val="solid"/>
-                  <a:round/>
-                </a:ln>
-              </p:spPr>
-              <p:style>
-                <a:lnRef idx="1">
-                  <a:schemeClr val="accent1"/>
-                </a:lnRef>
-                <a:fillRef idx="0">
-                  <a:schemeClr val="accent1"/>
-                </a:fillRef>
-                <a:effectRef idx="0">
-                  <a:schemeClr val="accent1"/>
-                </a:effectRef>
-                <a:fontRef idx="minor">
-                  <a:schemeClr val="tx1"/>
-                </a:fontRef>
-              </p:style>
-            </p:cxnSp>
-          </p:grpSp>
-          <p:grpSp>
-            <p:nvGrpSpPr>
-              <p:cNvPr id="56" name="Group 55"/>
-              <p:cNvGrpSpPr/>
-              <p:nvPr/>
-            </p:nvGrpSpPr>
-            <p:grpSpPr>
-              <a:xfrm>
-                <a:off x="7572375" y="1657349"/>
                 <a:ext cx="219075" cy="476250"/>
                 <a:chOff x="7572375" y="1181099"/>
                 <a:chExt cx="219075" cy="476250"/>
@@ -11675,7 +14519,7 @@
                 </a:prstGeom>
                 <a:ln w="50800" cap="rnd">
                   <a:solidFill>
-                    <a:srgbClr val="6C0000"/>
+                    <a:srgbClr val="FF0000"/>
                   </a:solidFill>
                   <a:prstDash val="solid"/>
                   <a:round/>
@@ -11712,7 +14556,96 @@
                 </a:prstGeom>
                 <a:ln w="50800" cap="rnd">
                   <a:solidFill>
-                    <a:srgbClr val="6C0000"/>
+                    <a:srgbClr val="FF0000"/>
+                  </a:solidFill>
+                  <a:prstDash val="solid"/>
+                  <a:round/>
+                </a:ln>
+              </p:spPr>
+              <p:style>
+                <a:lnRef idx="1">
+                  <a:schemeClr val="accent1"/>
+                </a:lnRef>
+                <a:fillRef idx="0">
+                  <a:schemeClr val="accent1"/>
+                </a:fillRef>
+                <a:effectRef idx="0">
+                  <a:schemeClr val="accent1"/>
+                </a:effectRef>
+                <a:fontRef idx="minor">
+                  <a:schemeClr val="tx1"/>
+                </a:fontRef>
+              </p:style>
+            </p:cxnSp>
+          </p:grpSp>
+          <p:grpSp>
+            <p:nvGrpSpPr>
+              <p:cNvPr id="54" name="Group 53"/>
+              <p:cNvGrpSpPr/>
+              <p:nvPr/>
+            </p:nvGrpSpPr>
+            <p:grpSpPr>
+              <a:xfrm>
+                <a:off x="7572375" y="1657349"/>
+                <a:ext cx="219075" cy="476250"/>
+                <a:chOff x="7572375" y="1181099"/>
+                <a:chExt cx="219075" cy="476250"/>
+              </a:xfrm>
+            </p:grpSpPr>
+            <p:cxnSp>
+              <p:nvCxnSpPr>
+                <p:cNvPr id="55" name="Curved Connector 54"/>
+                <p:cNvCxnSpPr/>
+                <p:nvPr/>
+              </p:nvCxnSpPr>
+              <p:spPr>
+                <a:xfrm rot="16200000" flipH="1">
+                  <a:off x="7562850" y="1190624"/>
+                  <a:ext cx="238125" cy="219075"/>
+                </a:xfrm>
+                <a:prstGeom prst="curvedConnector3">
+                  <a:avLst/>
+                </a:prstGeom>
+                <a:ln w="50800" cap="rnd">
+                  <a:solidFill>
+                    <a:srgbClr val="FF0000"/>
+                  </a:solidFill>
+                  <a:prstDash val="solid"/>
+                  <a:round/>
+                </a:ln>
+              </p:spPr>
+              <p:style>
+                <a:lnRef idx="1">
+                  <a:schemeClr val="accent1"/>
+                </a:lnRef>
+                <a:fillRef idx="0">
+                  <a:schemeClr val="accent1"/>
+                </a:fillRef>
+                <a:effectRef idx="0">
+                  <a:schemeClr val="accent1"/>
+                </a:effectRef>
+                <a:fontRef idx="minor">
+                  <a:schemeClr val="tx1"/>
+                </a:fontRef>
+              </p:style>
+            </p:cxnSp>
+            <p:cxnSp>
+              <p:nvCxnSpPr>
+                <p:cNvPr id="56" name="Curved Connector 55"/>
+                <p:cNvCxnSpPr/>
+                <p:nvPr/>
+              </p:nvCxnSpPr>
+              <p:spPr>
+                <a:xfrm rot="5400000">
+                  <a:off x="7562851" y="1428750"/>
+                  <a:ext cx="238123" cy="219075"/>
+                </a:xfrm>
+                <a:prstGeom prst="curvedConnector3">
+                  <a:avLst/>
+                </a:prstGeom>
+                <a:ln w="50800" cap="rnd">
+                  <a:solidFill>
+                    <a:srgbClr val="FF0000"/>
                   </a:solidFill>
                   <a:prstDash val="solid"/>
                   <a:round/>
@@ -11736,94 +14669,10 @@
           </p:grpSp>
         </p:grpSp>
       </p:grpSp>
-      <p:sp>
-        <p:nvSpPr>
-          <p:cNvPr id="2" name="TextBox 1"/>
-          <p:cNvSpPr txBox="1"/>
-          <p:nvPr/>
-        </p:nvSpPr>
-        <p:spPr>
-          <a:xfrm>
-            <a:off x="6240984" y="2530388"/>
-            <a:ext cx="1889760" cy="1477328"/>
-          </a:xfrm>
-          <a:prstGeom prst="rect">
-            <a:avLst/>
-          </a:prstGeom>
-          <a:noFill/>
-        </p:spPr>
-        <p:txBody>
-          <a:bodyPr wrap="square" rtlCol="0">
-            <a:spAutoFit/>
-          </a:bodyPr>
-          <a:lstStyle/>
-          <a:p>
-            <a:r>
-              <a:rPr lang="sv-SE" b="1" dirty="0">
-                <a:solidFill>
-                  <a:schemeClr val="bg1"/>
-                </a:solidFill>
-              </a:rPr>
-              <a:t>Homegrown, </a:t>
-            </a:r>
-          </a:p>
-          <a:p>
-            <a:r>
-              <a:rPr lang="sv-SE" b="1" dirty="0">
-                <a:solidFill>
-                  <a:schemeClr val="bg1"/>
-                </a:solidFill>
-              </a:rPr>
-              <a:t>non standard, framework specific protocol </a:t>
-            </a:r>
-          </a:p>
-          <a:p>
-            <a:endParaRPr lang="sv-SE" dirty="0"/>
-          </a:p>
-        </p:txBody>
-      </p:sp>
-      <p:sp>
-        <p:nvSpPr>
-          <p:cNvPr id="79" name="TextBox 78"/>
-          <p:cNvSpPr txBox="1"/>
-          <p:nvPr/>
-        </p:nvSpPr>
-        <p:spPr>
-          <a:xfrm>
-            <a:off x="7372431" y="961007"/>
-            <a:ext cx="1016304" cy="369332"/>
-          </a:xfrm>
-          <a:prstGeom prst="rect">
-            <a:avLst/>
-          </a:prstGeom>
-          <a:noFill/>
-        </p:spPr>
-        <p:txBody>
-          <a:bodyPr wrap="none" rtlCol="0">
-            <a:spAutoFit/>
-          </a:bodyPr>
-          <a:lstStyle/>
-          <a:p>
-            <a:r>
-              <a:rPr lang="sv-SE" dirty="0" smtClean="0">
-                <a:solidFill>
-                  <a:srgbClr val="6C0000"/>
-                </a:solidFill>
-              </a:rPr>
-              <a:t>Network</a:t>
-            </a:r>
-            <a:endParaRPr lang="sv-SE" dirty="0">
-              <a:solidFill>
-                <a:srgbClr val="6C0000"/>
-              </a:solidFill>
-            </a:endParaRPr>
-          </a:p>
-        </p:txBody>
-      </p:sp>
     </p:spTree>
     <p:extLst>
       <p:ext uri="{BB962C8B-B14F-4D97-AF65-F5344CB8AC3E}">
-        <p14:creationId xmlns:p14="http://schemas.microsoft.com/office/powerpoint/2010/main" val="4225150641"/>
+        <p14:creationId xmlns:p14="http://schemas.microsoft.com/office/powerpoint/2010/main" val="1970432821"/>
       </p:ext>
     </p:extLst>
   </p:cSld>
@@ -11833,14 +14682,93 @@
   <p:timing>
     <p:tnLst>
       <p:par>
-        <p:cTn id="1" dur="indefinite" restart="never" nodeType="tmRoot"/>
+        <p:cTn id="1" dur="indefinite" restart="never" nodeType="tmRoot">
+          <p:childTnLst>
+            <p:seq concurrent="1" nextAc="seek">
+              <p:cTn id="2" dur="indefinite" nodeType="mainSeq">
+                <p:childTnLst>
+                  <p:par>
+                    <p:cTn id="3" fill="hold">
+                      <p:stCondLst>
+                        <p:cond delay="indefinite"/>
+                      </p:stCondLst>
+                      <p:childTnLst>
+                        <p:par>
+                          <p:cTn id="4" fill="hold">
+                            <p:stCondLst>
+                              <p:cond delay="0"/>
+                            </p:stCondLst>
+                            <p:childTnLst>
+                              <p:par>
+                                <p:cTn id="5" presetID="10" presetClass="entr" presetSubtype="0" fill="hold" grpId="0" nodeType="clickEffect">
+                                  <p:stCondLst>
+                                    <p:cond delay="0"/>
+                                  </p:stCondLst>
+                                  <p:childTnLst>
+                                    <p:set>
+                                      <p:cBhvr>
+                                        <p:cTn id="6" dur="1" fill="hold">
+                                          <p:stCondLst>
+                                            <p:cond delay="0"/>
+                                          </p:stCondLst>
+                                        </p:cTn>
+                                        <p:tgtEl>
+                                          <p:spTgt spid="47"/>
+                                        </p:tgtEl>
+                                        <p:attrNameLst>
+                                          <p:attrName>style.visibility</p:attrName>
+                                        </p:attrNameLst>
+                                      </p:cBhvr>
+                                      <p:to>
+                                        <p:strVal val="visible"/>
+                                      </p:to>
+                                    </p:set>
+                                    <p:animEffect transition="in" filter="fade">
+                                      <p:cBhvr>
+                                        <p:cTn id="7" dur="500"/>
+                                        <p:tgtEl>
+                                          <p:spTgt spid="47"/>
+                                        </p:tgtEl>
+                                      </p:cBhvr>
+                                    </p:animEffect>
+                                  </p:childTnLst>
+                                </p:cTn>
+                              </p:par>
+                            </p:childTnLst>
+                          </p:cTn>
+                        </p:par>
+                      </p:childTnLst>
+                    </p:cTn>
+                  </p:par>
+                </p:childTnLst>
+              </p:cTn>
+              <p:prevCondLst>
+                <p:cond evt="onPrev" delay="0">
+                  <p:tgtEl>
+                    <p:sldTgt/>
+                  </p:tgtEl>
+                </p:cond>
+              </p:prevCondLst>
+              <p:nextCondLst>
+                <p:cond evt="onNext" delay="0">
+                  <p:tgtEl>
+                    <p:sldTgt/>
+                  </p:tgtEl>
+                </p:cond>
+              </p:nextCondLst>
+            </p:seq>
+          </p:childTnLst>
+        </p:cTn>
       </p:par>
     </p:tnLst>
+    <p:bldLst>
+      <p:bldP spid="47" grpId="0" animBg="1"/>
+    </p:bldLst>
   </p:timing>
 </p:sld>
 </file>
 
-<file path=ppt/slides/slide4.xml><?xml version="1.0" encoding="utf-8"?>
+<file path=ppt/slides/slide5.xml><?xml version="1.0" encoding="utf-8"?>
 <p:sld xmlns:a="http://schemas.openxmlformats.org/drawingml/2006/main" xmlns:r="http://schemas.openxmlformats.org/officeDocument/2006/relationships" xmlns:p="http://schemas.openxmlformats.org/presentationml/2006/main">
   <p:cSld>
     <p:spTree>
@@ -12447,7 +15375,7 @@
 </p:sld>
 </file>
 
-<file path=ppt/slides/slide5.xml><?xml version="1.0" encoding="utf-8"?>
+<file path=ppt/slides/slide6.xml><?xml version="1.0" encoding="utf-8"?>
 <p:sld xmlns:a="http://schemas.openxmlformats.org/drawingml/2006/main" xmlns:r="http://schemas.openxmlformats.org/officeDocument/2006/relationships" xmlns:p="http://schemas.openxmlformats.org/presentationml/2006/main">
   <p:cSld>
     <p:spTree>
@@ -13329,7 +16257,7 @@
 </p:sld>
 </file>
 
-<file path=ppt/slides/slide6.xml><?xml version="1.0" encoding="utf-8"?>
+<file path=ppt/slides/slide7.xml><?xml version="1.0" encoding="utf-8"?>
 <p:sld xmlns:a="http://schemas.openxmlformats.org/drawingml/2006/main" xmlns:r="http://schemas.openxmlformats.org/officeDocument/2006/relationships" xmlns:p="http://schemas.openxmlformats.org/presentationml/2006/main">
   <p:cSld>
     <p:spTree>
@@ -14682,7 +17610,7 @@
 </p:sld>
 </file>
 
-<file path=ppt/slides/slide7.xml><?xml version="1.0" encoding="utf-8"?>
+<file path=ppt/slides/slide8.xml><?xml version="1.0" encoding="utf-8"?>
 <p:sld xmlns:a="http://schemas.openxmlformats.org/drawingml/2006/main" xmlns:r="http://schemas.openxmlformats.org/officeDocument/2006/relationships" xmlns:p="http://schemas.openxmlformats.org/presentationml/2006/main">
   <p:cSld>
     <p:spTree>
@@ -16362,7 +19290,7 @@
 </p:sld>
 </file>
 
-<file path=ppt/slides/slide8.xml><?xml version="1.0" encoding="utf-8"?>
+<file path=ppt/slides/slide9.xml><?xml version="1.0" encoding="utf-8"?>
 <p:sld xmlns:a="http://schemas.openxmlformats.org/drawingml/2006/main" xmlns:r="http://schemas.openxmlformats.org/officeDocument/2006/relationships" xmlns:p="http://schemas.openxmlformats.org/presentationml/2006/main">
   <p:cSld>
     <p:spTree>
@@ -18099,2256 +21027,6 @@
     <p:extLst>
       <p:ext uri="{BB962C8B-B14F-4D97-AF65-F5344CB8AC3E}">
         <p14:creationId xmlns:p14="http://schemas.microsoft.com/office/powerpoint/2010/main" val="2993006159"/>
-      </p:ext>
-    </p:extLst>
-  </p:cSld>
-  <p:clrMapOvr>
-    <a:masterClrMapping/>
-  </p:clrMapOvr>
-  <p:timing>
-    <p:tnLst>
-      <p:par>
-        <p:cTn id="1" dur="indefinite" restart="never" nodeType="tmRoot"/>
-      </p:par>
-    </p:tnLst>
-  </p:timing>
-</p:sld>
-</file>
-
-<file path=ppt/slides/slide9.xml><?xml version="1.0" encoding="utf-8"?>
-<p:sld xmlns:a="http://schemas.openxmlformats.org/drawingml/2006/main" xmlns:r="http://schemas.openxmlformats.org/officeDocument/2006/relationships" xmlns:p="http://schemas.openxmlformats.org/presentationml/2006/main">
-  <p:cSld>
-    <p:spTree>
-      <p:nvGrpSpPr>
-        <p:cNvPr id="1" name=""/>
-        <p:cNvGrpSpPr/>
-        <p:nvPr/>
-      </p:nvGrpSpPr>
-      <p:grpSpPr>
-        <a:xfrm>
-          <a:off x="0" y="0"/>
-          <a:ext cx="0" cy="0"/>
-          <a:chOff x="0" y="0"/>
-          <a:chExt cx="0" cy="0"/>
-        </a:xfrm>
-      </p:grpSpPr>
-      <p:cxnSp>
-        <p:nvCxnSpPr>
-          <p:cNvPr id="19" name="Curved Connector 18"/>
-          <p:cNvCxnSpPr>
-            <a:stCxn id="16" idx="0"/>
-            <a:endCxn id="17" idx="2"/>
-          </p:cNvCxnSpPr>
-          <p:nvPr/>
-        </p:nvCxnSpPr>
-        <p:spPr>
-          <a:xfrm rot="5400000" flipH="1" flipV="1">
-            <a:off x="6347589" y="1431476"/>
-            <a:ext cx="1492917" cy="1306550"/>
-          </a:xfrm>
-          <a:prstGeom prst="curvedConnector2">
-            <a:avLst/>
-          </a:prstGeom>
-          <a:ln w="25400">
-            <a:solidFill>
-              <a:schemeClr val="accent1">
-                <a:lumMod val="75000"/>
-              </a:schemeClr>
-            </a:solidFill>
-            <a:tailEnd type="arrow"/>
-          </a:ln>
-        </p:spPr>
-        <p:style>
-          <a:lnRef idx="1">
-            <a:schemeClr val="accent1"/>
-          </a:lnRef>
-          <a:fillRef idx="0">
-            <a:schemeClr val="accent1"/>
-          </a:fillRef>
-          <a:effectRef idx="0">
-            <a:schemeClr val="accent1"/>
-          </a:effectRef>
-          <a:fontRef idx="minor">
-            <a:schemeClr val="tx1"/>
-          </a:fontRef>
-        </p:style>
-      </p:cxnSp>
-      <p:cxnSp>
-        <p:nvCxnSpPr>
-          <p:cNvPr id="21" name="Curved Connector 20"/>
-          <p:cNvCxnSpPr>
-            <a:stCxn id="16" idx="4"/>
-            <a:endCxn id="26" idx="2"/>
-          </p:cNvCxnSpPr>
-          <p:nvPr/>
-        </p:nvCxnSpPr>
-        <p:spPr>
-          <a:xfrm rot="16200000" flipH="1">
-            <a:off x="6347590" y="3879067"/>
-            <a:ext cx="1492915" cy="1306550"/>
-          </a:xfrm>
-          <a:prstGeom prst="curvedConnector2">
-            <a:avLst/>
-          </a:prstGeom>
-          <a:ln w="25400">
-            <a:solidFill>
-              <a:schemeClr val="accent1">
-                <a:lumMod val="75000"/>
-              </a:schemeClr>
-            </a:solidFill>
-            <a:tailEnd type="arrow"/>
-          </a:ln>
-        </p:spPr>
-        <p:style>
-          <a:lnRef idx="1">
-            <a:schemeClr val="accent1"/>
-          </a:lnRef>
-          <a:fillRef idx="0">
-            <a:schemeClr val="accent1"/>
-          </a:fillRef>
-          <a:effectRef idx="0">
-            <a:schemeClr val="accent1"/>
-          </a:effectRef>
-          <a:fontRef idx="minor">
-            <a:schemeClr val="tx1"/>
-          </a:fontRef>
-        </p:style>
-      </p:cxnSp>
-      <p:grpSp>
-        <p:nvGrpSpPr>
-          <p:cNvPr id="29" name="Group 28"/>
-          <p:cNvGrpSpPr/>
-          <p:nvPr/>
-        </p:nvGrpSpPr>
-        <p:grpSpPr>
-          <a:xfrm>
-            <a:off x="5963434" y="293960"/>
-            <a:ext cx="2739320" cy="6029172"/>
-            <a:chOff x="2327565" y="205943"/>
-            <a:chExt cx="7329869" cy="6029172"/>
-          </a:xfrm>
-        </p:grpSpPr>
-        <p:sp>
-          <p:nvSpPr>
-            <p:cNvPr id="27" name="Rounded Rectangle 26"/>
-            <p:cNvSpPr/>
-            <p:nvPr/>
-          </p:nvSpPr>
-          <p:spPr>
-            <a:xfrm>
-              <a:off x="2327565" y="205943"/>
-              <a:ext cx="7329869" cy="6029172"/>
-            </a:xfrm>
-            <a:prstGeom prst="roundRect">
-              <a:avLst>
-                <a:gd name="adj" fmla="val 41301"/>
-              </a:avLst>
-            </a:prstGeom>
-            <a:noFill/>
-            <a:ln w="25400">
-              <a:solidFill>
-                <a:schemeClr val="bg1">
-                  <a:lumMod val="50000"/>
-                </a:schemeClr>
-              </a:solidFill>
-              <a:prstDash val="dash"/>
-            </a:ln>
-          </p:spPr>
-          <p:style>
-            <a:lnRef idx="2">
-              <a:schemeClr val="accent1">
-                <a:shade val="50000"/>
-              </a:schemeClr>
-            </a:lnRef>
-            <a:fillRef idx="1">
-              <a:schemeClr val="accent1"/>
-            </a:fillRef>
-            <a:effectRef idx="0">
-              <a:schemeClr val="accent1"/>
-            </a:effectRef>
-            <a:fontRef idx="minor">
-              <a:schemeClr val="lt1"/>
-            </a:fontRef>
-          </p:style>
-          <p:txBody>
-            <a:bodyPr rot="0" spcFirstLastPara="0" vertOverflow="overflow" horzOverflow="overflow" vert="horz" wrap="square" lIns="0" tIns="0" rIns="0" bIns="0" numCol="1" spcCol="0" rtlCol="0" fromWordArt="0" anchor="t" anchorCtr="0" forceAA="0" compatLnSpc="1">
-              <a:prstTxWarp prst="textNoShape">
-                <a:avLst/>
-              </a:prstTxWarp>
-              <a:noAutofit/>
-            </a:bodyPr>
-            <a:lstStyle/>
-            <a:p>
-              <a:pPr algn="ctr"/>
-              <a:endParaRPr lang="sv-SE" sz="3200" b="1" dirty="0">
-                <a:solidFill>
-                  <a:schemeClr val="tx1"/>
-                </a:solidFill>
-              </a:endParaRPr>
-            </a:p>
-          </p:txBody>
-        </p:sp>
-        <p:sp>
-          <p:nvSpPr>
-            <p:cNvPr id="28" name="TextBox 27"/>
-            <p:cNvSpPr txBox="1"/>
-            <p:nvPr/>
-          </p:nvSpPr>
-          <p:spPr>
-            <a:xfrm>
-              <a:off x="4609184" y="364022"/>
-              <a:ext cx="3770990" cy="461665"/>
-            </a:xfrm>
-            <a:prstGeom prst="rect">
-              <a:avLst/>
-            </a:prstGeom>
-            <a:noFill/>
-          </p:spPr>
-          <p:txBody>
-            <a:bodyPr wrap="square" rtlCol="0">
-              <a:spAutoFit/>
-            </a:bodyPr>
-            <a:lstStyle/>
-            <a:p>
-              <a:r>
-                <a:rPr lang="sv-SE" sz="2400" b="1" dirty="0" smtClean="0"/>
-                <a:t>Cluster</a:t>
-              </a:r>
-              <a:endParaRPr lang="sv-SE" sz="2400" b="1" dirty="0"/>
-            </a:p>
-          </p:txBody>
-        </p:sp>
-      </p:grpSp>
-      <p:grpSp>
-        <p:nvGrpSpPr>
-          <p:cNvPr id="35" name="Group 34"/>
-          <p:cNvGrpSpPr/>
-          <p:nvPr/>
-        </p:nvGrpSpPr>
-        <p:grpSpPr>
-          <a:xfrm>
-            <a:off x="7012030" y="766280"/>
-            <a:ext cx="2833994" cy="1144025"/>
-            <a:chOff x="7012030" y="766280"/>
-            <a:chExt cx="2833994" cy="1144025"/>
-          </a:xfrm>
-        </p:grpSpPr>
-        <p:grpSp>
-          <p:nvGrpSpPr>
-            <p:cNvPr id="3" name="Group 2"/>
-            <p:cNvGrpSpPr/>
-            <p:nvPr/>
-          </p:nvGrpSpPr>
-          <p:grpSpPr>
-            <a:xfrm>
-              <a:off x="7012030" y="1036272"/>
-              <a:ext cx="917624" cy="663385"/>
-              <a:chOff x="6971245" y="1178751"/>
-              <a:chExt cx="958410" cy="663385"/>
-            </a:xfrm>
-            <a:solidFill>
-              <a:schemeClr val="accent2">
-                <a:lumMod val="60000"/>
-                <a:lumOff val="40000"/>
-              </a:schemeClr>
-            </a:solidFill>
-          </p:grpSpPr>
-          <p:sp>
-            <p:nvSpPr>
-              <p:cNvPr id="2" name="Rounded Rectangle 1"/>
-              <p:cNvSpPr/>
-              <p:nvPr/>
-            </p:nvSpPr>
-            <p:spPr>
-              <a:xfrm>
-                <a:off x="6971246" y="1178751"/>
-                <a:ext cx="958409" cy="326175"/>
-              </a:xfrm>
-              <a:prstGeom prst="roundRect">
-                <a:avLst/>
-              </a:prstGeom>
-              <a:grpFill/>
-              <a:ln w="25400">
-                <a:solidFill>
-                  <a:schemeClr val="bg1"/>
-                </a:solidFill>
-              </a:ln>
-            </p:spPr>
-            <p:style>
-              <a:lnRef idx="2">
-                <a:schemeClr val="accent1">
-                  <a:shade val="50000"/>
-                </a:schemeClr>
-              </a:lnRef>
-              <a:fillRef idx="1">
-                <a:schemeClr val="accent1"/>
-              </a:fillRef>
-              <a:effectRef idx="0">
-                <a:schemeClr val="accent1"/>
-              </a:effectRef>
-              <a:fontRef idx="minor">
-                <a:schemeClr val="lt1"/>
-              </a:fontRef>
-            </p:style>
-            <p:txBody>
-              <a:bodyPr rtlCol="0" anchor="ctr"/>
-              <a:lstStyle/>
-              <a:p>
-                <a:r>
-                  <a:rPr lang="sv-SE" sz="1200" dirty="0" smtClean="0"/>
-                  <a:t>partition</a:t>
-                </a:r>
-                <a:endParaRPr lang="sv-SE" sz="1200" dirty="0"/>
-              </a:p>
-            </p:txBody>
-          </p:sp>
-          <p:sp>
-            <p:nvSpPr>
-              <p:cNvPr id="20" name="Rounded Rectangle 19"/>
-              <p:cNvSpPr/>
-              <p:nvPr/>
-            </p:nvSpPr>
-            <p:spPr>
-              <a:xfrm>
-                <a:off x="6971245" y="1515961"/>
-                <a:ext cx="958409" cy="326175"/>
-              </a:xfrm>
-              <a:prstGeom prst="roundRect">
-                <a:avLst/>
-              </a:prstGeom>
-              <a:grpFill/>
-              <a:ln w="25400">
-                <a:solidFill>
-                  <a:schemeClr val="bg1"/>
-                </a:solidFill>
-              </a:ln>
-            </p:spPr>
-            <p:style>
-              <a:lnRef idx="2">
-                <a:schemeClr val="accent1">
-                  <a:shade val="50000"/>
-                </a:schemeClr>
-              </a:lnRef>
-              <a:fillRef idx="1">
-                <a:schemeClr val="accent1"/>
-              </a:fillRef>
-              <a:effectRef idx="0">
-                <a:schemeClr val="accent1"/>
-              </a:effectRef>
-              <a:fontRef idx="minor">
-                <a:schemeClr val="lt1"/>
-              </a:fontRef>
-            </p:style>
-            <p:txBody>
-              <a:bodyPr rtlCol="0" anchor="ctr"/>
-              <a:lstStyle/>
-              <a:p>
-                <a:r>
-                  <a:rPr lang="sv-SE" sz="1200" dirty="0" smtClean="0"/>
-                  <a:t>partition</a:t>
-                </a:r>
-                <a:endParaRPr lang="sv-SE" sz="1200" dirty="0"/>
-              </a:p>
-            </p:txBody>
-          </p:sp>
-        </p:grpSp>
-        <p:grpSp>
-          <p:nvGrpSpPr>
-            <p:cNvPr id="12" name="Group 11"/>
-            <p:cNvGrpSpPr/>
-            <p:nvPr/>
-          </p:nvGrpSpPr>
-          <p:grpSpPr>
-            <a:xfrm>
-              <a:off x="7747322" y="766280"/>
-              <a:ext cx="2098702" cy="1144025"/>
-              <a:chOff x="7747322" y="766280"/>
-              <a:chExt cx="2098702" cy="1144025"/>
-            </a:xfrm>
-          </p:grpSpPr>
-          <p:sp>
-            <p:nvSpPr>
-              <p:cNvPr id="8" name="Oval 7"/>
-              <p:cNvSpPr/>
-              <p:nvPr/>
-            </p:nvSpPr>
-            <p:spPr>
-              <a:xfrm>
-                <a:off x="8701999" y="766280"/>
-                <a:ext cx="1144025" cy="1144025"/>
-              </a:xfrm>
-              <a:prstGeom prst="ellipse">
-                <a:avLst/>
-              </a:prstGeom>
-              <a:solidFill>
-                <a:schemeClr val="accent1"/>
-              </a:solidFill>
-              <a:ln w="25400">
-                <a:solidFill>
-                  <a:schemeClr val="bg1"/>
-                </a:solidFill>
-              </a:ln>
-            </p:spPr>
-            <p:style>
-              <a:lnRef idx="2">
-                <a:schemeClr val="accent1">
-                  <a:shade val="50000"/>
-                </a:schemeClr>
-              </a:lnRef>
-              <a:fillRef idx="1">
-                <a:schemeClr val="accent1"/>
-              </a:fillRef>
-              <a:effectRef idx="0">
-                <a:schemeClr val="accent1"/>
-              </a:effectRef>
-              <a:fontRef idx="minor">
-                <a:schemeClr val="lt1"/>
-              </a:fontRef>
-            </p:style>
-            <p:txBody>
-              <a:bodyPr rot="0" spcFirstLastPara="0" vertOverflow="overflow" horzOverflow="overflow" vert="horz" wrap="square" lIns="0" tIns="0" rIns="0" bIns="0" numCol="1" spcCol="0" rtlCol="0" fromWordArt="0" anchor="ctr" anchorCtr="0" forceAA="0" compatLnSpc="1">
-                <a:prstTxWarp prst="textNoShape">
-                  <a:avLst/>
-                </a:prstTxWarp>
-                <a:noAutofit/>
-              </a:bodyPr>
-              <a:lstStyle/>
-              <a:p>
-                <a:pPr algn="ctr"/>
-                <a:r>
-                  <a:rPr lang="sv-SE" b="1" dirty="0" smtClean="0">
-                    <a:solidFill>
-                      <a:schemeClr val="bg1"/>
-                    </a:solidFill>
-                  </a:rPr>
-                  <a:t>worker1</a:t>
-                </a:r>
-                <a:endParaRPr lang="sv-SE" b="1" dirty="0">
-                  <a:solidFill>
-                    <a:schemeClr val="bg1"/>
-                  </a:solidFill>
-                </a:endParaRPr>
-              </a:p>
-            </p:txBody>
-          </p:sp>
-          <p:sp>
-            <p:nvSpPr>
-              <p:cNvPr id="17" name="Oval 16"/>
-              <p:cNvSpPr/>
-              <p:nvPr/>
-            </p:nvSpPr>
-            <p:spPr>
-              <a:xfrm>
-                <a:off x="7747322" y="860954"/>
-                <a:ext cx="954676" cy="954676"/>
-              </a:xfrm>
-              <a:prstGeom prst="ellipse">
-                <a:avLst/>
-              </a:prstGeom>
-              <a:solidFill>
-                <a:schemeClr val="accent1">
-                  <a:lumMod val="60000"/>
-                  <a:lumOff val="40000"/>
-                </a:schemeClr>
-              </a:solidFill>
-              <a:ln w="25400">
-                <a:solidFill>
-                  <a:schemeClr val="bg1"/>
-                </a:solidFill>
-              </a:ln>
-            </p:spPr>
-            <p:style>
-              <a:lnRef idx="2">
-                <a:schemeClr val="accent1">
-                  <a:shade val="50000"/>
-                </a:schemeClr>
-              </a:lnRef>
-              <a:fillRef idx="1">
-                <a:schemeClr val="accent1"/>
-              </a:fillRef>
-              <a:effectRef idx="0">
-                <a:schemeClr val="accent1"/>
-              </a:effectRef>
-              <a:fontRef idx="minor">
-                <a:schemeClr val="lt1"/>
-              </a:fontRef>
-            </p:style>
-            <p:txBody>
-              <a:bodyPr lIns="0" tIns="0" rIns="0" bIns="0" rtlCol="0" anchor="ctr"/>
-              <a:lstStyle/>
-              <a:p>
-                <a:pPr algn="ctr"/>
-                <a:r>
-                  <a:rPr lang="sv-SE" sz="1200" b="1" dirty="0" smtClean="0">
-                    <a:solidFill>
-                      <a:schemeClr val="bg1"/>
-                    </a:solidFill>
-                  </a:rPr>
-                  <a:t>consumer</a:t>
-                </a:r>
-                <a:endParaRPr lang="sv-SE" sz="800" b="1" dirty="0" smtClean="0">
-                  <a:solidFill>
-                    <a:schemeClr val="bg1"/>
-                  </a:solidFill>
-                </a:endParaRPr>
-              </a:p>
-            </p:txBody>
-          </p:sp>
-        </p:grpSp>
-      </p:grpSp>
-      <p:grpSp>
-        <p:nvGrpSpPr>
-          <p:cNvPr id="52" name="Group 51"/>
-          <p:cNvGrpSpPr/>
-          <p:nvPr/>
-        </p:nvGrpSpPr>
-        <p:grpSpPr>
-          <a:xfrm>
-            <a:off x="7061955" y="4706788"/>
-            <a:ext cx="2784069" cy="1144025"/>
-            <a:chOff x="7061955" y="4706788"/>
-            <a:chExt cx="2784069" cy="1144025"/>
-          </a:xfrm>
-        </p:grpSpPr>
-        <p:grpSp>
-          <p:nvGrpSpPr>
-            <p:cNvPr id="40" name="Group 39"/>
-            <p:cNvGrpSpPr/>
-            <p:nvPr/>
-          </p:nvGrpSpPr>
-          <p:grpSpPr>
-            <a:xfrm>
-              <a:off x="7061955" y="4798834"/>
-              <a:ext cx="917625" cy="1006556"/>
-              <a:chOff x="6971244" y="1178751"/>
-              <a:chExt cx="958411" cy="1006556"/>
-            </a:xfrm>
-            <a:solidFill>
-              <a:schemeClr val="accent2">
-                <a:lumMod val="60000"/>
-                <a:lumOff val="40000"/>
-              </a:schemeClr>
-            </a:solidFill>
-          </p:grpSpPr>
-          <p:sp>
-            <p:nvSpPr>
-              <p:cNvPr id="41" name="Rounded Rectangle 40"/>
-              <p:cNvSpPr/>
-              <p:nvPr/>
-            </p:nvSpPr>
-            <p:spPr>
-              <a:xfrm>
-                <a:off x="6971246" y="1178751"/>
-                <a:ext cx="958409" cy="326175"/>
-              </a:xfrm>
-              <a:prstGeom prst="roundRect">
-                <a:avLst/>
-              </a:prstGeom>
-              <a:grpFill/>
-              <a:ln w="25400">
-                <a:solidFill>
-                  <a:schemeClr val="bg1"/>
-                </a:solidFill>
-              </a:ln>
-            </p:spPr>
-            <p:style>
-              <a:lnRef idx="2">
-                <a:schemeClr val="accent1">
-                  <a:shade val="50000"/>
-                </a:schemeClr>
-              </a:lnRef>
-              <a:fillRef idx="1">
-                <a:schemeClr val="accent1"/>
-              </a:fillRef>
-              <a:effectRef idx="0">
-                <a:schemeClr val="accent1"/>
-              </a:effectRef>
-              <a:fontRef idx="minor">
-                <a:schemeClr val="lt1"/>
-              </a:fontRef>
-            </p:style>
-            <p:txBody>
-              <a:bodyPr rtlCol="0" anchor="ctr"/>
-              <a:lstStyle/>
-              <a:p>
-                <a:r>
-                  <a:rPr lang="sv-SE" sz="1200" dirty="0" smtClean="0"/>
-                  <a:t>partition</a:t>
-                </a:r>
-                <a:endParaRPr lang="sv-SE" sz="1200" dirty="0"/>
-              </a:p>
-            </p:txBody>
-          </p:sp>
-          <p:sp>
-            <p:nvSpPr>
-              <p:cNvPr id="42" name="Rounded Rectangle 41"/>
-              <p:cNvSpPr/>
-              <p:nvPr/>
-            </p:nvSpPr>
-            <p:spPr>
-              <a:xfrm>
-                <a:off x="6971245" y="1515961"/>
-                <a:ext cx="958409" cy="326175"/>
-              </a:xfrm>
-              <a:prstGeom prst="roundRect">
-                <a:avLst/>
-              </a:prstGeom>
-              <a:grpFill/>
-              <a:ln w="25400">
-                <a:solidFill>
-                  <a:schemeClr val="bg1"/>
-                </a:solidFill>
-              </a:ln>
-            </p:spPr>
-            <p:style>
-              <a:lnRef idx="2">
-                <a:schemeClr val="accent1">
-                  <a:shade val="50000"/>
-                </a:schemeClr>
-              </a:lnRef>
-              <a:fillRef idx="1">
-                <a:schemeClr val="accent1"/>
-              </a:fillRef>
-              <a:effectRef idx="0">
-                <a:schemeClr val="accent1"/>
-              </a:effectRef>
-              <a:fontRef idx="minor">
-                <a:schemeClr val="lt1"/>
-              </a:fontRef>
-            </p:style>
-            <p:txBody>
-              <a:bodyPr rtlCol="0" anchor="ctr"/>
-              <a:lstStyle/>
-              <a:p>
-                <a:r>
-                  <a:rPr lang="sv-SE" sz="1200" dirty="0" smtClean="0"/>
-                  <a:t>partition</a:t>
-                </a:r>
-                <a:endParaRPr lang="sv-SE" sz="1200" dirty="0"/>
-              </a:p>
-            </p:txBody>
-          </p:sp>
-          <p:sp>
-            <p:nvSpPr>
-              <p:cNvPr id="43" name="Rounded Rectangle 42"/>
-              <p:cNvSpPr/>
-              <p:nvPr/>
-            </p:nvSpPr>
-            <p:spPr>
-              <a:xfrm>
-                <a:off x="6971244" y="1859132"/>
-                <a:ext cx="958409" cy="326175"/>
-              </a:xfrm>
-              <a:prstGeom prst="roundRect">
-                <a:avLst/>
-              </a:prstGeom>
-              <a:grpFill/>
-              <a:ln w="25400">
-                <a:solidFill>
-                  <a:schemeClr val="bg1"/>
-                </a:solidFill>
-              </a:ln>
-            </p:spPr>
-            <p:style>
-              <a:lnRef idx="2">
-                <a:schemeClr val="accent1">
-                  <a:shade val="50000"/>
-                </a:schemeClr>
-              </a:lnRef>
-              <a:fillRef idx="1">
-                <a:schemeClr val="accent1"/>
-              </a:fillRef>
-              <a:effectRef idx="0">
-                <a:schemeClr val="accent1"/>
-              </a:effectRef>
-              <a:fontRef idx="minor">
-                <a:schemeClr val="lt1"/>
-              </a:fontRef>
-            </p:style>
-            <p:txBody>
-              <a:bodyPr rtlCol="0" anchor="ctr"/>
-              <a:lstStyle/>
-              <a:p>
-                <a:r>
-                  <a:rPr lang="sv-SE" sz="1200" dirty="0" smtClean="0"/>
-                  <a:t>partition</a:t>
-                </a:r>
-                <a:endParaRPr lang="sv-SE" sz="1200" dirty="0"/>
-              </a:p>
-            </p:txBody>
-          </p:sp>
-        </p:grpSp>
-        <p:grpSp>
-          <p:nvGrpSpPr>
-            <p:cNvPr id="18" name="Group 17"/>
-            <p:cNvGrpSpPr/>
-            <p:nvPr/>
-          </p:nvGrpSpPr>
-          <p:grpSpPr>
-            <a:xfrm>
-              <a:off x="7747322" y="4706788"/>
-              <a:ext cx="2098702" cy="1144025"/>
-              <a:chOff x="7747322" y="4706788"/>
-              <a:chExt cx="2098702" cy="1144025"/>
-            </a:xfrm>
-          </p:grpSpPr>
-          <p:sp>
-            <p:nvSpPr>
-              <p:cNvPr id="10" name="Oval 9"/>
-              <p:cNvSpPr/>
-              <p:nvPr/>
-            </p:nvSpPr>
-            <p:spPr>
-              <a:xfrm>
-                <a:off x="8701999" y="4706788"/>
-                <a:ext cx="1144025" cy="1144025"/>
-              </a:xfrm>
-              <a:prstGeom prst="ellipse">
-                <a:avLst/>
-              </a:prstGeom>
-              <a:solidFill>
-                <a:schemeClr val="accent1"/>
-              </a:solidFill>
-              <a:ln w="25400">
-                <a:solidFill>
-                  <a:schemeClr val="bg1"/>
-                </a:solidFill>
-              </a:ln>
-            </p:spPr>
-            <p:style>
-              <a:lnRef idx="2">
-                <a:schemeClr val="accent1">
-                  <a:shade val="50000"/>
-                </a:schemeClr>
-              </a:lnRef>
-              <a:fillRef idx="1">
-                <a:schemeClr val="accent1"/>
-              </a:fillRef>
-              <a:effectRef idx="0">
-                <a:schemeClr val="accent1"/>
-              </a:effectRef>
-              <a:fontRef idx="minor">
-                <a:schemeClr val="lt1"/>
-              </a:fontRef>
-            </p:style>
-            <p:txBody>
-              <a:bodyPr rot="0" spcFirstLastPara="0" vertOverflow="overflow" horzOverflow="overflow" vert="horz" wrap="square" lIns="0" tIns="0" rIns="0" bIns="0" numCol="1" spcCol="0" rtlCol="0" fromWordArt="0" anchor="ctr" anchorCtr="0" forceAA="0" compatLnSpc="1">
-                <a:prstTxWarp prst="textNoShape">
-                  <a:avLst/>
-                </a:prstTxWarp>
-                <a:noAutofit/>
-              </a:bodyPr>
-              <a:lstStyle/>
-              <a:p>
-                <a:pPr algn="ctr"/>
-                <a:r>
-                  <a:rPr lang="sv-SE" b="1" dirty="0" smtClean="0">
-                    <a:solidFill>
-                      <a:schemeClr val="bg1"/>
-                    </a:solidFill>
-                  </a:rPr>
-                  <a:t>worker4</a:t>
-                </a:r>
-                <a:endParaRPr lang="sv-SE" b="1" dirty="0">
-                  <a:solidFill>
-                    <a:schemeClr val="bg1"/>
-                  </a:solidFill>
-                </a:endParaRPr>
-              </a:p>
-            </p:txBody>
-          </p:sp>
-          <p:sp>
-            <p:nvSpPr>
-              <p:cNvPr id="26" name="Oval 25"/>
-              <p:cNvSpPr/>
-              <p:nvPr/>
-            </p:nvSpPr>
-            <p:spPr>
-              <a:xfrm>
-                <a:off x="7747322" y="4801462"/>
-                <a:ext cx="954676" cy="954676"/>
-              </a:xfrm>
-              <a:prstGeom prst="ellipse">
-                <a:avLst/>
-              </a:prstGeom>
-              <a:solidFill>
-                <a:schemeClr val="accent1">
-                  <a:lumMod val="60000"/>
-                  <a:lumOff val="40000"/>
-                </a:schemeClr>
-              </a:solidFill>
-              <a:ln w="25400">
-                <a:solidFill>
-                  <a:schemeClr val="bg1"/>
-                </a:solidFill>
-              </a:ln>
-            </p:spPr>
-            <p:style>
-              <a:lnRef idx="2">
-                <a:schemeClr val="accent1">
-                  <a:shade val="50000"/>
-                </a:schemeClr>
-              </a:lnRef>
-              <a:fillRef idx="1">
-                <a:schemeClr val="accent1"/>
-              </a:fillRef>
-              <a:effectRef idx="0">
-                <a:schemeClr val="accent1"/>
-              </a:effectRef>
-              <a:fontRef idx="minor">
-                <a:schemeClr val="lt1"/>
-              </a:fontRef>
-            </p:style>
-            <p:txBody>
-              <a:bodyPr lIns="0" tIns="0" rIns="0" bIns="0" rtlCol="0" anchor="ctr"/>
-              <a:lstStyle/>
-              <a:p>
-                <a:pPr algn="ctr"/>
-                <a:r>
-                  <a:rPr lang="sv-SE" sz="1200" b="1" dirty="0" smtClean="0">
-                    <a:solidFill>
-                      <a:schemeClr val="bg1"/>
-                    </a:solidFill>
-                  </a:rPr>
-                  <a:t>consumer</a:t>
-                </a:r>
-                <a:endParaRPr lang="sv-SE" sz="800" b="1" dirty="0" smtClean="0">
-                  <a:solidFill>
-                    <a:schemeClr val="bg1"/>
-                  </a:solidFill>
-                </a:endParaRPr>
-              </a:p>
-            </p:txBody>
-          </p:sp>
-        </p:grpSp>
-      </p:grpSp>
-      <p:cxnSp>
-        <p:nvCxnSpPr>
-          <p:cNvPr id="48" name="Curved Connector 47"/>
-          <p:cNvCxnSpPr>
-            <a:stCxn id="16" idx="5"/>
-            <a:endCxn id="33" idx="2"/>
-          </p:cNvCxnSpPr>
-          <p:nvPr/>
-        </p:nvCxnSpPr>
-        <p:spPr>
-          <a:xfrm rot="16200000" flipH="1">
-            <a:off x="7104472" y="3319904"/>
-            <a:ext cx="319223" cy="971565"/>
-          </a:xfrm>
-          <a:prstGeom prst="curvedConnector2">
-            <a:avLst/>
-          </a:prstGeom>
-          <a:ln w="25400">
-            <a:solidFill>
-              <a:schemeClr val="accent1">
-                <a:lumMod val="75000"/>
-              </a:schemeClr>
-            </a:solidFill>
-            <a:tailEnd type="arrow"/>
-          </a:ln>
-        </p:spPr>
-        <p:style>
-          <a:lnRef idx="1">
-            <a:schemeClr val="accent1"/>
-          </a:lnRef>
-          <a:fillRef idx="0">
-            <a:schemeClr val="accent1"/>
-          </a:fillRef>
-          <a:effectRef idx="0">
-            <a:schemeClr val="accent1"/>
-          </a:effectRef>
-          <a:fontRef idx="minor">
-            <a:schemeClr val="tx1"/>
-          </a:fontRef>
-        </p:style>
-      </p:cxnSp>
-      <p:grpSp>
-        <p:nvGrpSpPr>
-          <p:cNvPr id="51" name="Group 50"/>
-          <p:cNvGrpSpPr/>
-          <p:nvPr/>
-        </p:nvGrpSpPr>
-        <p:grpSpPr>
-          <a:xfrm>
-            <a:off x="7011045" y="3393286"/>
-            <a:ext cx="2837524" cy="1144025"/>
-            <a:chOff x="7011045" y="3412009"/>
-            <a:chExt cx="2837524" cy="1144025"/>
-          </a:xfrm>
-        </p:grpSpPr>
-        <p:grpSp>
-          <p:nvGrpSpPr>
-            <p:cNvPr id="45" name="Group 44"/>
-            <p:cNvGrpSpPr/>
-            <p:nvPr/>
-          </p:nvGrpSpPr>
-          <p:grpSpPr>
-            <a:xfrm>
-              <a:off x="7011045" y="3657794"/>
-              <a:ext cx="917625" cy="663385"/>
-              <a:chOff x="6971243" y="1178751"/>
-              <a:chExt cx="958411" cy="663385"/>
-            </a:xfrm>
-            <a:solidFill>
-              <a:schemeClr val="accent2">
-                <a:lumMod val="60000"/>
-                <a:lumOff val="40000"/>
-              </a:schemeClr>
-            </a:solidFill>
-          </p:grpSpPr>
-          <p:sp>
-            <p:nvSpPr>
-              <p:cNvPr id="46" name="Rounded Rectangle 45"/>
-              <p:cNvSpPr/>
-              <p:nvPr/>
-            </p:nvSpPr>
-            <p:spPr>
-              <a:xfrm>
-                <a:off x="6971243" y="1178751"/>
-                <a:ext cx="958409" cy="326175"/>
-              </a:xfrm>
-              <a:prstGeom prst="roundRect">
-                <a:avLst/>
-              </a:prstGeom>
-              <a:grpFill/>
-              <a:ln w="25400">
-                <a:solidFill>
-                  <a:schemeClr val="bg1"/>
-                </a:solidFill>
-              </a:ln>
-            </p:spPr>
-            <p:style>
-              <a:lnRef idx="2">
-                <a:schemeClr val="accent1">
-                  <a:shade val="50000"/>
-                </a:schemeClr>
-              </a:lnRef>
-              <a:fillRef idx="1">
-                <a:schemeClr val="accent1"/>
-              </a:fillRef>
-              <a:effectRef idx="0">
-                <a:schemeClr val="accent1"/>
-              </a:effectRef>
-              <a:fontRef idx="minor">
-                <a:schemeClr val="lt1"/>
-              </a:fontRef>
-            </p:style>
-            <p:txBody>
-              <a:bodyPr rtlCol="0" anchor="ctr"/>
-              <a:lstStyle/>
-              <a:p>
-                <a:r>
-                  <a:rPr lang="sv-SE" sz="1200" dirty="0" smtClean="0"/>
-                  <a:t>partition</a:t>
-                </a:r>
-                <a:endParaRPr lang="sv-SE" sz="1200" dirty="0"/>
-              </a:p>
-            </p:txBody>
-          </p:sp>
-          <p:sp>
-            <p:nvSpPr>
-              <p:cNvPr id="47" name="Rounded Rectangle 46"/>
-              <p:cNvSpPr/>
-              <p:nvPr/>
-            </p:nvSpPr>
-            <p:spPr>
-              <a:xfrm>
-                <a:off x="6971245" y="1515961"/>
-                <a:ext cx="958409" cy="326175"/>
-              </a:xfrm>
-              <a:prstGeom prst="roundRect">
-                <a:avLst/>
-              </a:prstGeom>
-              <a:grpFill/>
-              <a:ln w="25400">
-                <a:solidFill>
-                  <a:schemeClr val="bg1"/>
-                </a:solidFill>
-              </a:ln>
-            </p:spPr>
-            <p:style>
-              <a:lnRef idx="2">
-                <a:schemeClr val="accent1">
-                  <a:shade val="50000"/>
-                </a:schemeClr>
-              </a:lnRef>
-              <a:fillRef idx="1">
-                <a:schemeClr val="accent1"/>
-              </a:fillRef>
-              <a:effectRef idx="0">
-                <a:schemeClr val="accent1"/>
-              </a:effectRef>
-              <a:fontRef idx="minor">
-                <a:schemeClr val="lt1"/>
-              </a:fontRef>
-            </p:style>
-            <p:txBody>
-              <a:bodyPr rtlCol="0" anchor="ctr"/>
-              <a:lstStyle/>
-              <a:p>
-                <a:r>
-                  <a:rPr lang="sv-SE" sz="1200" dirty="0" smtClean="0"/>
-                  <a:t>partition</a:t>
-                </a:r>
-                <a:endParaRPr lang="sv-SE" sz="1200" dirty="0"/>
-              </a:p>
-            </p:txBody>
-          </p:sp>
-        </p:grpSp>
-        <p:grpSp>
-          <p:nvGrpSpPr>
-            <p:cNvPr id="14" name="Group 13"/>
-            <p:cNvGrpSpPr/>
-            <p:nvPr/>
-          </p:nvGrpSpPr>
-          <p:grpSpPr>
-            <a:xfrm>
-              <a:off x="7749866" y="3412009"/>
-              <a:ext cx="2098703" cy="1144025"/>
-              <a:chOff x="7749866" y="3412009"/>
-              <a:chExt cx="2098703" cy="1144025"/>
-            </a:xfrm>
-          </p:grpSpPr>
-          <p:sp>
-            <p:nvSpPr>
-              <p:cNvPr id="32" name="Oval 31"/>
-              <p:cNvSpPr/>
-              <p:nvPr/>
-            </p:nvSpPr>
-            <p:spPr>
-              <a:xfrm>
-                <a:off x="8704544" y="3412009"/>
-                <a:ext cx="1144025" cy="1144025"/>
-              </a:xfrm>
-              <a:prstGeom prst="ellipse">
-                <a:avLst/>
-              </a:prstGeom>
-              <a:solidFill>
-                <a:schemeClr val="accent1"/>
-              </a:solidFill>
-              <a:ln w="25400">
-                <a:solidFill>
-                  <a:schemeClr val="bg1"/>
-                </a:solidFill>
-              </a:ln>
-            </p:spPr>
-            <p:style>
-              <a:lnRef idx="2">
-                <a:schemeClr val="accent1">
-                  <a:shade val="50000"/>
-                </a:schemeClr>
-              </a:lnRef>
-              <a:fillRef idx="1">
-                <a:schemeClr val="accent1"/>
-              </a:fillRef>
-              <a:effectRef idx="0">
-                <a:schemeClr val="accent1"/>
-              </a:effectRef>
-              <a:fontRef idx="minor">
-                <a:schemeClr val="lt1"/>
-              </a:fontRef>
-            </p:style>
-            <p:txBody>
-              <a:bodyPr rot="0" spcFirstLastPara="0" vertOverflow="overflow" horzOverflow="overflow" vert="horz" wrap="square" lIns="0" tIns="0" rIns="0" bIns="0" numCol="1" spcCol="0" rtlCol="0" fromWordArt="0" anchor="ctr" anchorCtr="0" forceAA="0" compatLnSpc="1">
-                <a:prstTxWarp prst="textNoShape">
-                  <a:avLst/>
-                </a:prstTxWarp>
-                <a:noAutofit/>
-              </a:bodyPr>
-              <a:lstStyle/>
-              <a:p>
-                <a:pPr algn="ctr"/>
-                <a:r>
-                  <a:rPr lang="sv-SE" b="1" dirty="0" smtClean="0">
-                    <a:solidFill>
-                      <a:schemeClr val="bg1"/>
-                    </a:solidFill>
-                  </a:rPr>
-                  <a:t>worker3</a:t>
-                </a:r>
-                <a:endParaRPr lang="sv-SE" b="1" dirty="0">
-                  <a:solidFill>
-                    <a:schemeClr val="bg1"/>
-                  </a:solidFill>
-                </a:endParaRPr>
-              </a:p>
-            </p:txBody>
-          </p:sp>
-          <p:sp>
-            <p:nvSpPr>
-              <p:cNvPr id="33" name="Oval 32"/>
-              <p:cNvSpPr/>
-              <p:nvPr/>
-            </p:nvSpPr>
-            <p:spPr>
-              <a:xfrm>
-                <a:off x="7749866" y="3506684"/>
-                <a:ext cx="954676" cy="954676"/>
-              </a:xfrm>
-              <a:prstGeom prst="ellipse">
-                <a:avLst/>
-              </a:prstGeom>
-              <a:solidFill>
-                <a:schemeClr val="accent1">
-                  <a:lumMod val="60000"/>
-                  <a:lumOff val="40000"/>
-                </a:schemeClr>
-              </a:solidFill>
-              <a:ln w="25400">
-                <a:solidFill>
-                  <a:schemeClr val="bg1"/>
-                </a:solidFill>
-              </a:ln>
-            </p:spPr>
-            <p:style>
-              <a:lnRef idx="2">
-                <a:schemeClr val="accent1">
-                  <a:shade val="50000"/>
-                </a:schemeClr>
-              </a:lnRef>
-              <a:fillRef idx="1">
-                <a:schemeClr val="accent1"/>
-              </a:fillRef>
-              <a:effectRef idx="0">
-                <a:schemeClr val="accent1"/>
-              </a:effectRef>
-              <a:fontRef idx="minor">
-                <a:schemeClr val="lt1"/>
-              </a:fontRef>
-            </p:style>
-            <p:txBody>
-              <a:bodyPr lIns="0" tIns="0" rIns="0" bIns="0" rtlCol="0" anchor="ctr"/>
-              <a:lstStyle/>
-              <a:p>
-                <a:pPr algn="ctr"/>
-                <a:r>
-                  <a:rPr lang="sv-SE" sz="1200" b="1" dirty="0" smtClean="0">
-                    <a:solidFill>
-                      <a:schemeClr val="bg1"/>
-                    </a:solidFill>
-                  </a:rPr>
-                  <a:t>consumer</a:t>
-                </a:r>
-                <a:endParaRPr lang="sv-SE" sz="800" b="1" dirty="0" smtClean="0">
-                  <a:solidFill>
-                    <a:schemeClr val="bg1"/>
-                  </a:solidFill>
-                </a:endParaRPr>
-              </a:p>
-            </p:txBody>
-          </p:sp>
-        </p:grpSp>
-      </p:grpSp>
-      <p:sp>
-        <p:nvSpPr>
-          <p:cNvPr id="49" name="Rectangle 48"/>
-          <p:cNvSpPr/>
-          <p:nvPr/>
-        </p:nvSpPr>
-        <p:spPr>
-          <a:xfrm>
-            <a:off x="210571" y="132594"/>
-            <a:ext cx="3892004" cy="5346621"/>
-          </a:xfrm>
-          <a:prstGeom prst="rect">
-            <a:avLst/>
-          </a:prstGeom>
-          <a:noFill/>
-          <a:ln>
-            <a:noFill/>
-          </a:ln>
-        </p:spPr>
-        <p:style>
-          <a:lnRef idx="2">
-            <a:schemeClr val="accent1">
-              <a:shade val="50000"/>
-            </a:schemeClr>
-          </a:lnRef>
-          <a:fillRef idx="1">
-            <a:schemeClr val="accent1"/>
-          </a:fillRef>
-          <a:effectRef idx="0">
-            <a:schemeClr val="accent1"/>
-          </a:effectRef>
-          <a:fontRef idx="minor">
-            <a:schemeClr val="lt1"/>
-          </a:fontRef>
-        </p:style>
-        <p:txBody>
-          <a:bodyPr rot="0" spcFirstLastPara="0" vertOverflow="overflow" horzOverflow="overflow" vert="horz" wrap="square" lIns="144000" tIns="144000" rIns="144000" bIns="144000" numCol="1" spcCol="0" rtlCol="0" fromWordArt="0" anchor="t" anchorCtr="0" forceAA="0" compatLnSpc="1">
-            <a:prstTxWarp prst="textNoShape">
-              <a:avLst/>
-            </a:prstTxWarp>
-            <a:noAutofit/>
-          </a:bodyPr>
-          <a:lstStyle/>
-          <a:p>
-            <a:r>
-              <a:rPr lang="sv-SE" sz="1600" b="1" dirty="0" smtClean="0">
-                <a:solidFill>
-                  <a:schemeClr val="tx1"/>
-                </a:solidFill>
-              </a:rPr>
-              <a:t>Partition to State affinity</a:t>
-            </a:r>
-          </a:p>
-          <a:p>
-            <a:endParaRPr lang="sv-SE" sz="1600" b="1" i="1" dirty="0">
-              <a:solidFill>
-                <a:schemeClr val="tx1"/>
-              </a:solidFill>
-            </a:endParaRPr>
-          </a:p>
-          <a:p>
-            <a:r>
-              <a:rPr lang="sv-SE" sz="1600" dirty="0" smtClean="0">
-                <a:solidFill>
-                  <a:schemeClr val="tx1"/>
-                </a:solidFill>
-              </a:rPr>
-              <a:t>This is conceptually the same thing as </a:t>
-            </a:r>
-            <a:br>
-              <a:rPr lang="sv-SE" sz="1600" dirty="0" smtClean="0">
-                <a:solidFill>
-                  <a:schemeClr val="tx1"/>
-                </a:solidFill>
-              </a:rPr>
-            </a:br>
-            <a:r>
-              <a:rPr lang="sv-SE" sz="1600" b="1" dirty="0" smtClean="0">
-                <a:solidFill>
-                  <a:schemeClr val="tx1"/>
-                </a:solidFill>
-              </a:rPr>
-              <a:t>Akka Cluster Sharding</a:t>
-            </a:r>
-            <a:r>
-              <a:rPr lang="sv-SE" sz="1600" b="1" dirty="0">
-                <a:solidFill>
-                  <a:schemeClr val="tx1"/>
-                </a:solidFill>
-              </a:rPr>
-              <a:t> </a:t>
-            </a:r>
-            <a:r>
-              <a:rPr lang="sv-SE" sz="1600" dirty="0" smtClean="0">
-                <a:solidFill>
-                  <a:schemeClr val="tx1"/>
-                </a:solidFill>
-              </a:rPr>
-              <a:t>and similar to </a:t>
-            </a:r>
-            <a:r>
-              <a:rPr lang="sv-SE" sz="1600" b="1" dirty="0" smtClean="0">
-                <a:solidFill>
-                  <a:schemeClr val="tx1"/>
-                </a:solidFill>
-              </a:rPr>
-              <a:t>MsOrleans</a:t>
-            </a:r>
-            <a:r>
-              <a:rPr lang="sv-SE" sz="1600" dirty="0" smtClean="0">
-                <a:solidFill>
-                  <a:schemeClr val="tx1"/>
-                </a:solidFill>
-              </a:rPr>
-              <a:t> in the sense that developers do not need to care where objects are placed.</a:t>
-            </a:r>
-          </a:p>
-          <a:p>
-            <a:r>
-              <a:rPr lang="sv-SE" sz="1600" dirty="0">
-                <a:solidFill>
-                  <a:schemeClr val="tx1"/>
-                </a:solidFill>
-              </a:rPr>
-              <a:t>Although in a more coarse grained way, data </a:t>
-            </a:r>
-            <a:r>
-              <a:rPr lang="sv-SE" sz="1600" dirty="0" smtClean="0">
-                <a:solidFill>
-                  <a:schemeClr val="tx1"/>
-                </a:solidFill>
-              </a:rPr>
-              <a:t>islands optimizing for data locality </a:t>
-            </a:r>
-            <a:r>
-              <a:rPr lang="sv-SE" sz="1600" dirty="0">
-                <a:solidFill>
-                  <a:schemeClr val="tx1"/>
-                </a:solidFill>
-              </a:rPr>
-              <a:t>instead of individual actors</a:t>
-            </a:r>
-            <a:r>
-              <a:rPr lang="sv-SE" sz="1600" dirty="0" smtClean="0">
-                <a:solidFill>
-                  <a:schemeClr val="tx1"/>
-                </a:solidFill>
-              </a:rPr>
-              <a:t>.</a:t>
-            </a:r>
-            <a:endParaRPr lang="sv-SE" sz="1600" b="1" dirty="0">
-              <a:solidFill>
-                <a:schemeClr val="tx1"/>
-              </a:solidFill>
-            </a:endParaRPr>
-          </a:p>
-          <a:p>
-            <a:endParaRPr lang="sv-SE" sz="1600" b="1" dirty="0">
-              <a:solidFill>
-                <a:schemeClr val="tx1"/>
-              </a:solidFill>
-            </a:endParaRPr>
-          </a:p>
-        </p:txBody>
-      </p:sp>
-      <p:sp>
-        <p:nvSpPr>
-          <p:cNvPr id="5" name="Rounded Rectangle 4"/>
-          <p:cNvSpPr/>
-          <p:nvPr/>
-        </p:nvSpPr>
-        <p:spPr>
-          <a:xfrm>
-            <a:off x="8737441" y="2079782"/>
-            <a:ext cx="2939497" cy="1144026"/>
-          </a:xfrm>
-          <a:prstGeom prst="roundRect">
-            <a:avLst>
-              <a:gd name="adj" fmla="val 50000"/>
-            </a:avLst>
-          </a:prstGeom>
-          <a:ln>
-            <a:noFill/>
-          </a:ln>
-        </p:spPr>
-        <p:style>
-          <a:lnRef idx="2">
-            <a:schemeClr val="accent1">
-              <a:shade val="50000"/>
-            </a:schemeClr>
-          </a:lnRef>
-          <a:fillRef idx="1">
-            <a:schemeClr val="accent1"/>
-          </a:fillRef>
-          <a:effectRef idx="0">
-            <a:schemeClr val="accent1"/>
-          </a:effectRef>
-          <a:fontRef idx="minor">
-            <a:schemeClr val="lt1"/>
-          </a:fontRef>
-        </p:style>
-        <p:txBody>
-          <a:bodyPr rtlCol="0" anchor="ctr"/>
-          <a:lstStyle/>
-          <a:p>
-            <a:pPr algn="ctr"/>
-            <a:endParaRPr lang="sv-SE" b="1" dirty="0"/>
-          </a:p>
-        </p:txBody>
-      </p:sp>
-      <p:sp>
-        <p:nvSpPr>
-          <p:cNvPr id="7" name="Oval 6"/>
-          <p:cNvSpPr/>
-          <p:nvPr/>
-        </p:nvSpPr>
-        <p:spPr>
-          <a:xfrm>
-            <a:off x="8701999" y="2079783"/>
-            <a:ext cx="1144025" cy="1144025"/>
-          </a:xfrm>
-          <a:prstGeom prst="ellipse">
-            <a:avLst/>
-          </a:prstGeom>
-          <a:solidFill>
-            <a:schemeClr val="accent1"/>
-          </a:solidFill>
-          <a:ln w="25400">
-            <a:solidFill>
-              <a:schemeClr val="bg1"/>
-            </a:solidFill>
-          </a:ln>
-        </p:spPr>
-        <p:style>
-          <a:lnRef idx="2">
-            <a:schemeClr val="accent1">
-              <a:shade val="50000"/>
-            </a:schemeClr>
-          </a:lnRef>
-          <a:fillRef idx="1">
-            <a:schemeClr val="accent1"/>
-          </a:fillRef>
-          <a:effectRef idx="0">
-            <a:schemeClr val="accent1"/>
-          </a:effectRef>
-          <a:fontRef idx="minor">
-            <a:schemeClr val="lt1"/>
-          </a:fontRef>
-        </p:style>
-        <p:txBody>
-          <a:bodyPr rot="0" spcFirstLastPara="0" vertOverflow="overflow" horzOverflow="overflow" vert="horz" wrap="square" lIns="0" tIns="0" rIns="0" bIns="0" numCol="1" spcCol="0" rtlCol="0" fromWordArt="0" anchor="ctr" anchorCtr="0" forceAA="0" compatLnSpc="1">
-            <a:prstTxWarp prst="textNoShape">
-              <a:avLst/>
-            </a:prstTxWarp>
-            <a:noAutofit/>
-          </a:bodyPr>
-          <a:lstStyle/>
-          <a:p>
-            <a:pPr algn="ctr"/>
-            <a:r>
-              <a:rPr lang="sv-SE" b="1" dirty="0" smtClean="0">
-                <a:solidFill>
-                  <a:schemeClr val="bg1"/>
-                </a:solidFill>
-              </a:rPr>
-              <a:t>worker2</a:t>
-            </a:r>
-            <a:endParaRPr lang="sv-SE" b="1" dirty="0">
-              <a:solidFill>
-                <a:schemeClr val="bg1"/>
-              </a:solidFill>
-            </a:endParaRPr>
-          </a:p>
-        </p:txBody>
-      </p:sp>
-      <p:sp>
-        <p:nvSpPr>
-          <p:cNvPr id="4" name="Oval 3"/>
-          <p:cNvSpPr/>
-          <p:nvPr/>
-        </p:nvSpPr>
-        <p:spPr>
-          <a:xfrm>
-            <a:off x="4819409" y="2736534"/>
-            <a:ext cx="1144025" cy="1144025"/>
-          </a:xfrm>
-          <a:prstGeom prst="ellipse">
-            <a:avLst/>
-          </a:prstGeom>
-          <a:solidFill>
-            <a:schemeClr val="accent1"/>
-          </a:solidFill>
-          <a:ln w="25400">
-            <a:solidFill>
-              <a:schemeClr val="bg1"/>
-            </a:solidFill>
-          </a:ln>
-        </p:spPr>
-        <p:style>
-          <a:lnRef idx="2">
-            <a:schemeClr val="accent1">
-              <a:shade val="50000"/>
-            </a:schemeClr>
-          </a:lnRef>
-          <a:fillRef idx="1">
-            <a:schemeClr val="accent1"/>
-          </a:fillRef>
-          <a:effectRef idx="0">
-            <a:schemeClr val="accent1"/>
-          </a:effectRef>
-          <a:fontRef idx="minor">
-            <a:schemeClr val="lt1"/>
-          </a:fontRef>
-        </p:style>
-        <p:txBody>
-          <a:bodyPr lIns="0" tIns="0" rIns="0" bIns="0" rtlCol="0" anchor="ctr"/>
-          <a:lstStyle/>
-          <a:p>
-            <a:pPr algn="ctr"/>
-            <a:r>
-              <a:rPr lang="sv-SE" b="1" dirty="0" smtClean="0">
-                <a:solidFill>
-                  <a:schemeClr val="bg1"/>
-                </a:solidFill>
-              </a:rPr>
-              <a:t>source</a:t>
-            </a:r>
-            <a:endParaRPr lang="sv-SE" sz="1050" b="1" dirty="0" smtClean="0">
-              <a:solidFill>
-                <a:schemeClr val="bg1"/>
-              </a:solidFill>
-            </a:endParaRPr>
-          </a:p>
-        </p:txBody>
-      </p:sp>
-      <p:sp>
-        <p:nvSpPr>
-          <p:cNvPr id="16" name="Oval 15"/>
-          <p:cNvSpPr/>
-          <p:nvPr/>
-        </p:nvSpPr>
-        <p:spPr>
-          <a:xfrm>
-            <a:off x="5963434" y="2831209"/>
-            <a:ext cx="954676" cy="954676"/>
-          </a:xfrm>
-          <a:prstGeom prst="ellipse">
-            <a:avLst/>
-          </a:prstGeom>
-          <a:solidFill>
-            <a:schemeClr val="accent1">
-              <a:lumMod val="60000"/>
-              <a:lumOff val="40000"/>
-            </a:schemeClr>
-          </a:solidFill>
-          <a:ln w="25400">
-            <a:solidFill>
-              <a:schemeClr val="bg1"/>
-            </a:solidFill>
-          </a:ln>
-        </p:spPr>
-        <p:style>
-          <a:lnRef idx="2">
-            <a:schemeClr val="accent1">
-              <a:shade val="50000"/>
-            </a:schemeClr>
-          </a:lnRef>
-          <a:fillRef idx="1">
-            <a:schemeClr val="accent1"/>
-          </a:fillRef>
-          <a:effectRef idx="0">
-            <a:schemeClr val="accent1"/>
-          </a:effectRef>
-          <a:fontRef idx="minor">
-            <a:schemeClr val="lt1"/>
-          </a:fontRef>
-        </p:style>
-        <p:txBody>
-          <a:bodyPr lIns="0" tIns="0" rIns="0" bIns="0" rtlCol="0" anchor="ctr"/>
-          <a:lstStyle/>
-          <a:p>
-            <a:pPr algn="ctr"/>
-            <a:r>
-              <a:rPr lang="sv-SE" sz="1200" b="1" dirty="0" smtClean="0">
-                <a:solidFill>
-                  <a:schemeClr val="bg1"/>
-                </a:solidFill>
-              </a:rPr>
-              <a:t>producer</a:t>
-            </a:r>
-            <a:endParaRPr lang="sv-SE" sz="800" b="1" dirty="0" smtClean="0">
-              <a:solidFill>
-                <a:schemeClr val="bg1"/>
-              </a:solidFill>
-            </a:endParaRPr>
-          </a:p>
-        </p:txBody>
-      </p:sp>
-      <p:sp>
-        <p:nvSpPr>
-          <p:cNvPr id="37" name="Rounded Rectangle 36"/>
-          <p:cNvSpPr/>
-          <p:nvPr/>
-        </p:nvSpPr>
-        <p:spPr>
-          <a:xfrm>
-            <a:off x="7011045" y="2327214"/>
-            <a:ext cx="917623" cy="326175"/>
-          </a:xfrm>
-          <a:prstGeom prst="roundRect">
-            <a:avLst/>
-          </a:prstGeom>
-          <a:solidFill>
-            <a:schemeClr val="accent2">
-              <a:lumMod val="60000"/>
-              <a:lumOff val="40000"/>
-            </a:schemeClr>
-          </a:solidFill>
-          <a:ln w="25400">
-            <a:solidFill>
-              <a:schemeClr val="bg1"/>
-            </a:solidFill>
-          </a:ln>
-        </p:spPr>
-        <p:style>
-          <a:lnRef idx="2">
-            <a:schemeClr val="accent1">
-              <a:shade val="50000"/>
-            </a:schemeClr>
-          </a:lnRef>
-          <a:fillRef idx="1">
-            <a:schemeClr val="accent1"/>
-          </a:fillRef>
-          <a:effectRef idx="0">
-            <a:schemeClr val="accent1"/>
-          </a:effectRef>
-          <a:fontRef idx="minor">
-            <a:schemeClr val="lt1"/>
-          </a:fontRef>
-        </p:style>
-        <p:txBody>
-          <a:bodyPr rtlCol="0" anchor="ctr"/>
-          <a:lstStyle/>
-          <a:p>
-            <a:r>
-              <a:rPr lang="sv-SE" sz="1200" dirty="0" smtClean="0"/>
-              <a:t>partition</a:t>
-            </a:r>
-            <a:endParaRPr lang="sv-SE" sz="1200" dirty="0"/>
-          </a:p>
-        </p:txBody>
-      </p:sp>
-      <p:sp>
-        <p:nvSpPr>
-          <p:cNvPr id="38" name="Rounded Rectangle 37"/>
-          <p:cNvSpPr/>
-          <p:nvPr/>
-        </p:nvSpPr>
-        <p:spPr>
-          <a:xfrm>
-            <a:off x="7011047" y="2664424"/>
-            <a:ext cx="917623" cy="326175"/>
-          </a:xfrm>
-          <a:prstGeom prst="roundRect">
-            <a:avLst/>
-          </a:prstGeom>
-          <a:solidFill>
-            <a:schemeClr val="accent2">
-              <a:lumMod val="60000"/>
-              <a:lumOff val="40000"/>
-            </a:schemeClr>
-          </a:solidFill>
-          <a:ln w="25400">
-            <a:solidFill>
-              <a:schemeClr val="bg1"/>
-            </a:solidFill>
-          </a:ln>
-        </p:spPr>
-        <p:style>
-          <a:lnRef idx="2">
-            <a:schemeClr val="accent1">
-              <a:shade val="50000"/>
-            </a:schemeClr>
-          </a:lnRef>
-          <a:fillRef idx="1">
-            <a:schemeClr val="accent1"/>
-          </a:fillRef>
-          <a:effectRef idx="0">
-            <a:schemeClr val="accent1"/>
-          </a:effectRef>
-          <a:fontRef idx="minor">
-            <a:schemeClr val="lt1"/>
-          </a:fontRef>
-        </p:style>
-        <p:txBody>
-          <a:bodyPr rtlCol="0" anchor="ctr"/>
-          <a:lstStyle/>
-          <a:p>
-            <a:r>
-              <a:rPr lang="sv-SE" sz="1200" dirty="0" smtClean="0"/>
-              <a:t>partition</a:t>
-            </a:r>
-            <a:endParaRPr lang="sv-SE" sz="1200" dirty="0"/>
-          </a:p>
-        </p:txBody>
-      </p:sp>
-      <p:sp>
-        <p:nvSpPr>
-          <p:cNvPr id="23" name="Oval 22"/>
-          <p:cNvSpPr/>
-          <p:nvPr/>
-        </p:nvSpPr>
-        <p:spPr>
-          <a:xfrm>
-            <a:off x="7747321" y="2174458"/>
-            <a:ext cx="954676" cy="954676"/>
-          </a:xfrm>
-          <a:prstGeom prst="ellipse">
-            <a:avLst/>
-          </a:prstGeom>
-          <a:solidFill>
-            <a:schemeClr val="accent1">
-              <a:lumMod val="60000"/>
-              <a:lumOff val="40000"/>
-            </a:schemeClr>
-          </a:solidFill>
-          <a:ln w="25400">
-            <a:solidFill>
-              <a:schemeClr val="bg1"/>
-            </a:solidFill>
-          </a:ln>
-        </p:spPr>
-        <p:style>
-          <a:lnRef idx="2">
-            <a:schemeClr val="accent1">
-              <a:shade val="50000"/>
-            </a:schemeClr>
-          </a:lnRef>
-          <a:fillRef idx="1">
-            <a:schemeClr val="accent1"/>
-          </a:fillRef>
-          <a:effectRef idx="0">
-            <a:schemeClr val="accent1"/>
-          </a:effectRef>
-          <a:fontRef idx="minor">
-            <a:schemeClr val="lt1"/>
-          </a:fontRef>
-        </p:style>
-        <p:txBody>
-          <a:bodyPr lIns="0" tIns="0" rIns="0" bIns="0" rtlCol="0" anchor="ctr"/>
-          <a:lstStyle/>
-          <a:p>
-            <a:pPr algn="ctr"/>
-            <a:r>
-              <a:rPr lang="sv-SE" sz="1200" b="1" dirty="0" smtClean="0">
-                <a:solidFill>
-                  <a:schemeClr val="bg1"/>
-                </a:solidFill>
-              </a:rPr>
-              <a:t>consumer</a:t>
-            </a:r>
-            <a:endParaRPr lang="sv-SE" sz="800" b="1" dirty="0" smtClean="0">
-              <a:solidFill>
-                <a:schemeClr val="bg1"/>
-              </a:solidFill>
-            </a:endParaRPr>
-          </a:p>
-        </p:txBody>
-      </p:sp>
-      <p:sp>
-        <p:nvSpPr>
-          <p:cNvPr id="6" name="Rectangle 5"/>
-          <p:cNvSpPr/>
-          <p:nvPr/>
-        </p:nvSpPr>
-        <p:spPr>
-          <a:xfrm>
-            <a:off x="4212645" y="1"/>
-            <a:ext cx="7649951" cy="6858000"/>
-          </a:xfrm>
-          <a:prstGeom prst="rect">
-            <a:avLst/>
-          </a:prstGeom>
-          <a:solidFill>
-            <a:schemeClr val="bg1">
-              <a:alpha val="75000"/>
-            </a:schemeClr>
-          </a:solidFill>
-          <a:ln>
-            <a:noFill/>
-          </a:ln>
-        </p:spPr>
-        <p:style>
-          <a:lnRef idx="2">
-            <a:schemeClr val="accent1">
-              <a:shade val="50000"/>
-            </a:schemeClr>
-          </a:lnRef>
-          <a:fillRef idx="1">
-            <a:schemeClr val="accent1"/>
-          </a:fillRef>
-          <a:effectRef idx="0">
-            <a:schemeClr val="accent1"/>
-          </a:effectRef>
-          <a:fontRef idx="minor">
-            <a:schemeClr val="lt1"/>
-          </a:fontRef>
-        </p:style>
-        <p:txBody>
-          <a:bodyPr rtlCol="0" anchor="ctr"/>
-          <a:lstStyle/>
-          <a:p>
-            <a:pPr algn="ctr"/>
-            <a:endParaRPr lang="sv-SE"/>
-          </a:p>
-        </p:txBody>
-      </p:sp>
-      <p:grpSp>
-        <p:nvGrpSpPr>
-          <p:cNvPr id="34" name="Group 33"/>
-          <p:cNvGrpSpPr/>
-          <p:nvPr/>
-        </p:nvGrpSpPr>
-        <p:grpSpPr>
-          <a:xfrm>
-            <a:off x="4212647" y="2238899"/>
-            <a:ext cx="6831314" cy="1152500"/>
-            <a:chOff x="4213703" y="2241027"/>
-            <a:chExt cx="6831314" cy="1152500"/>
-          </a:xfrm>
-          <a:solidFill>
-            <a:schemeClr val="accent1"/>
-          </a:solidFill>
-        </p:grpSpPr>
-        <p:grpSp>
-          <p:nvGrpSpPr>
-            <p:cNvPr id="53" name="Group 52"/>
-            <p:cNvGrpSpPr/>
-            <p:nvPr/>
-          </p:nvGrpSpPr>
-          <p:grpSpPr>
-            <a:xfrm>
-              <a:off x="4620146" y="2387078"/>
-              <a:ext cx="5870241" cy="822660"/>
-              <a:chOff x="1217380" y="2432829"/>
-              <a:chExt cx="14736343" cy="822660"/>
-            </a:xfrm>
-            <a:grpFill/>
-          </p:grpSpPr>
-          <p:cxnSp>
-            <p:nvCxnSpPr>
-              <p:cNvPr id="54" name="Curved Connector 53"/>
-              <p:cNvCxnSpPr/>
-              <p:nvPr/>
-            </p:nvCxnSpPr>
-            <p:spPr>
-              <a:xfrm flipV="1">
-                <a:off x="6231248" y="2437009"/>
-                <a:ext cx="1038735" cy="818298"/>
-              </a:xfrm>
-              <a:prstGeom prst="curvedConnector3">
-                <a:avLst/>
-              </a:prstGeom>
-              <a:grpFill/>
-              <a:ln w="50800" cap="rnd">
-                <a:solidFill>
-                  <a:schemeClr val="accent1">
-                    <a:lumMod val="50000"/>
-                  </a:schemeClr>
-                </a:solidFill>
-              </a:ln>
-            </p:spPr>
-            <p:style>
-              <a:lnRef idx="1">
-                <a:schemeClr val="accent1"/>
-              </a:lnRef>
-              <a:fillRef idx="0">
-                <a:schemeClr val="accent1"/>
-              </a:fillRef>
-              <a:effectRef idx="0">
-                <a:schemeClr val="accent1"/>
-              </a:effectRef>
-              <a:fontRef idx="minor">
-                <a:schemeClr val="tx1"/>
-              </a:fontRef>
-            </p:style>
-          </p:cxnSp>
-          <p:cxnSp>
-            <p:nvCxnSpPr>
-              <p:cNvPr id="55" name="Straight Connector 54"/>
-              <p:cNvCxnSpPr/>
-              <p:nvPr/>
-            </p:nvCxnSpPr>
-            <p:spPr>
-              <a:xfrm>
-                <a:off x="7269983" y="2432829"/>
-                <a:ext cx="8683740" cy="0"/>
-              </a:xfrm>
-              <a:prstGeom prst="line">
-                <a:avLst/>
-              </a:prstGeom>
-              <a:grpFill/>
-              <a:ln w="50800" cap="rnd">
-                <a:solidFill>
-                  <a:schemeClr val="accent1">
-                    <a:lumMod val="50000"/>
-                  </a:schemeClr>
-                </a:solidFill>
-              </a:ln>
-            </p:spPr>
-            <p:style>
-              <a:lnRef idx="1">
-                <a:schemeClr val="accent1"/>
-              </a:lnRef>
-              <a:fillRef idx="0">
-                <a:schemeClr val="accent1"/>
-              </a:fillRef>
-              <a:effectRef idx="0">
-                <a:schemeClr val="accent1"/>
-              </a:effectRef>
-              <a:fontRef idx="minor">
-                <a:schemeClr val="tx1"/>
-              </a:fontRef>
-            </p:style>
-          </p:cxnSp>
-          <p:cxnSp>
-            <p:nvCxnSpPr>
-              <p:cNvPr id="56" name="Straight Connector 55"/>
-              <p:cNvCxnSpPr/>
-              <p:nvPr/>
-            </p:nvCxnSpPr>
-            <p:spPr>
-              <a:xfrm>
-                <a:off x="1217380" y="3248426"/>
-                <a:ext cx="5006167" cy="7063"/>
-              </a:xfrm>
-              <a:prstGeom prst="line">
-                <a:avLst/>
-              </a:prstGeom>
-              <a:grpFill/>
-              <a:ln w="50800" cap="rnd">
-                <a:solidFill>
-                  <a:schemeClr val="accent1">
-                    <a:lumMod val="50000"/>
-                  </a:schemeClr>
-                </a:solidFill>
-              </a:ln>
-            </p:spPr>
-            <p:style>
-              <a:lnRef idx="1">
-                <a:schemeClr val="accent1"/>
-              </a:lnRef>
-              <a:fillRef idx="0">
-                <a:schemeClr val="accent1"/>
-              </a:fillRef>
-              <a:effectRef idx="0">
-                <a:schemeClr val="accent1"/>
-              </a:effectRef>
-              <a:fontRef idx="minor">
-                <a:schemeClr val="tx1"/>
-              </a:fontRef>
-            </p:style>
-          </p:cxnSp>
-        </p:grpSp>
-        <p:grpSp>
-          <p:nvGrpSpPr>
-            <p:cNvPr id="60" name="Group 59"/>
-            <p:cNvGrpSpPr/>
-            <p:nvPr/>
-          </p:nvGrpSpPr>
-          <p:grpSpPr>
-            <a:xfrm>
-              <a:off x="4213703" y="3011822"/>
-              <a:ext cx="557419" cy="381705"/>
-              <a:chOff x="4875433" y="2174458"/>
-              <a:chExt cx="697076" cy="477338"/>
-            </a:xfrm>
-            <a:grpFill/>
-          </p:grpSpPr>
-          <p:sp>
-            <p:nvSpPr>
-              <p:cNvPr id="61" name="Rectangle 60"/>
-              <p:cNvSpPr/>
-              <p:nvPr/>
-            </p:nvSpPr>
-            <p:spPr>
-              <a:xfrm>
-                <a:off x="4875433" y="2174458"/>
-                <a:ext cx="697076" cy="477338"/>
-              </a:xfrm>
-              <a:prstGeom prst="rect">
-                <a:avLst/>
-              </a:prstGeom>
-              <a:grpFill/>
-              <a:ln w="50800" cap="rnd">
-                <a:solidFill>
-                  <a:schemeClr val="accent1">
-                    <a:lumMod val="50000"/>
-                  </a:schemeClr>
-                </a:solidFill>
-                <a:round/>
-              </a:ln>
-            </p:spPr>
-            <p:style>
-              <a:lnRef idx="2">
-                <a:schemeClr val="accent1">
-                  <a:shade val="50000"/>
-                </a:schemeClr>
-              </a:lnRef>
-              <a:fillRef idx="1">
-                <a:schemeClr val="accent1"/>
-              </a:fillRef>
-              <a:effectRef idx="0">
-                <a:schemeClr val="accent1"/>
-              </a:effectRef>
-              <a:fontRef idx="minor">
-                <a:schemeClr val="lt1"/>
-              </a:fontRef>
-            </p:style>
-            <p:txBody>
-              <a:bodyPr rtlCol="0" anchor="ctr"/>
-              <a:lstStyle/>
-              <a:p>
-                <a:pPr algn="ctr"/>
-                <a:endParaRPr lang="sv-SE"/>
-              </a:p>
-            </p:txBody>
-          </p:sp>
-          <p:sp>
-            <p:nvSpPr>
-              <p:cNvPr id="62" name="Isosceles Triangle 61"/>
-              <p:cNvSpPr/>
-              <p:nvPr/>
-            </p:nvSpPr>
-            <p:spPr>
-              <a:xfrm rot="10800000">
-                <a:off x="4941114" y="2174458"/>
-                <a:ext cx="569677" cy="282168"/>
-              </a:xfrm>
-              <a:prstGeom prst="triangle">
-                <a:avLst/>
-              </a:prstGeom>
-              <a:grpFill/>
-              <a:ln w="50800" cap="rnd">
-                <a:solidFill>
-                  <a:schemeClr val="accent1">
-                    <a:lumMod val="50000"/>
-                  </a:schemeClr>
-                </a:solidFill>
-                <a:round/>
-              </a:ln>
-            </p:spPr>
-            <p:style>
-              <a:lnRef idx="2">
-                <a:schemeClr val="accent1">
-                  <a:shade val="50000"/>
-                </a:schemeClr>
-              </a:lnRef>
-              <a:fillRef idx="1">
-                <a:schemeClr val="accent1"/>
-              </a:fillRef>
-              <a:effectRef idx="0">
-                <a:schemeClr val="accent1"/>
-              </a:effectRef>
-              <a:fontRef idx="minor">
-                <a:schemeClr val="lt1"/>
-              </a:fontRef>
-            </p:style>
-            <p:txBody>
-              <a:bodyPr rtlCol="0" anchor="ctr"/>
-              <a:lstStyle/>
-              <a:p>
-                <a:pPr algn="ctr"/>
-                <a:endParaRPr lang="sv-SE"/>
-              </a:p>
-            </p:txBody>
-          </p:sp>
-        </p:grpSp>
-        <p:sp>
-          <p:nvSpPr>
-            <p:cNvPr id="9" name="Oval 8"/>
-            <p:cNvSpPr/>
-            <p:nvPr/>
-          </p:nvSpPr>
-          <p:spPr>
-            <a:xfrm>
-              <a:off x="10466802" y="2241027"/>
-              <a:ext cx="292100" cy="292100"/>
-            </a:xfrm>
-            <a:prstGeom prst="ellipse">
-              <a:avLst/>
-            </a:prstGeom>
-            <a:grpFill/>
-            <a:ln w="50800">
-              <a:solidFill>
-                <a:schemeClr val="accent1">
-                  <a:lumMod val="50000"/>
-                </a:schemeClr>
-              </a:solidFill>
-            </a:ln>
-          </p:spPr>
-          <p:style>
-            <a:lnRef idx="2">
-              <a:schemeClr val="accent1">
-                <a:shade val="50000"/>
-              </a:schemeClr>
-            </a:lnRef>
-            <a:fillRef idx="1">
-              <a:schemeClr val="accent1"/>
-            </a:fillRef>
-            <a:effectRef idx="0">
-              <a:schemeClr val="accent1"/>
-            </a:effectRef>
-            <a:fontRef idx="minor">
-              <a:schemeClr val="lt1"/>
-            </a:fontRef>
-          </p:style>
-          <p:txBody>
-            <a:bodyPr rtlCol="0" anchor="ctr"/>
-            <a:lstStyle/>
-            <a:p>
-              <a:pPr algn="ctr"/>
-              <a:endParaRPr lang="sv-SE"/>
-            </a:p>
-          </p:txBody>
-        </p:sp>
-        <p:sp>
-          <p:nvSpPr>
-            <p:cNvPr id="63" name="Oval 62"/>
-            <p:cNvSpPr/>
-            <p:nvPr/>
-          </p:nvSpPr>
-          <p:spPr>
-            <a:xfrm>
-              <a:off x="10169238" y="2586367"/>
-              <a:ext cx="292100" cy="292100"/>
-            </a:xfrm>
-            <a:prstGeom prst="ellipse">
-              <a:avLst/>
-            </a:prstGeom>
-            <a:grpFill/>
-            <a:ln w="50800">
-              <a:solidFill>
-                <a:schemeClr val="accent1">
-                  <a:lumMod val="50000"/>
-                </a:schemeClr>
-              </a:solidFill>
-            </a:ln>
-          </p:spPr>
-          <p:style>
-            <a:lnRef idx="2">
-              <a:schemeClr val="accent1">
-                <a:shade val="50000"/>
-              </a:schemeClr>
-            </a:lnRef>
-            <a:fillRef idx="1">
-              <a:schemeClr val="accent1"/>
-            </a:fillRef>
-            <a:effectRef idx="0">
-              <a:schemeClr val="accent1"/>
-            </a:effectRef>
-            <a:fontRef idx="minor">
-              <a:schemeClr val="lt1"/>
-            </a:fontRef>
-          </p:style>
-          <p:txBody>
-            <a:bodyPr rtlCol="0" anchor="ctr"/>
-            <a:lstStyle/>
-            <a:p>
-              <a:pPr algn="ctr"/>
-              <a:endParaRPr lang="sv-SE"/>
-            </a:p>
-          </p:txBody>
-        </p:sp>
-        <p:sp>
-          <p:nvSpPr>
-            <p:cNvPr id="65" name="Oval 64"/>
-            <p:cNvSpPr/>
-            <p:nvPr/>
-          </p:nvSpPr>
-          <p:spPr>
-            <a:xfrm>
-              <a:off x="10752917" y="2586367"/>
-              <a:ext cx="292100" cy="292100"/>
-            </a:xfrm>
-            <a:prstGeom prst="ellipse">
-              <a:avLst/>
-            </a:prstGeom>
-            <a:grpFill/>
-            <a:ln w="50800">
-              <a:solidFill>
-                <a:schemeClr val="accent1">
-                  <a:lumMod val="50000"/>
-                </a:schemeClr>
-              </a:solidFill>
-            </a:ln>
-          </p:spPr>
-          <p:style>
-            <a:lnRef idx="2">
-              <a:schemeClr val="accent1">
-                <a:shade val="50000"/>
-              </a:schemeClr>
-            </a:lnRef>
-            <a:fillRef idx="1">
-              <a:schemeClr val="accent1"/>
-            </a:fillRef>
-            <a:effectRef idx="0">
-              <a:schemeClr val="accent1"/>
-            </a:effectRef>
-            <a:fontRef idx="minor">
-              <a:schemeClr val="lt1"/>
-            </a:fontRef>
-          </p:style>
-          <p:txBody>
-            <a:bodyPr rtlCol="0" anchor="ctr"/>
-            <a:lstStyle/>
-            <a:p>
-              <a:pPr algn="ctr"/>
-              <a:endParaRPr lang="sv-SE"/>
-            </a:p>
-          </p:txBody>
-        </p:sp>
-        <p:cxnSp>
-          <p:nvCxnSpPr>
-            <p:cNvPr id="66" name="Straight Connector 65"/>
-            <p:cNvCxnSpPr>
-              <a:stCxn id="63" idx="7"/>
-              <a:endCxn id="9" idx="3"/>
-            </p:cNvCxnSpPr>
-            <p:nvPr/>
-          </p:nvCxnSpPr>
-          <p:spPr>
-            <a:xfrm flipV="1">
-              <a:off x="10418561" y="2490350"/>
-              <a:ext cx="91018" cy="138794"/>
-            </a:xfrm>
-            <a:prstGeom prst="line">
-              <a:avLst/>
-            </a:prstGeom>
-            <a:grpFill/>
-            <a:ln w="50800" cap="rnd">
-              <a:solidFill>
-                <a:schemeClr val="accent1">
-                  <a:lumMod val="50000"/>
-                </a:schemeClr>
-              </a:solidFill>
-            </a:ln>
-          </p:spPr>
-          <p:style>
-            <a:lnRef idx="1">
-              <a:schemeClr val="accent1"/>
-            </a:lnRef>
-            <a:fillRef idx="0">
-              <a:schemeClr val="accent1"/>
-            </a:fillRef>
-            <a:effectRef idx="0">
-              <a:schemeClr val="accent1"/>
-            </a:effectRef>
-            <a:fontRef idx="minor">
-              <a:schemeClr val="tx1"/>
-            </a:fontRef>
-          </p:style>
-        </p:cxnSp>
-        <p:cxnSp>
-          <p:nvCxnSpPr>
-            <p:cNvPr id="67" name="Straight Connector 66"/>
-            <p:cNvCxnSpPr>
-              <a:stCxn id="65" idx="1"/>
-              <a:endCxn id="9" idx="5"/>
-            </p:cNvCxnSpPr>
-            <p:nvPr/>
-          </p:nvCxnSpPr>
-          <p:spPr>
-            <a:xfrm flipH="1" flipV="1">
-              <a:off x="10716125" y="2490350"/>
-              <a:ext cx="79569" cy="138794"/>
-            </a:xfrm>
-            <a:prstGeom prst="line">
-              <a:avLst/>
-            </a:prstGeom>
-            <a:grpFill/>
-            <a:ln w="50800" cap="rnd">
-              <a:solidFill>
-                <a:schemeClr val="accent1">
-                  <a:lumMod val="50000"/>
-                </a:schemeClr>
-              </a:solidFill>
-            </a:ln>
-          </p:spPr>
-          <p:style>
-            <a:lnRef idx="1">
-              <a:schemeClr val="accent1"/>
-            </a:lnRef>
-            <a:fillRef idx="0">
-              <a:schemeClr val="accent1"/>
-            </a:fillRef>
-            <a:effectRef idx="0">
-              <a:schemeClr val="accent1"/>
-            </a:effectRef>
-            <a:fontRef idx="minor">
-              <a:schemeClr val="tx1"/>
-            </a:fontRef>
-          </p:style>
-        </p:cxnSp>
-      </p:grpSp>
-    </p:spTree>
-    <p:extLst>
-      <p:ext uri="{BB962C8B-B14F-4D97-AF65-F5344CB8AC3E}">
-        <p14:creationId xmlns:p14="http://schemas.microsoft.com/office/powerpoint/2010/main" val="3613053573"/>
       </p:ext>
     </p:extLst>
   </p:cSld>

--- a/ClusterSoftware/clustersoftware.pptx
+++ b/ClusterSoftware/clustersoftware.pptx
@@ -9,37 +9,38 @@
     <p:sldId id="261" r:id="rId3"/>
     <p:sldId id="279" r:id="rId4"/>
     <p:sldId id="283" r:id="rId5"/>
-    <p:sldId id="277" r:id="rId6"/>
-    <p:sldId id="284" r:id="rId7"/>
-    <p:sldId id="286" r:id="rId8"/>
-    <p:sldId id="285" r:id="rId9"/>
-    <p:sldId id="275" r:id="rId10"/>
-    <p:sldId id="269" r:id="rId11"/>
-    <p:sldId id="282" r:id="rId12"/>
-    <p:sldId id="280" r:id="rId13"/>
-    <p:sldId id="256" r:id="rId14"/>
-    <p:sldId id="270" r:id="rId15"/>
-    <p:sldId id="287" r:id="rId16"/>
-    <p:sldId id="293" r:id="rId17"/>
-    <p:sldId id="257" r:id="rId18"/>
-    <p:sldId id="260" r:id="rId19"/>
-    <p:sldId id="258" r:id="rId20"/>
-    <p:sldId id="259" r:id="rId21"/>
-    <p:sldId id="263" r:id="rId22"/>
-    <p:sldId id="265" r:id="rId23"/>
-    <p:sldId id="268" r:id="rId24"/>
-    <p:sldId id="266" r:id="rId25"/>
-    <p:sldId id="281" r:id="rId26"/>
-    <p:sldId id="288" r:id="rId27"/>
-    <p:sldId id="291" r:id="rId28"/>
-    <p:sldId id="289" r:id="rId29"/>
-    <p:sldId id="290" r:id="rId30"/>
-    <p:sldId id="292" r:id="rId31"/>
-    <p:sldId id="295" r:id="rId32"/>
-    <p:sldId id="296" r:id="rId33"/>
-    <p:sldId id="297" r:id="rId34"/>
-    <p:sldId id="298" r:id="rId35"/>
-    <p:sldId id="274" r:id="rId36"/>
+    <p:sldId id="285" r:id="rId6"/>
+    <p:sldId id="275" r:id="rId7"/>
+    <p:sldId id="269" r:id="rId8"/>
+    <p:sldId id="282" r:id="rId9"/>
+    <p:sldId id="280" r:id="rId10"/>
+    <p:sldId id="256" r:id="rId11"/>
+    <p:sldId id="270" r:id="rId12"/>
+    <p:sldId id="287" r:id="rId13"/>
+    <p:sldId id="293" r:id="rId14"/>
+    <p:sldId id="257" r:id="rId15"/>
+    <p:sldId id="260" r:id="rId16"/>
+    <p:sldId id="258" r:id="rId17"/>
+    <p:sldId id="259" r:id="rId18"/>
+    <p:sldId id="263" r:id="rId19"/>
+    <p:sldId id="265" r:id="rId20"/>
+    <p:sldId id="268" r:id="rId21"/>
+    <p:sldId id="266" r:id="rId22"/>
+    <p:sldId id="281" r:id="rId23"/>
+    <p:sldId id="288" r:id="rId24"/>
+    <p:sldId id="299" r:id="rId25"/>
+    <p:sldId id="289" r:id="rId26"/>
+    <p:sldId id="290" r:id="rId27"/>
+    <p:sldId id="292" r:id="rId28"/>
+    <p:sldId id="300" r:id="rId29"/>
+    <p:sldId id="301" r:id="rId30"/>
+    <p:sldId id="302" r:id="rId31"/>
+    <p:sldId id="303" r:id="rId32"/>
+    <p:sldId id="295" r:id="rId33"/>
+    <p:sldId id="296" r:id="rId34"/>
+    <p:sldId id="297" r:id="rId35"/>
+    <p:sldId id="298" r:id="rId36"/>
+    <p:sldId id="274" r:id="rId37"/>
   </p:sldIdLst>
   <p:sldSz cx="12192000" cy="6858000"/>
   <p:notesSz cx="6858000" cy="9144000"/>
@@ -277,7 +278,7 @@
           <a:p>
             <a:fld id="{41349802-C406-439E-BB08-4E127FE88810}" type="datetimeFigureOut">
               <a:rPr lang="sv-SE" smtClean="0"/>
-              <a:t>2017-05-08</a:t>
+              <a:t>2017-05-13</a:t>
             </a:fld>
             <a:endParaRPr lang="sv-SE"/>
           </a:p>
@@ -447,7 +448,7 @@
           <a:p>
             <a:fld id="{41349802-C406-439E-BB08-4E127FE88810}" type="datetimeFigureOut">
               <a:rPr lang="sv-SE" smtClean="0"/>
-              <a:t>2017-05-08</a:t>
+              <a:t>2017-05-13</a:t>
             </a:fld>
             <a:endParaRPr lang="sv-SE"/>
           </a:p>
@@ -627,7 +628,7 @@
           <a:p>
             <a:fld id="{41349802-C406-439E-BB08-4E127FE88810}" type="datetimeFigureOut">
               <a:rPr lang="sv-SE" smtClean="0"/>
-              <a:t>2017-05-08</a:t>
+              <a:t>2017-05-13</a:t>
             </a:fld>
             <a:endParaRPr lang="sv-SE"/>
           </a:p>
@@ -819,7 +820,7 @@
           <a:p>
             <a:fld id="{FF633EE0-2569-4F58-A582-E56ADACD7068}" type="datetimeFigureOut">
               <a:rPr lang="sv-SE" smtClean="0"/>
-              <a:t>2017-05-08</a:t>
+              <a:t>2017-05-13</a:t>
             </a:fld>
             <a:endParaRPr lang="sv-SE"/>
           </a:p>
@@ -989,7 +990,7 @@
           <a:p>
             <a:fld id="{FF633EE0-2569-4F58-A582-E56ADACD7068}" type="datetimeFigureOut">
               <a:rPr lang="sv-SE" smtClean="0"/>
-              <a:t>2017-05-08</a:t>
+              <a:t>2017-05-13</a:t>
             </a:fld>
             <a:endParaRPr lang="sv-SE"/>
           </a:p>
@@ -1235,7 +1236,7 @@
           <a:p>
             <a:fld id="{FF633EE0-2569-4F58-A582-E56ADACD7068}" type="datetimeFigureOut">
               <a:rPr lang="sv-SE" smtClean="0"/>
-              <a:t>2017-05-08</a:t>
+              <a:t>2017-05-13</a:t>
             </a:fld>
             <a:endParaRPr lang="sv-SE"/>
           </a:p>
@@ -1467,7 +1468,7 @@
           <a:p>
             <a:fld id="{FF633EE0-2569-4F58-A582-E56ADACD7068}" type="datetimeFigureOut">
               <a:rPr lang="sv-SE" smtClean="0"/>
-              <a:t>2017-05-08</a:t>
+              <a:t>2017-05-13</a:t>
             </a:fld>
             <a:endParaRPr lang="sv-SE"/>
           </a:p>
@@ -1834,7 +1835,7 @@
           <a:p>
             <a:fld id="{FF633EE0-2569-4F58-A582-E56ADACD7068}" type="datetimeFigureOut">
               <a:rPr lang="sv-SE" smtClean="0"/>
-              <a:t>2017-05-08</a:t>
+              <a:t>2017-05-13</a:t>
             </a:fld>
             <a:endParaRPr lang="sv-SE"/>
           </a:p>
@@ -1952,7 +1953,7 @@
           <a:p>
             <a:fld id="{FF633EE0-2569-4F58-A582-E56ADACD7068}" type="datetimeFigureOut">
               <a:rPr lang="sv-SE" smtClean="0"/>
-              <a:t>2017-05-08</a:t>
+              <a:t>2017-05-13</a:t>
             </a:fld>
             <a:endParaRPr lang="sv-SE"/>
           </a:p>
@@ -2047,7 +2048,7 @@
           <a:p>
             <a:fld id="{FF633EE0-2569-4F58-A582-E56ADACD7068}" type="datetimeFigureOut">
               <a:rPr lang="sv-SE" smtClean="0"/>
-              <a:t>2017-05-08</a:t>
+              <a:t>2017-05-13</a:t>
             </a:fld>
             <a:endParaRPr lang="sv-SE"/>
           </a:p>
@@ -2324,7 +2325,7 @@
           <a:p>
             <a:fld id="{FF633EE0-2569-4F58-A582-E56ADACD7068}" type="datetimeFigureOut">
               <a:rPr lang="sv-SE" smtClean="0"/>
-              <a:t>2017-05-08</a:t>
+              <a:t>2017-05-13</a:t>
             </a:fld>
             <a:endParaRPr lang="sv-SE"/>
           </a:p>
@@ -2494,7 +2495,7 @@
           <a:p>
             <a:fld id="{41349802-C406-439E-BB08-4E127FE88810}" type="datetimeFigureOut">
               <a:rPr lang="sv-SE" smtClean="0"/>
-              <a:t>2017-05-08</a:t>
+              <a:t>2017-05-13</a:t>
             </a:fld>
             <a:endParaRPr lang="sv-SE"/>
           </a:p>
@@ -2751,7 +2752,7 @@
           <a:p>
             <a:fld id="{FF633EE0-2569-4F58-A582-E56ADACD7068}" type="datetimeFigureOut">
               <a:rPr lang="sv-SE" smtClean="0"/>
-              <a:t>2017-05-08</a:t>
+              <a:t>2017-05-13</a:t>
             </a:fld>
             <a:endParaRPr lang="sv-SE"/>
           </a:p>
@@ -2921,7 +2922,7 @@
           <a:p>
             <a:fld id="{FF633EE0-2569-4F58-A582-E56ADACD7068}" type="datetimeFigureOut">
               <a:rPr lang="sv-SE" smtClean="0"/>
-              <a:t>2017-05-08</a:t>
+              <a:t>2017-05-13</a:t>
             </a:fld>
             <a:endParaRPr lang="sv-SE"/>
           </a:p>
@@ -3101,7 +3102,7 @@
           <a:p>
             <a:fld id="{FF633EE0-2569-4F58-A582-E56ADACD7068}" type="datetimeFigureOut">
               <a:rPr lang="sv-SE" smtClean="0"/>
-              <a:t>2017-05-08</a:t>
+              <a:t>2017-05-13</a:t>
             </a:fld>
             <a:endParaRPr lang="sv-SE"/>
           </a:p>
@@ -3347,7 +3348,7 @@
           <a:p>
             <a:fld id="{41349802-C406-439E-BB08-4E127FE88810}" type="datetimeFigureOut">
               <a:rPr lang="sv-SE" smtClean="0"/>
-              <a:t>2017-05-08</a:t>
+              <a:t>2017-05-13</a:t>
             </a:fld>
             <a:endParaRPr lang="sv-SE"/>
           </a:p>
@@ -3579,7 +3580,7 @@
           <a:p>
             <a:fld id="{41349802-C406-439E-BB08-4E127FE88810}" type="datetimeFigureOut">
               <a:rPr lang="sv-SE" smtClean="0"/>
-              <a:t>2017-05-08</a:t>
+              <a:t>2017-05-13</a:t>
             </a:fld>
             <a:endParaRPr lang="sv-SE"/>
           </a:p>
@@ -3946,7 +3947,7 @@
           <a:p>
             <a:fld id="{41349802-C406-439E-BB08-4E127FE88810}" type="datetimeFigureOut">
               <a:rPr lang="sv-SE" smtClean="0"/>
-              <a:t>2017-05-08</a:t>
+              <a:t>2017-05-13</a:t>
             </a:fld>
             <a:endParaRPr lang="sv-SE"/>
           </a:p>
@@ -4064,7 +4065,7 @@
           <a:p>
             <a:fld id="{41349802-C406-439E-BB08-4E127FE88810}" type="datetimeFigureOut">
               <a:rPr lang="sv-SE" smtClean="0"/>
-              <a:t>2017-05-08</a:t>
+              <a:t>2017-05-13</a:t>
             </a:fld>
             <a:endParaRPr lang="sv-SE"/>
           </a:p>
@@ -4159,7 +4160,7 @@
           <a:p>
             <a:fld id="{41349802-C406-439E-BB08-4E127FE88810}" type="datetimeFigureOut">
               <a:rPr lang="sv-SE" smtClean="0"/>
-              <a:t>2017-05-08</a:t>
+              <a:t>2017-05-13</a:t>
             </a:fld>
             <a:endParaRPr lang="sv-SE"/>
           </a:p>
@@ -4436,7 +4437,7 @@
           <a:p>
             <a:fld id="{41349802-C406-439E-BB08-4E127FE88810}" type="datetimeFigureOut">
               <a:rPr lang="sv-SE" smtClean="0"/>
-              <a:t>2017-05-08</a:t>
+              <a:t>2017-05-13</a:t>
             </a:fld>
             <a:endParaRPr lang="sv-SE"/>
           </a:p>
@@ -4689,7 +4690,7 @@
           <a:p>
             <a:fld id="{41349802-C406-439E-BB08-4E127FE88810}" type="datetimeFigureOut">
               <a:rPr lang="sv-SE" smtClean="0"/>
-              <a:t>2017-05-08</a:t>
+              <a:t>2017-05-13</a:t>
             </a:fld>
             <a:endParaRPr lang="sv-SE"/>
           </a:p>
@@ -4905,7 +4906,7 @@
           <a:p>
             <a:fld id="{41349802-C406-439E-BB08-4E127FE88810}" type="datetimeFigureOut">
               <a:rPr lang="sv-SE" smtClean="0"/>
-              <a:t>2017-05-08</a:t>
+              <a:t>2017-05-13</a:t>
             </a:fld>
             <a:endParaRPr lang="sv-SE"/>
           </a:p>
@@ -5445,7 +5446,7 @@
           <a:p>
             <a:fld id="{FF633EE0-2569-4F58-A582-E56ADACD7068}" type="datetimeFigureOut">
               <a:rPr lang="sv-SE" smtClean="0"/>
-              <a:t>2017-05-08</a:t>
+              <a:t>2017-05-13</a:t>
             </a:fld>
             <a:endParaRPr lang="sv-SE"/>
           </a:p>
@@ -5981,2323 +5982,6 @@
 </file>
 
 <file path=ppt/slides/slide10.xml><?xml version="1.0" encoding="utf-8"?>
-<p:sld xmlns:a="http://schemas.openxmlformats.org/drawingml/2006/main" xmlns:r="http://schemas.openxmlformats.org/officeDocument/2006/relationships" xmlns:p="http://schemas.openxmlformats.org/presentationml/2006/main">
-  <p:cSld>
-    <p:spTree>
-      <p:nvGrpSpPr>
-        <p:cNvPr id="1" name=""/>
-        <p:cNvGrpSpPr/>
-        <p:nvPr/>
-      </p:nvGrpSpPr>
-      <p:grpSpPr>
-        <a:xfrm>
-          <a:off x="0" y="0"/>
-          <a:ext cx="0" cy="0"/>
-          <a:chOff x="0" y="0"/>
-          <a:chExt cx="0" cy="0"/>
-        </a:xfrm>
-      </p:grpSpPr>
-      <p:sp>
-        <p:nvSpPr>
-          <p:cNvPr id="4" name="Rectangle 3"/>
-          <p:cNvSpPr/>
-          <p:nvPr/>
-        </p:nvSpPr>
-        <p:spPr>
-          <a:xfrm>
-            <a:off x="3478491" y="1348034"/>
-            <a:ext cx="5132895" cy="4383464"/>
-          </a:xfrm>
-          <a:prstGeom prst="rect">
-            <a:avLst/>
-          </a:prstGeom>
-          <a:solidFill>
-            <a:srgbClr val="26446F"/>
-          </a:solidFill>
-          <a:ln w="25400">
-            <a:noFill/>
-          </a:ln>
-        </p:spPr>
-        <p:style>
-          <a:lnRef idx="2">
-            <a:schemeClr val="accent1">
-              <a:shade val="50000"/>
-            </a:schemeClr>
-          </a:lnRef>
-          <a:fillRef idx="1">
-            <a:schemeClr val="accent1"/>
-          </a:fillRef>
-          <a:effectRef idx="0">
-            <a:schemeClr val="accent1"/>
-          </a:effectRef>
-          <a:fontRef idx="minor">
-            <a:schemeClr val="lt1"/>
-          </a:fontRef>
-        </p:style>
-        <p:txBody>
-          <a:bodyPr tIns="82800" rtlCol="0" anchor="t"/>
-          <a:lstStyle/>
-          <a:p>
-            <a:pPr algn="ctr"/>
-            <a:r>
-              <a:rPr lang="sv-SE" b="1" dirty="0"/>
-              <a:t>Infrastructure</a:t>
-            </a:r>
-          </a:p>
-          <a:p>
-            <a:pPr algn="ctr"/>
-            <a:r>
-              <a:rPr lang="sv-SE" dirty="0"/>
-              <a:t>e.g. </a:t>
-            </a:r>
-            <a:r>
-              <a:rPr lang="sv-SE" dirty="0" smtClean="0"/>
-              <a:t>Load balancer, </a:t>
-            </a:r>
-            <a:r>
-              <a:rPr lang="sv-SE" dirty="0"/>
-              <a:t>Docker Swarm, Kubernetes etc</a:t>
-            </a:r>
-          </a:p>
-        </p:txBody>
-      </p:sp>
-      <p:sp>
-        <p:nvSpPr>
-          <p:cNvPr id="5" name="Rectangle 4"/>
-          <p:cNvSpPr/>
-          <p:nvPr/>
-        </p:nvSpPr>
-        <p:spPr>
-          <a:xfrm>
-            <a:off x="4044099" y="2227080"/>
-            <a:ext cx="4001678" cy="2236511"/>
-          </a:xfrm>
-          <a:prstGeom prst="rect">
-            <a:avLst/>
-          </a:prstGeom>
-          <a:solidFill>
-            <a:srgbClr val="1170A4"/>
-          </a:solidFill>
-          <a:ln w="25400">
-            <a:noFill/>
-          </a:ln>
-        </p:spPr>
-        <p:style>
-          <a:lnRef idx="2">
-            <a:schemeClr val="accent1">
-              <a:shade val="50000"/>
-            </a:schemeClr>
-          </a:lnRef>
-          <a:fillRef idx="1">
-            <a:schemeClr val="accent1"/>
-          </a:fillRef>
-          <a:effectRef idx="0">
-            <a:schemeClr val="accent1"/>
-          </a:effectRef>
-          <a:fontRef idx="minor">
-            <a:schemeClr val="lt1"/>
-          </a:fontRef>
-        </p:style>
-        <p:txBody>
-          <a:bodyPr tIns="82800" rtlCol="0" anchor="t"/>
-          <a:lstStyle/>
-          <a:p>
-            <a:pPr algn="ctr"/>
-            <a:r>
-              <a:rPr lang="sv-SE" b="1" dirty="0"/>
-              <a:t>”Platform” / Framework</a:t>
-            </a:r>
-          </a:p>
-          <a:p>
-            <a:pPr algn="ctr"/>
-            <a:r>
-              <a:rPr lang="sv-SE" dirty="0"/>
-              <a:t>e.g. Akka, Microsoft Orleans, OTP</a:t>
-            </a:r>
-          </a:p>
-        </p:txBody>
-      </p:sp>
-      <p:sp>
-        <p:nvSpPr>
-          <p:cNvPr id="11" name="Rectangle 10"/>
-          <p:cNvSpPr/>
-          <p:nvPr/>
-        </p:nvSpPr>
-        <p:spPr>
-          <a:xfrm>
-            <a:off x="4044099" y="4664305"/>
-            <a:ext cx="4001678" cy="684230"/>
-          </a:xfrm>
-          <a:prstGeom prst="rect">
-            <a:avLst/>
-          </a:prstGeom>
-          <a:solidFill>
-            <a:srgbClr val="1170A4"/>
-          </a:solidFill>
-          <a:ln w="25400">
-            <a:noFill/>
-          </a:ln>
-        </p:spPr>
-        <p:style>
-          <a:lnRef idx="2">
-            <a:schemeClr val="accent1">
-              <a:shade val="50000"/>
-            </a:schemeClr>
-          </a:lnRef>
-          <a:fillRef idx="1">
-            <a:schemeClr val="accent1"/>
-          </a:fillRef>
-          <a:effectRef idx="0">
-            <a:schemeClr val="accent1"/>
-          </a:effectRef>
-          <a:fontRef idx="minor">
-            <a:schemeClr val="lt1"/>
-          </a:fontRef>
-        </p:style>
-        <p:txBody>
-          <a:bodyPr tIns="82800" rtlCol="0" anchor="ctr"/>
-          <a:lstStyle/>
-          <a:p>
-            <a:pPr algn="ctr"/>
-            <a:r>
-              <a:rPr lang="sv-SE" b="1" dirty="0" smtClean="0"/>
-              <a:t>Middleware</a:t>
-            </a:r>
-          </a:p>
-          <a:p>
-            <a:pPr algn="ctr"/>
-            <a:r>
-              <a:rPr lang="sv-SE" dirty="0" smtClean="0"/>
-              <a:t>e.g. Kafka, Consul, Rabbit etc.</a:t>
-            </a:r>
-            <a:endParaRPr lang="sv-SE" dirty="0"/>
-          </a:p>
-        </p:txBody>
-      </p:sp>
-      <p:sp>
-        <p:nvSpPr>
-          <p:cNvPr id="12" name="Line Callout 2 (No Border) 11"/>
-          <p:cNvSpPr/>
-          <p:nvPr/>
-        </p:nvSpPr>
-        <p:spPr>
-          <a:xfrm>
-            <a:off x="436096" y="570322"/>
-            <a:ext cx="3721125" cy="721150"/>
-          </a:xfrm>
-          <a:prstGeom prst="callout2">
-            <a:avLst>
-              <a:gd name="adj1" fmla="val 73445"/>
-              <a:gd name="adj2" fmla="val 71929"/>
-              <a:gd name="adj3" fmla="val 72552"/>
-              <a:gd name="adj4" fmla="val 75046"/>
-              <a:gd name="adj5" fmla="val 308253"/>
-              <a:gd name="adj6" fmla="val 99737"/>
-            </a:avLst>
-          </a:prstGeom>
-          <a:noFill/>
-          <a:ln w="25400">
-            <a:solidFill>
-              <a:schemeClr val="tx1"/>
-            </a:solidFill>
-          </a:ln>
-        </p:spPr>
-        <p:style>
-          <a:lnRef idx="2">
-            <a:schemeClr val="accent1">
-              <a:shade val="50000"/>
-            </a:schemeClr>
-          </a:lnRef>
-          <a:fillRef idx="1">
-            <a:schemeClr val="accent1"/>
-          </a:fillRef>
-          <a:effectRef idx="0">
-            <a:schemeClr val="accent1"/>
-          </a:effectRef>
-          <a:fontRef idx="minor">
-            <a:schemeClr val="lt1"/>
-          </a:fontRef>
-        </p:style>
-        <p:txBody>
-          <a:bodyPr rtlCol="0" anchor="ctr"/>
-          <a:lstStyle/>
-          <a:p>
-            <a:r>
-              <a:rPr lang="sv-SE" b="1" dirty="0" smtClean="0">
-                <a:solidFill>
-                  <a:schemeClr val="tx1"/>
-                </a:solidFill>
-              </a:rPr>
-              <a:t>Elasticity and Concurrency control, should it be handled here?</a:t>
-            </a:r>
-            <a:endParaRPr lang="sv-SE" b="1" dirty="0">
-              <a:solidFill>
-                <a:schemeClr val="tx1"/>
-              </a:solidFill>
-            </a:endParaRPr>
-          </a:p>
-        </p:txBody>
-      </p:sp>
-      <p:sp>
-        <p:nvSpPr>
-          <p:cNvPr id="13" name="Line Callout 2 (No Border) 12"/>
-          <p:cNvSpPr/>
-          <p:nvPr/>
-        </p:nvSpPr>
-        <p:spPr>
-          <a:xfrm>
-            <a:off x="1871220" y="4209070"/>
-            <a:ext cx="1081726" cy="721150"/>
-          </a:xfrm>
-          <a:prstGeom prst="callout2">
-            <a:avLst>
-              <a:gd name="adj1" fmla="val 59251"/>
-              <a:gd name="adj2" fmla="val 98886"/>
-              <a:gd name="adj3" fmla="val 58358"/>
-              <a:gd name="adj4" fmla="val 104938"/>
-              <a:gd name="adj5" fmla="val 110272"/>
-              <a:gd name="adj6" fmla="val 216328"/>
-            </a:avLst>
-          </a:prstGeom>
-          <a:noFill/>
-          <a:ln w="25400">
-            <a:solidFill>
-              <a:schemeClr val="tx1"/>
-            </a:solidFill>
-          </a:ln>
-        </p:spPr>
-        <p:style>
-          <a:lnRef idx="2">
-            <a:schemeClr val="accent1">
-              <a:shade val="50000"/>
-            </a:schemeClr>
-          </a:lnRef>
-          <a:fillRef idx="1">
-            <a:schemeClr val="accent1"/>
-          </a:fillRef>
-          <a:effectRef idx="0">
-            <a:schemeClr val="accent1"/>
-          </a:effectRef>
-          <a:fontRef idx="minor">
-            <a:schemeClr val="lt1"/>
-          </a:fontRef>
-        </p:style>
-        <p:txBody>
-          <a:bodyPr rtlCol="0" anchor="ctr"/>
-          <a:lstStyle/>
-          <a:p>
-            <a:r>
-              <a:rPr lang="sv-SE" b="1" dirty="0" smtClean="0">
-                <a:solidFill>
-                  <a:schemeClr val="tx1"/>
-                </a:solidFill>
-              </a:rPr>
-              <a:t>Here?</a:t>
-            </a:r>
-            <a:endParaRPr lang="sv-SE" b="1" dirty="0">
-              <a:solidFill>
-                <a:schemeClr val="tx1"/>
-              </a:solidFill>
-            </a:endParaRPr>
-          </a:p>
-        </p:txBody>
-      </p:sp>
-      <p:grpSp>
-        <p:nvGrpSpPr>
-          <p:cNvPr id="10" name="Group 9"/>
-          <p:cNvGrpSpPr/>
-          <p:nvPr/>
-        </p:nvGrpSpPr>
-        <p:grpSpPr>
-          <a:xfrm>
-            <a:off x="4546469" y="3124960"/>
-            <a:ext cx="2996938" cy="911275"/>
-            <a:chOff x="4645058" y="2958431"/>
-            <a:chExt cx="2996938" cy="1162671"/>
-          </a:xfrm>
-        </p:grpSpPr>
-        <p:sp>
-          <p:nvSpPr>
-            <p:cNvPr id="14" name="Rectangle 13"/>
-            <p:cNvSpPr/>
-            <p:nvPr/>
-          </p:nvSpPr>
-          <p:spPr>
-            <a:xfrm>
-              <a:off x="4645058" y="2958431"/>
-              <a:ext cx="1454084" cy="1162671"/>
-            </a:xfrm>
-            <a:prstGeom prst="rect">
-              <a:avLst/>
-            </a:prstGeom>
-            <a:solidFill>
-              <a:srgbClr val="25A5DC"/>
-            </a:solidFill>
-            <a:ln w="25400">
-              <a:noFill/>
-            </a:ln>
-          </p:spPr>
-          <p:style>
-            <a:lnRef idx="2">
-              <a:schemeClr val="accent1">
-                <a:shade val="50000"/>
-              </a:schemeClr>
-            </a:lnRef>
-            <a:fillRef idx="1">
-              <a:schemeClr val="accent1"/>
-            </a:fillRef>
-            <a:effectRef idx="0">
-              <a:schemeClr val="accent1"/>
-            </a:effectRef>
-            <a:fontRef idx="minor">
-              <a:schemeClr val="lt1"/>
-            </a:fontRef>
-          </p:style>
-          <p:txBody>
-            <a:bodyPr tIns="46800" rtlCol="0" anchor="ctr"/>
-            <a:lstStyle/>
-            <a:p>
-              <a:pPr algn="ctr"/>
-              <a:r>
-                <a:rPr lang="sv-SE" b="1" dirty="0" smtClean="0"/>
-                <a:t>Service A</a:t>
-              </a:r>
-              <a:endParaRPr lang="sv-SE" b="1" dirty="0"/>
-            </a:p>
-          </p:txBody>
-        </p:sp>
-        <p:sp>
-          <p:nvSpPr>
-            <p:cNvPr id="15" name="Rectangle 14"/>
-            <p:cNvSpPr/>
-            <p:nvPr/>
-          </p:nvSpPr>
-          <p:spPr>
-            <a:xfrm>
-              <a:off x="6187912" y="2958431"/>
-              <a:ext cx="1454084" cy="1162671"/>
-            </a:xfrm>
-            <a:prstGeom prst="rect">
-              <a:avLst/>
-            </a:prstGeom>
-            <a:solidFill>
-              <a:srgbClr val="25A5DC"/>
-            </a:solidFill>
-            <a:ln w="25400">
-              <a:noFill/>
-            </a:ln>
-          </p:spPr>
-          <p:style>
-            <a:lnRef idx="2">
-              <a:schemeClr val="accent1">
-                <a:shade val="50000"/>
-              </a:schemeClr>
-            </a:lnRef>
-            <a:fillRef idx="1">
-              <a:schemeClr val="accent1"/>
-            </a:fillRef>
-            <a:effectRef idx="0">
-              <a:schemeClr val="accent1"/>
-            </a:effectRef>
-            <a:fontRef idx="minor">
-              <a:schemeClr val="lt1"/>
-            </a:fontRef>
-          </p:style>
-          <p:txBody>
-            <a:bodyPr tIns="46800" rtlCol="0" anchor="ctr"/>
-            <a:lstStyle/>
-            <a:p>
-              <a:pPr algn="ctr"/>
-              <a:r>
-                <a:rPr lang="sv-SE" b="1" dirty="0" smtClean="0"/>
-                <a:t>Service B</a:t>
-              </a:r>
-              <a:endParaRPr lang="sv-SE" b="1" dirty="0"/>
-            </a:p>
-          </p:txBody>
-        </p:sp>
-      </p:grpSp>
-      <p:sp>
-        <p:nvSpPr>
-          <p:cNvPr id="9" name="Line Callout 2 (No Border) 8"/>
-          <p:cNvSpPr/>
-          <p:nvPr/>
-        </p:nvSpPr>
-        <p:spPr>
-          <a:xfrm>
-            <a:off x="8957035" y="3437643"/>
-            <a:ext cx="1081726" cy="721150"/>
-          </a:xfrm>
-          <a:prstGeom prst="callout2">
-            <a:avLst>
-              <a:gd name="adj1" fmla="val 59905"/>
-              <a:gd name="adj2" fmla="val -896"/>
-              <a:gd name="adj3" fmla="val 59665"/>
-              <a:gd name="adj4" fmla="val -10966"/>
-              <a:gd name="adj5" fmla="val -19052"/>
-              <a:gd name="adj6" fmla="val -149997"/>
-            </a:avLst>
-          </a:prstGeom>
-          <a:noFill/>
-          <a:ln w="25400">
-            <a:solidFill>
-              <a:schemeClr val="tx1"/>
-            </a:solidFill>
-          </a:ln>
-        </p:spPr>
-        <p:style>
-          <a:lnRef idx="2">
-            <a:schemeClr val="accent1">
-              <a:shade val="50000"/>
-            </a:schemeClr>
-          </a:lnRef>
-          <a:fillRef idx="1">
-            <a:schemeClr val="accent1"/>
-          </a:fillRef>
-          <a:effectRef idx="0">
-            <a:schemeClr val="accent1"/>
-          </a:effectRef>
-          <a:fontRef idx="minor">
-            <a:schemeClr val="lt1"/>
-          </a:fontRef>
-        </p:style>
-        <p:txBody>
-          <a:bodyPr rtlCol="0" anchor="ctr"/>
-          <a:lstStyle/>
-          <a:p>
-            <a:r>
-              <a:rPr lang="sv-SE" b="1" dirty="0" smtClean="0">
-                <a:solidFill>
-                  <a:schemeClr val="tx1"/>
-                </a:solidFill>
-              </a:rPr>
-              <a:t>Or here?</a:t>
-            </a:r>
-            <a:endParaRPr lang="sv-SE" b="1" dirty="0">
-              <a:solidFill>
-                <a:schemeClr val="tx1"/>
-              </a:solidFill>
-            </a:endParaRPr>
-          </a:p>
-        </p:txBody>
-      </p:sp>
-      <p:sp>
-        <p:nvSpPr>
-          <p:cNvPr id="16" name="Line Callout 2 (No Border) 15"/>
-          <p:cNvSpPr/>
-          <p:nvPr/>
-        </p:nvSpPr>
-        <p:spPr>
-          <a:xfrm>
-            <a:off x="9839589" y="5296013"/>
-            <a:ext cx="1999843" cy="721150"/>
-          </a:xfrm>
-          <a:prstGeom prst="callout2">
-            <a:avLst>
-              <a:gd name="adj1" fmla="val 59905"/>
-              <a:gd name="adj2" fmla="val -896"/>
-              <a:gd name="adj3" fmla="val 59665"/>
-              <a:gd name="adj4" fmla="val -10966"/>
-              <a:gd name="adj5" fmla="val -45547"/>
-              <a:gd name="adj6" fmla="val -78682"/>
-            </a:avLst>
-          </a:prstGeom>
-          <a:noFill/>
-          <a:ln w="25400">
-            <a:solidFill>
-              <a:schemeClr val="tx1"/>
-            </a:solidFill>
-          </a:ln>
-        </p:spPr>
-        <p:style>
-          <a:lnRef idx="2">
-            <a:schemeClr val="accent1">
-              <a:shade val="50000"/>
-            </a:schemeClr>
-          </a:lnRef>
-          <a:fillRef idx="1">
-            <a:schemeClr val="accent1"/>
-          </a:fillRef>
-          <a:effectRef idx="0">
-            <a:schemeClr val="accent1"/>
-          </a:effectRef>
-          <a:fontRef idx="minor">
-            <a:schemeClr val="lt1"/>
-          </a:fontRef>
-        </p:style>
-        <p:txBody>
-          <a:bodyPr rtlCol="0" anchor="ctr"/>
-          <a:lstStyle/>
-          <a:p>
-            <a:r>
-              <a:rPr lang="sv-SE" b="1" dirty="0" smtClean="0">
-                <a:solidFill>
-                  <a:schemeClr val="tx1"/>
-                </a:solidFill>
-              </a:rPr>
-              <a:t>Or maybe here?</a:t>
-            </a:r>
-            <a:endParaRPr lang="sv-SE" b="1" dirty="0">
-              <a:solidFill>
-                <a:schemeClr val="tx1"/>
-              </a:solidFill>
-            </a:endParaRPr>
-          </a:p>
-        </p:txBody>
-      </p:sp>
-    </p:spTree>
-    <p:extLst>
-      <p:ext uri="{BB962C8B-B14F-4D97-AF65-F5344CB8AC3E}">
-        <p14:creationId xmlns:p14="http://schemas.microsoft.com/office/powerpoint/2010/main" val="309133421"/>
-      </p:ext>
-    </p:extLst>
-  </p:cSld>
-  <p:clrMapOvr>
-    <a:masterClrMapping/>
-  </p:clrMapOvr>
-  <p:timing>
-    <p:tnLst>
-      <p:par>
-        <p:cTn id="1" dur="indefinite" restart="never" nodeType="tmRoot"/>
-      </p:par>
-    </p:tnLst>
-  </p:timing>
-</p:sld>
-</file>
-
-<file path=ppt/slides/slide11.xml><?xml version="1.0" encoding="utf-8"?>
-<p:sld xmlns:a="http://schemas.openxmlformats.org/drawingml/2006/main" xmlns:r="http://schemas.openxmlformats.org/officeDocument/2006/relationships" xmlns:p="http://schemas.openxmlformats.org/presentationml/2006/main">
-  <p:cSld>
-    <p:spTree>
-      <p:nvGrpSpPr>
-        <p:cNvPr id="1" name=""/>
-        <p:cNvGrpSpPr/>
-        <p:nvPr/>
-      </p:nvGrpSpPr>
-      <p:grpSpPr>
-        <a:xfrm>
-          <a:off x="0" y="0"/>
-          <a:ext cx="0" cy="0"/>
-          <a:chOff x="0" y="0"/>
-          <a:chExt cx="0" cy="0"/>
-        </a:xfrm>
-      </p:grpSpPr>
-      <p:sp>
-        <p:nvSpPr>
-          <p:cNvPr id="4" name="Rectangle 3"/>
-          <p:cNvSpPr/>
-          <p:nvPr/>
-        </p:nvSpPr>
-        <p:spPr>
-          <a:xfrm>
-            <a:off x="0" y="2197289"/>
-            <a:ext cx="12192000" cy="2169994"/>
-          </a:xfrm>
-          <a:prstGeom prst="rect">
-            <a:avLst/>
-          </a:prstGeom>
-          <a:solidFill>
-            <a:srgbClr val="26446F"/>
-          </a:solidFill>
-          <a:ln>
-            <a:noFill/>
-          </a:ln>
-        </p:spPr>
-        <p:style>
-          <a:lnRef idx="2">
-            <a:schemeClr val="accent1">
-              <a:shade val="50000"/>
-            </a:schemeClr>
-          </a:lnRef>
-          <a:fillRef idx="1">
-            <a:schemeClr val="accent1"/>
-          </a:fillRef>
-          <a:effectRef idx="0">
-            <a:schemeClr val="accent1"/>
-          </a:effectRef>
-          <a:fontRef idx="minor">
-            <a:schemeClr val="lt1"/>
-          </a:fontRef>
-        </p:style>
-        <p:txBody>
-          <a:bodyPr rtlCol="0" anchor="ctr"/>
-          <a:lstStyle/>
-          <a:p>
-            <a:pPr algn="ctr"/>
-            <a:endParaRPr lang="sv-SE"/>
-          </a:p>
-        </p:txBody>
-      </p:sp>
-      <p:sp>
-        <p:nvSpPr>
-          <p:cNvPr id="2" name="Title 1"/>
-          <p:cNvSpPr>
-            <a:spLocks noGrp="1"/>
-          </p:cNvSpPr>
-          <p:nvPr>
-            <p:ph type="ctrTitle"/>
-          </p:nvPr>
-        </p:nvSpPr>
-        <p:spPr>
-          <a:effectLst>
-            <a:outerShdw blurRad="50800" dist="38100" dir="2700000" algn="tl" rotWithShape="0">
-              <a:prstClr val="black">
-                <a:alpha val="40000"/>
-              </a:prstClr>
-            </a:outerShdw>
-          </a:effectLst>
-        </p:spPr>
-        <p:txBody>
-          <a:bodyPr>
-            <a:normAutofit/>
-          </a:bodyPr>
-          <a:lstStyle/>
-          <a:p>
-            <a:r>
-              <a:rPr lang="sv-SE" sz="4400" b="1" dirty="0" smtClean="0">
-                <a:solidFill>
-                  <a:schemeClr val="bg1"/>
-                </a:solidFill>
-              </a:rPr>
-              <a:t>Elasticity through magic</a:t>
-            </a:r>
-            <a:endParaRPr lang="sv-SE" sz="4400" b="1" dirty="0">
-              <a:solidFill>
-                <a:schemeClr val="bg1"/>
-              </a:solidFill>
-            </a:endParaRPr>
-          </a:p>
-        </p:txBody>
-      </p:sp>
-      <p:sp>
-        <p:nvSpPr>
-          <p:cNvPr id="3" name="Subtitle 2"/>
-          <p:cNvSpPr>
-            <a:spLocks noGrp="1"/>
-          </p:cNvSpPr>
-          <p:nvPr>
-            <p:ph type="subTitle" idx="1"/>
-          </p:nvPr>
-        </p:nvSpPr>
-        <p:spPr/>
-        <p:txBody>
-          <a:bodyPr/>
-          <a:lstStyle/>
-          <a:p>
-            <a:r>
-              <a:rPr lang="sv-SE" dirty="0" smtClean="0">
-                <a:solidFill>
-                  <a:schemeClr val="bg1"/>
-                </a:solidFill>
-              </a:rPr>
-              <a:t>...Not so awesome as it may seem</a:t>
-            </a:r>
-          </a:p>
-        </p:txBody>
-      </p:sp>
-    </p:spTree>
-    <p:extLst>
-      <p:ext uri="{BB962C8B-B14F-4D97-AF65-F5344CB8AC3E}">
-        <p14:creationId xmlns:p14="http://schemas.microsoft.com/office/powerpoint/2010/main" val="2460163941"/>
-      </p:ext>
-    </p:extLst>
-  </p:cSld>
-  <p:clrMapOvr>
-    <a:masterClrMapping/>
-  </p:clrMapOvr>
-  <p:timing>
-    <p:tnLst>
-      <p:par>
-        <p:cTn id="1" dur="indefinite" restart="never" nodeType="tmRoot"/>
-      </p:par>
-    </p:tnLst>
-  </p:timing>
-</p:sld>
-</file>
-
-<file path=ppt/slides/slide12.xml><?xml version="1.0" encoding="utf-8"?>
-<p:sld xmlns:a="http://schemas.openxmlformats.org/drawingml/2006/main" xmlns:r="http://schemas.openxmlformats.org/officeDocument/2006/relationships" xmlns:p="http://schemas.openxmlformats.org/presentationml/2006/main">
-  <p:cSld>
-    <p:spTree>
-      <p:nvGrpSpPr>
-        <p:cNvPr id="1" name=""/>
-        <p:cNvGrpSpPr/>
-        <p:nvPr/>
-      </p:nvGrpSpPr>
-      <p:grpSpPr>
-        <a:xfrm>
-          <a:off x="0" y="0"/>
-          <a:ext cx="0" cy="0"/>
-          <a:chOff x="0" y="0"/>
-          <a:chExt cx="0" cy="0"/>
-        </a:xfrm>
-      </p:grpSpPr>
-      <p:grpSp>
-        <p:nvGrpSpPr>
-          <p:cNvPr id="14" name="Group 13"/>
-          <p:cNvGrpSpPr/>
-          <p:nvPr/>
-        </p:nvGrpSpPr>
-        <p:grpSpPr>
-          <a:xfrm>
-            <a:off x="7771046" y="1320541"/>
-            <a:ext cx="219076" cy="3830329"/>
-            <a:chOff x="7572374" y="1181099"/>
-            <a:chExt cx="219076" cy="3830329"/>
-          </a:xfrm>
-        </p:grpSpPr>
-        <p:grpSp>
-          <p:nvGrpSpPr>
-            <p:cNvPr id="13" name="Group 12"/>
-            <p:cNvGrpSpPr/>
-            <p:nvPr/>
-          </p:nvGrpSpPr>
-          <p:grpSpPr>
-            <a:xfrm>
-              <a:off x="7572375" y="1181099"/>
-              <a:ext cx="219075" cy="952500"/>
-              <a:chOff x="7572375" y="1181099"/>
-              <a:chExt cx="219075" cy="952500"/>
-            </a:xfrm>
-          </p:grpSpPr>
-          <p:grpSp>
-            <p:nvGrpSpPr>
-              <p:cNvPr id="12" name="Group 11"/>
-              <p:cNvGrpSpPr/>
-              <p:nvPr/>
-            </p:nvGrpSpPr>
-            <p:grpSpPr>
-              <a:xfrm>
-                <a:off x="7572375" y="1181099"/>
-                <a:ext cx="219075" cy="476250"/>
-                <a:chOff x="7572375" y="1181099"/>
-                <a:chExt cx="219075" cy="476250"/>
-              </a:xfrm>
-            </p:grpSpPr>
-            <p:cxnSp>
-              <p:nvCxnSpPr>
-                <p:cNvPr id="3" name="Curved Connector 2"/>
-                <p:cNvCxnSpPr/>
-                <p:nvPr/>
-              </p:nvCxnSpPr>
-              <p:spPr>
-                <a:xfrm rot="16200000" flipH="1">
-                  <a:off x="7562850" y="1190624"/>
-                  <a:ext cx="238125" cy="219075"/>
-                </a:xfrm>
-                <a:prstGeom prst="curvedConnector3">
-                  <a:avLst/>
-                </a:prstGeom>
-                <a:ln w="50800" cap="rnd">
-                  <a:solidFill>
-                    <a:srgbClr val="8FD0ED"/>
-                  </a:solidFill>
-                  <a:prstDash val="solid"/>
-                  <a:round/>
-                </a:ln>
-              </p:spPr>
-              <p:style>
-                <a:lnRef idx="1">
-                  <a:schemeClr val="accent1"/>
-                </a:lnRef>
-                <a:fillRef idx="0">
-                  <a:schemeClr val="accent1"/>
-                </a:fillRef>
-                <a:effectRef idx="0">
-                  <a:schemeClr val="accent1"/>
-                </a:effectRef>
-                <a:fontRef idx="minor">
-                  <a:schemeClr val="tx1"/>
-                </a:fontRef>
-              </p:style>
-            </p:cxnSp>
-            <p:cxnSp>
-              <p:nvCxnSpPr>
-                <p:cNvPr id="17" name="Curved Connector 16"/>
-                <p:cNvCxnSpPr/>
-                <p:nvPr/>
-              </p:nvCxnSpPr>
-              <p:spPr>
-                <a:xfrm rot="5400000">
-                  <a:off x="7562851" y="1428750"/>
-                  <a:ext cx="238123" cy="219075"/>
-                </a:xfrm>
-                <a:prstGeom prst="curvedConnector3">
-                  <a:avLst/>
-                </a:prstGeom>
-                <a:ln w="50800" cap="rnd">
-                  <a:solidFill>
-                    <a:srgbClr val="8FD0ED"/>
-                  </a:solidFill>
-                  <a:prstDash val="solid"/>
-                  <a:round/>
-                </a:ln>
-              </p:spPr>
-              <p:style>
-                <a:lnRef idx="1">
-                  <a:schemeClr val="accent1"/>
-                </a:lnRef>
-                <a:fillRef idx="0">
-                  <a:schemeClr val="accent1"/>
-                </a:fillRef>
-                <a:effectRef idx="0">
-                  <a:schemeClr val="accent1"/>
-                </a:effectRef>
-                <a:fontRef idx="minor">
-                  <a:schemeClr val="tx1"/>
-                </a:fontRef>
-              </p:style>
-            </p:cxnSp>
-          </p:grpSp>
-          <p:grpSp>
-            <p:nvGrpSpPr>
-              <p:cNvPr id="23" name="Group 22"/>
-              <p:cNvGrpSpPr/>
-              <p:nvPr/>
-            </p:nvGrpSpPr>
-            <p:grpSpPr>
-              <a:xfrm>
-                <a:off x="7572375" y="1657349"/>
-                <a:ext cx="219075" cy="476250"/>
-                <a:chOff x="7572375" y="1181099"/>
-                <a:chExt cx="219075" cy="476250"/>
-              </a:xfrm>
-            </p:grpSpPr>
-            <p:cxnSp>
-              <p:nvCxnSpPr>
-                <p:cNvPr id="24" name="Curved Connector 23"/>
-                <p:cNvCxnSpPr/>
-                <p:nvPr/>
-              </p:nvCxnSpPr>
-              <p:spPr>
-                <a:xfrm rot="16200000" flipH="1">
-                  <a:off x="7562850" y="1190624"/>
-                  <a:ext cx="238125" cy="219075"/>
-                </a:xfrm>
-                <a:prstGeom prst="curvedConnector3">
-                  <a:avLst/>
-                </a:prstGeom>
-                <a:ln w="50800" cap="rnd">
-                  <a:solidFill>
-                    <a:srgbClr val="8FD0ED"/>
-                  </a:solidFill>
-                  <a:prstDash val="solid"/>
-                  <a:round/>
-                </a:ln>
-              </p:spPr>
-              <p:style>
-                <a:lnRef idx="1">
-                  <a:schemeClr val="accent1"/>
-                </a:lnRef>
-                <a:fillRef idx="0">
-                  <a:schemeClr val="accent1"/>
-                </a:fillRef>
-                <a:effectRef idx="0">
-                  <a:schemeClr val="accent1"/>
-                </a:effectRef>
-                <a:fontRef idx="minor">
-                  <a:schemeClr val="tx1"/>
-                </a:fontRef>
-              </p:style>
-            </p:cxnSp>
-            <p:cxnSp>
-              <p:nvCxnSpPr>
-                <p:cNvPr id="25" name="Curved Connector 24"/>
-                <p:cNvCxnSpPr/>
-                <p:nvPr/>
-              </p:nvCxnSpPr>
-              <p:spPr>
-                <a:xfrm rot="5400000">
-                  <a:off x="7562851" y="1428750"/>
-                  <a:ext cx="238123" cy="219075"/>
-                </a:xfrm>
-                <a:prstGeom prst="curvedConnector3">
-                  <a:avLst/>
-                </a:prstGeom>
-                <a:ln w="50800" cap="rnd">
-                  <a:solidFill>
-                    <a:srgbClr val="8FD0ED"/>
-                  </a:solidFill>
-                  <a:prstDash val="solid"/>
-                  <a:round/>
-                </a:ln>
-              </p:spPr>
-              <p:style>
-                <a:lnRef idx="1">
-                  <a:schemeClr val="accent1"/>
-                </a:lnRef>
-                <a:fillRef idx="0">
-                  <a:schemeClr val="accent1"/>
-                </a:fillRef>
-                <a:effectRef idx="0">
-                  <a:schemeClr val="accent1"/>
-                </a:effectRef>
-                <a:fontRef idx="minor">
-                  <a:schemeClr val="tx1"/>
-                </a:fontRef>
-              </p:style>
-            </p:cxnSp>
-          </p:grpSp>
-        </p:grpSp>
-        <p:grpSp>
-          <p:nvGrpSpPr>
-            <p:cNvPr id="31" name="Group 30"/>
-            <p:cNvGrpSpPr/>
-            <p:nvPr/>
-          </p:nvGrpSpPr>
-          <p:grpSpPr>
-            <a:xfrm>
-              <a:off x="7572375" y="2149003"/>
-              <a:ext cx="219075" cy="952500"/>
-              <a:chOff x="7572375" y="1181099"/>
-              <a:chExt cx="219075" cy="952500"/>
-            </a:xfrm>
-          </p:grpSpPr>
-          <p:grpSp>
-            <p:nvGrpSpPr>
-              <p:cNvPr id="32" name="Group 31"/>
-              <p:cNvGrpSpPr/>
-              <p:nvPr/>
-            </p:nvGrpSpPr>
-            <p:grpSpPr>
-              <a:xfrm>
-                <a:off x="7572375" y="1181099"/>
-                <a:ext cx="219075" cy="476250"/>
-                <a:chOff x="7572375" y="1181099"/>
-                <a:chExt cx="219075" cy="476250"/>
-              </a:xfrm>
-            </p:grpSpPr>
-            <p:cxnSp>
-              <p:nvCxnSpPr>
-                <p:cNvPr id="36" name="Curved Connector 35"/>
-                <p:cNvCxnSpPr/>
-                <p:nvPr/>
-              </p:nvCxnSpPr>
-              <p:spPr>
-                <a:xfrm rot="16200000" flipH="1">
-                  <a:off x="7562850" y="1190624"/>
-                  <a:ext cx="238125" cy="219075"/>
-                </a:xfrm>
-                <a:prstGeom prst="curvedConnector3">
-                  <a:avLst/>
-                </a:prstGeom>
-                <a:ln w="50800" cap="rnd">
-                  <a:solidFill>
-                    <a:srgbClr val="8FD0ED"/>
-                  </a:solidFill>
-                  <a:prstDash val="solid"/>
-                  <a:round/>
-                </a:ln>
-              </p:spPr>
-              <p:style>
-                <a:lnRef idx="1">
-                  <a:schemeClr val="accent1"/>
-                </a:lnRef>
-                <a:fillRef idx="0">
-                  <a:schemeClr val="accent1"/>
-                </a:fillRef>
-                <a:effectRef idx="0">
-                  <a:schemeClr val="accent1"/>
-                </a:effectRef>
-                <a:fontRef idx="minor">
-                  <a:schemeClr val="tx1"/>
-                </a:fontRef>
-              </p:style>
-            </p:cxnSp>
-            <p:cxnSp>
-              <p:nvCxnSpPr>
-                <p:cNvPr id="37" name="Curved Connector 36"/>
-                <p:cNvCxnSpPr/>
-                <p:nvPr/>
-              </p:nvCxnSpPr>
-              <p:spPr>
-                <a:xfrm rot="5400000">
-                  <a:off x="7562851" y="1428750"/>
-                  <a:ext cx="238123" cy="219075"/>
-                </a:xfrm>
-                <a:prstGeom prst="curvedConnector3">
-                  <a:avLst/>
-                </a:prstGeom>
-                <a:ln w="50800" cap="rnd">
-                  <a:solidFill>
-                    <a:srgbClr val="8FD0ED"/>
-                  </a:solidFill>
-                  <a:prstDash val="solid"/>
-                  <a:round/>
-                </a:ln>
-              </p:spPr>
-              <p:style>
-                <a:lnRef idx="1">
-                  <a:schemeClr val="accent1"/>
-                </a:lnRef>
-                <a:fillRef idx="0">
-                  <a:schemeClr val="accent1"/>
-                </a:fillRef>
-                <a:effectRef idx="0">
-                  <a:schemeClr val="accent1"/>
-                </a:effectRef>
-                <a:fontRef idx="minor">
-                  <a:schemeClr val="tx1"/>
-                </a:fontRef>
-              </p:style>
-            </p:cxnSp>
-          </p:grpSp>
-          <p:grpSp>
-            <p:nvGrpSpPr>
-              <p:cNvPr id="33" name="Group 32"/>
-              <p:cNvGrpSpPr/>
-              <p:nvPr/>
-            </p:nvGrpSpPr>
-            <p:grpSpPr>
-              <a:xfrm>
-                <a:off x="7572375" y="1657349"/>
-                <a:ext cx="219075" cy="476250"/>
-                <a:chOff x="7572375" y="1181099"/>
-                <a:chExt cx="219075" cy="476250"/>
-              </a:xfrm>
-            </p:grpSpPr>
-            <p:cxnSp>
-              <p:nvCxnSpPr>
-                <p:cNvPr id="34" name="Curved Connector 33"/>
-                <p:cNvCxnSpPr/>
-                <p:nvPr/>
-              </p:nvCxnSpPr>
-              <p:spPr>
-                <a:xfrm rot="16200000" flipH="1">
-                  <a:off x="7562850" y="1190624"/>
-                  <a:ext cx="238125" cy="219075"/>
-                </a:xfrm>
-                <a:prstGeom prst="curvedConnector3">
-                  <a:avLst/>
-                </a:prstGeom>
-                <a:ln w="50800" cap="rnd">
-                  <a:solidFill>
-                    <a:srgbClr val="8FD0ED"/>
-                  </a:solidFill>
-                  <a:prstDash val="solid"/>
-                  <a:round/>
-                </a:ln>
-              </p:spPr>
-              <p:style>
-                <a:lnRef idx="1">
-                  <a:schemeClr val="accent1"/>
-                </a:lnRef>
-                <a:fillRef idx="0">
-                  <a:schemeClr val="accent1"/>
-                </a:fillRef>
-                <a:effectRef idx="0">
-                  <a:schemeClr val="accent1"/>
-                </a:effectRef>
-                <a:fontRef idx="minor">
-                  <a:schemeClr val="tx1"/>
-                </a:fontRef>
-              </p:style>
-            </p:cxnSp>
-            <p:cxnSp>
-              <p:nvCxnSpPr>
-                <p:cNvPr id="35" name="Curved Connector 34"/>
-                <p:cNvCxnSpPr/>
-                <p:nvPr/>
-              </p:nvCxnSpPr>
-              <p:spPr>
-                <a:xfrm rot="5400000">
-                  <a:off x="7562851" y="1428750"/>
-                  <a:ext cx="238123" cy="219075"/>
-                </a:xfrm>
-                <a:prstGeom prst="curvedConnector3">
-                  <a:avLst/>
-                </a:prstGeom>
-                <a:ln w="50800" cap="rnd">
-                  <a:solidFill>
-                    <a:srgbClr val="8FD0ED"/>
-                  </a:solidFill>
-                  <a:prstDash val="solid"/>
-                  <a:round/>
-                </a:ln>
-              </p:spPr>
-              <p:style>
-                <a:lnRef idx="1">
-                  <a:schemeClr val="accent1"/>
-                </a:lnRef>
-                <a:fillRef idx="0">
-                  <a:schemeClr val="accent1"/>
-                </a:fillRef>
-                <a:effectRef idx="0">
-                  <a:schemeClr val="accent1"/>
-                </a:effectRef>
-                <a:fontRef idx="minor">
-                  <a:schemeClr val="tx1"/>
-                </a:fontRef>
-              </p:style>
-            </p:cxnSp>
-          </p:grpSp>
-        </p:grpSp>
-        <p:grpSp>
-          <p:nvGrpSpPr>
-            <p:cNvPr id="38" name="Group 37"/>
-            <p:cNvGrpSpPr/>
-            <p:nvPr/>
-          </p:nvGrpSpPr>
-          <p:grpSpPr>
-            <a:xfrm>
-              <a:off x="7572375" y="3101503"/>
-              <a:ext cx="219075" cy="952500"/>
-              <a:chOff x="7572375" y="1181099"/>
-              <a:chExt cx="219075" cy="952500"/>
-            </a:xfrm>
-          </p:grpSpPr>
-          <p:grpSp>
-            <p:nvGrpSpPr>
-              <p:cNvPr id="39" name="Group 38"/>
-              <p:cNvGrpSpPr/>
-              <p:nvPr/>
-            </p:nvGrpSpPr>
-            <p:grpSpPr>
-              <a:xfrm>
-                <a:off x="7572375" y="1181099"/>
-                <a:ext cx="219075" cy="476250"/>
-                <a:chOff x="7572375" y="1181099"/>
-                <a:chExt cx="219075" cy="476250"/>
-              </a:xfrm>
-            </p:grpSpPr>
-            <p:cxnSp>
-              <p:nvCxnSpPr>
-                <p:cNvPr id="43" name="Curved Connector 42"/>
-                <p:cNvCxnSpPr/>
-                <p:nvPr/>
-              </p:nvCxnSpPr>
-              <p:spPr>
-                <a:xfrm rot="16200000" flipH="1">
-                  <a:off x="7562850" y="1190624"/>
-                  <a:ext cx="238125" cy="219075"/>
-                </a:xfrm>
-                <a:prstGeom prst="curvedConnector3">
-                  <a:avLst/>
-                </a:prstGeom>
-                <a:ln w="50800" cap="rnd">
-                  <a:solidFill>
-                    <a:srgbClr val="8FD0ED"/>
-                  </a:solidFill>
-                  <a:prstDash val="solid"/>
-                  <a:round/>
-                </a:ln>
-              </p:spPr>
-              <p:style>
-                <a:lnRef idx="1">
-                  <a:schemeClr val="accent1"/>
-                </a:lnRef>
-                <a:fillRef idx="0">
-                  <a:schemeClr val="accent1"/>
-                </a:fillRef>
-                <a:effectRef idx="0">
-                  <a:schemeClr val="accent1"/>
-                </a:effectRef>
-                <a:fontRef idx="minor">
-                  <a:schemeClr val="tx1"/>
-                </a:fontRef>
-              </p:style>
-            </p:cxnSp>
-            <p:cxnSp>
-              <p:nvCxnSpPr>
-                <p:cNvPr id="44" name="Curved Connector 43"/>
-                <p:cNvCxnSpPr/>
-                <p:nvPr/>
-              </p:nvCxnSpPr>
-              <p:spPr>
-                <a:xfrm rot="5400000">
-                  <a:off x="7562851" y="1428750"/>
-                  <a:ext cx="238123" cy="219075"/>
-                </a:xfrm>
-                <a:prstGeom prst="curvedConnector3">
-                  <a:avLst/>
-                </a:prstGeom>
-                <a:ln w="50800" cap="rnd">
-                  <a:solidFill>
-                    <a:srgbClr val="8FD0ED"/>
-                  </a:solidFill>
-                  <a:prstDash val="solid"/>
-                  <a:round/>
-                </a:ln>
-              </p:spPr>
-              <p:style>
-                <a:lnRef idx="1">
-                  <a:schemeClr val="accent1"/>
-                </a:lnRef>
-                <a:fillRef idx="0">
-                  <a:schemeClr val="accent1"/>
-                </a:fillRef>
-                <a:effectRef idx="0">
-                  <a:schemeClr val="accent1"/>
-                </a:effectRef>
-                <a:fontRef idx="minor">
-                  <a:schemeClr val="tx1"/>
-                </a:fontRef>
-              </p:style>
-            </p:cxnSp>
-          </p:grpSp>
-          <p:grpSp>
-            <p:nvGrpSpPr>
-              <p:cNvPr id="40" name="Group 39"/>
-              <p:cNvGrpSpPr/>
-              <p:nvPr/>
-            </p:nvGrpSpPr>
-            <p:grpSpPr>
-              <a:xfrm>
-                <a:off x="7572375" y="1657349"/>
-                <a:ext cx="219075" cy="476250"/>
-                <a:chOff x="7572375" y="1181099"/>
-                <a:chExt cx="219075" cy="476250"/>
-              </a:xfrm>
-            </p:grpSpPr>
-            <p:cxnSp>
-              <p:nvCxnSpPr>
-                <p:cNvPr id="41" name="Curved Connector 40"/>
-                <p:cNvCxnSpPr/>
-                <p:nvPr/>
-              </p:nvCxnSpPr>
-              <p:spPr>
-                <a:xfrm rot="16200000" flipH="1">
-                  <a:off x="7562850" y="1190624"/>
-                  <a:ext cx="238125" cy="219075"/>
-                </a:xfrm>
-                <a:prstGeom prst="curvedConnector3">
-                  <a:avLst/>
-                </a:prstGeom>
-                <a:ln w="50800" cap="rnd">
-                  <a:solidFill>
-                    <a:srgbClr val="8FD0ED"/>
-                  </a:solidFill>
-                  <a:prstDash val="solid"/>
-                  <a:round/>
-                </a:ln>
-              </p:spPr>
-              <p:style>
-                <a:lnRef idx="1">
-                  <a:schemeClr val="accent1"/>
-                </a:lnRef>
-                <a:fillRef idx="0">
-                  <a:schemeClr val="accent1"/>
-                </a:fillRef>
-                <a:effectRef idx="0">
-                  <a:schemeClr val="accent1"/>
-                </a:effectRef>
-                <a:fontRef idx="minor">
-                  <a:schemeClr val="tx1"/>
-                </a:fontRef>
-              </p:style>
-            </p:cxnSp>
-            <p:cxnSp>
-              <p:nvCxnSpPr>
-                <p:cNvPr id="42" name="Curved Connector 41"/>
-                <p:cNvCxnSpPr/>
-                <p:nvPr/>
-              </p:nvCxnSpPr>
-              <p:spPr>
-                <a:xfrm rot="5400000">
-                  <a:off x="7562851" y="1428750"/>
-                  <a:ext cx="238123" cy="219075"/>
-                </a:xfrm>
-                <a:prstGeom prst="curvedConnector3">
-                  <a:avLst/>
-                </a:prstGeom>
-                <a:ln w="50800" cap="rnd">
-                  <a:solidFill>
-                    <a:srgbClr val="8FD0ED"/>
-                  </a:solidFill>
-                  <a:prstDash val="solid"/>
-                  <a:round/>
-                </a:ln>
-              </p:spPr>
-              <p:style>
-                <a:lnRef idx="1">
-                  <a:schemeClr val="accent1"/>
-                </a:lnRef>
-                <a:fillRef idx="0">
-                  <a:schemeClr val="accent1"/>
-                </a:fillRef>
-                <a:effectRef idx="0">
-                  <a:schemeClr val="accent1"/>
-                </a:effectRef>
-                <a:fontRef idx="minor">
-                  <a:schemeClr val="tx1"/>
-                </a:fontRef>
-              </p:style>
-            </p:cxnSp>
-          </p:grpSp>
-        </p:grpSp>
-        <p:grpSp>
-          <p:nvGrpSpPr>
-            <p:cNvPr id="52" name="Group 51"/>
-            <p:cNvGrpSpPr/>
-            <p:nvPr/>
-          </p:nvGrpSpPr>
-          <p:grpSpPr>
-            <a:xfrm>
-              <a:off x="7572374" y="4058928"/>
-              <a:ext cx="219075" cy="952500"/>
-              <a:chOff x="7572375" y="1181099"/>
-              <a:chExt cx="219075" cy="952500"/>
-            </a:xfrm>
-          </p:grpSpPr>
-          <p:grpSp>
-            <p:nvGrpSpPr>
-              <p:cNvPr id="53" name="Group 52"/>
-              <p:cNvGrpSpPr/>
-              <p:nvPr/>
-            </p:nvGrpSpPr>
-            <p:grpSpPr>
-              <a:xfrm>
-                <a:off x="7572375" y="1181099"/>
-                <a:ext cx="219075" cy="476250"/>
-                <a:chOff x="7572375" y="1181099"/>
-                <a:chExt cx="219075" cy="476250"/>
-              </a:xfrm>
-            </p:grpSpPr>
-            <p:cxnSp>
-              <p:nvCxnSpPr>
-                <p:cNvPr id="57" name="Curved Connector 56"/>
-                <p:cNvCxnSpPr/>
-                <p:nvPr/>
-              </p:nvCxnSpPr>
-              <p:spPr>
-                <a:xfrm rot="16200000" flipH="1">
-                  <a:off x="7562850" y="1190624"/>
-                  <a:ext cx="238125" cy="219075"/>
-                </a:xfrm>
-                <a:prstGeom prst="curvedConnector3">
-                  <a:avLst/>
-                </a:prstGeom>
-                <a:ln w="50800" cap="rnd">
-                  <a:solidFill>
-                    <a:srgbClr val="8FD0ED"/>
-                  </a:solidFill>
-                  <a:prstDash val="solid"/>
-                  <a:round/>
-                </a:ln>
-              </p:spPr>
-              <p:style>
-                <a:lnRef idx="1">
-                  <a:schemeClr val="accent1"/>
-                </a:lnRef>
-                <a:fillRef idx="0">
-                  <a:schemeClr val="accent1"/>
-                </a:fillRef>
-                <a:effectRef idx="0">
-                  <a:schemeClr val="accent1"/>
-                </a:effectRef>
-                <a:fontRef idx="minor">
-                  <a:schemeClr val="tx1"/>
-                </a:fontRef>
-              </p:style>
-            </p:cxnSp>
-            <p:cxnSp>
-              <p:nvCxnSpPr>
-                <p:cNvPr id="58" name="Curved Connector 57"/>
-                <p:cNvCxnSpPr/>
-                <p:nvPr/>
-              </p:nvCxnSpPr>
-              <p:spPr>
-                <a:xfrm rot="5400000">
-                  <a:off x="7562851" y="1428750"/>
-                  <a:ext cx="238123" cy="219075"/>
-                </a:xfrm>
-                <a:prstGeom prst="curvedConnector3">
-                  <a:avLst/>
-                </a:prstGeom>
-                <a:ln w="50800" cap="rnd">
-                  <a:solidFill>
-                    <a:srgbClr val="8FD0ED"/>
-                  </a:solidFill>
-                  <a:prstDash val="solid"/>
-                  <a:round/>
-                </a:ln>
-              </p:spPr>
-              <p:style>
-                <a:lnRef idx="1">
-                  <a:schemeClr val="accent1"/>
-                </a:lnRef>
-                <a:fillRef idx="0">
-                  <a:schemeClr val="accent1"/>
-                </a:fillRef>
-                <a:effectRef idx="0">
-                  <a:schemeClr val="accent1"/>
-                </a:effectRef>
-                <a:fontRef idx="minor">
-                  <a:schemeClr val="tx1"/>
-                </a:fontRef>
-              </p:style>
-            </p:cxnSp>
-          </p:grpSp>
-          <p:grpSp>
-            <p:nvGrpSpPr>
-              <p:cNvPr id="54" name="Group 53"/>
-              <p:cNvGrpSpPr/>
-              <p:nvPr/>
-            </p:nvGrpSpPr>
-            <p:grpSpPr>
-              <a:xfrm>
-                <a:off x="7572375" y="1657349"/>
-                <a:ext cx="219075" cy="476250"/>
-                <a:chOff x="7572375" y="1181099"/>
-                <a:chExt cx="219075" cy="476250"/>
-              </a:xfrm>
-            </p:grpSpPr>
-            <p:cxnSp>
-              <p:nvCxnSpPr>
-                <p:cNvPr id="55" name="Curved Connector 54"/>
-                <p:cNvCxnSpPr/>
-                <p:nvPr/>
-              </p:nvCxnSpPr>
-              <p:spPr>
-                <a:xfrm rot="16200000" flipH="1">
-                  <a:off x="7562850" y="1190624"/>
-                  <a:ext cx="238125" cy="219075"/>
-                </a:xfrm>
-                <a:prstGeom prst="curvedConnector3">
-                  <a:avLst/>
-                </a:prstGeom>
-                <a:ln w="50800" cap="rnd">
-                  <a:solidFill>
-                    <a:srgbClr val="8FD0ED"/>
-                  </a:solidFill>
-                  <a:prstDash val="solid"/>
-                  <a:round/>
-                </a:ln>
-              </p:spPr>
-              <p:style>
-                <a:lnRef idx="1">
-                  <a:schemeClr val="accent1"/>
-                </a:lnRef>
-                <a:fillRef idx="0">
-                  <a:schemeClr val="accent1"/>
-                </a:fillRef>
-                <a:effectRef idx="0">
-                  <a:schemeClr val="accent1"/>
-                </a:effectRef>
-                <a:fontRef idx="minor">
-                  <a:schemeClr val="tx1"/>
-                </a:fontRef>
-              </p:style>
-            </p:cxnSp>
-            <p:cxnSp>
-              <p:nvCxnSpPr>
-                <p:cNvPr id="56" name="Curved Connector 55"/>
-                <p:cNvCxnSpPr/>
-                <p:nvPr/>
-              </p:nvCxnSpPr>
-              <p:spPr>
-                <a:xfrm rot="5400000">
-                  <a:off x="7562851" y="1428750"/>
-                  <a:ext cx="238123" cy="219075"/>
-                </a:xfrm>
-                <a:prstGeom prst="curvedConnector3">
-                  <a:avLst/>
-                </a:prstGeom>
-                <a:ln w="50800" cap="rnd">
-                  <a:solidFill>
-                    <a:srgbClr val="8FD0ED"/>
-                  </a:solidFill>
-                  <a:prstDash val="solid"/>
-                  <a:round/>
-                </a:ln>
-              </p:spPr>
-              <p:style>
-                <a:lnRef idx="1">
-                  <a:schemeClr val="accent1"/>
-                </a:lnRef>
-                <a:fillRef idx="0">
-                  <a:schemeClr val="accent1"/>
-                </a:fillRef>
-                <a:effectRef idx="0">
-                  <a:schemeClr val="accent1"/>
-                </a:effectRef>
-                <a:fontRef idx="minor">
-                  <a:schemeClr val="tx1"/>
-                </a:fontRef>
-              </p:style>
-            </p:cxnSp>
-          </p:grpSp>
-        </p:grpSp>
-      </p:grpSp>
-      <p:sp>
-        <p:nvSpPr>
-          <p:cNvPr id="4" name="Oval 3"/>
-          <p:cNvSpPr/>
-          <p:nvPr/>
-        </p:nvSpPr>
-        <p:spPr>
-          <a:xfrm>
-            <a:off x="4819409" y="2736534"/>
-            <a:ext cx="1144025" cy="1144025"/>
-          </a:xfrm>
-          <a:prstGeom prst="ellipse">
-            <a:avLst/>
-          </a:prstGeom>
-          <a:solidFill>
-            <a:srgbClr val="25A5DC"/>
-          </a:solidFill>
-          <a:ln w="25400">
-            <a:solidFill>
-              <a:schemeClr val="bg1"/>
-            </a:solidFill>
-          </a:ln>
-        </p:spPr>
-        <p:style>
-          <a:lnRef idx="2">
-            <a:schemeClr val="accent1">
-              <a:shade val="50000"/>
-            </a:schemeClr>
-          </a:lnRef>
-          <a:fillRef idx="1">
-            <a:schemeClr val="accent1"/>
-          </a:fillRef>
-          <a:effectRef idx="0">
-            <a:schemeClr val="accent1"/>
-          </a:effectRef>
-          <a:fontRef idx="minor">
-            <a:schemeClr val="lt1"/>
-          </a:fontRef>
-        </p:style>
-        <p:txBody>
-          <a:bodyPr lIns="0" tIns="0" rIns="0" bIns="0" rtlCol="0" anchor="ctr"/>
-          <a:lstStyle/>
-          <a:p>
-            <a:pPr algn="ctr"/>
-            <a:r>
-              <a:rPr lang="sv-SE" b="1" dirty="0" smtClean="0">
-                <a:solidFill>
-                  <a:schemeClr val="bg1"/>
-                </a:solidFill>
-              </a:rPr>
-              <a:t>source</a:t>
-            </a:r>
-            <a:endParaRPr lang="sv-SE" sz="1050" b="1" dirty="0" smtClean="0">
-              <a:solidFill>
-                <a:schemeClr val="bg1"/>
-              </a:solidFill>
-            </a:endParaRPr>
-          </a:p>
-        </p:txBody>
-      </p:sp>
-      <p:sp>
-        <p:nvSpPr>
-          <p:cNvPr id="7" name="Oval 6"/>
-          <p:cNvSpPr/>
-          <p:nvPr/>
-        </p:nvSpPr>
-        <p:spPr>
-          <a:xfrm>
-            <a:off x="8702756" y="2736534"/>
-            <a:ext cx="1144025" cy="1144025"/>
-          </a:xfrm>
-          <a:prstGeom prst="ellipse">
-            <a:avLst/>
-          </a:prstGeom>
-          <a:solidFill>
-            <a:srgbClr val="25A5DC"/>
-          </a:solidFill>
-          <a:ln w="25400">
-            <a:solidFill>
-              <a:schemeClr val="bg1"/>
-            </a:solidFill>
-          </a:ln>
-        </p:spPr>
-        <p:style>
-          <a:lnRef idx="2">
-            <a:schemeClr val="accent1">
-              <a:shade val="50000"/>
-            </a:schemeClr>
-          </a:lnRef>
-          <a:fillRef idx="1">
-            <a:schemeClr val="accent1"/>
-          </a:fillRef>
-          <a:effectRef idx="0">
-            <a:schemeClr val="accent1"/>
-          </a:effectRef>
-          <a:fontRef idx="minor">
-            <a:schemeClr val="lt1"/>
-          </a:fontRef>
-        </p:style>
-        <p:txBody>
-          <a:bodyPr rot="0" spcFirstLastPara="0" vertOverflow="overflow" horzOverflow="overflow" vert="horz" wrap="square" lIns="0" tIns="0" rIns="0" bIns="0" numCol="1" spcCol="0" rtlCol="0" fromWordArt="0" anchor="ctr" anchorCtr="0" forceAA="0" compatLnSpc="1">
-            <a:prstTxWarp prst="textNoShape">
-              <a:avLst/>
-            </a:prstTxWarp>
-            <a:noAutofit/>
-          </a:bodyPr>
-          <a:lstStyle/>
-          <a:p>
-            <a:pPr algn="ctr"/>
-            <a:r>
-              <a:rPr lang="sv-SE" b="1" dirty="0" smtClean="0">
-                <a:solidFill>
-                  <a:schemeClr val="bg1"/>
-                </a:solidFill>
-              </a:rPr>
-              <a:t>worker2</a:t>
-            </a:r>
-            <a:endParaRPr lang="sv-SE" b="1" dirty="0">
-              <a:solidFill>
-                <a:schemeClr val="bg1"/>
-              </a:solidFill>
-            </a:endParaRPr>
-          </a:p>
-        </p:txBody>
-      </p:sp>
-      <p:sp>
-        <p:nvSpPr>
-          <p:cNvPr id="8" name="Oval 7"/>
-          <p:cNvSpPr/>
-          <p:nvPr/>
-        </p:nvSpPr>
-        <p:spPr>
-          <a:xfrm>
-            <a:off x="8702755" y="1108415"/>
-            <a:ext cx="1144025" cy="1144025"/>
-          </a:xfrm>
-          <a:prstGeom prst="ellipse">
-            <a:avLst/>
-          </a:prstGeom>
-          <a:solidFill>
-            <a:srgbClr val="25A5DC"/>
-          </a:solidFill>
-          <a:ln w="25400">
-            <a:solidFill>
-              <a:schemeClr val="bg1"/>
-            </a:solidFill>
-          </a:ln>
-        </p:spPr>
-        <p:style>
-          <a:lnRef idx="2">
-            <a:schemeClr val="accent1">
-              <a:shade val="50000"/>
-            </a:schemeClr>
-          </a:lnRef>
-          <a:fillRef idx="1">
-            <a:schemeClr val="accent1"/>
-          </a:fillRef>
-          <a:effectRef idx="0">
-            <a:schemeClr val="accent1"/>
-          </a:effectRef>
-          <a:fontRef idx="minor">
-            <a:schemeClr val="lt1"/>
-          </a:fontRef>
-        </p:style>
-        <p:txBody>
-          <a:bodyPr rot="0" spcFirstLastPara="0" vertOverflow="overflow" horzOverflow="overflow" vert="horz" wrap="square" lIns="0" tIns="0" rIns="0" bIns="0" numCol="1" spcCol="0" rtlCol="0" fromWordArt="0" anchor="ctr" anchorCtr="0" forceAA="0" compatLnSpc="1">
-            <a:prstTxWarp prst="textNoShape">
-              <a:avLst/>
-            </a:prstTxWarp>
-            <a:noAutofit/>
-          </a:bodyPr>
-          <a:lstStyle/>
-          <a:p>
-            <a:pPr algn="ctr"/>
-            <a:r>
-              <a:rPr lang="sv-SE" b="1" dirty="0" smtClean="0">
-                <a:solidFill>
-                  <a:schemeClr val="bg1"/>
-                </a:solidFill>
-              </a:rPr>
-              <a:t>worker1</a:t>
-            </a:r>
-            <a:endParaRPr lang="sv-SE" b="1" dirty="0">
-              <a:solidFill>
-                <a:schemeClr val="bg1"/>
-              </a:solidFill>
-            </a:endParaRPr>
-          </a:p>
-        </p:txBody>
-      </p:sp>
-      <p:sp>
-        <p:nvSpPr>
-          <p:cNvPr id="10" name="Oval 9"/>
-          <p:cNvSpPr/>
-          <p:nvPr/>
-        </p:nvSpPr>
-        <p:spPr>
-          <a:xfrm>
-            <a:off x="8702755" y="4364653"/>
-            <a:ext cx="1144025" cy="1144025"/>
-          </a:xfrm>
-          <a:prstGeom prst="ellipse">
-            <a:avLst/>
-          </a:prstGeom>
-          <a:solidFill>
-            <a:srgbClr val="25A5DC"/>
-          </a:solidFill>
-          <a:ln w="25400">
-            <a:solidFill>
-              <a:schemeClr val="bg1"/>
-            </a:solidFill>
-          </a:ln>
-        </p:spPr>
-        <p:style>
-          <a:lnRef idx="2">
-            <a:schemeClr val="accent1">
-              <a:shade val="50000"/>
-            </a:schemeClr>
-          </a:lnRef>
-          <a:fillRef idx="1">
-            <a:schemeClr val="accent1"/>
-          </a:fillRef>
-          <a:effectRef idx="0">
-            <a:schemeClr val="accent1"/>
-          </a:effectRef>
-          <a:fontRef idx="minor">
-            <a:schemeClr val="lt1"/>
-          </a:fontRef>
-        </p:style>
-        <p:txBody>
-          <a:bodyPr rot="0" spcFirstLastPara="0" vertOverflow="overflow" horzOverflow="overflow" vert="horz" wrap="square" lIns="0" tIns="0" rIns="0" bIns="0" numCol="1" spcCol="0" rtlCol="0" fromWordArt="0" anchor="ctr" anchorCtr="0" forceAA="0" compatLnSpc="1">
-            <a:prstTxWarp prst="textNoShape">
-              <a:avLst/>
-            </a:prstTxWarp>
-            <a:noAutofit/>
-          </a:bodyPr>
-          <a:lstStyle/>
-          <a:p>
-            <a:pPr algn="ctr"/>
-            <a:r>
-              <a:rPr lang="sv-SE" b="1" dirty="0" smtClean="0">
-                <a:solidFill>
-                  <a:schemeClr val="bg1"/>
-                </a:solidFill>
-              </a:rPr>
-              <a:t>worker3</a:t>
-            </a:r>
-            <a:endParaRPr lang="sv-SE" b="1" dirty="0">
-              <a:solidFill>
-                <a:schemeClr val="bg1"/>
-              </a:solidFill>
-            </a:endParaRPr>
-          </a:p>
-        </p:txBody>
-      </p:sp>
-      <p:cxnSp>
-        <p:nvCxnSpPr>
-          <p:cNvPr id="15" name="Straight Arrow Connector 14"/>
-          <p:cNvCxnSpPr>
-            <a:stCxn id="4" idx="6"/>
-            <a:endCxn id="7" idx="2"/>
-          </p:cNvCxnSpPr>
-          <p:nvPr/>
-        </p:nvCxnSpPr>
-        <p:spPr>
-          <a:xfrm>
-            <a:off x="5963434" y="3308547"/>
-            <a:ext cx="2739322" cy="0"/>
-          </a:xfrm>
-          <a:prstGeom prst="straightConnector1">
-            <a:avLst/>
-          </a:prstGeom>
-          <a:ln w="25400">
-            <a:solidFill>
-              <a:schemeClr val="bg1"/>
-            </a:solidFill>
-            <a:tailEnd type="arrow"/>
-          </a:ln>
-        </p:spPr>
-        <p:style>
-          <a:lnRef idx="1">
-            <a:schemeClr val="accent1"/>
-          </a:lnRef>
-          <a:fillRef idx="0">
-            <a:schemeClr val="accent1"/>
-          </a:fillRef>
-          <a:effectRef idx="0">
-            <a:schemeClr val="accent1"/>
-          </a:effectRef>
-          <a:fontRef idx="minor">
-            <a:schemeClr val="tx1"/>
-          </a:fontRef>
-        </p:style>
-      </p:cxnSp>
-      <p:cxnSp>
-        <p:nvCxnSpPr>
-          <p:cNvPr id="19" name="Curved Connector 18"/>
-          <p:cNvCxnSpPr>
-            <a:stCxn id="4" idx="7"/>
-            <a:endCxn id="8" idx="2"/>
-          </p:cNvCxnSpPr>
-          <p:nvPr/>
-        </p:nvCxnSpPr>
-        <p:spPr>
-          <a:xfrm rot="5400000" flipH="1" flipV="1">
-            <a:off x="6637503" y="838821"/>
-            <a:ext cx="1223645" cy="2906860"/>
-          </a:xfrm>
-          <a:prstGeom prst="curvedConnector2">
-            <a:avLst/>
-          </a:prstGeom>
-          <a:ln w="25400">
-            <a:solidFill>
-              <a:schemeClr val="bg1"/>
-            </a:solidFill>
-            <a:tailEnd type="arrow"/>
-          </a:ln>
-        </p:spPr>
-        <p:style>
-          <a:lnRef idx="1">
-            <a:schemeClr val="accent1"/>
-          </a:lnRef>
-          <a:fillRef idx="0">
-            <a:schemeClr val="accent1"/>
-          </a:fillRef>
-          <a:effectRef idx="0">
-            <a:schemeClr val="accent1"/>
-          </a:effectRef>
-          <a:fontRef idx="minor">
-            <a:schemeClr val="tx1"/>
-          </a:fontRef>
-        </p:style>
-      </p:cxnSp>
-      <p:cxnSp>
-        <p:nvCxnSpPr>
-          <p:cNvPr id="21" name="Curved Connector 20"/>
-          <p:cNvCxnSpPr>
-            <a:stCxn id="4" idx="5"/>
-            <a:endCxn id="10" idx="2"/>
-          </p:cNvCxnSpPr>
-          <p:nvPr/>
-        </p:nvCxnSpPr>
-        <p:spPr>
-          <a:xfrm rot="16200000" flipH="1">
-            <a:off x="6637502" y="2871413"/>
-            <a:ext cx="1223646" cy="2906860"/>
-          </a:xfrm>
-          <a:prstGeom prst="curvedConnector2">
-            <a:avLst/>
-          </a:prstGeom>
-          <a:ln w="25400">
-            <a:solidFill>
-              <a:schemeClr val="bg1"/>
-            </a:solidFill>
-            <a:tailEnd type="arrow"/>
-          </a:ln>
-        </p:spPr>
-        <p:style>
-          <a:lnRef idx="1">
-            <a:schemeClr val="accent1"/>
-          </a:lnRef>
-          <a:fillRef idx="0">
-            <a:schemeClr val="accent1"/>
-          </a:fillRef>
-          <a:effectRef idx="0">
-            <a:schemeClr val="accent1"/>
-          </a:effectRef>
-          <a:fontRef idx="minor">
-            <a:schemeClr val="tx1"/>
-          </a:fontRef>
-        </p:style>
-      </p:cxnSp>
-      <p:grpSp>
-        <p:nvGrpSpPr>
-          <p:cNvPr id="29" name="Group 28"/>
-          <p:cNvGrpSpPr/>
-          <p:nvPr/>
-        </p:nvGrpSpPr>
-        <p:grpSpPr>
-          <a:xfrm>
-            <a:off x="4219933" y="293960"/>
-            <a:ext cx="7329869" cy="6029172"/>
-            <a:chOff x="2327565" y="205943"/>
-            <a:chExt cx="7329869" cy="6029172"/>
-          </a:xfrm>
-        </p:grpSpPr>
-        <p:sp>
-          <p:nvSpPr>
-            <p:cNvPr id="27" name="Rounded Rectangle 26"/>
-            <p:cNvSpPr/>
-            <p:nvPr/>
-          </p:nvSpPr>
-          <p:spPr>
-            <a:xfrm>
-              <a:off x="2327565" y="205943"/>
-              <a:ext cx="7329869" cy="6029172"/>
-            </a:xfrm>
-            <a:prstGeom prst="roundRect">
-              <a:avLst>
-                <a:gd name="adj" fmla="val 31833"/>
-              </a:avLst>
-            </a:prstGeom>
-            <a:noFill/>
-            <a:ln w="25400">
-              <a:solidFill>
-                <a:schemeClr val="bg1"/>
-              </a:solidFill>
-              <a:prstDash val="dash"/>
-            </a:ln>
-          </p:spPr>
-          <p:style>
-            <a:lnRef idx="2">
-              <a:schemeClr val="accent1">
-                <a:shade val="50000"/>
-              </a:schemeClr>
-            </a:lnRef>
-            <a:fillRef idx="1">
-              <a:schemeClr val="accent1"/>
-            </a:fillRef>
-            <a:effectRef idx="0">
-              <a:schemeClr val="accent1"/>
-            </a:effectRef>
-            <a:fontRef idx="minor">
-              <a:schemeClr val="lt1"/>
-            </a:fontRef>
-          </p:style>
-          <p:txBody>
-            <a:bodyPr rot="0" spcFirstLastPara="0" vertOverflow="overflow" horzOverflow="overflow" vert="horz" wrap="square" lIns="0" tIns="0" rIns="0" bIns="0" numCol="1" spcCol="0" rtlCol="0" fromWordArt="0" anchor="t" anchorCtr="0" forceAA="0" compatLnSpc="1">
-              <a:prstTxWarp prst="textNoShape">
-                <a:avLst/>
-              </a:prstTxWarp>
-              <a:noAutofit/>
-            </a:bodyPr>
-            <a:lstStyle/>
-            <a:p>
-              <a:pPr algn="ctr"/>
-              <a:endParaRPr lang="sv-SE" sz="3200" b="1" dirty="0">
-                <a:solidFill>
-                  <a:schemeClr val="tx1"/>
-                </a:solidFill>
-              </a:endParaRPr>
-            </a:p>
-          </p:txBody>
-        </p:sp>
-        <p:sp>
-          <p:nvSpPr>
-            <p:cNvPr id="28" name="TextBox 27"/>
-            <p:cNvSpPr txBox="1"/>
-            <p:nvPr/>
-          </p:nvSpPr>
-          <p:spPr>
-            <a:xfrm>
-              <a:off x="5449864" y="400967"/>
-              <a:ext cx="1076705" cy="461665"/>
-            </a:xfrm>
-            <a:prstGeom prst="rect">
-              <a:avLst/>
-            </a:prstGeom>
-            <a:noFill/>
-          </p:spPr>
-          <p:txBody>
-            <a:bodyPr wrap="none" rtlCol="0">
-              <a:spAutoFit/>
-            </a:bodyPr>
-            <a:lstStyle/>
-            <a:p>
-              <a:r>
-                <a:rPr lang="sv-SE" sz="2400" b="1" dirty="0" smtClean="0"/>
-                <a:t>Cluster</a:t>
-              </a:r>
-              <a:endParaRPr lang="sv-SE" sz="2400" b="1" dirty="0"/>
-            </a:p>
-          </p:txBody>
-        </p:sp>
-      </p:grpSp>
-      <p:sp>
-        <p:nvSpPr>
-          <p:cNvPr id="30" name="Rectangle 29"/>
-          <p:cNvSpPr/>
-          <p:nvPr/>
-        </p:nvSpPr>
-        <p:spPr>
-          <a:xfrm>
-            <a:off x="210571" y="132595"/>
-            <a:ext cx="3955572" cy="2375892"/>
-          </a:xfrm>
-          <a:prstGeom prst="rect">
-            <a:avLst/>
-          </a:prstGeom>
-          <a:noFill/>
-          <a:ln>
-            <a:noFill/>
-          </a:ln>
-        </p:spPr>
-        <p:style>
-          <a:lnRef idx="2">
-            <a:schemeClr val="accent1">
-              <a:shade val="50000"/>
-            </a:schemeClr>
-          </a:lnRef>
-          <a:fillRef idx="1">
-            <a:schemeClr val="accent1"/>
-          </a:fillRef>
-          <a:effectRef idx="0">
-            <a:schemeClr val="accent1"/>
-          </a:effectRef>
-          <a:fontRef idx="minor">
-            <a:schemeClr val="lt1"/>
-          </a:fontRef>
-        </p:style>
-        <p:txBody>
-          <a:bodyPr rot="0" spcFirstLastPara="0" vertOverflow="overflow" horzOverflow="overflow" vert="horz" wrap="square" lIns="144000" tIns="144000" rIns="144000" bIns="144000" numCol="1" spcCol="0" rtlCol="0" fromWordArt="0" anchor="t" anchorCtr="0" forceAA="0" compatLnSpc="1">
-            <a:prstTxWarp prst="textNoShape">
-              <a:avLst/>
-            </a:prstTxWarp>
-            <a:noAutofit/>
-          </a:bodyPr>
-          <a:lstStyle/>
-          <a:p>
-            <a:r>
-              <a:rPr lang="sv-SE" sz="1600" b="1" dirty="0" smtClean="0">
-                <a:solidFill>
-                  <a:schemeClr val="tx1"/>
-                </a:solidFill>
-              </a:rPr>
-              <a:t>The problem: Distributed </a:t>
-            </a:r>
-            <a:r>
-              <a:rPr lang="sv-SE" sz="1600" b="1" dirty="0">
-                <a:solidFill>
-                  <a:schemeClr val="tx1"/>
-                </a:solidFill>
-              </a:rPr>
-              <a:t>monolith</a:t>
-            </a:r>
-          </a:p>
-          <a:p>
-            <a:endParaRPr lang="sv-SE" sz="1600" b="1" dirty="0">
-              <a:solidFill>
-                <a:schemeClr val="tx1"/>
-              </a:solidFill>
-            </a:endParaRPr>
-          </a:p>
-          <a:p>
-            <a:r>
-              <a:rPr lang="sv-SE" sz="1600" dirty="0">
-                <a:solidFill>
-                  <a:schemeClr val="tx1"/>
-                </a:solidFill>
-              </a:rPr>
-              <a:t>All </a:t>
-            </a:r>
-            <a:r>
-              <a:rPr lang="sv-SE" sz="1600" dirty="0" smtClean="0">
-                <a:solidFill>
-                  <a:schemeClr val="tx1"/>
-                </a:solidFill>
-              </a:rPr>
-              <a:t>components </a:t>
-            </a:r>
-            <a:r>
-              <a:rPr lang="sv-SE" sz="1600" dirty="0">
-                <a:solidFill>
-                  <a:schemeClr val="tx1"/>
-                </a:solidFill>
-              </a:rPr>
-              <a:t>are bound to the same stack and framework.</a:t>
-            </a:r>
-          </a:p>
-          <a:p>
-            <a:r>
-              <a:rPr lang="sv-SE" sz="1600" dirty="0">
-                <a:solidFill>
-                  <a:schemeClr val="tx1"/>
-                </a:solidFill>
-              </a:rPr>
-              <a:t>One tightly coupled blob of code distributed across machines</a:t>
-            </a:r>
-            <a:r>
-              <a:rPr lang="sv-SE" sz="1600" dirty="0" smtClean="0">
-                <a:solidFill>
-                  <a:schemeClr val="tx1"/>
-                </a:solidFill>
-              </a:rPr>
-              <a:t>.</a:t>
-            </a:r>
-            <a:endParaRPr lang="sv-SE" sz="1600" dirty="0">
-              <a:solidFill>
-                <a:schemeClr val="tx1"/>
-              </a:solidFill>
-            </a:endParaRPr>
-          </a:p>
-        </p:txBody>
-      </p:sp>
-      <p:sp>
-        <p:nvSpPr>
-          <p:cNvPr id="20" name="TextBox 19"/>
-          <p:cNvSpPr txBox="1"/>
-          <p:nvPr/>
-        </p:nvSpPr>
-        <p:spPr>
-          <a:xfrm>
-            <a:off x="7372431" y="961007"/>
-            <a:ext cx="1016304" cy="369332"/>
-          </a:xfrm>
-          <a:prstGeom prst="rect">
-            <a:avLst/>
-          </a:prstGeom>
-          <a:noFill/>
-        </p:spPr>
-        <p:txBody>
-          <a:bodyPr wrap="none" rtlCol="0">
-            <a:spAutoFit/>
-          </a:bodyPr>
-          <a:lstStyle/>
-          <a:p>
-            <a:r>
-              <a:rPr lang="sv-SE" dirty="0" smtClean="0"/>
-              <a:t>Network</a:t>
-            </a:r>
-            <a:endParaRPr lang="sv-SE" dirty="0"/>
-          </a:p>
-        </p:txBody>
-      </p:sp>
-      <p:sp>
-        <p:nvSpPr>
-          <p:cNvPr id="45" name="Line Callout 2 (No Border) 44"/>
-          <p:cNvSpPr/>
-          <p:nvPr/>
-        </p:nvSpPr>
-        <p:spPr>
-          <a:xfrm>
-            <a:off x="2065352" y="3923304"/>
-            <a:ext cx="2586518" cy="434648"/>
-          </a:xfrm>
-          <a:prstGeom prst="callout2">
-            <a:avLst>
-              <a:gd name="adj1" fmla="val 59251"/>
-              <a:gd name="adj2" fmla="val 98886"/>
-              <a:gd name="adj3" fmla="val 61500"/>
-              <a:gd name="adj4" fmla="val 108147"/>
-              <a:gd name="adj5" fmla="val -5626"/>
-              <a:gd name="adj6" fmla="val 120293"/>
-            </a:avLst>
-          </a:prstGeom>
-          <a:solidFill>
-            <a:srgbClr val="1186D5"/>
-          </a:solidFill>
-          <a:ln w="25400">
-            <a:solidFill>
-              <a:schemeClr val="tx1"/>
-            </a:solidFill>
-          </a:ln>
-        </p:spPr>
-        <p:style>
-          <a:lnRef idx="2">
-            <a:schemeClr val="accent1">
-              <a:shade val="50000"/>
-            </a:schemeClr>
-          </a:lnRef>
-          <a:fillRef idx="1">
-            <a:schemeClr val="accent1"/>
-          </a:fillRef>
-          <a:effectRef idx="0">
-            <a:schemeClr val="accent1"/>
-          </a:effectRef>
-          <a:fontRef idx="minor">
-            <a:schemeClr val="lt1"/>
-          </a:fontRef>
-        </p:style>
-        <p:txBody>
-          <a:bodyPr rtlCol="0" anchor="ctr"/>
-          <a:lstStyle/>
-          <a:p>
-            <a:pPr algn="ctr"/>
-            <a:r>
-              <a:rPr lang="sv-SE" b="1" dirty="0" smtClean="0">
-                <a:solidFill>
-                  <a:schemeClr val="tx1"/>
-                </a:solidFill>
-              </a:rPr>
-              <a:t>Whatever you have here</a:t>
-            </a:r>
-            <a:endParaRPr lang="sv-SE" b="1" dirty="0">
-              <a:solidFill>
-                <a:schemeClr val="tx1"/>
-              </a:solidFill>
-            </a:endParaRPr>
-          </a:p>
-        </p:txBody>
-      </p:sp>
-      <p:sp>
-        <p:nvSpPr>
-          <p:cNvPr id="46" name="Line Callout 2 (No Border) 45"/>
-          <p:cNvSpPr/>
-          <p:nvPr/>
-        </p:nvSpPr>
-        <p:spPr>
-          <a:xfrm>
-            <a:off x="6471138" y="5508678"/>
-            <a:ext cx="2018137" cy="434648"/>
-          </a:xfrm>
-          <a:prstGeom prst="callout2">
-            <a:avLst>
-              <a:gd name="adj1" fmla="val 59251"/>
-              <a:gd name="adj2" fmla="val 98886"/>
-              <a:gd name="adj3" fmla="val 61500"/>
-              <a:gd name="adj4" fmla="val 108147"/>
-              <a:gd name="adj5" fmla="val -5626"/>
-              <a:gd name="adj6" fmla="val 120293"/>
-            </a:avLst>
-          </a:prstGeom>
-          <a:solidFill>
-            <a:srgbClr val="1186D5"/>
-          </a:solidFill>
-          <a:ln w="25400">
-            <a:solidFill>
-              <a:schemeClr val="tx1"/>
-            </a:solidFill>
-          </a:ln>
-        </p:spPr>
-        <p:style>
-          <a:lnRef idx="2">
-            <a:schemeClr val="accent1">
-              <a:shade val="50000"/>
-            </a:schemeClr>
-          </a:lnRef>
-          <a:fillRef idx="1">
-            <a:schemeClr val="accent1"/>
-          </a:fillRef>
-          <a:effectRef idx="0">
-            <a:schemeClr val="accent1"/>
-          </a:effectRef>
-          <a:fontRef idx="minor">
-            <a:schemeClr val="lt1"/>
-          </a:fontRef>
-        </p:style>
-        <p:txBody>
-          <a:bodyPr rtlCol="0" anchor="ctr"/>
-          <a:lstStyle/>
-          <a:p>
-            <a:pPr algn="ctr"/>
-            <a:r>
-              <a:rPr lang="sv-SE" b="1" dirty="0" smtClean="0">
-                <a:solidFill>
-                  <a:schemeClr val="tx1"/>
-                </a:solidFill>
-              </a:rPr>
-              <a:t>Must also be here</a:t>
-            </a:r>
-            <a:endParaRPr lang="sv-SE" b="1" dirty="0">
-              <a:solidFill>
-                <a:schemeClr val="tx1"/>
-              </a:solidFill>
-            </a:endParaRPr>
-          </a:p>
-        </p:txBody>
-      </p:sp>
-    </p:spTree>
-    <p:extLst>
-      <p:ext uri="{BB962C8B-B14F-4D97-AF65-F5344CB8AC3E}">
-        <p14:creationId xmlns:p14="http://schemas.microsoft.com/office/powerpoint/2010/main" val="622948777"/>
-      </p:ext>
-    </p:extLst>
-  </p:cSld>
-  <p:clrMapOvr>
-    <a:masterClrMapping/>
-  </p:clrMapOvr>
-  <p:timing>
-    <p:tnLst>
-      <p:par>
-        <p:cTn id="1" dur="indefinite" restart="never" nodeType="tmRoot"/>
-      </p:par>
-    </p:tnLst>
-  </p:timing>
-</p:sld>
-</file>
-
-<file path=ppt/slides/slide13.xml><?xml version="1.0" encoding="utf-8"?>
 <p:sld xmlns:a="http://schemas.openxmlformats.org/drawingml/2006/main" xmlns:r="http://schemas.openxmlformats.org/officeDocument/2006/relationships" xmlns:p="http://schemas.openxmlformats.org/presentationml/2006/main">
   <p:cSld>
     <p:spTree>
@@ -9866,7 +7550,7 @@
 </p:sld>
 </file>
 
-<file path=ppt/slides/slide14.xml><?xml version="1.0" encoding="utf-8"?>
+<file path=ppt/slides/slide11.xml><?xml version="1.0" encoding="utf-8"?>
 <p:sld xmlns:a="http://schemas.openxmlformats.org/drawingml/2006/main" xmlns:r="http://schemas.openxmlformats.org/officeDocument/2006/relationships" xmlns:p="http://schemas.openxmlformats.org/presentationml/2006/main">
   <p:cSld>
     <p:spTree>
@@ -11261,7 +8945,7 @@
 </p:sld>
 </file>
 
-<file path=ppt/slides/slide15.xml><?xml version="1.0" encoding="utf-8"?>
+<file path=ppt/slides/slide12.xml><?xml version="1.0" encoding="utf-8"?>
 <p:sld xmlns:a="http://schemas.openxmlformats.org/drawingml/2006/main" xmlns:r="http://schemas.openxmlformats.org/officeDocument/2006/relationships" xmlns:p="http://schemas.openxmlformats.org/presentationml/2006/main">
   <p:cSld>
     <p:spTree>
@@ -11363,7 +9047,6 @@
               <a:rPr lang="sv-SE" dirty="0" smtClean="0"/>
               <a:t>Total cost of ownership, what is the cost of re-writing most or all of it?</a:t>
             </a:r>
-            <a:endParaRPr lang="sv-SE" dirty="0" smtClean="0"/>
           </a:p>
         </p:txBody>
       </p:sp>
@@ -11387,7 +9070,7 @@
 </p:sld>
 </file>
 
-<file path=ppt/slides/slide16.xml><?xml version="1.0" encoding="utf-8"?>
+<file path=ppt/slides/slide13.xml><?xml version="1.0" encoding="utf-8"?>
 <p:sld xmlns:a="http://schemas.openxmlformats.org/drawingml/2006/main" xmlns:r="http://schemas.openxmlformats.org/officeDocument/2006/relationships" xmlns:p="http://schemas.openxmlformats.org/presentationml/2006/main">
   <p:cSld>
     <p:spTree>
@@ -11986,7 +9669,7 @@
 </p:sld>
 </file>
 
-<file path=ppt/slides/slide17.xml><?xml version="1.0" encoding="utf-8"?>
+<file path=ppt/slides/slide14.xml><?xml version="1.0" encoding="utf-8"?>
 <p:sld xmlns:a="http://schemas.openxmlformats.org/drawingml/2006/main" xmlns:r="http://schemas.openxmlformats.org/officeDocument/2006/relationships" xmlns:p="http://schemas.openxmlformats.org/presentationml/2006/main">
   <p:cSld>
     <p:spTree>
@@ -12839,15 +10522,7 @@
                   <a:schemeClr val="tx1"/>
                 </a:solidFill>
               </a:rPr>
-              <a:t> </a:t>
-            </a:r>
-            <a:r>
-              <a:rPr lang="sv-SE" sz="1600" dirty="0" smtClean="0">
-                <a:solidFill>
-                  <a:schemeClr val="tx1"/>
-                </a:solidFill>
-              </a:rPr>
-              <a:t>etc.</a:t>
+              <a:t> etc.</a:t>
             </a:r>
           </a:p>
         </p:txBody>
@@ -12872,7 +10547,7 @@
 </p:sld>
 </file>
 
-<file path=ppt/slides/slide18.xml><?xml version="1.0" encoding="utf-8"?>
+<file path=ppt/slides/slide15.xml><?xml version="1.0" encoding="utf-8"?>
 <p:sld xmlns:a="http://schemas.openxmlformats.org/drawingml/2006/main" xmlns:r="http://schemas.openxmlformats.org/officeDocument/2006/relationships" xmlns:p="http://schemas.openxmlformats.org/presentationml/2006/main">
   <p:cSld>
     <p:spTree>
@@ -13474,21 +11149,8 @@
                   <a:schemeClr val="tx1"/>
                 </a:solidFill>
               </a:rPr>
-              <a:t>Elasticity by </a:t>
-            </a:r>
-            <a:r>
-              <a:rPr lang="sv-SE" sz="1600" b="1" dirty="0" smtClean="0">
-                <a:solidFill>
-                  <a:schemeClr val="tx1"/>
-                </a:solidFill>
-              </a:rPr>
-              <a:t>partitions (Kafka)</a:t>
-            </a:r>
-            <a:endParaRPr lang="sv-SE" sz="1600" b="1" dirty="0" smtClean="0">
-              <a:solidFill>
-                <a:schemeClr val="tx1"/>
-              </a:solidFill>
-            </a:endParaRPr>
+              <a:t>Elasticity by partitions (Kafka)</a:t>
+            </a:r>
           </a:p>
           <a:p>
             <a:endParaRPr lang="sv-SE" sz="1600" b="1" i="1" dirty="0">
@@ -13504,15 +11166,7 @@
                   <a:schemeClr val="tx1"/>
                 </a:solidFill>
               </a:rPr>
-              <a:t>We </a:t>
-            </a:r>
-            <a:r>
-              <a:rPr lang="sv-SE" sz="1600" dirty="0" smtClean="0">
-                <a:solidFill>
-                  <a:schemeClr val="tx1"/>
-                </a:solidFill>
-              </a:rPr>
-              <a:t>start out by having a higher number of partitions than consumers.</a:t>
+              <a:t>We start out by having a higher number of partitions than consumers.</a:t>
             </a:r>
             <a:endParaRPr lang="sv-SE" sz="1600" dirty="0">
               <a:solidFill>
@@ -14226,7 +11880,7 @@
 </p:sld>
 </file>
 
-<file path=ppt/slides/slide19.xml><?xml version="1.0" encoding="utf-8"?>
+<file path=ppt/slides/slide16.xml><?xml version="1.0" encoding="utf-8"?>
 <p:sld xmlns:a="http://schemas.openxmlformats.org/drawingml/2006/main" xmlns:r="http://schemas.openxmlformats.org/officeDocument/2006/relationships" xmlns:p="http://schemas.openxmlformats.org/presentationml/2006/main">
   <p:cSld>
     <p:spTree>
@@ -15781,138 +13435,7 @@
 </p:sld>
 </file>
 
-<file path=ppt/slides/slide2.xml><?xml version="1.0" encoding="utf-8"?>
-<p:sld xmlns:a="http://schemas.openxmlformats.org/drawingml/2006/main" xmlns:r="http://schemas.openxmlformats.org/officeDocument/2006/relationships" xmlns:p="http://schemas.openxmlformats.org/presentationml/2006/main">
-  <p:cSld>
-    <p:spTree>
-      <p:nvGrpSpPr>
-        <p:cNvPr id="1" name=""/>
-        <p:cNvGrpSpPr/>
-        <p:nvPr/>
-      </p:nvGrpSpPr>
-      <p:grpSpPr>
-        <a:xfrm>
-          <a:off x="0" y="0"/>
-          <a:ext cx="0" cy="0"/>
-          <a:chOff x="0" y="0"/>
-          <a:chExt cx="0" cy="0"/>
-        </a:xfrm>
-      </p:grpSpPr>
-      <p:sp>
-        <p:nvSpPr>
-          <p:cNvPr id="2" name="Title 1"/>
-          <p:cNvSpPr>
-            <a:spLocks noGrp="1"/>
-          </p:cNvSpPr>
-          <p:nvPr>
-            <p:ph type="title"/>
-          </p:nvPr>
-        </p:nvSpPr>
-        <p:spPr>
-          <a:effectLst>
-            <a:outerShdw dist="38100" dir="2700000" algn="tl" rotWithShape="0">
-              <a:prstClr val="black">
-                <a:alpha val="40000"/>
-              </a:prstClr>
-            </a:outerShdw>
-          </a:effectLst>
-        </p:spPr>
-        <p:txBody>
-          <a:bodyPr/>
-          <a:lstStyle/>
-          <a:p>
-            <a:r>
-              <a:rPr lang="sv-SE" dirty="0" smtClean="0"/>
-              <a:t>Background</a:t>
-            </a:r>
-            <a:endParaRPr lang="sv-SE" dirty="0"/>
-          </a:p>
-        </p:txBody>
-      </p:sp>
-      <p:sp>
-        <p:nvSpPr>
-          <p:cNvPr id="3" name="Content Placeholder 2"/>
-          <p:cNvSpPr>
-            <a:spLocks noGrp="1"/>
-          </p:cNvSpPr>
-          <p:nvPr>
-            <p:ph idx="1"/>
-          </p:nvPr>
-        </p:nvSpPr>
-        <p:spPr/>
-        <p:txBody>
-          <a:bodyPr/>
-          <a:lstStyle/>
-          <a:p>
-            <a:pPr marL="0" indent="0">
-              <a:buNone/>
-            </a:pPr>
-            <a:r>
-              <a:rPr lang="sv-SE" dirty="0" smtClean="0"/>
-              <a:t>I am the founder of Akka.NET, port of JVM Akka to .NET</a:t>
-            </a:r>
-          </a:p>
-          <a:p>
-            <a:pPr marL="0" indent="0">
-              <a:buNone/>
-            </a:pPr>
-            <a:endParaRPr lang="sv-SE" dirty="0" smtClean="0"/>
-          </a:p>
-          <a:p>
-            <a:pPr marL="0" indent="0">
-              <a:buNone/>
-            </a:pPr>
-            <a:r>
-              <a:rPr lang="sv-SE" dirty="0" smtClean="0"/>
-              <a:t>I’ve seen a fair share of</a:t>
-            </a:r>
-            <a:r>
-              <a:rPr lang="sv-SE" i="1" dirty="0" smtClean="0"/>
-              <a:t> ”actor all the things” </a:t>
-            </a:r>
-            <a:r>
-              <a:rPr lang="sv-SE" dirty="0" smtClean="0"/>
-              <a:t>abuse</a:t>
-            </a:r>
-          </a:p>
-          <a:p>
-            <a:pPr marL="0" indent="0">
-              <a:buNone/>
-            </a:pPr>
-            <a:endParaRPr lang="sv-SE" dirty="0"/>
-          </a:p>
-          <a:p>
-            <a:pPr marL="0" indent="0">
-              <a:buNone/>
-            </a:pPr>
-            <a:r>
-              <a:rPr lang="sv-SE" dirty="0" smtClean="0"/>
-              <a:t>I have an interest in IT strategy</a:t>
-            </a:r>
-          </a:p>
-        </p:txBody>
-      </p:sp>
-    </p:spTree>
-    <p:extLst>
-      <p:ext uri="{BB962C8B-B14F-4D97-AF65-F5344CB8AC3E}">
-        <p14:creationId xmlns:p14="http://schemas.microsoft.com/office/powerpoint/2010/main" val="1795224876"/>
-      </p:ext>
-    </p:extLst>
-  </p:cSld>
-  <p:clrMapOvr>
-    <a:masterClrMapping/>
-  </p:clrMapOvr>
-  <p:timing>
-    <p:tnLst>
-      <p:par>
-        <p:cTn id="1" dur="indefinite" restart="never" nodeType="tmRoot"/>
-      </p:par>
-    </p:tnLst>
-  </p:timing>
-</p:sld>
-</file>
-
-<file path=ppt/slides/slide20.xml><?xml version="1.0" encoding="utf-8"?>
+<file path=ppt/slides/slide17.xml><?xml version="1.0" encoding="utf-8"?>
 <p:sld xmlns:a="http://schemas.openxmlformats.org/drawingml/2006/main" xmlns:r="http://schemas.openxmlformats.org/officeDocument/2006/relationships" xmlns:p="http://schemas.openxmlformats.org/presentationml/2006/main">
   <p:cSld>
     <p:spTree>
@@ -17499,7 +15022,7 @@
 </p:sld>
 </file>
 
-<file path=ppt/slides/slide21.xml><?xml version="1.0" encoding="utf-8"?>
+<file path=ppt/slides/slide18.xml><?xml version="1.0" encoding="utf-8"?>
 <p:sld xmlns:a="http://schemas.openxmlformats.org/drawingml/2006/main" xmlns:r="http://schemas.openxmlformats.org/officeDocument/2006/relationships" xmlns:p="http://schemas.openxmlformats.org/presentationml/2006/main">
   <p:cSld>
     <p:spTree>
@@ -19633,7 +17156,7 @@
 </p:sld>
 </file>
 
-<file path=ppt/slides/slide22.xml><?xml version="1.0" encoding="utf-8"?>
+<file path=ppt/slides/slide19.xml><?xml version="1.0" encoding="utf-8"?>
 <p:sld xmlns:a="http://schemas.openxmlformats.org/drawingml/2006/main" xmlns:r="http://schemas.openxmlformats.org/officeDocument/2006/relationships" xmlns:p="http://schemas.openxmlformats.org/presentationml/2006/main">
   <p:cSld>
     <p:spTree>
@@ -21910,7 +19433,143 @@
 </p:sld>
 </file>
 
-<file path=ppt/slides/slide23.xml><?xml version="1.0" encoding="utf-8"?>
+<file path=ppt/slides/slide2.xml><?xml version="1.0" encoding="utf-8"?>
+<p:sld xmlns:a="http://schemas.openxmlformats.org/drawingml/2006/main" xmlns:r="http://schemas.openxmlformats.org/officeDocument/2006/relationships" xmlns:p="http://schemas.openxmlformats.org/presentationml/2006/main">
+  <p:cSld>
+    <p:spTree>
+      <p:nvGrpSpPr>
+        <p:cNvPr id="1" name=""/>
+        <p:cNvGrpSpPr/>
+        <p:nvPr/>
+      </p:nvGrpSpPr>
+      <p:grpSpPr>
+        <a:xfrm>
+          <a:off x="0" y="0"/>
+          <a:ext cx="0" cy="0"/>
+          <a:chOff x="0" y="0"/>
+          <a:chExt cx="0" cy="0"/>
+        </a:xfrm>
+      </p:grpSpPr>
+      <p:sp>
+        <p:nvSpPr>
+          <p:cNvPr id="2" name="Title 1"/>
+          <p:cNvSpPr>
+            <a:spLocks noGrp="1"/>
+          </p:cNvSpPr>
+          <p:nvPr>
+            <p:ph type="title"/>
+          </p:nvPr>
+        </p:nvSpPr>
+        <p:spPr>
+          <a:effectLst>
+            <a:outerShdw dist="38100" dir="2700000" algn="tl" rotWithShape="0">
+              <a:prstClr val="black">
+                <a:alpha val="40000"/>
+              </a:prstClr>
+            </a:outerShdw>
+          </a:effectLst>
+        </p:spPr>
+        <p:txBody>
+          <a:bodyPr/>
+          <a:lstStyle/>
+          <a:p>
+            <a:r>
+              <a:rPr lang="sv-SE" dirty="0" smtClean="0"/>
+              <a:t>Background</a:t>
+            </a:r>
+            <a:endParaRPr lang="sv-SE" dirty="0"/>
+          </a:p>
+        </p:txBody>
+      </p:sp>
+      <p:sp>
+        <p:nvSpPr>
+          <p:cNvPr id="3" name="Content Placeholder 2"/>
+          <p:cNvSpPr>
+            <a:spLocks noGrp="1"/>
+          </p:cNvSpPr>
+          <p:nvPr>
+            <p:ph idx="1"/>
+          </p:nvPr>
+        </p:nvSpPr>
+        <p:spPr/>
+        <p:txBody>
+          <a:bodyPr/>
+          <a:lstStyle/>
+          <a:p>
+            <a:pPr marL="0" indent="0">
+              <a:buNone/>
+            </a:pPr>
+            <a:r>
+              <a:rPr lang="sv-SE" dirty="0" smtClean="0"/>
+              <a:t>I am the founder </a:t>
+            </a:r>
+            <a:r>
+              <a:rPr lang="sv-SE" dirty="0" smtClean="0"/>
+              <a:t>of Akka.NET, port of JVM Akka to .NET</a:t>
+            </a:r>
+          </a:p>
+          <a:p>
+            <a:pPr marL="0" indent="0">
+              <a:buNone/>
+            </a:pPr>
+            <a:endParaRPr lang="sv-SE" dirty="0" smtClean="0"/>
+          </a:p>
+          <a:p>
+            <a:pPr marL="0" indent="0">
+              <a:buNone/>
+            </a:pPr>
+            <a:r>
+              <a:rPr lang="sv-SE" dirty="0" smtClean="0"/>
+              <a:t>I’ve seen a fair share of</a:t>
+            </a:r>
+            <a:r>
+              <a:rPr lang="sv-SE" i="1" dirty="0" smtClean="0"/>
+              <a:t> ”actor all the things” </a:t>
+            </a:r>
+            <a:r>
+              <a:rPr lang="sv-SE" dirty="0" smtClean="0"/>
+              <a:t>abuse.</a:t>
+            </a:r>
+            <a:endParaRPr lang="sv-SE" dirty="0" smtClean="0"/>
+          </a:p>
+          <a:p>
+            <a:pPr marL="0" indent="0">
+              <a:buNone/>
+            </a:pPr>
+            <a:endParaRPr lang="sv-SE" dirty="0"/>
+          </a:p>
+          <a:p>
+            <a:pPr marL="0" indent="0">
+              <a:buNone/>
+            </a:pPr>
+            <a:r>
+              <a:rPr lang="sv-SE" dirty="0" smtClean="0"/>
+              <a:t>I have an interest in IT strategy</a:t>
+            </a:r>
+          </a:p>
+        </p:txBody>
+      </p:sp>
+    </p:spTree>
+    <p:extLst>
+      <p:ext uri="{BB962C8B-B14F-4D97-AF65-F5344CB8AC3E}">
+        <p14:creationId xmlns:p14="http://schemas.microsoft.com/office/powerpoint/2010/main" val="1795224876"/>
+      </p:ext>
+    </p:extLst>
+  </p:cSld>
+  <p:clrMapOvr>
+    <a:masterClrMapping/>
+  </p:clrMapOvr>
+  <p:timing>
+    <p:tnLst>
+      <p:par>
+        <p:cTn id="1" dur="indefinite" restart="never" nodeType="tmRoot"/>
+      </p:par>
+    </p:tnLst>
+  </p:timing>
+</p:sld>
+</file>
+
+<file path=ppt/slides/slide20.xml><?xml version="1.0" encoding="utf-8"?>
 <p:sld xmlns:a="http://schemas.openxmlformats.org/drawingml/2006/main" xmlns:r="http://schemas.openxmlformats.org/officeDocument/2006/relationships" xmlns:p="http://schemas.openxmlformats.org/presentationml/2006/main">
   <p:cSld>
     <p:spTree>
@@ -24875,7 +22534,7 @@
 </p:sld>
 </file>
 
-<file path=ppt/slides/slide24.xml><?xml version="1.0" encoding="utf-8"?>
+<file path=ppt/slides/slide21.xml><?xml version="1.0" encoding="utf-8"?>
 <p:sld xmlns:a="http://schemas.openxmlformats.org/drawingml/2006/main" xmlns:r="http://schemas.openxmlformats.org/officeDocument/2006/relationships" xmlns:p="http://schemas.openxmlformats.org/presentationml/2006/main">
   <p:cSld>
     <p:spTree>
@@ -25025,7 +22684,7 @@
 </p:sld>
 </file>
 
-<file path=ppt/slides/slide25.xml><?xml version="1.0" encoding="utf-8"?>
+<file path=ppt/slides/slide22.xml><?xml version="1.0" encoding="utf-8"?>
 <p:sld xmlns:a="http://schemas.openxmlformats.org/drawingml/2006/main" xmlns:r="http://schemas.openxmlformats.org/officeDocument/2006/relationships" xmlns:p="http://schemas.openxmlformats.org/presentationml/2006/main">
   <p:cSld>
     <p:spTree>
@@ -25093,15 +22752,7 @@
             <a:pPr algn="ctr"/>
             <a:r>
               <a:rPr lang="sv-SE" dirty="0"/>
-              <a:t>e.g. </a:t>
-            </a:r>
-            <a:r>
-              <a:rPr lang="sv-SE" dirty="0"/>
-              <a:t>Load balancer, </a:t>
-            </a:r>
-            <a:r>
-              <a:rPr lang="sv-SE" dirty="0"/>
-              <a:t>Docker Swarm, Kubernetes etc</a:t>
+              <a:t>e.g. Load balancer, Docker Swarm, Kubernetes etc</a:t>
             </a:r>
           </a:p>
         </p:txBody>
@@ -25273,23 +22924,7 @@
                   <a:schemeClr val="tx1"/>
                 </a:solidFill>
               </a:rPr>
-              <a:t>Service Discovery and cluster membership should </a:t>
-            </a:r>
-            <a:r>
-              <a:rPr lang="sv-SE" b="1" dirty="0" smtClean="0">
-                <a:solidFill>
-                  <a:schemeClr val="tx1"/>
-                </a:solidFill>
-              </a:rPr>
-              <a:t>it be </a:t>
-            </a:r>
-            <a:r>
-              <a:rPr lang="sv-SE" b="1" dirty="0" smtClean="0">
-                <a:solidFill>
-                  <a:schemeClr val="tx1"/>
-                </a:solidFill>
-              </a:rPr>
-              <a:t>here?</a:t>
+              <a:t>Service Discovery and cluster membership should it be here?</a:t>
             </a:r>
             <a:endParaRPr lang="sv-SE" b="1" dirty="0">
               <a:solidFill>
@@ -25626,7 +23261,7 @@
 </p:sld>
 </file>
 
-<file path=ppt/slides/slide26.xml><?xml version="1.0" encoding="utf-8"?>
+<file path=ppt/slides/slide23.xml><?xml version="1.0" encoding="utf-8"?>
 <p:sld xmlns:a="http://schemas.openxmlformats.org/drawingml/2006/main" xmlns:r="http://schemas.openxmlformats.org/officeDocument/2006/relationships" xmlns:p="http://schemas.openxmlformats.org/presentationml/2006/main">
   <p:cSld>
     <p:spTree>
@@ -25654,6 +23289,10 @@
           </p:nvPr>
         </p:nvSpPr>
         <p:spPr>
+          <a:xfrm>
+            <a:off x="3541690" y="2766218"/>
+            <a:ext cx="8650310" cy="1325563"/>
+          </a:xfrm>
           <a:effectLst>
             <a:outerShdw dist="38100" dir="2700000" algn="tl" rotWithShape="0">
               <a:prstClr val="black">
@@ -25666,9 +23305,10 @@
           <a:bodyPr/>
           <a:lstStyle/>
           <a:p>
+            <a:pPr algn="ctr"/>
             <a:r>
               <a:rPr lang="sv-SE" dirty="0" smtClean="0"/>
-              <a:t>Options</a:t>
+              <a:t>Demo Hashicorp Consul</a:t>
             </a:r>
             <a:endParaRPr lang="sv-SE" dirty="0"/>
           </a:p>
@@ -25676,93 +23316,84 @@
       </p:sp>
       <p:sp>
         <p:nvSpPr>
-          <p:cNvPr id="3" name="Content Placeholder 2"/>
-          <p:cNvSpPr>
-            <a:spLocks noGrp="1"/>
-          </p:cNvSpPr>
-          <p:nvPr>
-            <p:ph idx="1"/>
-          </p:nvPr>
+          <p:cNvPr id="3" name="Rectangle 2"/>
+          <p:cNvSpPr/>
+          <p:nvPr/>
         </p:nvSpPr>
-        <p:spPr/>
+        <p:spPr>
+          <a:xfrm>
+            <a:off x="0" y="0"/>
+            <a:ext cx="3541690" cy="6858000"/>
+          </a:xfrm>
+          <a:prstGeom prst="rect">
+            <a:avLst/>
+          </a:prstGeom>
+          <a:solidFill>
+            <a:schemeClr val="bg1"/>
+          </a:solidFill>
+          <a:ln>
+            <a:noFill/>
+          </a:ln>
+        </p:spPr>
+        <p:style>
+          <a:lnRef idx="2">
+            <a:schemeClr val="accent1">
+              <a:shade val="50000"/>
+            </a:schemeClr>
+          </a:lnRef>
+          <a:fillRef idx="1">
+            <a:schemeClr val="accent1"/>
+          </a:fillRef>
+          <a:effectRef idx="0">
+            <a:schemeClr val="accent1"/>
+          </a:effectRef>
+          <a:fontRef idx="minor">
+            <a:schemeClr val="lt1"/>
+          </a:fontRef>
+        </p:style>
         <p:txBody>
-          <a:bodyPr/>
+          <a:bodyPr rtlCol="0" anchor="ctr"/>
           <a:lstStyle/>
           <a:p>
-            <a:pPr marL="0" indent="0">
-              <a:buNone/>
-            </a:pPr>
-            <a:r>
-              <a:rPr lang="sv-SE" dirty="0" smtClean="0"/>
-              <a:t>It could be done in the framework, e.g Akka, MsOrleans.</a:t>
-            </a:r>
-          </a:p>
-          <a:p>
-            <a:pPr marL="0" indent="0">
-              <a:buNone/>
-            </a:pPr>
-            <a:r>
-              <a:rPr lang="sv-SE" i="1" dirty="0" smtClean="0"/>
-              <a:t>-If you are already using it, no extra dependency</a:t>
-            </a:r>
-            <a:endParaRPr lang="sv-SE" i="1" dirty="0" smtClean="0"/>
-          </a:p>
-          <a:p>
-            <a:pPr marL="0" indent="0">
-              <a:buNone/>
-            </a:pPr>
-            <a:endParaRPr lang="sv-SE" dirty="0"/>
-          </a:p>
-          <a:p>
-            <a:pPr marL="0" indent="0">
-              <a:buNone/>
-            </a:pPr>
-            <a:r>
-              <a:rPr lang="sv-SE" dirty="0" smtClean="0"/>
-              <a:t>It can be done in the middleware, e.g. Consul, Zookeeper, Etcd</a:t>
-            </a:r>
-          </a:p>
-          <a:p>
-            <a:pPr marL="0" indent="0">
-              <a:buNone/>
-            </a:pPr>
-            <a:r>
-              <a:rPr lang="sv-SE" i="1" dirty="0" smtClean="0"/>
-              <a:t>-Platform independent</a:t>
-            </a:r>
-            <a:endParaRPr lang="sv-SE" i="1" dirty="0" smtClean="0"/>
-          </a:p>
-          <a:p>
-            <a:pPr marL="0" indent="0">
-              <a:buNone/>
-            </a:pPr>
-            <a:endParaRPr lang="sv-SE" dirty="0"/>
-          </a:p>
-          <a:p>
-            <a:pPr marL="0" indent="0">
-              <a:buNone/>
-            </a:pPr>
-            <a:r>
-              <a:rPr lang="sv-SE" dirty="0" smtClean="0"/>
-              <a:t>It could be done in the infrastructure, e.g. Swarm, Kubernetes</a:t>
-            </a:r>
-          </a:p>
-          <a:p>
-            <a:pPr marL="0" indent="0">
-              <a:buNone/>
-            </a:pPr>
-            <a:r>
-              <a:rPr lang="sv-SE" i="1" dirty="0" smtClean="0"/>
-              <a:t>-Platform independent</a:t>
-            </a:r>
-            <a:endParaRPr lang="sv-SE" i="1" dirty="0" smtClean="0"/>
+            <a:pPr algn="ctr"/>
+            <a:endParaRPr lang="sv-SE"/>
           </a:p>
         </p:txBody>
       </p:sp>
+      <p:pic>
+        <p:nvPicPr>
+          <p:cNvPr id="4" name="Picture 3"/>
+          <p:cNvPicPr>
+            <a:picLocks noChangeAspect="1"/>
+          </p:cNvPicPr>
+          <p:nvPr/>
+        </p:nvPicPr>
+        <p:blipFill>
+          <a:blip r:embed="rId2" cstate="print">
+            <a:extLst>
+              <a:ext uri="{28A0092B-C50C-407E-A947-70E740481C1C}">
+                <a14:useLocalDpi xmlns:a14="http://schemas.microsoft.com/office/drawing/2010/main" val="0"/>
+              </a:ext>
+            </a:extLst>
+          </a:blip>
+          <a:stretch>
+            <a:fillRect/>
+          </a:stretch>
+        </p:blipFill>
+        <p:spPr>
+          <a:xfrm>
+            <a:off x="763312" y="2421466"/>
+            <a:ext cx="2015066" cy="2015066"/>
+          </a:xfrm>
+          <a:prstGeom prst="rect">
+            <a:avLst/>
+          </a:prstGeom>
+        </p:spPr>
+      </p:pic>
     </p:spTree>
     <p:extLst>
       <p:ext uri="{BB962C8B-B14F-4D97-AF65-F5344CB8AC3E}">
-        <p14:creationId xmlns:p14="http://schemas.microsoft.com/office/powerpoint/2010/main" val="3203180636"/>
+        <p14:creationId xmlns:p14="http://schemas.microsoft.com/office/powerpoint/2010/main" val="3924091470"/>
       </p:ext>
     </p:extLst>
   </p:cSld>
@@ -25779,7 +23410,7 @@
 </p:sld>
 </file>
 
-<file path=ppt/slides/slide27.xml><?xml version="1.0" encoding="utf-8"?>
+<file path=ppt/slides/slide24.xml><?xml version="1.0" encoding="utf-8"?>
 <p:sld xmlns:a="http://schemas.openxmlformats.org/drawingml/2006/main" xmlns:r="http://schemas.openxmlformats.org/officeDocument/2006/relationships" xmlns:p="http://schemas.openxmlformats.org/presentationml/2006/main">
   <p:cSld>
     <p:spTree>
@@ -25929,7 +23560,7 @@
 </p:sld>
 </file>
 
-<file path=ppt/slides/slide28.xml><?xml version="1.0" encoding="utf-8"?>
+<file path=ppt/slides/slide25.xml><?xml version="1.0" encoding="utf-8"?>
 <p:sld xmlns:a="http://schemas.openxmlformats.org/drawingml/2006/main" xmlns:r="http://schemas.openxmlformats.org/officeDocument/2006/relationships" xmlns:p="http://schemas.openxmlformats.org/presentationml/2006/main">
   <p:cSld>
     <p:spTree>
@@ -25997,15 +23628,7 @@
             <a:pPr algn="ctr"/>
             <a:r>
               <a:rPr lang="sv-SE" dirty="0"/>
-              <a:t>e.g. </a:t>
-            </a:r>
-            <a:r>
-              <a:rPr lang="sv-SE" dirty="0"/>
-              <a:t>Load balancer, </a:t>
-            </a:r>
-            <a:r>
-              <a:rPr lang="sv-SE" dirty="0"/>
-              <a:t>Docker Swarm, Kubernetes etc</a:t>
+              <a:t>e.g. Load balancer, Docker Swarm, Kubernetes etc</a:t>
             </a:r>
           </a:p>
         </p:txBody>
@@ -26524,7 +24147,7 @@
 </p:sld>
 </file>
 
-<file path=ppt/slides/slide29.xml><?xml version="1.0" encoding="utf-8"?>
+<file path=ppt/slides/slide26.xml><?xml version="1.0" encoding="utf-8"?>
 <p:sld xmlns:a="http://schemas.openxmlformats.org/drawingml/2006/main" xmlns:r="http://schemas.openxmlformats.org/officeDocument/2006/relationships" xmlns:p="http://schemas.openxmlformats.org/presentationml/2006/main">
   <p:cSld>
     <p:spTree>
@@ -26552,6 +24175,10 @@
           </p:nvPr>
         </p:nvSpPr>
         <p:spPr>
+          <a:xfrm>
+            <a:off x="3541689" y="2766217"/>
+            <a:ext cx="8650310" cy="1325563"/>
+          </a:xfrm>
           <a:effectLst>
             <a:outerShdw dist="38100" dir="2700000" algn="tl" rotWithShape="0">
               <a:prstClr val="black">
@@ -26564,9 +24191,10 @@
           <a:bodyPr/>
           <a:lstStyle/>
           <a:p>
+            <a:pPr algn="ctr"/>
             <a:r>
               <a:rPr lang="sv-SE" dirty="0" smtClean="0"/>
-              <a:t>Options</a:t>
+              <a:t>Demo Hashicorp Nomad</a:t>
             </a:r>
             <a:endParaRPr lang="sv-SE" dirty="0"/>
           </a:p>
@@ -26574,7 +24202,933 @@
       </p:sp>
       <p:sp>
         <p:nvSpPr>
-          <p:cNvPr id="3" name="Content Placeholder 2"/>
+          <p:cNvPr id="4" name="Rectangle 3"/>
+          <p:cNvSpPr/>
+          <p:nvPr/>
+        </p:nvSpPr>
+        <p:spPr>
+          <a:xfrm>
+            <a:off x="0" y="0"/>
+            <a:ext cx="3541690" cy="6858000"/>
+          </a:xfrm>
+          <a:prstGeom prst="rect">
+            <a:avLst/>
+          </a:prstGeom>
+          <a:solidFill>
+            <a:schemeClr val="bg1"/>
+          </a:solidFill>
+          <a:ln>
+            <a:noFill/>
+          </a:ln>
+        </p:spPr>
+        <p:style>
+          <a:lnRef idx="2">
+            <a:schemeClr val="accent1">
+              <a:shade val="50000"/>
+            </a:schemeClr>
+          </a:lnRef>
+          <a:fillRef idx="1">
+            <a:schemeClr val="accent1"/>
+          </a:fillRef>
+          <a:effectRef idx="0">
+            <a:schemeClr val="accent1"/>
+          </a:effectRef>
+          <a:fontRef idx="minor">
+            <a:schemeClr val="lt1"/>
+          </a:fontRef>
+        </p:style>
+        <p:txBody>
+          <a:bodyPr rtlCol="0" anchor="ctr"/>
+          <a:lstStyle/>
+          <a:p>
+            <a:pPr algn="ctr"/>
+            <a:endParaRPr lang="sv-SE"/>
+          </a:p>
+        </p:txBody>
+      </p:sp>
+      <p:pic>
+        <p:nvPicPr>
+          <p:cNvPr id="5" name="Picture 4"/>
+          <p:cNvPicPr>
+            <a:picLocks noChangeAspect="1"/>
+          </p:cNvPicPr>
+          <p:nvPr/>
+        </p:nvPicPr>
+        <p:blipFill>
+          <a:blip r:embed="rId2">
+            <a:extLst>
+              <a:ext uri="{28A0092B-C50C-407E-A947-70E740481C1C}">
+                <a14:useLocalDpi xmlns:a14="http://schemas.microsoft.com/office/drawing/2010/main" val="0"/>
+              </a:ext>
+            </a:extLst>
+          </a:blip>
+          <a:stretch>
+            <a:fillRect/>
+          </a:stretch>
+        </p:blipFill>
+        <p:spPr>
+          <a:xfrm>
+            <a:off x="775482" y="2281237"/>
+            <a:ext cx="1990725" cy="2295525"/>
+          </a:xfrm>
+          <a:prstGeom prst="rect">
+            <a:avLst/>
+          </a:prstGeom>
+        </p:spPr>
+      </p:pic>
+    </p:spTree>
+    <p:extLst>
+      <p:ext uri="{BB962C8B-B14F-4D97-AF65-F5344CB8AC3E}">
+        <p14:creationId xmlns:p14="http://schemas.microsoft.com/office/powerpoint/2010/main" val="2499426437"/>
+      </p:ext>
+    </p:extLst>
+  </p:cSld>
+  <p:clrMapOvr>
+    <a:masterClrMapping/>
+  </p:clrMapOvr>
+  <p:timing>
+    <p:tnLst>
+      <p:par>
+        <p:cTn id="1" dur="indefinite" restart="never" nodeType="tmRoot"/>
+      </p:par>
+    </p:tnLst>
+  </p:timing>
+</p:sld>
+</file>
+
+<file path=ppt/slides/slide27.xml><?xml version="1.0" encoding="utf-8"?>
+<p:sld xmlns:a="http://schemas.openxmlformats.org/drawingml/2006/main" xmlns:r="http://schemas.openxmlformats.org/officeDocument/2006/relationships" xmlns:p="http://schemas.openxmlformats.org/presentationml/2006/main">
+  <p:cSld>
+    <p:spTree>
+      <p:nvGrpSpPr>
+        <p:cNvPr id="1" name=""/>
+        <p:cNvGrpSpPr/>
+        <p:nvPr/>
+      </p:nvGrpSpPr>
+      <p:grpSpPr>
+        <a:xfrm>
+          <a:off x="0" y="0"/>
+          <a:ext cx="0" cy="0"/>
+          <a:chOff x="0" y="0"/>
+          <a:chExt cx="0" cy="0"/>
+        </a:xfrm>
+      </p:grpSpPr>
+      <p:sp>
+        <p:nvSpPr>
+          <p:cNvPr id="5" name="Rectangle 4"/>
+          <p:cNvSpPr/>
+          <p:nvPr/>
+        </p:nvSpPr>
+        <p:spPr>
+          <a:xfrm>
+            <a:off x="0" y="2197289"/>
+            <a:ext cx="12192000" cy="2169994"/>
+          </a:xfrm>
+          <a:prstGeom prst="rect">
+            <a:avLst/>
+          </a:prstGeom>
+          <a:solidFill>
+            <a:srgbClr val="26446F"/>
+          </a:solidFill>
+          <a:ln>
+            <a:noFill/>
+          </a:ln>
+        </p:spPr>
+        <p:style>
+          <a:lnRef idx="2">
+            <a:schemeClr val="accent1">
+              <a:shade val="50000"/>
+            </a:schemeClr>
+          </a:lnRef>
+          <a:fillRef idx="1">
+            <a:schemeClr val="accent1"/>
+          </a:fillRef>
+          <a:effectRef idx="0">
+            <a:schemeClr val="accent1"/>
+          </a:effectRef>
+          <a:fontRef idx="minor">
+            <a:schemeClr val="lt1"/>
+          </a:fontRef>
+        </p:style>
+        <p:txBody>
+          <a:bodyPr rtlCol="0" anchor="ctr"/>
+          <a:lstStyle/>
+          <a:p>
+            <a:pPr algn="ctr"/>
+            <a:endParaRPr lang="sv-SE"/>
+          </a:p>
+        </p:txBody>
+      </p:sp>
+      <p:sp>
+        <p:nvSpPr>
+          <p:cNvPr id="2" name="Title 1"/>
+          <p:cNvSpPr>
+            <a:spLocks noGrp="1"/>
+          </p:cNvSpPr>
+          <p:nvPr>
+            <p:ph type="ctrTitle"/>
+          </p:nvPr>
+        </p:nvSpPr>
+        <p:spPr>
+          <a:effectLst>
+            <a:outerShdw blurRad="50800" dist="38100" dir="2700000" algn="tl" rotWithShape="0">
+              <a:prstClr val="black">
+                <a:alpha val="40000"/>
+              </a:prstClr>
+            </a:outerShdw>
+          </a:effectLst>
+        </p:spPr>
+        <p:txBody>
+          <a:bodyPr>
+            <a:normAutofit/>
+          </a:bodyPr>
+          <a:lstStyle/>
+          <a:p>
+            <a:r>
+              <a:rPr lang="sv-SE" sz="4400" b="1" dirty="0" smtClean="0">
+                <a:solidFill>
+                  <a:schemeClr val="bg1"/>
+                </a:solidFill>
+              </a:rPr>
+              <a:t>Fault tolerance</a:t>
+            </a:r>
+            <a:endParaRPr lang="sv-SE" sz="4400" b="1" dirty="0">
+              <a:solidFill>
+                <a:schemeClr val="bg1"/>
+              </a:solidFill>
+            </a:endParaRPr>
+          </a:p>
+        </p:txBody>
+      </p:sp>
+      <p:sp>
+        <p:nvSpPr>
+          <p:cNvPr id="3" name="Subtitle 2"/>
+          <p:cNvSpPr>
+            <a:spLocks noGrp="1"/>
+          </p:cNvSpPr>
+          <p:nvPr>
+            <p:ph type="subTitle" idx="1"/>
+          </p:nvPr>
+        </p:nvSpPr>
+        <p:spPr/>
+        <p:txBody>
+          <a:bodyPr/>
+          <a:lstStyle/>
+          <a:p>
+            <a:r>
+              <a:rPr lang="sv-SE" dirty="0" smtClean="0">
+                <a:solidFill>
+                  <a:schemeClr val="bg1"/>
+                </a:solidFill>
+              </a:rPr>
+              <a:t>Code?, Platform?, Infrastructure? </a:t>
+            </a:r>
+          </a:p>
+        </p:txBody>
+      </p:sp>
+    </p:spTree>
+    <p:extLst>
+      <p:ext uri="{BB962C8B-B14F-4D97-AF65-F5344CB8AC3E}">
+        <p14:creationId xmlns:p14="http://schemas.microsoft.com/office/powerpoint/2010/main" val="2157255293"/>
+      </p:ext>
+    </p:extLst>
+  </p:cSld>
+  <p:clrMapOvr>
+    <a:masterClrMapping/>
+  </p:clrMapOvr>
+  <p:timing>
+    <p:tnLst>
+      <p:par>
+        <p:cTn id="1" dur="indefinite" restart="never" nodeType="tmRoot"/>
+      </p:par>
+    </p:tnLst>
+  </p:timing>
+</p:sld>
+</file>
+
+<file path=ppt/slides/slide28.xml><?xml version="1.0" encoding="utf-8"?>
+<p:sld xmlns:a="http://schemas.openxmlformats.org/drawingml/2006/main" xmlns:r="http://schemas.openxmlformats.org/officeDocument/2006/relationships" xmlns:p="http://schemas.openxmlformats.org/presentationml/2006/main">
+  <p:cSld>
+    <p:spTree>
+      <p:nvGrpSpPr>
+        <p:cNvPr id="1" name=""/>
+        <p:cNvGrpSpPr/>
+        <p:nvPr/>
+      </p:nvGrpSpPr>
+      <p:grpSpPr>
+        <a:xfrm>
+          <a:off x="0" y="0"/>
+          <a:ext cx="0" cy="0"/>
+          <a:chOff x="0" y="0"/>
+          <a:chExt cx="0" cy="0"/>
+        </a:xfrm>
+      </p:grpSpPr>
+      <p:sp>
+        <p:nvSpPr>
+          <p:cNvPr id="4" name="Rectangle 3"/>
+          <p:cNvSpPr/>
+          <p:nvPr/>
+        </p:nvSpPr>
+        <p:spPr>
+          <a:xfrm>
+            <a:off x="3478491" y="1348034"/>
+            <a:ext cx="5132895" cy="4383464"/>
+          </a:xfrm>
+          <a:prstGeom prst="rect">
+            <a:avLst/>
+          </a:prstGeom>
+          <a:solidFill>
+            <a:srgbClr val="26446F"/>
+          </a:solidFill>
+          <a:ln w="25400">
+            <a:noFill/>
+          </a:ln>
+        </p:spPr>
+        <p:style>
+          <a:lnRef idx="2">
+            <a:schemeClr val="accent1">
+              <a:shade val="50000"/>
+            </a:schemeClr>
+          </a:lnRef>
+          <a:fillRef idx="1">
+            <a:schemeClr val="accent1"/>
+          </a:fillRef>
+          <a:effectRef idx="0">
+            <a:schemeClr val="accent1"/>
+          </a:effectRef>
+          <a:fontRef idx="minor">
+            <a:schemeClr val="lt1"/>
+          </a:fontRef>
+        </p:style>
+        <p:txBody>
+          <a:bodyPr tIns="82800" rtlCol="0" anchor="t"/>
+          <a:lstStyle/>
+          <a:p>
+            <a:pPr algn="ctr"/>
+            <a:r>
+              <a:rPr lang="sv-SE" b="1" dirty="0"/>
+              <a:t>Infrastructure</a:t>
+            </a:r>
+          </a:p>
+          <a:p>
+            <a:pPr algn="ctr"/>
+            <a:r>
+              <a:rPr lang="sv-SE" dirty="0"/>
+              <a:t>e.g. Load balancer, Docker Swarm, Kubernetes etc</a:t>
+            </a:r>
+          </a:p>
+        </p:txBody>
+      </p:sp>
+      <p:sp>
+        <p:nvSpPr>
+          <p:cNvPr id="5" name="Rectangle 4"/>
+          <p:cNvSpPr/>
+          <p:nvPr/>
+        </p:nvSpPr>
+        <p:spPr>
+          <a:xfrm>
+            <a:off x="4044099" y="2227080"/>
+            <a:ext cx="4001678" cy="2236511"/>
+          </a:xfrm>
+          <a:prstGeom prst="rect">
+            <a:avLst/>
+          </a:prstGeom>
+          <a:solidFill>
+            <a:srgbClr val="1170A4"/>
+          </a:solidFill>
+          <a:ln w="25400">
+            <a:noFill/>
+          </a:ln>
+        </p:spPr>
+        <p:style>
+          <a:lnRef idx="2">
+            <a:schemeClr val="accent1">
+              <a:shade val="50000"/>
+            </a:schemeClr>
+          </a:lnRef>
+          <a:fillRef idx="1">
+            <a:schemeClr val="accent1"/>
+          </a:fillRef>
+          <a:effectRef idx="0">
+            <a:schemeClr val="accent1"/>
+          </a:effectRef>
+          <a:fontRef idx="minor">
+            <a:schemeClr val="lt1"/>
+          </a:fontRef>
+        </p:style>
+        <p:txBody>
+          <a:bodyPr tIns="82800" rtlCol="0" anchor="t"/>
+          <a:lstStyle/>
+          <a:p>
+            <a:pPr algn="ctr"/>
+            <a:r>
+              <a:rPr lang="sv-SE" b="1" dirty="0"/>
+              <a:t>”Platform” / Framework</a:t>
+            </a:r>
+          </a:p>
+          <a:p>
+            <a:pPr algn="ctr"/>
+            <a:r>
+              <a:rPr lang="sv-SE" dirty="0"/>
+              <a:t>e.g. Akka, Microsoft Orleans, OTP</a:t>
+            </a:r>
+          </a:p>
+        </p:txBody>
+      </p:sp>
+      <p:sp>
+        <p:nvSpPr>
+          <p:cNvPr id="11" name="Rectangle 10"/>
+          <p:cNvSpPr/>
+          <p:nvPr/>
+        </p:nvSpPr>
+        <p:spPr>
+          <a:xfrm>
+            <a:off x="4044099" y="4664305"/>
+            <a:ext cx="4001678" cy="684230"/>
+          </a:xfrm>
+          <a:prstGeom prst="rect">
+            <a:avLst/>
+          </a:prstGeom>
+          <a:solidFill>
+            <a:srgbClr val="1170A4"/>
+          </a:solidFill>
+          <a:ln w="25400">
+            <a:noFill/>
+          </a:ln>
+        </p:spPr>
+        <p:style>
+          <a:lnRef idx="2">
+            <a:schemeClr val="accent1">
+              <a:shade val="50000"/>
+            </a:schemeClr>
+          </a:lnRef>
+          <a:fillRef idx="1">
+            <a:schemeClr val="accent1"/>
+          </a:fillRef>
+          <a:effectRef idx="0">
+            <a:schemeClr val="accent1"/>
+          </a:effectRef>
+          <a:fontRef idx="minor">
+            <a:schemeClr val="lt1"/>
+          </a:fontRef>
+        </p:style>
+        <p:txBody>
+          <a:bodyPr tIns="82800" rtlCol="0" anchor="ctr"/>
+          <a:lstStyle/>
+          <a:p>
+            <a:pPr algn="ctr"/>
+            <a:r>
+              <a:rPr lang="sv-SE" b="1" dirty="0" smtClean="0"/>
+              <a:t>Middleware</a:t>
+            </a:r>
+          </a:p>
+          <a:p>
+            <a:pPr algn="ctr"/>
+            <a:r>
+              <a:rPr lang="sv-SE" dirty="0" smtClean="0"/>
+              <a:t>e.g. Kafka, Consul, Rabbit etc.</a:t>
+            </a:r>
+            <a:endParaRPr lang="sv-SE" dirty="0"/>
+          </a:p>
+        </p:txBody>
+      </p:sp>
+      <p:sp>
+        <p:nvSpPr>
+          <p:cNvPr id="12" name="Line Callout 2 (No Border) 11"/>
+          <p:cNvSpPr/>
+          <p:nvPr/>
+        </p:nvSpPr>
+        <p:spPr>
+          <a:xfrm>
+            <a:off x="436096" y="570322"/>
+            <a:ext cx="3721125" cy="721150"/>
+          </a:xfrm>
+          <a:prstGeom prst="callout2">
+            <a:avLst>
+              <a:gd name="adj1" fmla="val 68714"/>
+              <a:gd name="adj2" fmla="val 48456"/>
+              <a:gd name="adj3" fmla="val 68767"/>
+              <a:gd name="adj4" fmla="val 52857"/>
+              <a:gd name="adj5" fmla="val 260940"/>
+              <a:gd name="adj6" fmla="val 103955"/>
+            </a:avLst>
+          </a:prstGeom>
+          <a:noFill/>
+          <a:ln w="25400">
+            <a:solidFill>
+              <a:schemeClr val="tx1"/>
+            </a:solidFill>
+          </a:ln>
+        </p:spPr>
+        <p:style>
+          <a:lnRef idx="2">
+            <a:schemeClr val="accent1">
+              <a:shade val="50000"/>
+            </a:schemeClr>
+          </a:lnRef>
+          <a:fillRef idx="1">
+            <a:schemeClr val="accent1"/>
+          </a:fillRef>
+          <a:effectRef idx="0">
+            <a:schemeClr val="accent1"/>
+          </a:effectRef>
+          <a:fontRef idx="minor">
+            <a:schemeClr val="lt1"/>
+          </a:fontRef>
+        </p:style>
+        <p:txBody>
+          <a:bodyPr rtlCol="0" anchor="ctr"/>
+          <a:lstStyle/>
+          <a:p>
+            <a:r>
+              <a:rPr lang="sv-SE" b="1" dirty="0" smtClean="0">
+                <a:solidFill>
+                  <a:schemeClr val="tx1"/>
+                </a:solidFill>
+              </a:rPr>
+              <a:t>Retry mechanisms?</a:t>
+            </a:r>
+          </a:p>
+          <a:p>
+            <a:r>
+              <a:rPr lang="sv-SE" b="1" dirty="0" smtClean="0">
+                <a:solidFill>
+                  <a:schemeClr val="tx1"/>
+                </a:solidFill>
+              </a:rPr>
+              <a:t>Here?</a:t>
+            </a:r>
+            <a:endParaRPr lang="sv-SE" b="1" dirty="0">
+              <a:solidFill>
+                <a:schemeClr val="tx1"/>
+              </a:solidFill>
+            </a:endParaRPr>
+          </a:p>
+        </p:txBody>
+      </p:sp>
+      <p:sp>
+        <p:nvSpPr>
+          <p:cNvPr id="13" name="Line Callout 2 (No Border) 12"/>
+          <p:cNvSpPr/>
+          <p:nvPr/>
+        </p:nvSpPr>
+        <p:spPr>
+          <a:xfrm>
+            <a:off x="1871220" y="4209070"/>
+            <a:ext cx="1081726" cy="721150"/>
+          </a:xfrm>
+          <a:prstGeom prst="callout2">
+            <a:avLst>
+              <a:gd name="adj1" fmla="val 59251"/>
+              <a:gd name="adj2" fmla="val 98886"/>
+              <a:gd name="adj3" fmla="val 58358"/>
+              <a:gd name="adj4" fmla="val 104938"/>
+              <a:gd name="adj5" fmla="val 110272"/>
+              <a:gd name="adj6" fmla="val 216328"/>
+            </a:avLst>
+          </a:prstGeom>
+          <a:noFill/>
+          <a:ln w="25400">
+            <a:solidFill>
+              <a:schemeClr val="tx1"/>
+            </a:solidFill>
+          </a:ln>
+        </p:spPr>
+        <p:style>
+          <a:lnRef idx="2">
+            <a:schemeClr val="accent1">
+              <a:shade val="50000"/>
+            </a:schemeClr>
+          </a:lnRef>
+          <a:fillRef idx="1">
+            <a:schemeClr val="accent1"/>
+          </a:fillRef>
+          <a:effectRef idx="0">
+            <a:schemeClr val="accent1"/>
+          </a:effectRef>
+          <a:fontRef idx="minor">
+            <a:schemeClr val="lt1"/>
+          </a:fontRef>
+        </p:style>
+        <p:txBody>
+          <a:bodyPr rtlCol="0" anchor="ctr"/>
+          <a:lstStyle/>
+          <a:p>
+            <a:r>
+              <a:rPr lang="sv-SE" b="1" dirty="0" smtClean="0">
+                <a:solidFill>
+                  <a:schemeClr val="tx1"/>
+                </a:solidFill>
+              </a:rPr>
+              <a:t>Here?</a:t>
+            </a:r>
+            <a:endParaRPr lang="sv-SE" b="1" dirty="0">
+              <a:solidFill>
+                <a:schemeClr val="tx1"/>
+              </a:solidFill>
+            </a:endParaRPr>
+          </a:p>
+        </p:txBody>
+      </p:sp>
+      <p:grpSp>
+        <p:nvGrpSpPr>
+          <p:cNvPr id="10" name="Group 9"/>
+          <p:cNvGrpSpPr/>
+          <p:nvPr/>
+        </p:nvGrpSpPr>
+        <p:grpSpPr>
+          <a:xfrm>
+            <a:off x="4546469" y="3124960"/>
+            <a:ext cx="2996938" cy="911275"/>
+            <a:chOff x="4645058" y="2958431"/>
+            <a:chExt cx="2996938" cy="1162671"/>
+          </a:xfrm>
+        </p:grpSpPr>
+        <p:sp>
+          <p:nvSpPr>
+            <p:cNvPr id="14" name="Rectangle 13"/>
+            <p:cNvSpPr/>
+            <p:nvPr/>
+          </p:nvSpPr>
+          <p:spPr>
+            <a:xfrm>
+              <a:off x="4645058" y="2958431"/>
+              <a:ext cx="1454084" cy="1162671"/>
+            </a:xfrm>
+            <a:prstGeom prst="rect">
+              <a:avLst/>
+            </a:prstGeom>
+            <a:solidFill>
+              <a:srgbClr val="25A5DC"/>
+            </a:solidFill>
+            <a:ln w="25400">
+              <a:noFill/>
+            </a:ln>
+          </p:spPr>
+          <p:style>
+            <a:lnRef idx="2">
+              <a:schemeClr val="accent1">
+                <a:shade val="50000"/>
+              </a:schemeClr>
+            </a:lnRef>
+            <a:fillRef idx="1">
+              <a:schemeClr val="accent1"/>
+            </a:fillRef>
+            <a:effectRef idx="0">
+              <a:schemeClr val="accent1"/>
+            </a:effectRef>
+            <a:fontRef idx="minor">
+              <a:schemeClr val="lt1"/>
+            </a:fontRef>
+          </p:style>
+          <p:txBody>
+            <a:bodyPr tIns="46800" rtlCol="0" anchor="ctr"/>
+            <a:lstStyle/>
+            <a:p>
+              <a:pPr algn="ctr"/>
+              <a:r>
+                <a:rPr lang="sv-SE" b="1" dirty="0" smtClean="0"/>
+                <a:t>Service A</a:t>
+              </a:r>
+              <a:endParaRPr lang="sv-SE" b="1" dirty="0"/>
+            </a:p>
+          </p:txBody>
+        </p:sp>
+        <p:sp>
+          <p:nvSpPr>
+            <p:cNvPr id="15" name="Rectangle 14"/>
+            <p:cNvSpPr/>
+            <p:nvPr/>
+          </p:nvSpPr>
+          <p:spPr>
+            <a:xfrm>
+              <a:off x="6187912" y="2958431"/>
+              <a:ext cx="1454084" cy="1162671"/>
+            </a:xfrm>
+            <a:prstGeom prst="rect">
+              <a:avLst/>
+            </a:prstGeom>
+            <a:solidFill>
+              <a:srgbClr val="25A5DC"/>
+            </a:solidFill>
+            <a:ln w="25400">
+              <a:noFill/>
+            </a:ln>
+          </p:spPr>
+          <p:style>
+            <a:lnRef idx="2">
+              <a:schemeClr val="accent1">
+                <a:shade val="50000"/>
+              </a:schemeClr>
+            </a:lnRef>
+            <a:fillRef idx="1">
+              <a:schemeClr val="accent1"/>
+            </a:fillRef>
+            <a:effectRef idx="0">
+              <a:schemeClr val="accent1"/>
+            </a:effectRef>
+            <a:fontRef idx="minor">
+              <a:schemeClr val="lt1"/>
+            </a:fontRef>
+          </p:style>
+          <p:txBody>
+            <a:bodyPr tIns="46800" rtlCol="0" anchor="ctr"/>
+            <a:lstStyle/>
+            <a:p>
+              <a:pPr algn="ctr"/>
+              <a:r>
+                <a:rPr lang="sv-SE" b="1" dirty="0" smtClean="0"/>
+                <a:t>Service B</a:t>
+              </a:r>
+              <a:endParaRPr lang="sv-SE" b="1" dirty="0"/>
+            </a:p>
+          </p:txBody>
+        </p:sp>
+      </p:grpSp>
+      <p:sp>
+        <p:nvSpPr>
+          <p:cNvPr id="9" name="Line Callout 2 (No Border) 8"/>
+          <p:cNvSpPr/>
+          <p:nvPr/>
+        </p:nvSpPr>
+        <p:spPr>
+          <a:xfrm>
+            <a:off x="8957035" y="3437643"/>
+            <a:ext cx="1081726" cy="721150"/>
+          </a:xfrm>
+          <a:prstGeom prst="callout2">
+            <a:avLst>
+              <a:gd name="adj1" fmla="val 59905"/>
+              <a:gd name="adj2" fmla="val -896"/>
+              <a:gd name="adj3" fmla="val 59665"/>
+              <a:gd name="adj4" fmla="val -10966"/>
+              <a:gd name="adj5" fmla="val -19052"/>
+              <a:gd name="adj6" fmla="val -149997"/>
+            </a:avLst>
+          </a:prstGeom>
+          <a:noFill/>
+          <a:ln w="25400">
+            <a:solidFill>
+              <a:schemeClr val="tx1"/>
+            </a:solidFill>
+          </a:ln>
+        </p:spPr>
+        <p:style>
+          <a:lnRef idx="2">
+            <a:schemeClr val="accent1">
+              <a:shade val="50000"/>
+            </a:schemeClr>
+          </a:lnRef>
+          <a:fillRef idx="1">
+            <a:schemeClr val="accent1"/>
+          </a:fillRef>
+          <a:effectRef idx="0">
+            <a:schemeClr val="accent1"/>
+          </a:effectRef>
+          <a:fontRef idx="minor">
+            <a:schemeClr val="lt1"/>
+          </a:fontRef>
+        </p:style>
+        <p:txBody>
+          <a:bodyPr rtlCol="0" anchor="ctr"/>
+          <a:lstStyle/>
+          <a:p>
+            <a:r>
+              <a:rPr lang="sv-SE" b="1" dirty="0" smtClean="0">
+                <a:solidFill>
+                  <a:schemeClr val="tx1"/>
+                </a:solidFill>
+              </a:rPr>
+              <a:t>Or here?</a:t>
+            </a:r>
+            <a:endParaRPr lang="sv-SE" b="1" dirty="0">
+              <a:solidFill>
+                <a:schemeClr val="tx1"/>
+              </a:solidFill>
+            </a:endParaRPr>
+          </a:p>
+        </p:txBody>
+      </p:sp>
+      <p:sp>
+        <p:nvSpPr>
+          <p:cNvPr id="16" name="Line Callout 2 (No Border) 15"/>
+          <p:cNvSpPr/>
+          <p:nvPr/>
+        </p:nvSpPr>
+        <p:spPr>
+          <a:xfrm>
+            <a:off x="9839589" y="5296013"/>
+            <a:ext cx="1999843" cy="721150"/>
+          </a:xfrm>
+          <a:prstGeom prst="callout2">
+            <a:avLst>
+              <a:gd name="adj1" fmla="val 59905"/>
+              <a:gd name="adj2" fmla="val -896"/>
+              <a:gd name="adj3" fmla="val 59665"/>
+              <a:gd name="adj4" fmla="val -10966"/>
+              <a:gd name="adj5" fmla="val -45547"/>
+              <a:gd name="adj6" fmla="val -78682"/>
+            </a:avLst>
+          </a:prstGeom>
+          <a:noFill/>
+          <a:ln w="25400">
+            <a:solidFill>
+              <a:schemeClr val="tx1"/>
+            </a:solidFill>
+          </a:ln>
+        </p:spPr>
+        <p:style>
+          <a:lnRef idx="2">
+            <a:schemeClr val="accent1">
+              <a:shade val="50000"/>
+            </a:schemeClr>
+          </a:lnRef>
+          <a:fillRef idx="1">
+            <a:schemeClr val="accent1"/>
+          </a:fillRef>
+          <a:effectRef idx="0">
+            <a:schemeClr val="accent1"/>
+          </a:effectRef>
+          <a:fontRef idx="minor">
+            <a:schemeClr val="lt1"/>
+          </a:fontRef>
+        </p:style>
+        <p:txBody>
+          <a:bodyPr rtlCol="0" anchor="ctr"/>
+          <a:lstStyle/>
+          <a:p>
+            <a:r>
+              <a:rPr lang="sv-SE" b="1" dirty="0" smtClean="0">
+                <a:solidFill>
+                  <a:schemeClr val="tx1"/>
+                </a:solidFill>
+              </a:rPr>
+              <a:t>Or maybe here?</a:t>
+            </a:r>
+            <a:endParaRPr lang="sv-SE" b="1" dirty="0">
+              <a:solidFill>
+                <a:schemeClr val="tx1"/>
+              </a:solidFill>
+            </a:endParaRPr>
+          </a:p>
+        </p:txBody>
+      </p:sp>
+    </p:spTree>
+    <p:extLst>
+      <p:ext uri="{BB962C8B-B14F-4D97-AF65-F5344CB8AC3E}">
+        <p14:creationId xmlns:p14="http://schemas.microsoft.com/office/powerpoint/2010/main" val="99001975"/>
+      </p:ext>
+    </p:extLst>
+  </p:cSld>
+  <p:clrMapOvr>
+    <a:masterClrMapping/>
+  </p:clrMapOvr>
+  <p:timing>
+    <p:tnLst>
+      <p:par>
+        <p:cTn id="1" dur="indefinite" restart="never" nodeType="tmRoot"/>
+      </p:par>
+    </p:tnLst>
+  </p:timing>
+</p:sld>
+</file>
+
+<file path=ppt/slides/slide29.xml><?xml version="1.0" encoding="utf-8"?>
+<p:sld xmlns:a="http://schemas.openxmlformats.org/drawingml/2006/main" xmlns:r="http://schemas.openxmlformats.org/officeDocument/2006/relationships" xmlns:p="http://schemas.openxmlformats.org/presentationml/2006/main">
+  <p:cSld>
+    <p:spTree>
+      <p:nvGrpSpPr>
+        <p:cNvPr id="1" name=""/>
+        <p:cNvGrpSpPr/>
+        <p:nvPr/>
+      </p:nvGrpSpPr>
+      <p:grpSpPr>
+        <a:xfrm>
+          <a:off x="0" y="0"/>
+          <a:ext cx="0" cy="0"/>
+          <a:chOff x="0" y="0"/>
+          <a:chExt cx="0" cy="0"/>
+        </a:xfrm>
+      </p:grpSpPr>
+      <p:sp>
+        <p:nvSpPr>
+          <p:cNvPr id="7" name="Rectangle 6"/>
+          <p:cNvSpPr/>
+          <p:nvPr/>
+        </p:nvSpPr>
+        <p:spPr>
+          <a:xfrm>
+            <a:off x="0" y="0"/>
+            <a:ext cx="3541690" cy="6858000"/>
+          </a:xfrm>
+          <a:prstGeom prst="rect">
+            <a:avLst/>
+          </a:prstGeom>
+          <a:solidFill>
+            <a:schemeClr val="bg1"/>
+          </a:solidFill>
+          <a:ln>
+            <a:noFill/>
+          </a:ln>
+        </p:spPr>
+        <p:style>
+          <a:lnRef idx="2">
+            <a:schemeClr val="accent1">
+              <a:shade val="50000"/>
+            </a:schemeClr>
+          </a:lnRef>
+          <a:fillRef idx="1">
+            <a:schemeClr val="accent1"/>
+          </a:fillRef>
+          <a:effectRef idx="0">
+            <a:schemeClr val="accent1"/>
+          </a:effectRef>
+          <a:fontRef idx="minor">
+            <a:schemeClr val="lt1"/>
+          </a:fontRef>
+        </p:style>
+        <p:txBody>
+          <a:bodyPr rtlCol="0" anchor="ctr"/>
+          <a:lstStyle/>
+          <a:p>
+            <a:pPr algn="ctr"/>
+            <a:endParaRPr lang="sv-SE"/>
+          </a:p>
+        </p:txBody>
+      </p:sp>
+      <p:pic>
+        <p:nvPicPr>
+          <p:cNvPr id="4" name="Picture 3"/>
+          <p:cNvPicPr>
+            <a:picLocks noChangeAspect="1"/>
+          </p:cNvPicPr>
+          <p:nvPr/>
+        </p:nvPicPr>
+        <p:blipFill>
+          <a:blip r:embed="rId2">
+            <a:extLst>
+              <a:ext uri="{28A0092B-C50C-407E-A947-70E740481C1C}">
+                <a14:useLocalDpi xmlns:a14="http://schemas.microsoft.com/office/drawing/2010/main" val="0"/>
+              </a:ext>
+            </a:extLst>
+          </a:blip>
+          <a:stretch>
+            <a:fillRect/>
+          </a:stretch>
+        </p:blipFill>
+        <p:spPr>
+          <a:xfrm>
+            <a:off x="-97665" y="1339070"/>
+            <a:ext cx="3520559" cy="3520559"/>
+          </a:xfrm>
+          <a:prstGeom prst="rect">
+            <a:avLst/>
+          </a:prstGeom>
+        </p:spPr>
+      </p:pic>
+      <p:sp>
+        <p:nvSpPr>
+          <p:cNvPr id="6" name="Content Placeholder 2"/>
           <p:cNvSpPr>
             <a:spLocks noGrp="1"/>
           </p:cNvSpPr>
@@ -26582,9 +25136,16 @@
             <p:ph idx="1"/>
           </p:nvPr>
         </p:nvSpPr>
-        <p:spPr/>
+        <p:spPr>
+          <a:xfrm>
+            <a:off x="3949520" y="2043448"/>
+            <a:ext cx="7387107" cy="2180219"/>
+          </a:xfrm>
+        </p:spPr>
         <p:txBody>
-          <a:bodyPr/>
+          <a:bodyPr>
+            <a:normAutofit fontScale="77500" lnSpcReduction="20000"/>
+          </a:bodyPr>
           <a:lstStyle/>
           <a:p>
             <a:pPr marL="0" indent="0">
@@ -26592,18 +25153,9 @@
             </a:pPr>
             <a:r>
               <a:rPr lang="sv-SE" dirty="0" smtClean="0"/>
-              <a:t>It could be done in the framework, e.g Akka, MsOrleans.</a:t>
-            </a:r>
-          </a:p>
-          <a:p>
-            <a:pPr marL="0" indent="0">
-              <a:buNone/>
-            </a:pPr>
-            <a:r>
-              <a:rPr lang="sv-SE" i="1" dirty="0" smtClean="0"/>
-              <a:t>-If you are already using it, no extra dependency</a:t>
-            </a:r>
-            <a:endParaRPr lang="sv-SE" i="1" dirty="0" smtClean="0"/>
+              <a:t>A Network Proxy</a:t>
+            </a:r>
+            <a:endParaRPr lang="sv-SE" dirty="0" smtClean="0"/>
           </a:p>
           <a:p>
             <a:pPr marL="0" indent="0">
@@ -26617,7 +25169,17 @@
             </a:pPr>
             <a:r>
               <a:rPr lang="sv-SE" dirty="0" smtClean="0"/>
-              <a:t>Not likely solved in middleware (unless there are tools I don’t know of)</a:t>
+              <a:t>Retry on failed request</a:t>
+            </a:r>
+            <a:endParaRPr lang="sv-SE" dirty="0"/>
+          </a:p>
+          <a:p>
+            <a:pPr marL="0" indent="0">
+              <a:buNone/>
+            </a:pPr>
+            <a:r>
+              <a:rPr lang="sv-SE" dirty="0" smtClean="0"/>
+              <a:t>Circuit breakers</a:t>
             </a:r>
           </a:p>
           <a:p>
@@ -26631,26 +25193,16 @@
               <a:buNone/>
             </a:pPr>
             <a:r>
-              <a:rPr lang="sv-SE" dirty="0" smtClean="0"/>
-              <a:t>It could be done in the infrastructure, e.g. Swarm, Kubernetes</a:t>
-            </a:r>
-          </a:p>
-          <a:p>
-            <a:pPr marL="0" indent="0">
-              <a:buNone/>
-            </a:pPr>
-            <a:r>
-              <a:rPr lang="sv-SE" i="1" dirty="0" smtClean="0"/>
-              <a:t>-Platform independent</a:t>
-            </a:r>
-            <a:endParaRPr lang="sv-SE" i="1" dirty="0" smtClean="0"/>
+              <a:rPr lang="sv-SE" dirty="0"/>
+              <a:t>https://github.com/containous/traefik</a:t>
+            </a:r>
           </a:p>
         </p:txBody>
       </p:sp>
     </p:spTree>
     <p:extLst>
       <p:ext uri="{BB962C8B-B14F-4D97-AF65-F5344CB8AC3E}">
-        <p14:creationId xmlns:p14="http://schemas.microsoft.com/office/powerpoint/2010/main" val="2499426437"/>
+        <p14:creationId xmlns:p14="http://schemas.microsoft.com/office/powerpoint/2010/main" val="1454237035"/>
       </p:ext>
     </p:extLst>
   </p:cSld>
@@ -26740,15 +25292,7 @@
             </a:r>
             <a:r>
               <a:rPr lang="sv-SE" i="1" dirty="0" smtClean="0"/>
-              <a:t>”know </a:t>
-            </a:r>
-            <a:r>
-              <a:rPr lang="sv-SE" i="1" dirty="0" smtClean="0"/>
-              <a:t>your options and </a:t>
-            </a:r>
-            <a:r>
-              <a:rPr lang="sv-SE" i="1" dirty="0" smtClean="0"/>
-              <a:t>trade-offs”</a:t>
+              <a:t>”know your options and trade-offs”</a:t>
             </a:r>
             <a:r>
               <a:rPr lang="sv-SE" dirty="0" smtClean="0"/>
@@ -26772,8 +25316,13 @@
             </a:pPr>
             <a:r>
               <a:rPr lang="sv-SE" dirty="0" smtClean="0"/>
-              <a:t>The focus is on how we can build elastic, stateful, fast-data applications w/o the framework or platform lock-in.</a:t>
-            </a:r>
+              <a:t>The focus is on how we can </a:t>
+            </a:r>
+            <a:r>
+              <a:rPr lang="sv-SE" dirty="0" smtClean="0"/>
+              <a:t>avoid the platform or framework lock-in using standard components when building elastic, fault tolerant, concurrent systems.</a:t>
+            </a:r>
+            <a:endParaRPr lang="sv-SE" dirty="0" smtClean="0"/>
           </a:p>
         </p:txBody>
       </p:sp>
@@ -26798,6 +25347,192 @@
 </file>
 
 <file path=ppt/slides/slide30.xml><?xml version="1.0" encoding="utf-8"?>
+<p:sld xmlns:a="http://schemas.openxmlformats.org/drawingml/2006/main" xmlns:r="http://schemas.openxmlformats.org/officeDocument/2006/relationships" xmlns:p="http://schemas.openxmlformats.org/presentationml/2006/main">
+  <p:cSld>
+    <p:spTree>
+      <p:nvGrpSpPr>
+        <p:cNvPr id="1" name=""/>
+        <p:cNvGrpSpPr/>
+        <p:nvPr/>
+      </p:nvGrpSpPr>
+      <p:grpSpPr>
+        <a:xfrm>
+          <a:off x="0" y="0"/>
+          <a:ext cx="0" cy="0"/>
+          <a:chOff x="0" y="0"/>
+          <a:chExt cx="0" cy="0"/>
+        </a:xfrm>
+      </p:grpSpPr>
+      <p:sp>
+        <p:nvSpPr>
+          <p:cNvPr id="3" name="Rectangle 2"/>
+          <p:cNvSpPr/>
+          <p:nvPr/>
+        </p:nvSpPr>
+        <p:spPr>
+          <a:xfrm>
+            <a:off x="0" y="0"/>
+            <a:ext cx="3541690" cy="6858000"/>
+          </a:xfrm>
+          <a:prstGeom prst="rect">
+            <a:avLst/>
+          </a:prstGeom>
+          <a:solidFill>
+            <a:schemeClr val="bg1"/>
+          </a:solidFill>
+          <a:ln>
+            <a:noFill/>
+          </a:ln>
+        </p:spPr>
+        <p:style>
+          <a:lnRef idx="2">
+            <a:schemeClr val="accent1">
+              <a:shade val="50000"/>
+            </a:schemeClr>
+          </a:lnRef>
+          <a:fillRef idx="1">
+            <a:schemeClr val="accent1"/>
+          </a:fillRef>
+          <a:effectRef idx="0">
+            <a:schemeClr val="accent1"/>
+          </a:effectRef>
+          <a:fontRef idx="minor">
+            <a:schemeClr val="lt1"/>
+          </a:fontRef>
+        </p:style>
+        <p:txBody>
+          <a:bodyPr rtlCol="0" anchor="ctr"/>
+          <a:lstStyle/>
+          <a:p>
+            <a:pPr algn="ctr"/>
+            <a:endParaRPr lang="sv-SE"/>
+          </a:p>
+        </p:txBody>
+      </p:sp>
+      <p:sp>
+        <p:nvSpPr>
+          <p:cNvPr id="6" name="Content Placeholder 2"/>
+          <p:cNvSpPr>
+            <a:spLocks noGrp="1"/>
+          </p:cNvSpPr>
+          <p:nvPr>
+            <p:ph idx="1"/>
+          </p:nvPr>
+        </p:nvSpPr>
+        <p:spPr>
+          <a:xfrm>
+            <a:off x="3949520" y="2043448"/>
+            <a:ext cx="7387107" cy="2180219"/>
+          </a:xfrm>
+        </p:spPr>
+        <p:txBody>
+          <a:bodyPr>
+            <a:normAutofit fontScale="77500" lnSpcReduction="20000"/>
+          </a:bodyPr>
+          <a:lstStyle/>
+          <a:p>
+            <a:pPr marL="0" indent="0">
+              <a:buNone/>
+            </a:pPr>
+            <a:r>
+              <a:rPr lang="sv-SE" dirty="0" smtClean="0"/>
+              <a:t>A Resilient Service Mesh</a:t>
+            </a:r>
+            <a:endParaRPr lang="sv-SE" dirty="0" smtClean="0"/>
+          </a:p>
+          <a:p>
+            <a:pPr marL="0" indent="0">
+              <a:buNone/>
+            </a:pPr>
+            <a:endParaRPr lang="sv-SE" dirty="0"/>
+          </a:p>
+          <a:p>
+            <a:pPr marL="0" indent="0">
+              <a:buNone/>
+            </a:pPr>
+            <a:r>
+              <a:rPr lang="sv-SE" dirty="0" smtClean="0"/>
+              <a:t>Retry on failed request</a:t>
+            </a:r>
+            <a:endParaRPr lang="sv-SE" dirty="0"/>
+          </a:p>
+          <a:p>
+            <a:pPr marL="0" indent="0">
+              <a:buNone/>
+            </a:pPr>
+            <a:r>
+              <a:rPr lang="sv-SE" dirty="0" smtClean="0"/>
+              <a:t>Circuit breakers</a:t>
+            </a:r>
+          </a:p>
+          <a:p>
+            <a:pPr marL="0" indent="0">
+              <a:buNone/>
+            </a:pPr>
+            <a:endParaRPr lang="sv-SE" dirty="0"/>
+          </a:p>
+          <a:p>
+            <a:pPr marL="0" indent="0">
+              <a:buNone/>
+            </a:pPr>
+            <a:r>
+              <a:rPr lang="sv-SE" dirty="0"/>
+              <a:t>https://linkerd.io/</a:t>
+            </a:r>
+          </a:p>
+        </p:txBody>
+      </p:sp>
+      <p:pic>
+        <p:nvPicPr>
+          <p:cNvPr id="2" name="Picture 1"/>
+          <p:cNvPicPr>
+            <a:picLocks noChangeAspect="1"/>
+          </p:cNvPicPr>
+          <p:nvPr/>
+        </p:nvPicPr>
+        <p:blipFill>
+          <a:blip r:embed="rId2">
+            <a:extLst>
+              <a:ext uri="{28A0092B-C50C-407E-A947-70E740481C1C}">
+                <a14:useLocalDpi xmlns:a14="http://schemas.microsoft.com/office/drawing/2010/main" val="0"/>
+              </a:ext>
+            </a:extLst>
+          </a:blip>
+          <a:stretch>
+            <a:fillRect/>
+          </a:stretch>
+        </p:blipFill>
+        <p:spPr>
+          <a:xfrm>
+            <a:off x="841687" y="2204399"/>
+            <a:ext cx="1858315" cy="1858315"/>
+          </a:xfrm>
+          <a:prstGeom prst="rect">
+            <a:avLst/>
+          </a:prstGeom>
+        </p:spPr>
+      </p:pic>
+    </p:spTree>
+    <p:extLst>
+      <p:ext uri="{BB962C8B-B14F-4D97-AF65-F5344CB8AC3E}">
+        <p14:creationId xmlns:p14="http://schemas.microsoft.com/office/powerpoint/2010/main" val="931078044"/>
+      </p:ext>
+    </p:extLst>
+  </p:cSld>
+  <p:clrMapOvr>
+    <a:masterClrMapping/>
+  </p:clrMapOvr>
+  <p:timing>
+    <p:tnLst>
+      <p:par>
+        <p:cTn id="1" dur="indefinite" restart="never" nodeType="tmRoot"/>
+      </p:par>
+    </p:tnLst>
+  </p:timing>
+</p:sld>
+</file>
+
+<file path=ppt/slides/slide31.xml><?xml version="1.0" encoding="utf-8"?>
 <p:sld xmlns:a="http://schemas.openxmlformats.org/drawingml/2006/main" xmlns:r="http://schemas.openxmlformats.org/officeDocument/2006/relationships" xmlns:p="http://schemas.openxmlformats.org/presentationml/2006/main">
   <p:cSld>
     <p:spTree>
@@ -26891,32 +25626,9 @@
                   <a:schemeClr val="bg1"/>
                 </a:solidFill>
               </a:rPr>
-              <a:t>Can we have the best of both worlds?</a:t>
+              <a:t>Final: Shameless self promotion</a:t>
             </a:r>
             <a:endParaRPr lang="sv-SE" sz="4400" b="1" dirty="0">
-              <a:solidFill>
-                <a:schemeClr val="bg1"/>
-              </a:solidFill>
-            </a:endParaRPr>
-          </a:p>
-        </p:txBody>
-      </p:sp>
-      <p:sp>
-        <p:nvSpPr>
-          <p:cNvPr id="3" name="Subtitle 2"/>
-          <p:cNvSpPr>
-            <a:spLocks noGrp="1"/>
-          </p:cNvSpPr>
-          <p:nvPr>
-            <p:ph type="subTitle" idx="1"/>
-          </p:nvPr>
-        </p:nvSpPr>
-        <p:spPr/>
-        <p:txBody>
-          <a:bodyPr/>
-          <a:lstStyle/>
-          <a:p>
-            <a:endParaRPr lang="sv-SE" dirty="0" smtClean="0">
               <a:solidFill>
                 <a:schemeClr val="bg1"/>
               </a:solidFill>
@@ -26934,334 +25646,6 @@
   <p:clrMapOvr>
     <a:masterClrMapping/>
   </p:clrMapOvr>
-  <p:timing>
-    <p:tnLst>
-      <p:par>
-        <p:cTn id="1" dur="indefinite" restart="never" nodeType="tmRoot"/>
-      </p:par>
-    </p:tnLst>
-  </p:timing>
-</p:sld>
-</file>
-
-<file path=ppt/slides/slide31.xml><?xml version="1.0" encoding="utf-8"?>
-<p:sld xmlns:a="http://schemas.openxmlformats.org/drawingml/2006/main" xmlns:r="http://schemas.openxmlformats.org/officeDocument/2006/relationships" xmlns:p="http://schemas.openxmlformats.org/presentationml/2006/main">
-  <p:cSld>
-    <p:bg>
-      <p:bgPr>
-        <a:solidFill>
-          <a:srgbClr val="26446F"/>
-        </a:solidFill>
-        <a:effectLst/>
-      </p:bgPr>
-    </p:bg>
-    <p:spTree>
-      <p:nvGrpSpPr>
-        <p:cNvPr id="1" name=""/>
-        <p:cNvGrpSpPr/>
-        <p:nvPr/>
-      </p:nvGrpSpPr>
-      <p:grpSpPr>
-        <a:xfrm>
-          <a:off x="0" y="0"/>
-          <a:ext cx="0" cy="0"/>
-          <a:chOff x="0" y="0"/>
-          <a:chExt cx="0" cy="0"/>
-        </a:xfrm>
-      </p:grpSpPr>
-      <p:sp>
-        <p:nvSpPr>
-          <p:cNvPr id="42" name="Rectangle 41"/>
-          <p:cNvSpPr/>
-          <p:nvPr/>
-        </p:nvSpPr>
-        <p:spPr>
-          <a:xfrm>
-            <a:off x="0" y="3831704"/>
-            <a:ext cx="12192000" cy="3026296"/>
-          </a:xfrm>
-          <a:prstGeom prst="rect">
-            <a:avLst/>
-          </a:prstGeom>
-          <a:solidFill>
-            <a:srgbClr val="282828"/>
-          </a:solidFill>
-          <a:ln w="38100">
-            <a:noFill/>
-          </a:ln>
-        </p:spPr>
-        <p:style>
-          <a:lnRef idx="2">
-            <a:schemeClr val="accent1">
-              <a:shade val="50000"/>
-            </a:schemeClr>
-          </a:lnRef>
-          <a:fillRef idx="1">
-            <a:schemeClr val="accent1"/>
-          </a:fillRef>
-          <a:effectRef idx="0">
-            <a:schemeClr val="accent1"/>
-          </a:effectRef>
-          <a:fontRef idx="minor">
-            <a:schemeClr val="lt1"/>
-          </a:fontRef>
-        </p:style>
-        <p:txBody>
-          <a:bodyPr rtlCol="0" anchor="ctr"/>
-          <a:lstStyle/>
-          <a:p>
-            <a:pPr marL="0" marR="0" lvl="0" indent="0" algn="ctr" defTabSz="914400" rtl="0" eaLnBrk="1" fontAlgn="auto" latinLnBrk="0" hangingPunct="1">
-              <a:lnSpc>
-                <a:spcPct val="100000"/>
-              </a:lnSpc>
-              <a:spcBef>
-                <a:spcPts val="0"/>
-              </a:spcBef>
-              <a:spcAft>
-                <a:spcPts val="0"/>
-              </a:spcAft>
-              <a:buClrTx/>
-              <a:buSzTx/>
-              <a:buFontTx/>
-              <a:buNone/>
-              <a:tabLst/>
-              <a:defRPr/>
-            </a:pPr>
-            <a:endParaRPr kumimoji="0" lang="sv-SE" sz="4800" b="1" i="0" u="none" strike="noStrike" kern="1200" cap="none" spc="0" normalizeH="0" baseline="0" noProof="0" dirty="0">
-              <a:ln>
-                <a:noFill/>
-              </a:ln>
-              <a:solidFill>
-                <a:prstClr val="white"/>
-              </a:solidFill>
-              <a:effectLst/>
-              <a:uLnTx/>
-              <a:uFillTx/>
-              <a:latin typeface="Calibri"/>
-              <a:ea typeface="+mn-ea"/>
-              <a:cs typeface="+mn-cs"/>
-            </a:endParaRPr>
-          </a:p>
-        </p:txBody>
-      </p:sp>
-      <p:pic>
-        <p:nvPicPr>
-          <p:cNvPr id="9" name="Picture 8"/>
-          <p:cNvPicPr>
-            <a:picLocks noChangeAspect="1"/>
-          </p:cNvPicPr>
-          <p:nvPr/>
-        </p:nvPicPr>
-        <p:blipFill>
-          <a:blip r:embed="rId2" cstate="print">
-            <a:extLst>
-              <a:ext uri="{28A0092B-C50C-407E-A947-70E740481C1C}">
-                <a14:useLocalDpi xmlns:a14="http://schemas.microsoft.com/office/drawing/2010/main" val="0"/>
-              </a:ext>
-            </a:extLst>
-          </a:blip>
-          <a:stretch>
-            <a:fillRect/>
-          </a:stretch>
-        </p:blipFill>
-        <p:spPr>
-          <a:xfrm>
-            <a:off x="3063220" y="4245915"/>
-            <a:ext cx="5214456" cy="2025804"/>
-          </a:xfrm>
-          <a:prstGeom prst="rect">
-            <a:avLst/>
-          </a:prstGeom>
-        </p:spPr>
-      </p:pic>
-      <p:sp>
-        <p:nvSpPr>
-          <p:cNvPr id="10" name="Content Placeholder 2"/>
-          <p:cNvSpPr>
-            <a:spLocks noGrp="1"/>
-          </p:cNvSpPr>
-          <p:nvPr>
-            <p:ph idx="1"/>
-          </p:nvPr>
-        </p:nvSpPr>
-        <p:spPr>
-          <a:xfrm>
-            <a:off x="838200" y="1009439"/>
-            <a:ext cx="10515600" cy="2597362"/>
-          </a:xfrm>
-        </p:spPr>
-        <p:txBody>
-          <a:bodyPr>
-            <a:normAutofit/>
-          </a:bodyPr>
-          <a:lstStyle/>
-          <a:p>
-            <a:pPr marL="0" indent="0">
-              <a:buNone/>
-            </a:pPr>
-            <a:r>
-              <a:rPr lang="sv-SE" b="1" dirty="0" smtClean="0"/>
-              <a:t>Lightweight Actor Model Toolkit:</a:t>
-            </a:r>
-          </a:p>
-          <a:p>
-            <a:r>
-              <a:rPr lang="sv-SE" sz="2400" b="1" dirty="0" smtClean="0"/>
-              <a:t>Built </a:t>
-            </a:r>
-            <a:r>
-              <a:rPr lang="sv-SE" sz="2400" b="1" dirty="0" smtClean="0"/>
-              <a:t>on standards</a:t>
-            </a:r>
-            <a:endParaRPr lang="sv-SE" sz="2400" dirty="0" smtClean="0">
-              <a:solidFill>
-                <a:schemeClr val="accent4">
-                  <a:lumMod val="40000"/>
-                  <a:lumOff val="60000"/>
-                </a:schemeClr>
-              </a:solidFill>
-            </a:endParaRPr>
-          </a:p>
-          <a:p>
-            <a:r>
-              <a:rPr lang="sv-SE" sz="2400" b="1" dirty="0" smtClean="0"/>
-              <a:t>Platform independent</a:t>
-            </a:r>
-          </a:p>
-          <a:p>
-            <a:r>
-              <a:rPr lang="sv-SE" sz="2400" b="1" dirty="0" smtClean="0"/>
-              <a:t>Actors and Virtual Actors</a:t>
-            </a:r>
-          </a:p>
-          <a:p>
-            <a:r>
-              <a:rPr lang="sv-SE" sz="2400" b="1" dirty="0" smtClean="0"/>
-              <a:t>Ultra fast</a:t>
-            </a:r>
-            <a:endParaRPr lang="sv-SE" sz="2400" dirty="0" smtClean="0">
-              <a:solidFill>
-                <a:schemeClr val="accent5">
-                  <a:lumMod val="40000"/>
-                  <a:lumOff val="60000"/>
-                </a:schemeClr>
-              </a:solidFill>
-            </a:endParaRPr>
-          </a:p>
-        </p:txBody>
-      </p:sp>
-      <p:sp>
-        <p:nvSpPr>
-          <p:cNvPr id="11" name="Rectangle 10"/>
-          <p:cNvSpPr/>
-          <p:nvPr/>
-        </p:nvSpPr>
-        <p:spPr>
-          <a:xfrm>
-            <a:off x="0" y="277183"/>
-            <a:ext cx="12192000" cy="732256"/>
-          </a:xfrm>
-          <a:prstGeom prst="rect">
-            <a:avLst/>
-          </a:prstGeom>
-          <a:noFill/>
-          <a:ln>
-            <a:noFill/>
-          </a:ln>
-        </p:spPr>
-        <p:style>
-          <a:lnRef idx="2">
-            <a:schemeClr val="accent1">
-              <a:shade val="50000"/>
-            </a:schemeClr>
-          </a:lnRef>
-          <a:fillRef idx="1">
-            <a:schemeClr val="accent1"/>
-          </a:fillRef>
-          <a:effectRef idx="0">
-            <a:schemeClr val="accent1"/>
-          </a:effectRef>
-          <a:fontRef idx="minor">
-            <a:schemeClr val="lt1"/>
-          </a:fontRef>
-        </p:style>
-        <p:txBody>
-          <a:bodyPr bIns="216000" rtlCol="0" anchor="ctr"/>
-          <a:lstStyle/>
-          <a:p>
-            <a:pPr marL="0" marR="0" lvl="0" indent="0" algn="ctr" defTabSz="914400" rtl="0" eaLnBrk="1" fontAlgn="auto" latinLnBrk="0" hangingPunct="1">
-              <a:lnSpc>
-                <a:spcPct val="100000"/>
-              </a:lnSpc>
-              <a:spcBef>
-                <a:spcPts val="0"/>
-              </a:spcBef>
-              <a:spcAft>
-                <a:spcPts val="0"/>
-              </a:spcAft>
-              <a:buClrTx/>
-              <a:buSzTx/>
-              <a:buFontTx/>
-              <a:buNone/>
-              <a:tabLst/>
-              <a:defRPr/>
-            </a:pPr>
-            <a:r>
-              <a:rPr kumimoji="0" lang="en-US" sz="3200" b="1" i="0" u="none" strike="noStrike" kern="1200" cap="none" spc="0" normalizeH="0" baseline="0" noProof="0" dirty="0" err="1" smtClean="0">
-                <a:ln>
-                  <a:noFill/>
-                </a:ln>
-                <a:solidFill>
-                  <a:prstClr val="white"/>
-                </a:solidFill>
-                <a:effectLst/>
-                <a:uLnTx/>
-                <a:uFillTx/>
-                <a:latin typeface="Calibri" panose="020F0502020204030204"/>
-                <a:ea typeface="+mn-ea"/>
-                <a:cs typeface="+mn-cs"/>
-              </a:rPr>
-              <a:t>Proto.Actor</a:t>
-            </a:r>
-            <a:endParaRPr kumimoji="0" lang="en-US" sz="3200" b="1" i="0" u="none" strike="noStrike" kern="1200" cap="none" spc="0" normalizeH="0" baseline="0" noProof="0" dirty="0" smtClean="0">
-              <a:ln>
-                <a:noFill/>
-              </a:ln>
-              <a:solidFill>
-                <a:prstClr val="white"/>
-              </a:solidFill>
-              <a:effectLst/>
-              <a:uLnTx/>
-              <a:uFillTx/>
-              <a:latin typeface="Calibri" panose="020F0502020204030204"/>
-              <a:ea typeface="+mn-ea"/>
-              <a:cs typeface="+mn-cs"/>
-            </a:endParaRPr>
-          </a:p>
-        </p:txBody>
-      </p:sp>
-    </p:spTree>
-    <p:extLst>
-      <p:ext uri="{BB962C8B-B14F-4D97-AF65-F5344CB8AC3E}">
-        <p14:creationId xmlns:p14="http://schemas.microsoft.com/office/powerpoint/2010/main" val="3660103409"/>
-      </p:ext>
-    </p:extLst>
-  </p:cSld>
-  <p:clrMapOvr>
-    <a:masterClrMapping/>
-  </p:clrMapOvr>
-  <mc:AlternateContent xmlns:mc="http://schemas.openxmlformats.org/markup-compatibility/2006" xmlns:p14="http://schemas.microsoft.com/office/powerpoint/2010/main">
-    <mc:Choice Requires="p14">
-      <p:transition spd="med" p14:dur="700">
-        <p:fade/>
-      </p:transition>
-    </mc:Choice>
-    <mc:Fallback xmlns="">
-      <p:transition spd="med">
-        <p:fade/>
-      </p:transition>
-    </mc:Fallback>
-  </mc:AlternateContent>
   <p:timing>
     <p:tnLst>
       <p:par>
@@ -27434,73 +25818,41 @@
           </a:p>
           <a:p>
             <a:r>
-              <a:rPr lang="sv-SE" sz="2400" b="1" dirty="0"/>
-              <a:t>Built on standards </a:t>
-            </a:r>
-            <a:r>
-              <a:rPr lang="sv-SE" sz="2400" dirty="0">
-                <a:solidFill>
-                  <a:schemeClr val="accent4">
-                    <a:lumMod val="40000"/>
-                    <a:lumOff val="60000"/>
-                  </a:schemeClr>
-                </a:solidFill>
-              </a:rPr>
-              <a:t>– Protobuf, HTTP/2 Streams, Consul</a:t>
-            </a:r>
-          </a:p>
-          <a:p>
-            <a:r>
-              <a:rPr lang="sv-SE" sz="2400" b="1" dirty="0"/>
-              <a:t>Platform independent </a:t>
-            </a:r>
-            <a:r>
-              <a:rPr lang="sv-SE" sz="2400" dirty="0">
-                <a:solidFill>
-                  <a:srgbClr val="FFE699"/>
-                </a:solidFill>
-              </a:rPr>
-              <a:t>– C#, Go, Python, Javascript, Kotlin</a:t>
-            </a:r>
-          </a:p>
-          <a:p>
-            <a:r>
-              <a:rPr lang="sv-SE" sz="2400" b="1" dirty="0"/>
-              <a:t>Actors and Virtual Actors </a:t>
-            </a:r>
-            <a:r>
-              <a:rPr lang="sv-SE" sz="2400" dirty="0">
-                <a:solidFill>
-                  <a:srgbClr val="FFE699"/>
-                </a:solidFill>
-              </a:rPr>
-              <a:t>– Akka, Microsoft Orleans</a:t>
-            </a:r>
-          </a:p>
-          <a:p>
-            <a:r>
-              <a:rPr lang="sv-SE" sz="2400" b="1" dirty="0"/>
-              <a:t>Ultra fast </a:t>
-            </a:r>
-            <a:r>
-              <a:rPr lang="sv-SE" sz="2400" dirty="0">
-                <a:solidFill>
-                  <a:srgbClr val="FFE699"/>
-                </a:solidFill>
-              </a:rPr>
-              <a:t>– 65 times faster than Akka.NET over network</a:t>
-            </a:r>
-            <a:r>
-              <a:rPr lang="sv-SE" sz="2400" b="1" dirty="0">
-                <a:solidFill>
-                  <a:srgbClr val="FFE699"/>
-                </a:solidFill>
-              </a:rPr>
-              <a:t> </a:t>
-            </a:r>
-            <a:endParaRPr lang="sv-SE" sz="2400" dirty="0">
+              <a:rPr lang="sv-SE" sz="2400" b="1" dirty="0" smtClean="0"/>
+              <a:t>Built on standards</a:t>
+            </a:r>
+            <a:endParaRPr lang="sv-SE" sz="2400" dirty="0" smtClean="0">
               <a:solidFill>
-                <a:srgbClr val="FFE699"/>
+                <a:schemeClr val="accent4">
+                  <a:lumMod val="40000"/>
+                  <a:lumOff val="60000"/>
+                </a:schemeClr>
+              </a:solidFill>
+            </a:endParaRPr>
+          </a:p>
+          <a:p>
+            <a:r>
+              <a:rPr lang="sv-SE" sz="2400" b="1" dirty="0" smtClean="0"/>
+              <a:t>Platform independent</a:t>
+            </a:r>
+          </a:p>
+          <a:p>
+            <a:r>
+              <a:rPr lang="sv-SE" sz="2400" b="1" dirty="0" smtClean="0"/>
+              <a:t>Actors and Virtual Actors</a:t>
+            </a:r>
+          </a:p>
+          <a:p>
+            <a:r>
+              <a:rPr lang="sv-SE" sz="2400" b="1" dirty="0" smtClean="0"/>
+              <a:t>Ultra fast</a:t>
+            </a:r>
+            <a:endParaRPr lang="sv-SE" sz="2400" dirty="0" smtClean="0">
+              <a:solidFill>
+                <a:schemeClr val="accent5">
+                  <a:lumMod val="40000"/>
+                  <a:lumOff val="60000"/>
+                </a:schemeClr>
               </a:solidFill>
             </a:endParaRPr>
           </a:p>
@@ -27545,6 +25897,362 @@
           <a:bodyPr bIns="216000" rtlCol="0" anchor="ctr"/>
           <a:lstStyle/>
           <a:p>
+            <a:pPr marL="0" marR="0" lvl="0" indent="0" algn="ctr" defTabSz="914400" rtl="0" eaLnBrk="1" fontAlgn="auto" latinLnBrk="0" hangingPunct="1">
+              <a:lnSpc>
+                <a:spcPct val="100000"/>
+              </a:lnSpc>
+              <a:spcBef>
+                <a:spcPts val="0"/>
+              </a:spcBef>
+              <a:spcAft>
+                <a:spcPts val="0"/>
+              </a:spcAft>
+              <a:buClrTx/>
+              <a:buSzTx/>
+              <a:buFontTx/>
+              <a:buNone/>
+              <a:tabLst/>
+              <a:defRPr/>
+            </a:pPr>
+            <a:r>
+              <a:rPr kumimoji="0" lang="en-US" sz="3200" b="1" i="0" u="none" strike="noStrike" kern="1200" cap="none" spc="0" normalizeH="0" baseline="0" noProof="0" dirty="0" err="1" smtClean="0">
+                <a:ln>
+                  <a:noFill/>
+                </a:ln>
+                <a:solidFill>
+                  <a:prstClr val="white"/>
+                </a:solidFill>
+                <a:effectLst/>
+                <a:uLnTx/>
+                <a:uFillTx/>
+                <a:latin typeface="Calibri" panose="020F0502020204030204"/>
+                <a:ea typeface="+mn-ea"/>
+                <a:cs typeface="+mn-cs"/>
+              </a:rPr>
+              <a:t>Proto.Actor</a:t>
+            </a:r>
+            <a:endParaRPr kumimoji="0" lang="en-US" sz="3200" b="1" i="0" u="none" strike="noStrike" kern="1200" cap="none" spc="0" normalizeH="0" baseline="0" noProof="0" dirty="0" smtClean="0">
+              <a:ln>
+                <a:noFill/>
+              </a:ln>
+              <a:solidFill>
+                <a:prstClr val="white"/>
+              </a:solidFill>
+              <a:effectLst/>
+              <a:uLnTx/>
+              <a:uFillTx/>
+              <a:latin typeface="Calibri" panose="020F0502020204030204"/>
+              <a:ea typeface="+mn-ea"/>
+              <a:cs typeface="+mn-cs"/>
+            </a:endParaRPr>
+          </a:p>
+        </p:txBody>
+      </p:sp>
+    </p:spTree>
+    <p:extLst>
+      <p:ext uri="{BB962C8B-B14F-4D97-AF65-F5344CB8AC3E}">
+        <p14:creationId xmlns:p14="http://schemas.microsoft.com/office/powerpoint/2010/main" val="3660103409"/>
+      </p:ext>
+    </p:extLst>
+  </p:cSld>
+  <p:clrMapOvr>
+    <a:masterClrMapping/>
+  </p:clrMapOvr>
+  <mc:AlternateContent xmlns:mc="http://schemas.openxmlformats.org/markup-compatibility/2006" xmlns:p14="http://schemas.microsoft.com/office/powerpoint/2010/main">
+    <mc:Choice Requires="p14">
+      <p:transition spd="med" p14:dur="700">
+        <p:fade/>
+      </p:transition>
+    </mc:Choice>
+    <mc:Fallback xmlns="">
+      <p:transition spd="med">
+        <p:fade/>
+      </p:transition>
+    </mc:Fallback>
+  </mc:AlternateContent>
+  <p:timing>
+    <p:tnLst>
+      <p:par>
+        <p:cTn id="1" dur="indefinite" restart="never" nodeType="tmRoot"/>
+      </p:par>
+    </p:tnLst>
+  </p:timing>
+</p:sld>
+</file>
+
+<file path=ppt/slides/slide33.xml><?xml version="1.0" encoding="utf-8"?>
+<p:sld xmlns:a="http://schemas.openxmlformats.org/drawingml/2006/main" xmlns:r="http://schemas.openxmlformats.org/officeDocument/2006/relationships" xmlns:p="http://schemas.openxmlformats.org/presentationml/2006/main">
+  <p:cSld>
+    <p:bg>
+      <p:bgPr>
+        <a:solidFill>
+          <a:srgbClr val="26446F"/>
+        </a:solidFill>
+        <a:effectLst/>
+      </p:bgPr>
+    </p:bg>
+    <p:spTree>
+      <p:nvGrpSpPr>
+        <p:cNvPr id="1" name=""/>
+        <p:cNvGrpSpPr/>
+        <p:nvPr/>
+      </p:nvGrpSpPr>
+      <p:grpSpPr>
+        <a:xfrm>
+          <a:off x="0" y="0"/>
+          <a:ext cx="0" cy="0"/>
+          <a:chOff x="0" y="0"/>
+          <a:chExt cx="0" cy="0"/>
+        </a:xfrm>
+      </p:grpSpPr>
+      <p:sp>
+        <p:nvSpPr>
+          <p:cNvPr id="42" name="Rectangle 41"/>
+          <p:cNvSpPr/>
+          <p:nvPr/>
+        </p:nvSpPr>
+        <p:spPr>
+          <a:xfrm>
+            <a:off x="0" y="3831704"/>
+            <a:ext cx="12192000" cy="3026296"/>
+          </a:xfrm>
+          <a:prstGeom prst="rect">
+            <a:avLst/>
+          </a:prstGeom>
+          <a:solidFill>
+            <a:srgbClr val="282828"/>
+          </a:solidFill>
+          <a:ln w="38100">
+            <a:noFill/>
+          </a:ln>
+        </p:spPr>
+        <p:style>
+          <a:lnRef idx="2">
+            <a:schemeClr val="accent1">
+              <a:shade val="50000"/>
+            </a:schemeClr>
+          </a:lnRef>
+          <a:fillRef idx="1">
+            <a:schemeClr val="accent1"/>
+          </a:fillRef>
+          <a:effectRef idx="0">
+            <a:schemeClr val="accent1"/>
+          </a:effectRef>
+          <a:fontRef idx="minor">
+            <a:schemeClr val="lt1"/>
+          </a:fontRef>
+        </p:style>
+        <p:txBody>
+          <a:bodyPr rtlCol="0" anchor="ctr"/>
+          <a:lstStyle/>
+          <a:p>
+            <a:pPr marL="0" marR="0" lvl="0" indent="0" algn="ctr" defTabSz="914400" rtl="0" eaLnBrk="1" fontAlgn="auto" latinLnBrk="0" hangingPunct="1">
+              <a:lnSpc>
+                <a:spcPct val="100000"/>
+              </a:lnSpc>
+              <a:spcBef>
+                <a:spcPts val="0"/>
+              </a:spcBef>
+              <a:spcAft>
+                <a:spcPts val="0"/>
+              </a:spcAft>
+              <a:buClrTx/>
+              <a:buSzTx/>
+              <a:buFontTx/>
+              <a:buNone/>
+              <a:tabLst/>
+              <a:defRPr/>
+            </a:pPr>
+            <a:endParaRPr kumimoji="0" lang="sv-SE" sz="4800" b="1" i="0" u="none" strike="noStrike" kern="1200" cap="none" spc="0" normalizeH="0" baseline="0" noProof="0" dirty="0">
+              <a:ln>
+                <a:noFill/>
+              </a:ln>
+              <a:solidFill>
+                <a:prstClr val="white"/>
+              </a:solidFill>
+              <a:effectLst/>
+              <a:uLnTx/>
+              <a:uFillTx/>
+              <a:latin typeface="Calibri"/>
+              <a:ea typeface="+mn-ea"/>
+              <a:cs typeface="+mn-cs"/>
+            </a:endParaRPr>
+          </a:p>
+        </p:txBody>
+      </p:sp>
+      <p:pic>
+        <p:nvPicPr>
+          <p:cNvPr id="9" name="Picture 8"/>
+          <p:cNvPicPr>
+            <a:picLocks noChangeAspect="1"/>
+          </p:cNvPicPr>
+          <p:nvPr/>
+        </p:nvPicPr>
+        <p:blipFill>
+          <a:blip r:embed="rId2" cstate="print">
+            <a:extLst>
+              <a:ext uri="{28A0092B-C50C-407E-A947-70E740481C1C}">
+                <a14:useLocalDpi xmlns:a14="http://schemas.microsoft.com/office/drawing/2010/main" val="0"/>
+              </a:ext>
+            </a:extLst>
+          </a:blip>
+          <a:stretch>
+            <a:fillRect/>
+          </a:stretch>
+        </p:blipFill>
+        <p:spPr>
+          <a:xfrm>
+            <a:off x="3063220" y="4245915"/>
+            <a:ext cx="5214456" cy="2025804"/>
+          </a:xfrm>
+          <a:prstGeom prst="rect">
+            <a:avLst/>
+          </a:prstGeom>
+        </p:spPr>
+      </p:pic>
+      <p:sp>
+        <p:nvSpPr>
+          <p:cNvPr id="10" name="Content Placeholder 2"/>
+          <p:cNvSpPr>
+            <a:spLocks noGrp="1"/>
+          </p:cNvSpPr>
+          <p:nvPr>
+            <p:ph idx="1"/>
+          </p:nvPr>
+        </p:nvSpPr>
+        <p:spPr>
+          <a:xfrm>
+            <a:off x="838200" y="1009439"/>
+            <a:ext cx="10515600" cy="2597362"/>
+          </a:xfrm>
+        </p:spPr>
+        <p:txBody>
+          <a:bodyPr>
+            <a:normAutofit/>
+          </a:bodyPr>
+          <a:lstStyle/>
+          <a:p>
+            <a:pPr marL="0" indent="0">
+              <a:buNone/>
+            </a:pPr>
+            <a:r>
+              <a:rPr lang="sv-SE" b="1" dirty="0" smtClean="0"/>
+              <a:t>Lightweight Actor Model Toolkit:</a:t>
+            </a:r>
+          </a:p>
+          <a:p>
+            <a:r>
+              <a:rPr lang="sv-SE" sz="2400" b="1" dirty="0"/>
+              <a:t>Built on standards </a:t>
+            </a:r>
+            <a:r>
+              <a:rPr lang="sv-SE" sz="2400" dirty="0">
+                <a:solidFill>
+                  <a:schemeClr val="accent4">
+                    <a:lumMod val="40000"/>
+                    <a:lumOff val="60000"/>
+                  </a:schemeClr>
+                </a:solidFill>
+              </a:rPr>
+              <a:t>– Protobuf, HTTP/2 Streams, Consul</a:t>
+            </a:r>
+          </a:p>
+          <a:p>
+            <a:r>
+              <a:rPr lang="sv-SE" sz="2400" b="1" dirty="0"/>
+              <a:t>Platform independent </a:t>
+            </a:r>
+            <a:r>
+              <a:rPr lang="sv-SE" sz="2400" dirty="0">
+                <a:solidFill>
+                  <a:srgbClr val="FFE699"/>
+                </a:solidFill>
+              </a:rPr>
+              <a:t>– C#, Go, Python, Javascript, Kotlin</a:t>
+            </a:r>
+          </a:p>
+          <a:p>
+            <a:r>
+              <a:rPr lang="sv-SE" sz="2400" b="1" dirty="0"/>
+              <a:t>Actors and Virtual Actors </a:t>
+            </a:r>
+            <a:r>
+              <a:rPr lang="sv-SE" sz="2400" dirty="0">
+                <a:solidFill>
+                  <a:srgbClr val="FFE699"/>
+                </a:solidFill>
+              </a:rPr>
+              <a:t>– Akka, Microsoft Orleans</a:t>
+            </a:r>
+          </a:p>
+          <a:p>
+            <a:r>
+              <a:rPr lang="sv-SE" sz="2400" b="1" dirty="0"/>
+              <a:t>Ultra fast </a:t>
+            </a:r>
+            <a:r>
+              <a:rPr lang="sv-SE" sz="2400" dirty="0">
+                <a:solidFill>
+                  <a:srgbClr val="FFE699"/>
+                </a:solidFill>
+              </a:rPr>
+              <a:t>– 65 times faster than Akka.NET over network</a:t>
+            </a:r>
+            <a:r>
+              <a:rPr lang="sv-SE" sz="2400" b="1" dirty="0">
+                <a:solidFill>
+                  <a:srgbClr val="FFE699"/>
+                </a:solidFill>
+              </a:rPr>
+              <a:t> </a:t>
+            </a:r>
+            <a:endParaRPr lang="sv-SE" sz="2400" dirty="0">
+              <a:solidFill>
+                <a:srgbClr val="FFE699"/>
+              </a:solidFill>
+            </a:endParaRPr>
+          </a:p>
+        </p:txBody>
+      </p:sp>
+      <p:sp>
+        <p:nvSpPr>
+          <p:cNvPr id="11" name="Rectangle 10"/>
+          <p:cNvSpPr/>
+          <p:nvPr/>
+        </p:nvSpPr>
+        <p:spPr>
+          <a:xfrm>
+            <a:off x="0" y="277183"/>
+            <a:ext cx="12192000" cy="732256"/>
+          </a:xfrm>
+          <a:prstGeom prst="rect">
+            <a:avLst/>
+          </a:prstGeom>
+          <a:noFill/>
+          <a:ln>
+            <a:noFill/>
+          </a:ln>
+        </p:spPr>
+        <p:style>
+          <a:lnRef idx="2">
+            <a:schemeClr val="accent1">
+              <a:shade val="50000"/>
+            </a:schemeClr>
+          </a:lnRef>
+          <a:fillRef idx="1">
+            <a:schemeClr val="accent1"/>
+          </a:fillRef>
+          <a:effectRef idx="0">
+            <a:schemeClr val="accent1"/>
+          </a:effectRef>
+          <a:fontRef idx="minor">
+            <a:schemeClr val="lt1"/>
+          </a:fontRef>
+        </p:style>
+        <p:txBody>
+          <a:bodyPr bIns="216000" rtlCol="0" anchor="ctr"/>
+          <a:lstStyle/>
+          <a:p>
             <a:pPr lvl="0" algn="ctr">
               <a:defRPr/>
             </a:pPr>
@@ -27596,7 +26304,7 @@
 </p:sld>
 </file>
 
-<file path=ppt/slides/slide33.xml><?xml version="1.0" encoding="utf-8"?>
+<file path=ppt/slides/slide34.xml><?xml version="1.0" encoding="utf-8"?>
 <p:sld xmlns:a="http://schemas.openxmlformats.org/drawingml/2006/main" xmlns:r="http://schemas.openxmlformats.org/officeDocument/2006/relationships" xmlns:p="http://schemas.openxmlformats.org/presentationml/2006/main">
   <p:cSld>
     <p:bg>
@@ -30301,7 +29009,7 @@
 </p:sld>
 </file>
 
-<file path=ppt/slides/slide34.xml><?xml version="1.0" encoding="utf-8"?>
+<file path=ppt/slides/slide35.xml><?xml version="1.0" encoding="utf-8"?>
 <p:sld xmlns:a="http://schemas.openxmlformats.org/drawingml/2006/main" xmlns:r="http://schemas.openxmlformats.org/officeDocument/2006/relationships" xmlns:p="http://schemas.openxmlformats.org/presentationml/2006/main">
   <p:cSld>
     <p:spTree>
@@ -33688,629 +32396,6 @@
           <a:chExt cx="0" cy="0"/>
         </a:xfrm>
       </p:grpSpPr>
-      <p:grpSp>
-        <p:nvGrpSpPr>
-          <p:cNvPr id="2" name="Group 1"/>
-          <p:cNvGrpSpPr/>
-          <p:nvPr/>
-        </p:nvGrpSpPr>
-        <p:grpSpPr>
-          <a:xfrm>
-            <a:off x="4546469" y="3124960"/>
-            <a:ext cx="2996938" cy="911275"/>
-            <a:chOff x="4645058" y="2958431"/>
-            <a:chExt cx="2996938" cy="1162671"/>
-          </a:xfrm>
-          <a:solidFill>
-            <a:srgbClr val="25A5DC"/>
-          </a:solidFill>
-        </p:grpSpPr>
-        <p:sp>
-          <p:nvSpPr>
-            <p:cNvPr id="6" name="Rectangle 5"/>
-            <p:cNvSpPr/>
-            <p:nvPr/>
-          </p:nvSpPr>
-          <p:spPr>
-            <a:xfrm>
-              <a:off x="4645058" y="2958431"/>
-              <a:ext cx="1454084" cy="1162671"/>
-            </a:xfrm>
-            <a:prstGeom prst="rect">
-              <a:avLst/>
-            </a:prstGeom>
-            <a:grpFill/>
-            <a:ln w="25400">
-              <a:noFill/>
-            </a:ln>
-          </p:spPr>
-          <p:style>
-            <a:lnRef idx="2">
-              <a:schemeClr val="accent1">
-                <a:shade val="50000"/>
-              </a:schemeClr>
-            </a:lnRef>
-            <a:fillRef idx="1">
-              <a:schemeClr val="accent1"/>
-            </a:fillRef>
-            <a:effectRef idx="0">
-              <a:schemeClr val="accent1"/>
-            </a:effectRef>
-            <a:fontRef idx="minor">
-              <a:schemeClr val="lt1"/>
-            </a:fontRef>
-          </p:style>
-          <p:txBody>
-            <a:bodyPr tIns="46800" rtlCol="0" anchor="ctr"/>
-            <a:lstStyle/>
-            <a:p>
-              <a:pPr algn="ctr"/>
-              <a:r>
-                <a:rPr lang="sv-SE" b="1" dirty="0" smtClean="0"/>
-                <a:t>Service A</a:t>
-              </a:r>
-              <a:endParaRPr lang="sv-SE" b="1" dirty="0"/>
-            </a:p>
-          </p:txBody>
-        </p:sp>
-        <p:sp>
-          <p:nvSpPr>
-            <p:cNvPr id="9" name="Rectangle 8"/>
-            <p:cNvSpPr/>
-            <p:nvPr/>
-          </p:nvSpPr>
-          <p:spPr>
-            <a:xfrm>
-              <a:off x="6187912" y="2958431"/>
-              <a:ext cx="1454084" cy="1162671"/>
-            </a:xfrm>
-            <a:prstGeom prst="rect">
-              <a:avLst/>
-            </a:prstGeom>
-            <a:grpFill/>
-            <a:ln w="25400">
-              <a:noFill/>
-            </a:ln>
-          </p:spPr>
-          <p:style>
-            <a:lnRef idx="2">
-              <a:schemeClr val="accent1">
-                <a:shade val="50000"/>
-              </a:schemeClr>
-            </a:lnRef>
-            <a:fillRef idx="1">
-              <a:schemeClr val="accent1"/>
-            </a:fillRef>
-            <a:effectRef idx="0">
-              <a:schemeClr val="accent1"/>
-            </a:effectRef>
-            <a:fontRef idx="minor">
-              <a:schemeClr val="lt1"/>
-            </a:fontRef>
-          </p:style>
-          <p:txBody>
-            <a:bodyPr tIns="46800" rtlCol="0" anchor="ctr"/>
-            <a:lstStyle/>
-            <a:p>
-              <a:pPr algn="ctr"/>
-              <a:r>
-                <a:rPr lang="sv-SE" b="1" dirty="0" smtClean="0"/>
-                <a:t>Service B</a:t>
-              </a:r>
-              <a:endParaRPr lang="sv-SE" b="1" dirty="0"/>
-            </a:p>
-          </p:txBody>
-        </p:sp>
-      </p:grpSp>
-    </p:spTree>
-    <p:extLst>
-      <p:ext uri="{BB962C8B-B14F-4D97-AF65-F5344CB8AC3E}">
-        <p14:creationId xmlns:p14="http://schemas.microsoft.com/office/powerpoint/2010/main" val="466701712"/>
-      </p:ext>
-    </p:extLst>
-  </p:cSld>
-  <p:clrMapOvr>
-    <a:masterClrMapping/>
-  </p:clrMapOvr>
-  <p:timing>
-    <p:tnLst>
-      <p:par>
-        <p:cTn id="1" dur="indefinite" restart="never" nodeType="tmRoot"/>
-      </p:par>
-    </p:tnLst>
-  </p:timing>
-</p:sld>
-</file>
-
-<file path=ppt/slides/slide5.xml><?xml version="1.0" encoding="utf-8"?>
-<p:sld xmlns:a="http://schemas.openxmlformats.org/drawingml/2006/main" xmlns:r="http://schemas.openxmlformats.org/officeDocument/2006/relationships" xmlns:p="http://schemas.openxmlformats.org/presentationml/2006/main">
-  <p:cSld>
-    <p:spTree>
-      <p:nvGrpSpPr>
-        <p:cNvPr id="1" name=""/>
-        <p:cNvGrpSpPr/>
-        <p:nvPr/>
-      </p:nvGrpSpPr>
-      <p:grpSpPr>
-        <a:xfrm>
-          <a:off x="0" y="0"/>
-          <a:ext cx="0" cy="0"/>
-          <a:chOff x="0" y="0"/>
-          <a:chExt cx="0" cy="0"/>
-        </a:xfrm>
-      </p:grpSpPr>
-      <p:sp>
-        <p:nvSpPr>
-          <p:cNvPr id="5" name="Rectangle 4"/>
-          <p:cNvSpPr/>
-          <p:nvPr/>
-        </p:nvSpPr>
-        <p:spPr>
-          <a:xfrm>
-            <a:off x="4044099" y="2227080"/>
-            <a:ext cx="4001678" cy="2236511"/>
-          </a:xfrm>
-          <a:prstGeom prst="rect">
-            <a:avLst/>
-          </a:prstGeom>
-          <a:solidFill>
-            <a:srgbClr val="1170A4"/>
-          </a:solidFill>
-          <a:ln w="25400">
-            <a:noFill/>
-          </a:ln>
-        </p:spPr>
-        <p:style>
-          <a:lnRef idx="2">
-            <a:schemeClr val="accent1">
-              <a:shade val="50000"/>
-            </a:schemeClr>
-          </a:lnRef>
-          <a:fillRef idx="1">
-            <a:schemeClr val="accent1"/>
-          </a:fillRef>
-          <a:effectRef idx="0">
-            <a:schemeClr val="accent1"/>
-          </a:effectRef>
-          <a:fontRef idx="minor">
-            <a:schemeClr val="lt1"/>
-          </a:fontRef>
-        </p:style>
-        <p:txBody>
-          <a:bodyPr tIns="82800" rtlCol="0" anchor="t"/>
-          <a:lstStyle/>
-          <a:p>
-            <a:pPr algn="ctr"/>
-            <a:r>
-              <a:rPr lang="sv-SE" b="1" dirty="0" smtClean="0"/>
-              <a:t>”Platform” / Framework</a:t>
-            </a:r>
-          </a:p>
-          <a:p>
-            <a:pPr algn="ctr"/>
-            <a:r>
-              <a:rPr lang="sv-SE" dirty="0" smtClean="0"/>
-              <a:t>e.g. Akka, Microsoft Orleans, OTP</a:t>
-            </a:r>
-            <a:endParaRPr lang="sv-SE" dirty="0"/>
-          </a:p>
-        </p:txBody>
-      </p:sp>
-      <p:grpSp>
-        <p:nvGrpSpPr>
-          <p:cNvPr id="2" name="Group 1"/>
-          <p:cNvGrpSpPr/>
-          <p:nvPr/>
-        </p:nvGrpSpPr>
-        <p:grpSpPr>
-          <a:xfrm>
-            <a:off x="4546469" y="3124960"/>
-            <a:ext cx="2996938" cy="911275"/>
-            <a:chOff x="4645058" y="2958431"/>
-            <a:chExt cx="2996938" cy="1162671"/>
-          </a:xfrm>
-          <a:solidFill>
-            <a:srgbClr val="25A5DC"/>
-          </a:solidFill>
-        </p:grpSpPr>
-        <p:sp>
-          <p:nvSpPr>
-            <p:cNvPr id="6" name="Rectangle 5"/>
-            <p:cNvSpPr/>
-            <p:nvPr/>
-          </p:nvSpPr>
-          <p:spPr>
-            <a:xfrm>
-              <a:off x="4645058" y="2958431"/>
-              <a:ext cx="1454084" cy="1162671"/>
-            </a:xfrm>
-            <a:prstGeom prst="rect">
-              <a:avLst/>
-            </a:prstGeom>
-            <a:grpFill/>
-            <a:ln w="25400">
-              <a:noFill/>
-            </a:ln>
-          </p:spPr>
-          <p:style>
-            <a:lnRef idx="2">
-              <a:schemeClr val="accent1">
-                <a:shade val="50000"/>
-              </a:schemeClr>
-            </a:lnRef>
-            <a:fillRef idx="1">
-              <a:schemeClr val="accent1"/>
-            </a:fillRef>
-            <a:effectRef idx="0">
-              <a:schemeClr val="accent1"/>
-            </a:effectRef>
-            <a:fontRef idx="minor">
-              <a:schemeClr val="lt1"/>
-            </a:fontRef>
-          </p:style>
-          <p:txBody>
-            <a:bodyPr tIns="46800" rtlCol="0" anchor="ctr"/>
-            <a:lstStyle/>
-            <a:p>
-              <a:pPr algn="ctr"/>
-              <a:r>
-                <a:rPr lang="sv-SE" b="1" dirty="0" smtClean="0"/>
-                <a:t>Service A</a:t>
-              </a:r>
-              <a:endParaRPr lang="sv-SE" b="1" dirty="0"/>
-            </a:p>
-          </p:txBody>
-        </p:sp>
-        <p:sp>
-          <p:nvSpPr>
-            <p:cNvPr id="9" name="Rectangle 8"/>
-            <p:cNvSpPr/>
-            <p:nvPr/>
-          </p:nvSpPr>
-          <p:spPr>
-            <a:xfrm>
-              <a:off x="6187912" y="2958431"/>
-              <a:ext cx="1454084" cy="1162671"/>
-            </a:xfrm>
-            <a:prstGeom prst="rect">
-              <a:avLst/>
-            </a:prstGeom>
-            <a:grpFill/>
-            <a:ln w="25400">
-              <a:noFill/>
-            </a:ln>
-          </p:spPr>
-          <p:style>
-            <a:lnRef idx="2">
-              <a:schemeClr val="accent1">
-                <a:shade val="50000"/>
-              </a:schemeClr>
-            </a:lnRef>
-            <a:fillRef idx="1">
-              <a:schemeClr val="accent1"/>
-            </a:fillRef>
-            <a:effectRef idx="0">
-              <a:schemeClr val="accent1"/>
-            </a:effectRef>
-            <a:fontRef idx="minor">
-              <a:schemeClr val="lt1"/>
-            </a:fontRef>
-          </p:style>
-          <p:txBody>
-            <a:bodyPr tIns="46800" rtlCol="0" anchor="ctr"/>
-            <a:lstStyle/>
-            <a:p>
-              <a:pPr algn="ctr"/>
-              <a:r>
-                <a:rPr lang="sv-SE" b="1" dirty="0" smtClean="0"/>
-                <a:t>Service B</a:t>
-              </a:r>
-              <a:endParaRPr lang="sv-SE" b="1" dirty="0"/>
-            </a:p>
-          </p:txBody>
-        </p:sp>
-      </p:grpSp>
-    </p:spTree>
-    <p:extLst>
-      <p:ext uri="{BB962C8B-B14F-4D97-AF65-F5344CB8AC3E}">
-        <p14:creationId xmlns:p14="http://schemas.microsoft.com/office/powerpoint/2010/main" val="2990196587"/>
-      </p:ext>
-    </p:extLst>
-  </p:cSld>
-  <p:clrMapOvr>
-    <a:masterClrMapping/>
-  </p:clrMapOvr>
-  <p:timing>
-    <p:tnLst>
-      <p:par>
-        <p:cTn id="1" dur="indefinite" restart="never" nodeType="tmRoot"/>
-      </p:par>
-    </p:tnLst>
-  </p:timing>
-</p:sld>
-</file>
-
-<file path=ppt/slides/slide6.xml><?xml version="1.0" encoding="utf-8"?>
-<p:sld xmlns:a="http://schemas.openxmlformats.org/drawingml/2006/main" xmlns:r="http://schemas.openxmlformats.org/officeDocument/2006/relationships" xmlns:p="http://schemas.openxmlformats.org/presentationml/2006/main">
-  <p:cSld>
-    <p:spTree>
-      <p:nvGrpSpPr>
-        <p:cNvPr id="1" name=""/>
-        <p:cNvGrpSpPr/>
-        <p:nvPr/>
-      </p:nvGrpSpPr>
-      <p:grpSpPr>
-        <a:xfrm>
-          <a:off x="0" y="0"/>
-          <a:ext cx="0" cy="0"/>
-          <a:chOff x="0" y="0"/>
-          <a:chExt cx="0" cy="0"/>
-        </a:xfrm>
-      </p:grpSpPr>
-      <p:sp>
-        <p:nvSpPr>
-          <p:cNvPr id="5" name="Rectangle 4"/>
-          <p:cNvSpPr/>
-          <p:nvPr/>
-        </p:nvSpPr>
-        <p:spPr>
-          <a:xfrm>
-            <a:off x="4044099" y="2227080"/>
-            <a:ext cx="4001678" cy="2236511"/>
-          </a:xfrm>
-          <a:prstGeom prst="rect">
-            <a:avLst/>
-          </a:prstGeom>
-          <a:solidFill>
-            <a:srgbClr val="1170A4"/>
-          </a:solidFill>
-          <a:ln w="25400">
-            <a:noFill/>
-          </a:ln>
-        </p:spPr>
-        <p:style>
-          <a:lnRef idx="2">
-            <a:schemeClr val="accent1">
-              <a:shade val="50000"/>
-            </a:schemeClr>
-          </a:lnRef>
-          <a:fillRef idx="1">
-            <a:schemeClr val="accent1"/>
-          </a:fillRef>
-          <a:effectRef idx="0">
-            <a:schemeClr val="accent1"/>
-          </a:effectRef>
-          <a:fontRef idx="minor">
-            <a:schemeClr val="lt1"/>
-          </a:fontRef>
-        </p:style>
-        <p:txBody>
-          <a:bodyPr tIns="82800" rtlCol="0" anchor="t"/>
-          <a:lstStyle/>
-          <a:p>
-            <a:pPr algn="ctr"/>
-            <a:r>
-              <a:rPr lang="sv-SE" b="1" dirty="0" smtClean="0"/>
-              <a:t>”Platform” / Framework</a:t>
-            </a:r>
-          </a:p>
-          <a:p>
-            <a:pPr algn="ctr"/>
-            <a:r>
-              <a:rPr lang="sv-SE" dirty="0" smtClean="0"/>
-              <a:t>e.g. Akka, Microsoft Orleans, OTP</a:t>
-            </a:r>
-            <a:endParaRPr lang="sv-SE" dirty="0"/>
-          </a:p>
-        </p:txBody>
-      </p:sp>
-      <p:sp>
-        <p:nvSpPr>
-          <p:cNvPr id="11" name="Rectangle 10"/>
-          <p:cNvSpPr/>
-          <p:nvPr/>
-        </p:nvSpPr>
-        <p:spPr>
-          <a:xfrm>
-            <a:off x="4044099" y="4664305"/>
-            <a:ext cx="4001678" cy="684230"/>
-          </a:xfrm>
-          <a:prstGeom prst="rect">
-            <a:avLst/>
-          </a:prstGeom>
-          <a:solidFill>
-            <a:srgbClr val="1170A4"/>
-          </a:solidFill>
-          <a:ln w="25400">
-            <a:noFill/>
-          </a:ln>
-        </p:spPr>
-        <p:style>
-          <a:lnRef idx="2">
-            <a:schemeClr val="accent1">
-              <a:shade val="50000"/>
-            </a:schemeClr>
-          </a:lnRef>
-          <a:fillRef idx="1">
-            <a:schemeClr val="accent1"/>
-          </a:fillRef>
-          <a:effectRef idx="0">
-            <a:schemeClr val="accent1"/>
-          </a:effectRef>
-          <a:fontRef idx="minor">
-            <a:schemeClr val="lt1"/>
-          </a:fontRef>
-        </p:style>
-        <p:txBody>
-          <a:bodyPr tIns="82800" rtlCol="0" anchor="ctr"/>
-          <a:lstStyle/>
-          <a:p>
-            <a:pPr algn="ctr"/>
-            <a:r>
-              <a:rPr lang="sv-SE" b="1" dirty="0"/>
-              <a:t>Middleware</a:t>
-            </a:r>
-          </a:p>
-          <a:p>
-            <a:pPr algn="ctr"/>
-            <a:r>
-              <a:rPr lang="sv-SE" dirty="0"/>
-              <a:t>e.g. Kafka, Consul, Rabbit etc.</a:t>
-            </a:r>
-          </a:p>
-        </p:txBody>
-      </p:sp>
-      <p:grpSp>
-        <p:nvGrpSpPr>
-          <p:cNvPr id="2" name="Group 1"/>
-          <p:cNvGrpSpPr/>
-          <p:nvPr/>
-        </p:nvGrpSpPr>
-        <p:grpSpPr>
-          <a:xfrm>
-            <a:off x="4546469" y="3124960"/>
-            <a:ext cx="2996938" cy="911275"/>
-            <a:chOff x="4645058" y="2958431"/>
-            <a:chExt cx="2996938" cy="1162671"/>
-          </a:xfrm>
-          <a:solidFill>
-            <a:srgbClr val="25A5DC"/>
-          </a:solidFill>
-        </p:grpSpPr>
-        <p:sp>
-          <p:nvSpPr>
-            <p:cNvPr id="6" name="Rectangle 5"/>
-            <p:cNvSpPr/>
-            <p:nvPr/>
-          </p:nvSpPr>
-          <p:spPr>
-            <a:xfrm>
-              <a:off x="4645058" y="2958431"/>
-              <a:ext cx="1454084" cy="1162671"/>
-            </a:xfrm>
-            <a:prstGeom prst="rect">
-              <a:avLst/>
-            </a:prstGeom>
-            <a:grpFill/>
-            <a:ln w="25400">
-              <a:noFill/>
-            </a:ln>
-          </p:spPr>
-          <p:style>
-            <a:lnRef idx="2">
-              <a:schemeClr val="accent1">
-                <a:shade val="50000"/>
-              </a:schemeClr>
-            </a:lnRef>
-            <a:fillRef idx="1">
-              <a:schemeClr val="accent1"/>
-            </a:fillRef>
-            <a:effectRef idx="0">
-              <a:schemeClr val="accent1"/>
-            </a:effectRef>
-            <a:fontRef idx="minor">
-              <a:schemeClr val="lt1"/>
-            </a:fontRef>
-          </p:style>
-          <p:txBody>
-            <a:bodyPr tIns="46800" rtlCol="0" anchor="ctr"/>
-            <a:lstStyle/>
-            <a:p>
-              <a:pPr algn="ctr"/>
-              <a:r>
-                <a:rPr lang="sv-SE" b="1" dirty="0" smtClean="0"/>
-                <a:t>Service A</a:t>
-              </a:r>
-              <a:endParaRPr lang="sv-SE" b="1" dirty="0"/>
-            </a:p>
-          </p:txBody>
-        </p:sp>
-        <p:sp>
-          <p:nvSpPr>
-            <p:cNvPr id="9" name="Rectangle 8"/>
-            <p:cNvSpPr/>
-            <p:nvPr/>
-          </p:nvSpPr>
-          <p:spPr>
-            <a:xfrm>
-              <a:off x="6187912" y="2958431"/>
-              <a:ext cx="1454084" cy="1162671"/>
-            </a:xfrm>
-            <a:prstGeom prst="rect">
-              <a:avLst/>
-            </a:prstGeom>
-            <a:grpFill/>
-            <a:ln w="25400">
-              <a:noFill/>
-            </a:ln>
-          </p:spPr>
-          <p:style>
-            <a:lnRef idx="2">
-              <a:schemeClr val="accent1">
-                <a:shade val="50000"/>
-              </a:schemeClr>
-            </a:lnRef>
-            <a:fillRef idx="1">
-              <a:schemeClr val="accent1"/>
-            </a:fillRef>
-            <a:effectRef idx="0">
-              <a:schemeClr val="accent1"/>
-            </a:effectRef>
-            <a:fontRef idx="minor">
-              <a:schemeClr val="lt1"/>
-            </a:fontRef>
-          </p:style>
-          <p:txBody>
-            <a:bodyPr tIns="46800" rtlCol="0" anchor="ctr"/>
-            <a:lstStyle/>
-            <a:p>
-              <a:pPr algn="ctr"/>
-              <a:r>
-                <a:rPr lang="sv-SE" b="1" dirty="0" smtClean="0"/>
-                <a:t>Service B</a:t>
-              </a:r>
-              <a:endParaRPr lang="sv-SE" b="1" dirty="0"/>
-            </a:p>
-          </p:txBody>
-        </p:sp>
-      </p:grpSp>
-    </p:spTree>
-    <p:extLst>
-      <p:ext uri="{BB962C8B-B14F-4D97-AF65-F5344CB8AC3E}">
-        <p14:creationId xmlns:p14="http://schemas.microsoft.com/office/powerpoint/2010/main" val="1997194879"/>
-      </p:ext>
-    </p:extLst>
-  </p:cSld>
-  <p:clrMapOvr>
-    <a:masterClrMapping/>
-  </p:clrMapOvr>
-  <p:timing>
-    <p:tnLst>
-      <p:par>
-        <p:cTn id="1" dur="indefinite" restart="never" nodeType="tmRoot"/>
-      </p:par>
-    </p:tnLst>
-  </p:timing>
-</p:sld>
-</file>
-
-<file path=ppt/slides/slide7.xml><?xml version="1.0" encoding="utf-8"?>
-<p:sld xmlns:a="http://schemas.openxmlformats.org/drawingml/2006/main" xmlns:r="http://schemas.openxmlformats.org/officeDocument/2006/relationships" xmlns:p="http://schemas.openxmlformats.org/presentationml/2006/main">
-  <p:cSld>
-    <p:spTree>
-      <p:nvGrpSpPr>
-        <p:cNvPr id="1" name=""/>
-        <p:cNvGrpSpPr/>
-        <p:nvPr/>
-      </p:nvGrpSpPr>
-      <p:grpSpPr>
-        <a:xfrm>
-          <a:off x="0" y="0"/>
-          <a:ext cx="0" cy="0"/>
-          <a:chOff x="0" y="0"/>
-          <a:chExt cx="0" cy="0"/>
-        </a:xfrm>
-      </p:grpSpPr>
       <p:sp>
         <p:nvSpPr>
           <p:cNvPr id="4" name="Rectangle 3"/>
@@ -34616,14 +32701,222 @@
   <p:timing>
     <p:tnLst>
       <p:par>
-        <p:cTn id="1" dur="indefinite" restart="never" nodeType="tmRoot"/>
+        <p:cTn id="1" dur="indefinite" restart="never" nodeType="tmRoot">
+          <p:childTnLst>
+            <p:seq concurrent="1" nextAc="seek">
+              <p:cTn id="2" dur="indefinite" nodeType="mainSeq">
+                <p:childTnLst>
+                  <p:par>
+                    <p:cTn id="3" fill="hold">
+                      <p:stCondLst>
+                        <p:cond delay="indefinite"/>
+                      </p:stCondLst>
+                      <p:childTnLst>
+                        <p:par>
+                          <p:cTn id="4" fill="hold">
+                            <p:stCondLst>
+                              <p:cond delay="0"/>
+                            </p:stCondLst>
+                            <p:childTnLst>
+                              <p:par>
+                                <p:cTn id="5" presetID="1" presetClass="entr" presetSubtype="0" fill="hold" nodeType="clickEffect">
+                                  <p:stCondLst>
+                                    <p:cond delay="0"/>
+                                  </p:stCondLst>
+                                  <p:childTnLst>
+                                    <p:set>
+                                      <p:cBhvr>
+                                        <p:cTn id="6" dur="1" fill="hold">
+                                          <p:stCondLst>
+                                            <p:cond delay="0"/>
+                                          </p:stCondLst>
+                                        </p:cTn>
+                                        <p:tgtEl>
+                                          <p:spTgt spid="2"/>
+                                        </p:tgtEl>
+                                        <p:attrNameLst>
+                                          <p:attrName>style.visibility</p:attrName>
+                                        </p:attrNameLst>
+                                      </p:cBhvr>
+                                      <p:to>
+                                        <p:strVal val="visible"/>
+                                      </p:to>
+                                    </p:set>
+                                  </p:childTnLst>
+                                </p:cTn>
+                              </p:par>
+                            </p:childTnLst>
+                          </p:cTn>
+                        </p:par>
+                      </p:childTnLst>
+                    </p:cTn>
+                  </p:par>
+                  <p:par>
+                    <p:cTn id="7" fill="hold">
+                      <p:stCondLst>
+                        <p:cond delay="indefinite"/>
+                      </p:stCondLst>
+                      <p:childTnLst>
+                        <p:par>
+                          <p:cTn id="8" fill="hold">
+                            <p:stCondLst>
+                              <p:cond delay="0"/>
+                            </p:stCondLst>
+                            <p:childTnLst>
+                              <p:par>
+                                <p:cTn id="9" presetID="1" presetClass="entr" presetSubtype="0" fill="hold" grpId="0" nodeType="clickEffect">
+                                  <p:stCondLst>
+                                    <p:cond delay="0"/>
+                                  </p:stCondLst>
+                                  <p:childTnLst>
+                                    <p:set>
+                                      <p:cBhvr>
+                                        <p:cTn id="10" dur="1" fill="hold">
+                                          <p:stCondLst>
+                                            <p:cond delay="0"/>
+                                          </p:stCondLst>
+                                        </p:cTn>
+                                        <p:tgtEl>
+                                          <p:spTgt spid="5"/>
+                                        </p:tgtEl>
+                                        <p:attrNameLst>
+                                          <p:attrName>style.visibility</p:attrName>
+                                        </p:attrNameLst>
+                                      </p:cBhvr>
+                                      <p:to>
+                                        <p:strVal val="visible"/>
+                                      </p:to>
+                                    </p:set>
+                                  </p:childTnLst>
+                                </p:cTn>
+                              </p:par>
+                            </p:childTnLst>
+                          </p:cTn>
+                        </p:par>
+                      </p:childTnLst>
+                    </p:cTn>
+                  </p:par>
+                  <p:par>
+                    <p:cTn id="11" fill="hold">
+                      <p:stCondLst>
+                        <p:cond delay="indefinite"/>
+                      </p:stCondLst>
+                      <p:childTnLst>
+                        <p:par>
+                          <p:cTn id="12" fill="hold">
+                            <p:stCondLst>
+                              <p:cond delay="0"/>
+                            </p:stCondLst>
+                            <p:childTnLst>
+                              <p:par>
+                                <p:cTn id="13" presetID="1" presetClass="entr" presetSubtype="0" fill="hold" grpId="0" nodeType="clickEffect">
+                                  <p:stCondLst>
+                                    <p:cond delay="0"/>
+                                  </p:stCondLst>
+                                  <p:childTnLst>
+                                    <p:set>
+                                      <p:cBhvr>
+                                        <p:cTn id="14" dur="1" fill="hold">
+                                          <p:stCondLst>
+                                            <p:cond delay="0"/>
+                                          </p:stCondLst>
+                                        </p:cTn>
+                                        <p:tgtEl>
+                                          <p:spTgt spid="11"/>
+                                        </p:tgtEl>
+                                        <p:attrNameLst>
+                                          <p:attrName>style.visibility</p:attrName>
+                                        </p:attrNameLst>
+                                      </p:cBhvr>
+                                      <p:to>
+                                        <p:strVal val="visible"/>
+                                      </p:to>
+                                    </p:set>
+                                  </p:childTnLst>
+                                </p:cTn>
+                              </p:par>
+                            </p:childTnLst>
+                          </p:cTn>
+                        </p:par>
+                      </p:childTnLst>
+                    </p:cTn>
+                  </p:par>
+                  <p:par>
+                    <p:cTn id="15" fill="hold">
+                      <p:stCondLst>
+                        <p:cond delay="indefinite"/>
+                      </p:stCondLst>
+                      <p:childTnLst>
+                        <p:par>
+                          <p:cTn id="16" fill="hold">
+                            <p:stCondLst>
+                              <p:cond delay="0"/>
+                            </p:stCondLst>
+                            <p:childTnLst>
+                              <p:par>
+                                <p:cTn id="17" presetID="1" presetClass="entr" presetSubtype="0" fill="hold" grpId="0" nodeType="clickEffect">
+                                  <p:stCondLst>
+                                    <p:cond delay="0"/>
+                                  </p:stCondLst>
+                                  <p:childTnLst>
+                                    <p:set>
+                                      <p:cBhvr>
+                                        <p:cTn id="18" dur="1" fill="hold">
+                                          <p:stCondLst>
+                                            <p:cond delay="0"/>
+                                          </p:stCondLst>
+                                        </p:cTn>
+                                        <p:tgtEl>
+                                          <p:spTgt spid="4"/>
+                                        </p:tgtEl>
+                                        <p:attrNameLst>
+                                          <p:attrName>style.visibility</p:attrName>
+                                        </p:attrNameLst>
+                                      </p:cBhvr>
+                                      <p:to>
+                                        <p:strVal val="visible"/>
+                                      </p:to>
+                                    </p:set>
+                                  </p:childTnLst>
+                                </p:cTn>
+                              </p:par>
+                            </p:childTnLst>
+                          </p:cTn>
+                        </p:par>
+                      </p:childTnLst>
+                    </p:cTn>
+                  </p:par>
+                </p:childTnLst>
+              </p:cTn>
+              <p:prevCondLst>
+                <p:cond evt="onPrev" delay="0">
+                  <p:tgtEl>
+                    <p:sldTgt/>
+                  </p:tgtEl>
+                </p:cond>
+              </p:prevCondLst>
+              <p:nextCondLst>
+                <p:cond evt="onNext" delay="0">
+                  <p:tgtEl>
+                    <p:sldTgt/>
+                  </p:tgtEl>
+                </p:cond>
+              </p:nextCondLst>
+            </p:seq>
+          </p:childTnLst>
+        </p:cTn>
       </p:par>
     </p:tnLst>
+    <p:bldLst>
+      <p:bldP spid="4" grpId="0" animBg="1"/>
+      <p:bldP spid="5" grpId="0" animBg="1"/>
+      <p:bldP spid="11" grpId="0" animBg="1"/>
+    </p:bldLst>
   </p:timing>
 </p:sld>
 </file>
 
-<file path=ppt/slides/slide8.xml><?xml version="1.0" encoding="utf-8"?>
+<file path=ppt/slides/slide5.xml><?xml version="1.0" encoding="utf-8"?>
 <p:sld xmlns:a="http://schemas.openxmlformats.org/drawingml/2006/main" xmlns:r="http://schemas.openxmlformats.org/officeDocument/2006/relationships" xmlns:p="http://schemas.openxmlformats.org/presentationml/2006/main">
   <p:cSld>
     <p:spTree>
@@ -34685,7 +32978,9 @@
         </p:nvSpPr>
         <p:spPr/>
         <p:txBody>
-          <a:bodyPr/>
+          <a:bodyPr>
+            <a:normAutofit lnSpcReduction="10000"/>
+          </a:bodyPr>
           <a:lstStyle/>
           <a:p>
             <a:pPr marL="0" indent="0">
@@ -34701,8 +32996,14 @@
           </a:p>
           <a:p>
             <a:r>
+              <a:rPr lang="sv-SE" dirty="0" smtClean="0"/>
+              <a:t>Concurrency</a:t>
+            </a:r>
+          </a:p>
+          <a:p>
+            <a:r>
               <a:rPr lang="sv-SE" dirty="0"/>
-              <a:t>High Availability</a:t>
+              <a:t>Stateful services</a:t>
             </a:r>
           </a:p>
           <a:p>
@@ -34710,18 +33011,11 @@
               <a:rPr lang="sv-SE" dirty="0" smtClean="0"/>
               <a:t>Elasticity</a:t>
             </a:r>
-            <a:endParaRPr lang="sv-SE" dirty="0" smtClean="0"/>
           </a:p>
           <a:p>
             <a:r>
               <a:rPr lang="sv-SE" dirty="0" smtClean="0"/>
-              <a:t>Stateful services</a:t>
-            </a:r>
-          </a:p>
-          <a:p>
-            <a:r>
-              <a:rPr lang="sv-SE" dirty="0" smtClean="0"/>
-              <a:t>Concurrency</a:t>
+              <a:t>Streams</a:t>
             </a:r>
             <a:endParaRPr lang="sv-SE" dirty="0" smtClean="0"/>
           </a:p>
@@ -34734,8 +33028,19 @@
           <a:p>
             <a:r>
               <a:rPr lang="sv-SE" dirty="0" smtClean="0"/>
-              <a:t>Cluster Singletons</a:t>
-            </a:r>
+              <a:t>Cluster </a:t>
+            </a:r>
+            <a:r>
+              <a:rPr lang="sv-SE" dirty="0" smtClean="0"/>
+              <a:t>Singletons</a:t>
+            </a:r>
+          </a:p>
+          <a:p>
+            <a:r>
+              <a:rPr lang="sv-SE" dirty="0" smtClean="0"/>
+              <a:t>Fault tolerance</a:t>
+            </a:r>
+            <a:endParaRPr lang="sv-SE" dirty="0" smtClean="0"/>
           </a:p>
           <a:p>
             <a:endParaRPr lang="sv-SE" dirty="0"/>
@@ -34762,7 +33067,7 @@
 </p:sld>
 </file>
 
-<file path=ppt/slides/slide9.xml><?xml version="1.0" encoding="utf-8"?>
+<file path=ppt/slides/slide6.xml><?xml version="1.0" encoding="utf-8"?>
 <p:sld xmlns:a="http://schemas.openxmlformats.org/drawingml/2006/main" xmlns:r="http://schemas.openxmlformats.org/officeDocument/2006/relationships" xmlns:p="http://schemas.openxmlformats.org/presentationml/2006/main">
   <p:cSld>
     <p:spTree>
@@ -34842,7 +33147,6 @@
                 <a:rPr lang="sv-SE" b="1" dirty="0" smtClean="0"/>
                 <a:t>Stateless</a:t>
               </a:r>
-              <a:endParaRPr lang="sv-SE" b="1" dirty="0" smtClean="0"/>
             </a:p>
             <a:p>
               <a:pPr algn="ctr"/>
@@ -35489,6 +33793,2339 @@
 </p:sld>
 </file>
 
+<file path=ppt/slides/slide7.xml><?xml version="1.0" encoding="utf-8"?>
+<p:sld xmlns:a="http://schemas.openxmlformats.org/drawingml/2006/main" xmlns:r="http://schemas.openxmlformats.org/officeDocument/2006/relationships" xmlns:p="http://schemas.openxmlformats.org/presentationml/2006/main">
+  <p:cSld>
+    <p:spTree>
+      <p:nvGrpSpPr>
+        <p:cNvPr id="1" name=""/>
+        <p:cNvGrpSpPr/>
+        <p:nvPr/>
+      </p:nvGrpSpPr>
+      <p:grpSpPr>
+        <a:xfrm>
+          <a:off x="0" y="0"/>
+          <a:ext cx="0" cy="0"/>
+          <a:chOff x="0" y="0"/>
+          <a:chExt cx="0" cy="0"/>
+        </a:xfrm>
+      </p:grpSpPr>
+      <p:sp>
+        <p:nvSpPr>
+          <p:cNvPr id="4" name="Rectangle 3"/>
+          <p:cNvSpPr/>
+          <p:nvPr/>
+        </p:nvSpPr>
+        <p:spPr>
+          <a:xfrm>
+            <a:off x="3478491" y="1348034"/>
+            <a:ext cx="5132895" cy="4383464"/>
+          </a:xfrm>
+          <a:prstGeom prst="rect">
+            <a:avLst/>
+          </a:prstGeom>
+          <a:solidFill>
+            <a:srgbClr val="26446F"/>
+          </a:solidFill>
+          <a:ln w="25400">
+            <a:noFill/>
+          </a:ln>
+        </p:spPr>
+        <p:style>
+          <a:lnRef idx="2">
+            <a:schemeClr val="accent1">
+              <a:shade val="50000"/>
+            </a:schemeClr>
+          </a:lnRef>
+          <a:fillRef idx="1">
+            <a:schemeClr val="accent1"/>
+          </a:fillRef>
+          <a:effectRef idx="0">
+            <a:schemeClr val="accent1"/>
+          </a:effectRef>
+          <a:fontRef idx="minor">
+            <a:schemeClr val="lt1"/>
+          </a:fontRef>
+        </p:style>
+        <p:txBody>
+          <a:bodyPr tIns="82800" rtlCol="0" anchor="t"/>
+          <a:lstStyle/>
+          <a:p>
+            <a:pPr algn="ctr"/>
+            <a:r>
+              <a:rPr lang="sv-SE" b="1" dirty="0"/>
+              <a:t>Infrastructure</a:t>
+            </a:r>
+          </a:p>
+          <a:p>
+            <a:pPr algn="ctr"/>
+            <a:r>
+              <a:rPr lang="sv-SE" dirty="0"/>
+              <a:t>e.g. </a:t>
+            </a:r>
+            <a:r>
+              <a:rPr lang="sv-SE" dirty="0" smtClean="0"/>
+              <a:t>Load balancer, </a:t>
+            </a:r>
+            <a:r>
+              <a:rPr lang="sv-SE" dirty="0"/>
+              <a:t>Docker Swarm, Kubernetes etc</a:t>
+            </a:r>
+          </a:p>
+        </p:txBody>
+      </p:sp>
+      <p:sp>
+        <p:nvSpPr>
+          <p:cNvPr id="5" name="Rectangle 4"/>
+          <p:cNvSpPr/>
+          <p:nvPr/>
+        </p:nvSpPr>
+        <p:spPr>
+          <a:xfrm>
+            <a:off x="4044099" y="2227080"/>
+            <a:ext cx="4001678" cy="2236511"/>
+          </a:xfrm>
+          <a:prstGeom prst="rect">
+            <a:avLst/>
+          </a:prstGeom>
+          <a:solidFill>
+            <a:srgbClr val="1170A4"/>
+          </a:solidFill>
+          <a:ln w="25400">
+            <a:noFill/>
+          </a:ln>
+        </p:spPr>
+        <p:style>
+          <a:lnRef idx="2">
+            <a:schemeClr val="accent1">
+              <a:shade val="50000"/>
+            </a:schemeClr>
+          </a:lnRef>
+          <a:fillRef idx="1">
+            <a:schemeClr val="accent1"/>
+          </a:fillRef>
+          <a:effectRef idx="0">
+            <a:schemeClr val="accent1"/>
+          </a:effectRef>
+          <a:fontRef idx="minor">
+            <a:schemeClr val="lt1"/>
+          </a:fontRef>
+        </p:style>
+        <p:txBody>
+          <a:bodyPr tIns="82800" rtlCol="0" anchor="t"/>
+          <a:lstStyle/>
+          <a:p>
+            <a:pPr algn="ctr"/>
+            <a:r>
+              <a:rPr lang="sv-SE" b="1" dirty="0"/>
+              <a:t>”Platform” / Framework</a:t>
+            </a:r>
+          </a:p>
+          <a:p>
+            <a:pPr algn="ctr"/>
+            <a:r>
+              <a:rPr lang="sv-SE" dirty="0"/>
+              <a:t>e.g. Akka, Microsoft Orleans, OTP</a:t>
+            </a:r>
+          </a:p>
+        </p:txBody>
+      </p:sp>
+      <p:sp>
+        <p:nvSpPr>
+          <p:cNvPr id="11" name="Rectangle 10"/>
+          <p:cNvSpPr/>
+          <p:nvPr/>
+        </p:nvSpPr>
+        <p:spPr>
+          <a:xfrm>
+            <a:off x="4044099" y="4664305"/>
+            <a:ext cx="4001678" cy="684230"/>
+          </a:xfrm>
+          <a:prstGeom prst="rect">
+            <a:avLst/>
+          </a:prstGeom>
+          <a:solidFill>
+            <a:srgbClr val="1170A4"/>
+          </a:solidFill>
+          <a:ln w="25400">
+            <a:noFill/>
+          </a:ln>
+        </p:spPr>
+        <p:style>
+          <a:lnRef idx="2">
+            <a:schemeClr val="accent1">
+              <a:shade val="50000"/>
+            </a:schemeClr>
+          </a:lnRef>
+          <a:fillRef idx="1">
+            <a:schemeClr val="accent1"/>
+          </a:fillRef>
+          <a:effectRef idx="0">
+            <a:schemeClr val="accent1"/>
+          </a:effectRef>
+          <a:fontRef idx="minor">
+            <a:schemeClr val="lt1"/>
+          </a:fontRef>
+        </p:style>
+        <p:txBody>
+          <a:bodyPr tIns="82800" rtlCol="0" anchor="ctr"/>
+          <a:lstStyle/>
+          <a:p>
+            <a:pPr algn="ctr"/>
+            <a:r>
+              <a:rPr lang="sv-SE" b="1" dirty="0" smtClean="0"/>
+              <a:t>Middleware</a:t>
+            </a:r>
+          </a:p>
+          <a:p>
+            <a:pPr algn="ctr"/>
+            <a:r>
+              <a:rPr lang="sv-SE" dirty="0" smtClean="0"/>
+              <a:t>e.g. Kafka, Consul, Rabbit etc.</a:t>
+            </a:r>
+            <a:endParaRPr lang="sv-SE" dirty="0"/>
+          </a:p>
+        </p:txBody>
+      </p:sp>
+      <p:sp>
+        <p:nvSpPr>
+          <p:cNvPr id="12" name="Line Callout 2 (No Border) 11"/>
+          <p:cNvSpPr/>
+          <p:nvPr/>
+        </p:nvSpPr>
+        <p:spPr>
+          <a:xfrm>
+            <a:off x="436096" y="570322"/>
+            <a:ext cx="3721125" cy="721150"/>
+          </a:xfrm>
+          <a:prstGeom prst="callout2">
+            <a:avLst>
+              <a:gd name="adj1" fmla="val 73445"/>
+              <a:gd name="adj2" fmla="val 71929"/>
+              <a:gd name="adj3" fmla="val 72552"/>
+              <a:gd name="adj4" fmla="val 75046"/>
+              <a:gd name="adj5" fmla="val 308253"/>
+              <a:gd name="adj6" fmla="val 99737"/>
+            </a:avLst>
+          </a:prstGeom>
+          <a:noFill/>
+          <a:ln w="25400">
+            <a:solidFill>
+              <a:schemeClr val="tx1"/>
+            </a:solidFill>
+          </a:ln>
+        </p:spPr>
+        <p:style>
+          <a:lnRef idx="2">
+            <a:schemeClr val="accent1">
+              <a:shade val="50000"/>
+            </a:schemeClr>
+          </a:lnRef>
+          <a:fillRef idx="1">
+            <a:schemeClr val="accent1"/>
+          </a:fillRef>
+          <a:effectRef idx="0">
+            <a:schemeClr val="accent1"/>
+          </a:effectRef>
+          <a:fontRef idx="minor">
+            <a:schemeClr val="lt1"/>
+          </a:fontRef>
+        </p:style>
+        <p:txBody>
+          <a:bodyPr rtlCol="0" anchor="ctr"/>
+          <a:lstStyle/>
+          <a:p>
+            <a:r>
+              <a:rPr lang="sv-SE" b="1" dirty="0" smtClean="0">
+                <a:solidFill>
+                  <a:schemeClr val="tx1"/>
+                </a:solidFill>
+              </a:rPr>
+              <a:t>Elasticity and Concurrency control, should it be handled here?</a:t>
+            </a:r>
+            <a:endParaRPr lang="sv-SE" b="1" dirty="0">
+              <a:solidFill>
+                <a:schemeClr val="tx1"/>
+              </a:solidFill>
+            </a:endParaRPr>
+          </a:p>
+        </p:txBody>
+      </p:sp>
+      <p:sp>
+        <p:nvSpPr>
+          <p:cNvPr id="13" name="Line Callout 2 (No Border) 12"/>
+          <p:cNvSpPr/>
+          <p:nvPr/>
+        </p:nvSpPr>
+        <p:spPr>
+          <a:xfrm>
+            <a:off x="1871220" y="4209070"/>
+            <a:ext cx="1081726" cy="721150"/>
+          </a:xfrm>
+          <a:prstGeom prst="callout2">
+            <a:avLst>
+              <a:gd name="adj1" fmla="val 59251"/>
+              <a:gd name="adj2" fmla="val 98886"/>
+              <a:gd name="adj3" fmla="val 58358"/>
+              <a:gd name="adj4" fmla="val 104938"/>
+              <a:gd name="adj5" fmla="val 110272"/>
+              <a:gd name="adj6" fmla="val 216328"/>
+            </a:avLst>
+          </a:prstGeom>
+          <a:noFill/>
+          <a:ln w="25400">
+            <a:solidFill>
+              <a:schemeClr val="tx1"/>
+            </a:solidFill>
+          </a:ln>
+        </p:spPr>
+        <p:style>
+          <a:lnRef idx="2">
+            <a:schemeClr val="accent1">
+              <a:shade val="50000"/>
+            </a:schemeClr>
+          </a:lnRef>
+          <a:fillRef idx="1">
+            <a:schemeClr val="accent1"/>
+          </a:fillRef>
+          <a:effectRef idx="0">
+            <a:schemeClr val="accent1"/>
+          </a:effectRef>
+          <a:fontRef idx="minor">
+            <a:schemeClr val="lt1"/>
+          </a:fontRef>
+        </p:style>
+        <p:txBody>
+          <a:bodyPr rtlCol="0" anchor="ctr"/>
+          <a:lstStyle/>
+          <a:p>
+            <a:r>
+              <a:rPr lang="sv-SE" b="1" dirty="0" smtClean="0">
+                <a:solidFill>
+                  <a:schemeClr val="tx1"/>
+                </a:solidFill>
+              </a:rPr>
+              <a:t>Here?</a:t>
+            </a:r>
+            <a:endParaRPr lang="sv-SE" b="1" dirty="0">
+              <a:solidFill>
+                <a:schemeClr val="tx1"/>
+              </a:solidFill>
+            </a:endParaRPr>
+          </a:p>
+        </p:txBody>
+      </p:sp>
+      <p:grpSp>
+        <p:nvGrpSpPr>
+          <p:cNvPr id="10" name="Group 9"/>
+          <p:cNvGrpSpPr/>
+          <p:nvPr/>
+        </p:nvGrpSpPr>
+        <p:grpSpPr>
+          <a:xfrm>
+            <a:off x="4546469" y="3124960"/>
+            <a:ext cx="2996938" cy="911275"/>
+            <a:chOff x="4645058" y="2958431"/>
+            <a:chExt cx="2996938" cy="1162671"/>
+          </a:xfrm>
+        </p:grpSpPr>
+        <p:sp>
+          <p:nvSpPr>
+            <p:cNvPr id="14" name="Rectangle 13"/>
+            <p:cNvSpPr/>
+            <p:nvPr/>
+          </p:nvSpPr>
+          <p:spPr>
+            <a:xfrm>
+              <a:off x="4645058" y="2958431"/>
+              <a:ext cx="1454084" cy="1162671"/>
+            </a:xfrm>
+            <a:prstGeom prst="rect">
+              <a:avLst/>
+            </a:prstGeom>
+            <a:solidFill>
+              <a:srgbClr val="25A5DC"/>
+            </a:solidFill>
+            <a:ln w="25400">
+              <a:noFill/>
+            </a:ln>
+          </p:spPr>
+          <p:style>
+            <a:lnRef idx="2">
+              <a:schemeClr val="accent1">
+                <a:shade val="50000"/>
+              </a:schemeClr>
+            </a:lnRef>
+            <a:fillRef idx="1">
+              <a:schemeClr val="accent1"/>
+            </a:fillRef>
+            <a:effectRef idx="0">
+              <a:schemeClr val="accent1"/>
+            </a:effectRef>
+            <a:fontRef idx="minor">
+              <a:schemeClr val="lt1"/>
+            </a:fontRef>
+          </p:style>
+          <p:txBody>
+            <a:bodyPr tIns="46800" rtlCol="0" anchor="ctr"/>
+            <a:lstStyle/>
+            <a:p>
+              <a:pPr algn="ctr"/>
+              <a:r>
+                <a:rPr lang="sv-SE" b="1" dirty="0" smtClean="0"/>
+                <a:t>Service A</a:t>
+              </a:r>
+              <a:endParaRPr lang="sv-SE" b="1" dirty="0"/>
+            </a:p>
+          </p:txBody>
+        </p:sp>
+        <p:sp>
+          <p:nvSpPr>
+            <p:cNvPr id="15" name="Rectangle 14"/>
+            <p:cNvSpPr/>
+            <p:nvPr/>
+          </p:nvSpPr>
+          <p:spPr>
+            <a:xfrm>
+              <a:off x="6187912" y="2958431"/>
+              <a:ext cx="1454084" cy="1162671"/>
+            </a:xfrm>
+            <a:prstGeom prst="rect">
+              <a:avLst/>
+            </a:prstGeom>
+            <a:solidFill>
+              <a:srgbClr val="25A5DC"/>
+            </a:solidFill>
+            <a:ln w="25400">
+              <a:noFill/>
+            </a:ln>
+          </p:spPr>
+          <p:style>
+            <a:lnRef idx="2">
+              <a:schemeClr val="accent1">
+                <a:shade val="50000"/>
+              </a:schemeClr>
+            </a:lnRef>
+            <a:fillRef idx="1">
+              <a:schemeClr val="accent1"/>
+            </a:fillRef>
+            <a:effectRef idx="0">
+              <a:schemeClr val="accent1"/>
+            </a:effectRef>
+            <a:fontRef idx="minor">
+              <a:schemeClr val="lt1"/>
+            </a:fontRef>
+          </p:style>
+          <p:txBody>
+            <a:bodyPr tIns="46800" rtlCol="0" anchor="ctr"/>
+            <a:lstStyle/>
+            <a:p>
+              <a:pPr algn="ctr"/>
+              <a:r>
+                <a:rPr lang="sv-SE" b="1" dirty="0" smtClean="0"/>
+                <a:t>Service B</a:t>
+              </a:r>
+              <a:endParaRPr lang="sv-SE" b="1" dirty="0"/>
+            </a:p>
+          </p:txBody>
+        </p:sp>
+      </p:grpSp>
+      <p:sp>
+        <p:nvSpPr>
+          <p:cNvPr id="9" name="Line Callout 2 (No Border) 8"/>
+          <p:cNvSpPr/>
+          <p:nvPr/>
+        </p:nvSpPr>
+        <p:spPr>
+          <a:xfrm>
+            <a:off x="8957035" y="3437643"/>
+            <a:ext cx="1081726" cy="721150"/>
+          </a:xfrm>
+          <a:prstGeom prst="callout2">
+            <a:avLst>
+              <a:gd name="adj1" fmla="val 59905"/>
+              <a:gd name="adj2" fmla="val -896"/>
+              <a:gd name="adj3" fmla="val 59665"/>
+              <a:gd name="adj4" fmla="val -10966"/>
+              <a:gd name="adj5" fmla="val -19052"/>
+              <a:gd name="adj6" fmla="val -149997"/>
+            </a:avLst>
+          </a:prstGeom>
+          <a:noFill/>
+          <a:ln w="25400">
+            <a:solidFill>
+              <a:schemeClr val="tx1"/>
+            </a:solidFill>
+          </a:ln>
+        </p:spPr>
+        <p:style>
+          <a:lnRef idx="2">
+            <a:schemeClr val="accent1">
+              <a:shade val="50000"/>
+            </a:schemeClr>
+          </a:lnRef>
+          <a:fillRef idx="1">
+            <a:schemeClr val="accent1"/>
+          </a:fillRef>
+          <a:effectRef idx="0">
+            <a:schemeClr val="accent1"/>
+          </a:effectRef>
+          <a:fontRef idx="minor">
+            <a:schemeClr val="lt1"/>
+          </a:fontRef>
+        </p:style>
+        <p:txBody>
+          <a:bodyPr rtlCol="0" anchor="ctr"/>
+          <a:lstStyle/>
+          <a:p>
+            <a:r>
+              <a:rPr lang="sv-SE" b="1" dirty="0" smtClean="0">
+                <a:solidFill>
+                  <a:schemeClr val="tx1"/>
+                </a:solidFill>
+              </a:rPr>
+              <a:t>Or here?</a:t>
+            </a:r>
+            <a:endParaRPr lang="sv-SE" b="1" dirty="0">
+              <a:solidFill>
+                <a:schemeClr val="tx1"/>
+              </a:solidFill>
+            </a:endParaRPr>
+          </a:p>
+        </p:txBody>
+      </p:sp>
+      <p:sp>
+        <p:nvSpPr>
+          <p:cNvPr id="16" name="Line Callout 2 (No Border) 15"/>
+          <p:cNvSpPr/>
+          <p:nvPr/>
+        </p:nvSpPr>
+        <p:spPr>
+          <a:xfrm>
+            <a:off x="9839589" y="5296013"/>
+            <a:ext cx="1999843" cy="721150"/>
+          </a:xfrm>
+          <a:prstGeom prst="callout2">
+            <a:avLst>
+              <a:gd name="adj1" fmla="val 59905"/>
+              <a:gd name="adj2" fmla="val -896"/>
+              <a:gd name="adj3" fmla="val 59665"/>
+              <a:gd name="adj4" fmla="val -10966"/>
+              <a:gd name="adj5" fmla="val -45547"/>
+              <a:gd name="adj6" fmla="val -78682"/>
+            </a:avLst>
+          </a:prstGeom>
+          <a:noFill/>
+          <a:ln w="25400">
+            <a:solidFill>
+              <a:schemeClr val="tx1"/>
+            </a:solidFill>
+          </a:ln>
+        </p:spPr>
+        <p:style>
+          <a:lnRef idx="2">
+            <a:schemeClr val="accent1">
+              <a:shade val="50000"/>
+            </a:schemeClr>
+          </a:lnRef>
+          <a:fillRef idx="1">
+            <a:schemeClr val="accent1"/>
+          </a:fillRef>
+          <a:effectRef idx="0">
+            <a:schemeClr val="accent1"/>
+          </a:effectRef>
+          <a:fontRef idx="minor">
+            <a:schemeClr val="lt1"/>
+          </a:fontRef>
+        </p:style>
+        <p:txBody>
+          <a:bodyPr rtlCol="0" anchor="ctr"/>
+          <a:lstStyle/>
+          <a:p>
+            <a:r>
+              <a:rPr lang="sv-SE" b="1" dirty="0" smtClean="0">
+                <a:solidFill>
+                  <a:schemeClr val="tx1"/>
+                </a:solidFill>
+              </a:rPr>
+              <a:t>Or maybe here?</a:t>
+            </a:r>
+            <a:endParaRPr lang="sv-SE" b="1" dirty="0">
+              <a:solidFill>
+                <a:schemeClr val="tx1"/>
+              </a:solidFill>
+            </a:endParaRPr>
+          </a:p>
+        </p:txBody>
+      </p:sp>
+    </p:spTree>
+    <p:extLst>
+      <p:ext uri="{BB962C8B-B14F-4D97-AF65-F5344CB8AC3E}">
+        <p14:creationId xmlns:p14="http://schemas.microsoft.com/office/powerpoint/2010/main" val="309133421"/>
+      </p:ext>
+    </p:extLst>
+  </p:cSld>
+  <p:clrMapOvr>
+    <a:masterClrMapping/>
+  </p:clrMapOvr>
+  <p:timing>
+    <p:tnLst>
+      <p:par>
+        <p:cTn id="1" dur="indefinite" restart="never" nodeType="tmRoot"/>
+      </p:par>
+    </p:tnLst>
+  </p:timing>
+</p:sld>
+</file>
+
+<file path=ppt/slides/slide8.xml><?xml version="1.0" encoding="utf-8"?>
+<p:sld xmlns:a="http://schemas.openxmlformats.org/drawingml/2006/main" xmlns:r="http://schemas.openxmlformats.org/officeDocument/2006/relationships" xmlns:p="http://schemas.openxmlformats.org/presentationml/2006/main">
+  <p:cSld>
+    <p:spTree>
+      <p:nvGrpSpPr>
+        <p:cNvPr id="1" name=""/>
+        <p:cNvGrpSpPr/>
+        <p:nvPr/>
+      </p:nvGrpSpPr>
+      <p:grpSpPr>
+        <a:xfrm>
+          <a:off x="0" y="0"/>
+          <a:ext cx="0" cy="0"/>
+          <a:chOff x="0" y="0"/>
+          <a:chExt cx="0" cy="0"/>
+        </a:xfrm>
+      </p:grpSpPr>
+      <p:sp>
+        <p:nvSpPr>
+          <p:cNvPr id="4" name="Rectangle 3"/>
+          <p:cNvSpPr/>
+          <p:nvPr/>
+        </p:nvSpPr>
+        <p:spPr>
+          <a:xfrm>
+            <a:off x="0" y="2197289"/>
+            <a:ext cx="12192000" cy="2169994"/>
+          </a:xfrm>
+          <a:prstGeom prst="rect">
+            <a:avLst/>
+          </a:prstGeom>
+          <a:solidFill>
+            <a:srgbClr val="26446F"/>
+          </a:solidFill>
+          <a:ln>
+            <a:noFill/>
+          </a:ln>
+        </p:spPr>
+        <p:style>
+          <a:lnRef idx="2">
+            <a:schemeClr val="accent1">
+              <a:shade val="50000"/>
+            </a:schemeClr>
+          </a:lnRef>
+          <a:fillRef idx="1">
+            <a:schemeClr val="accent1"/>
+          </a:fillRef>
+          <a:effectRef idx="0">
+            <a:schemeClr val="accent1"/>
+          </a:effectRef>
+          <a:fontRef idx="minor">
+            <a:schemeClr val="lt1"/>
+          </a:fontRef>
+        </p:style>
+        <p:txBody>
+          <a:bodyPr rtlCol="0" anchor="ctr"/>
+          <a:lstStyle/>
+          <a:p>
+            <a:pPr algn="ctr"/>
+            <a:endParaRPr lang="sv-SE"/>
+          </a:p>
+        </p:txBody>
+      </p:sp>
+      <p:sp>
+        <p:nvSpPr>
+          <p:cNvPr id="2" name="Title 1"/>
+          <p:cNvSpPr>
+            <a:spLocks noGrp="1"/>
+          </p:cNvSpPr>
+          <p:nvPr>
+            <p:ph type="ctrTitle"/>
+          </p:nvPr>
+        </p:nvSpPr>
+        <p:spPr>
+          <a:effectLst>
+            <a:outerShdw blurRad="50800" dist="38100" dir="2700000" algn="tl" rotWithShape="0">
+              <a:prstClr val="black">
+                <a:alpha val="40000"/>
+              </a:prstClr>
+            </a:outerShdw>
+          </a:effectLst>
+        </p:spPr>
+        <p:txBody>
+          <a:bodyPr>
+            <a:normAutofit/>
+          </a:bodyPr>
+          <a:lstStyle/>
+          <a:p>
+            <a:r>
+              <a:rPr lang="sv-SE" sz="4400" b="1" dirty="0" smtClean="0">
+                <a:solidFill>
+                  <a:schemeClr val="bg1"/>
+                </a:solidFill>
+              </a:rPr>
+              <a:t>Elasticity through magic</a:t>
+            </a:r>
+            <a:endParaRPr lang="sv-SE" sz="4400" b="1" dirty="0">
+              <a:solidFill>
+                <a:schemeClr val="bg1"/>
+              </a:solidFill>
+            </a:endParaRPr>
+          </a:p>
+        </p:txBody>
+      </p:sp>
+      <p:sp>
+        <p:nvSpPr>
+          <p:cNvPr id="3" name="Subtitle 2"/>
+          <p:cNvSpPr>
+            <a:spLocks noGrp="1"/>
+          </p:cNvSpPr>
+          <p:nvPr>
+            <p:ph type="subTitle" idx="1"/>
+          </p:nvPr>
+        </p:nvSpPr>
+        <p:spPr/>
+        <p:txBody>
+          <a:bodyPr/>
+          <a:lstStyle/>
+          <a:p>
+            <a:r>
+              <a:rPr lang="sv-SE" dirty="0" smtClean="0">
+                <a:solidFill>
+                  <a:schemeClr val="bg1"/>
+                </a:solidFill>
+              </a:rPr>
+              <a:t>...</a:t>
+            </a:r>
+            <a:r>
+              <a:rPr lang="sv-SE" smtClean="0">
+                <a:solidFill>
+                  <a:schemeClr val="bg1"/>
+                </a:solidFill>
+              </a:rPr>
+              <a:t>Not as </a:t>
+            </a:r>
+            <a:r>
+              <a:rPr lang="sv-SE" dirty="0" smtClean="0">
+                <a:solidFill>
+                  <a:schemeClr val="bg1"/>
+                </a:solidFill>
+              </a:rPr>
+              <a:t>awesome as it may seem</a:t>
+            </a:r>
+          </a:p>
+        </p:txBody>
+      </p:sp>
+    </p:spTree>
+    <p:extLst>
+      <p:ext uri="{BB962C8B-B14F-4D97-AF65-F5344CB8AC3E}">
+        <p14:creationId xmlns:p14="http://schemas.microsoft.com/office/powerpoint/2010/main" val="2460163941"/>
+      </p:ext>
+    </p:extLst>
+  </p:cSld>
+  <p:clrMapOvr>
+    <a:masterClrMapping/>
+  </p:clrMapOvr>
+  <p:timing>
+    <p:tnLst>
+      <p:par>
+        <p:cTn id="1" dur="indefinite" restart="never" nodeType="tmRoot"/>
+      </p:par>
+    </p:tnLst>
+  </p:timing>
+</p:sld>
+</file>
+
+<file path=ppt/slides/slide9.xml><?xml version="1.0" encoding="utf-8"?>
+<p:sld xmlns:a="http://schemas.openxmlformats.org/drawingml/2006/main" xmlns:r="http://schemas.openxmlformats.org/officeDocument/2006/relationships" xmlns:p="http://schemas.openxmlformats.org/presentationml/2006/main">
+  <p:cSld>
+    <p:spTree>
+      <p:nvGrpSpPr>
+        <p:cNvPr id="1" name=""/>
+        <p:cNvGrpSpPr/>
+        <p:nvPr/>
+      </p:nvGrpSpPr>
+      <p:grpSpPr>
+        <a:xfrm>
+          <a:off x="0" y="0"/>
+          <a:ext cx="0" cy="0"/>
+          <a:chOff x="0" y="0"/>
+          <a:chExt cx="0" cy="0"/>
+        </a:xfrm>
+      </p:grpSpPr>
+      <p:grpSp>
+        <p:nvGrpSpPr>
+          <p:cNvPr id="14" name="Group 13"/>
+          <p:cNvGrpSpPr/>
+          <p:nvPr/>
+        </p:nvGrpSpPr>
+        <p:grpSpPr>
+          <a:xfrm>
+            <a:off x="7771046" y="1320541"/>
+            <a:ext cx="219076" cy="3830329"/>
+            <a:chOff x="7572374" y="1181099"/>
+            <a:chExt cx="219076" cy="3830329"/>
+          </a:xfrm>
+        </p:grpSpPr>
+        <p:grpSp>
+          <p:nvGrpSpPr>
+            <p:cNvPr id="13" name="Group 12"/>
+            <p:cNvGrpSpPr/>
+            <p:nvPr/>
+          </p:nvGrpSpPr>
+          <p:grpSpPr>
+            <a:xfrm>
+              <a:off x="7572375" y="1181099"/>
+              <a:ext cx="219075" cy="952500"/>
+              <a:chOff x="7572375" y="1181099"/>
+              <a:chExt cx="219075" cy="952500"/>
+            </a:xfrm>
+          </p:grpSpPr>
+          <p:grpSp>
+            <p:nvGrpSpPr>
+              <p:cNvPr id="12" name="Group 11"/>
+              <p:cNvGrpSpPr/>
+              <p:nvPr/>
+            </p:nvGrpSpPr>
+            <p:grpSpPr>
+              <a:xfrm>
+                <a:off x="7572375" y="1181099"/>
+                <a:ext cx="219075" cy="476250"/>
+                <a:chOff x="7572375" y="1181099"/>
+                <a:chExt cx="219075" cy="476250"/>
+              </a:xfrm>
+            </p:grpSpPr>
+            <p:cxnSp>
+              <p:nvCxnSpPr>
+                <p:cNvPr id="3" name="Curved Connector 2"/>
+                <p:cNvCxnSpPr/>
+                <p:nvPr/>
+              </p:nvCxnSpPr>
+              <p:spPr>
+                <a:xfrm rot="16200000" flipH="1">
+                  <a:off x="7562850" y="1190624"/>
+                  <a:ext cx="238125" cy="219075"/>
+                </a:xfrm>
+                <a:prstGeom prst="curvedConnector3">
+                  <a:avLst/>
+                </a:prstGeom>
+                <a:ln w="50800" cap="rnd">
+                  <a:solidFill>
+                    <a:srgbClr val="8FD0ED"/>
+                  </a:solidFill>
+                  <a:prstDash val="solid"/>
+                  <a:round/>
+                </a:ln>
+              </p:spPr>
+              <p:style>
+                <a:lnRef idx="1">
+                  <a:schemeClr val="accent1"/>
+                </a:lnRef>
+                <a:fillRef idx="0">
+                  <a:schemeClr val="accent1"/>
+                </a:fillRef>
+                <a:effectRef idx="0">
+                  <a:schemeClr val="accent1"/>
+                </a:effectRef>
+                <a:fontRef idx="minor">
+                  <a:schemeClr val="tx1"/>
+                </a:fontRef>
+              </p:style>
+            </p:cxnSp>
+            <p:cxnSp>
+              <p:nvCxnSpPr>
+                <p:cNvPr id="17" name="Curved Connector 16"/>
+                <p:cNvCxnSpPr/>
+                <p:nvPr/>
+              </p:nvCxnSpPr>
+              <p:spPr>
+                <a:xfrm rot="5400000">
+                  <a:off x="7562851" y="1428750"/>
+                  <a:ext cx="238123" cy="219075"/>
+                </a:xfrm>
+                <a:prstGeom prst="curvedConnector3">
+                  <a:avLst/>
+                </a:prstGeom>
+                <a:ln w="50800" cap="rnd">
+                  <a:solidFill>
+                    <a:srgbClr val="8FD0ED"/>
+                  </a:solidFill>
+                  <a:prstDash val="solid"/>
+                  <a:round/>
+                </a:ln>
+              </p:spPr>
+              <p:style>
+                <a:lnRef idx="1">
+                  <a:schemeClr val="accent1"/>
+                </a:lnRef>
+                <a:fillRef idx="0">
+                  <a:schemeClr val="accent1"/>
+                </a:fillRef>
+                <a:effectRef idx="0">
+                  <a:schemeClr val="accent1"/>
+                </a:effectRef>
+                <a:fontRef idx="minor">
+                  <a:schemeClr val="tx1"/>
+                </a:fontRef>
+              </p:style>
+            </p:cxnSp>
+          </p:grpSp>
+          <p:grpSp>
+            <p:nvGrpSpPr>
+              <p:cNvPr id="23" name="Group 22"/>
+              <p:cNvGrpSpPr/>
+              <p:nvPr/>
+            </p:nvGrpSpPr>
+            <p:grpSpPr>
+              <a:xfrm>
+                <a:off x="7572375" y="1657349"/>
+                <a:ext cx="219075" cy="476250"/>
+                <a:chOff x="7572375" y="1181099"/>
+                <a:chExt cx="219075" cy="476250"/>
+              </a:xfrm>
+            </p:grpSpPr>
+            <p:cxnSp>
+              <p:nvCxnSpPr>
+                <p:cNvPr id="24" name="Curved Connector 23"/>
+                <p:cNvCxnSpPr/>
+                <p:nvPr/>
+              </p:nvCxnSpPr>
+              <p:spPr>
+                <a:xfrm rot="16200000" flipH="1">
+                  <a:off x="7562850" y="1190624"/>
+                  <a:ext cx="238125" cy="219075"/>
+                </a:xfrm>
+                <a:prstGeom prst="curvedConnector3">
+                  <a:avLst/>
+                </a:prstGeom>
+                <a:ln w="50800" cap="rnd">
+                  <a:solidFill>
+                    <a:srgbClr val="8FD0ED"/>
+                  </a:solidFill>
+                  <a:prstDash val="solid"/>
+                  <a:round/>
+                </a:ln>
+              </p:spPr>
+              <p:style>
+                <a:lnRef idx="1">
+                  <a:schemeClr val="accent1"/>
+                </a:lnRef>
+                <a:fillRef idx="0">
+                  <a:schemeClr val="accent1"/>
+                </a:fillRef>
+                <a:effectRef idx="0">
+                  <a:schemeClr val="accent1"/>
+                </a:effectRef>
+                <a:fontRef idx="minor">
+                  <a:schemeClr val="tx1"/>
+                </a:fontRef>
+              </p:style>
+            </p:cxnSp>
+            <p:cxnSp>
+              <p:nvCxnSpPr>
+                <p:cNvPr id="25" name="Curved Connector 24"/>
+                <p:cNvCxnSpPr/>
+                <p:nvPr/>
+              </p:nvCxnSpPr>
+              <p:spPr>
+                <a:xfrm rot="5400000">
+                  <a:off x="7562851" y="1428750"/>
+                  <a:ext cx="238123" cy="219075"/>
+                </a:xfrm>
+                <a:prstGeom prst="curvedConnector3">
+                  <a:avLst/>
+                </a:prstGeom>
+                <a:ln w="50800" cap="rnd">
+                  <a:solidFill>
+                    <a:srgbClr val="8FD0ED"/>
+                  </a:solidFill>
+                  <a:prstDash val="solid"/>
+                  <a:round/>
+                </a:ln>
+              </p:spPr>
+              <p:style>
+                <a:lnRef idx="1">
+                  <a:schemeClr val="accent1"/>
+                </a:lnRef>
+                <a:fillRef idx="0">
+                  <a:schemeClr val="accent1"/>
+                </a:fillRef>
+                <a:effectRef idx="0">
+                  <a:schemeClr val="accent1"/>
+                </a:effectRef>
+                <a:fontRef idx="minor">
+                  <a:schemeClr val="tx1"/>
+                </a:fontRef>
+              </p:style>
+            </p:cxnSp>
+          </p:grpSp>
+        </p:grpSp>
+        <p:grpSp>
+          <p:nvGrpSpPr>
+            <p:cNvPr id="31" name="Group 30"/>
+            <p:cNvGrpSpPr/>
+            <p:nvPr/>
+          </p:nvGrpSpPr>
+          <p:grpSpPr>
+            <a:xfrm>
+              <a:off x="7572375" y="2149003"/>
+              <a:ext cx="219075" cy="952500"/>
+              <a:chOff x="7572375" y="1181099"/>
+              <a:chExt cx="219075" cy="952500"/>
+            </a:xfrm>
+          </p:grpSpPr>
+          <p:grpSp>
+            <p:nvGrpSpPr>
+              <p:cNvPr id="32" name="Group 31"/>
+              <p:cNvGrpSpPr/>
+              <p:nvPr/>
+            </p:nvGrpSpPr>
+            <p:grpSpPr>
+              <a:xfrm>
+                <a:off x="7572375" y="1181099"/>
+                <a:ext cx="219075" cy="476250"/>
+                <a:chOff x="7572375" y="1181099"/>
+                <a:chExt cx="219075" cy="476250"/>
+              </a:xfrm>
+            </p:grpSpPr>
+            <p:cxnSp>
+              <p:nvCxnSpPr>
+                <p:cNvPr id="36" name="Curved Connector 35"/>
+                <p:cNvCxnSpPr/>
+                <p:nvPr/>
+              </p:nvCxnSpPr>
+              <p:spPr>
+                <a:xfrm rot="16200000" flipH="1">
+                  <a:off x="7562850" y="1190624"/>
+                  <a:ext cx="238125" cy="219075"/>
+                </a:xfrm>
+                <a:prstGeom prst="curvedConnector3">
+                  <a:avLst/>
+                </a:prstGeom>
+                <a:ln w="50800" cap="rnd">
+                  <a:solidFill>
+                    <a:srgbClr val="8FD0ED"/>
+                  </a:solidFill>
+                  <a:prstDash val="solid"/>
+                  <a:round/>
+                </a:ln>
+              </p:spPr>
+              <p:style>
+                <a:lnRef idx="1">
+                  <a:schemeClr val="accent1"/>
+                </a:lnRef>
+                <a:fillRef idx="0">
+                  <a:schemeClr val="accent1"/>
+                </a:fillRef>
+                <a:effectRef idx="0">
+                  <a:schemeClr val="accent1"/>
+                </a:effectRef>
+                <a:fontRef idx="minor">
+                  <a:schemeClr val="tx1"/>
+                </a:fontRef>
+              </p:style>
+            </p:cxnSp>
+            <p:cxnSp>
+              <p:nvCxnSpPr>
+                <p:cNvPr id="37" name="Curved Connector 36"/>
+                <p:cNvCxnSpPr/>
+                <p:nvPr/>
+              </p:nvCxnSpPr>
+              <p:spPr>
+                <a:xfrm rot="5400000">
+                  <a:off x="7562851" y="1428750"/>
+                  <a:ext cx="238123" cy="219075"/>
+                </a:xfrm>
+                <a:prstGeom prst="curvedConnector3">
+                  <a:avLst/>
+                </a:prstGeom>
+                <a:ln w="50800" cap="rnd">
+                  <a:solidFill>
+                    <a:srgbClr val="8FD0ED"/>
+                  </a:solidFill>
+                  <a:prstDash val="solid"/>
+                  <a:round/>
+                </a:ln>
+              </p:spPr>
+              <p:style>
+                <a:lnRef idx="1">
+                  <a:schemeClr val="accent1"/>
+                </a:lnRef>
+                <a:fillRef idx="0">
+                  <a:schemeClr val="accent1"/>
+                </a:fillRef>
+                <a:effectRef idx="0">
+                  <a:schemeClr val="accent1"/>
+                </a:effectRef>
+                <a:fontRef idx="minor">
+                  <a:schemeClr val="tx1"/>
+                </a:fontRef>
+              </p:style>
+            </p:cxnSp>
+          </p:grpSp>
+          <p:grpSp>
+            <p:nvGrpSpPr>
+              <p:cNvPr id="33" name="Group 32"/>
+              <p:cNvGrpSpPr/>
+              <p:nvPr/>
+            </p:nvGrpSpPr>
+            <p:grpSpPr>
+              <a:xfrm>
+                <a:off x="7572375" y="1657349"/>
+                <a:ext cx="219075" cy="476250"/>
+                <a:chOff x="7572375" y="1181099"/>
+                <a:chExt cx="219075" cy="476250"/>
+              </a:xfrm>
+            </p:grpSpPr>
+            <p:cxnSp>
+              <p:nvCxnSpPr>
+                <p:cNvPr id="34" name="Curved Connector 33"/>
+                <p:cNvCxnSpPr/>
+                <p:nvPr/>
+              </p:nvCxnSpPr>
+              <p:spPr>
+                <a:xfrm rot="16200000" flipH="1">
+                  <a:off x="7562850" y="1190624"/>
+                  <a:ext cx="238125" cy="219075"/>
+                </a:xfrm>
+                <a:prstGeom prst="curvedConnector3">
+                  <a:avLst/>
+                </a:prstGeom>
+                <a:ln w="50800" cap="rnd">
+                  <a:solidFill>
+                    <a:srgbClr val="8FD0ED"/>
+                  </a:solidFill>
+                  <a:prstDash val="solid"/>
+                  <a:round/>
+                </a:ln>
+              </p:spPr>
+              <p:style>
+                <a:lnRef idx="1">
+                  <a:schemeClr val="accent1"/>
+                </a:lnRef>
+                <a:fillRef idx="0">
+                  <a:schemeClr val="accent1"/>
+                </a:fillRef>
+                <a:effectRef idx="0">
+                  <a:schemeClr val="accent1"/>
+                </a:effectRef>
+                <a:fontRef idx="minor">
+                  <a:schemeClr val="tx1"/>
+                </a:fontRef>
+              </p:style>
+            </p:cxnSp>
+            <p:cxnSp>
+              <p:nvCxnSpPr>
+                <p:cNvPr id="35" name="Curved Connector 34"/>
+                <p:cNvCxnSpPr/>
+                <p:nvPr/>
+              </p:nvCxnSpPr>
+              <p:spPr>
+                <a:xfrm rot="5400000">
+                  <a:off x="7562851" y="1428750"/>
+                  <a:ext cx="238123" cy="219075"/>
+                </a:xfrm>
+                <a:prstGeom prst="curvedConnector3">
+                  <a:avLst/>
+                </a:prstGeom>
+                <a:ln w="50800" cap="rnd">
+                  <a:solidFill>
+                    <a:srgbClr val="8FD0ED"/>
+                  </a:solidFill>
+                  <a:prstDash val="solid"/>
+                  <a:round/>
+                </a:ln>
+              </p:spPr>
+              <p:style>
+                <a:lnRef idx="1">
+                  <a:schemeClr val="accent1"/>
+                </a:lnRef>
+                <a:fillRef idx="0">
+                  <a:schemeClr val="accent1"/>
+                </a:fillRef>
+                <a:effectRef idx="0">
+                  <a:schemeClr val="accent1"/>
+                </a:effectRef>
+                <a:fontRef idx="minor">
+                  <a:schemeClr val="tx1"/>
+                </a:fontRef>
+              </p:style>
+            </p:cxnSp>
+          </p:grpSp>
+        </p:grpSp>
+        <p:grpSp>
+          <p:nvGrpSpPr>
+            <p:cNvPr id="38" name="Group 37"/>
+            <p:cNvGrpSpPr/>
+            <p:nvPr/>
+          </p:nvGrpSpPr>
+          <p:grpSpPr>
+            <a:xfrm>
+              <a:off x="7572375" y="3101503"/>
+              <a:ext cx="219075" cy="952500"/>
+              <a:chOff x="7572375" y="1181099"/>
+              <a:chExt cx="219075" cy="952500"/>
+            </a:xfrm>
+          </p:grpSpPr>
+          <p:grpSp>
+            <p:nvGrpSpPr>
+              <p:cNvPr id="39" name="Group 38"/>
+              <p:cNvGrpSpPr/>
+              <p:nvPr/>
+            </p:nvGrpSpPr>
+            <p:grpSpPr>
+              <a:xfrm>
+                <a:off x="7572375" y="1181099"/>
+                <a:ext cx="219075" cy="476250"/>
+                <a:chOff x="7572375" y="1181099"/>
+                <a:chExt cx="219075" cy="476250"/>
+              </a:xfrm>
+            </p:grpSpPr>
+            <p:cxnSp>
+              <p:nvCxnSpPr>
+                <p:cNvPr id="43" name="Curved Connector 42"/>
+                <p:cNvCxnSpPr/>
+                <p:nvPr/>
+              </p:nvCxnSpPr>
+              <p:spPr>
+                <a:xfrm rot="16200000" flipH="1">
+                  <a:off x="7562850" y="1190624"/>
+                  <a:ext cx="238125" cy="219075"/>
+                </a:xfrm>
+                <a:prstGeom prst="curvedConnector3">
+                  <a:avLst/>
+                </a:prstGeom>
+                <a:ln w="50800" cap="rnd">
+                  <a:solidFill>
+                    <a:srgbClr val="8FD0ED"/>
+                  </a:solidFill>
+                  <a:prstDash val="solid"/>
+                  <a:round/>
+                </a:ln>
+              </p:spPr>
+              <p:style>
+                <a:lnRef idx="1">
+                  <a:schemeClr val="accent1"/>
+                </a:lnRef>
+                <a:fillRef idx="0">
+                  <a:schemeClr val="accent1"/>
+                </a:fillRef>
+                <a:effectRef idx="0">
+                  <a:schemeClr val="accent1"/>
+                </a:effectRef>
+                <a:fontRef idx="minor">
+                  <a:schemeClr val="tx1"/>
+                </a:fontRef>
+              </p:style>
+            </p:cxnSp>
+            <p:cxnSp>
+              <p:nvCxnSpPr>
+                <p:cNvPr id="44" name="Curved Connector 43"/>
+                <p:cNvCxnSpPr/>
+                <p:nvPr/>
+              </p:nvCxnSpPr>
+              <p:spPr>
+                <a:xfrm rot="5400000">
+                  <a:off x="7562851" y="1428750"/>
+                  <a:ext cx="238123" cy="219075"/>
+                </a:xfrm>
+                <a:prstGeom prst="curvedConnector3">
+                  <a:avLst/>
+                </a:prstGeom>
+                <a:ln w="50800" cap="rnd">
+                  <a:solidFill>
+                    <a:srgbClr val="8FD0ED"/>
+                  </a:solidFill>
+                  <a:prstDash val="solid"/>
+                  <a:round/>
+                </a:ln>
+              </p:spPr>
+              <p:style>
+                <a:lnRef idx="1">
+                  <a:schemeClr val="accent1"/>
+                </a:lnRef>
+                <a:fillRef idx="0">
+                  <a:schemeClr val="accent1"/>
+                </a:fillRef>
+                <a:effectRef idx="0">
+                  <a:schemeClr val="accent1"/>
+                </a:effectRef>
+                <a:fontRef idx="minor">
+                  <a:schemeClr val="tx1"/>
+                </a:fontRef>
+              </p:style>
+            </p:cxnSp>
+          </p:grpSp>
+          <p:grpSp>
+            <p:nvGrpSpPr>
+              <p:cNvPr id="40" name="Group 39"/>
+              <p:cNvGrpSpPr/>
+              <p:nvPr/>
+            </p:nvGrpSpPr>
+            <p:grpSpPr>
+              <a:xfrm>
+                <a:off x="7572375" y="1657349"/>
+                <a:ext cx="219075" cy="476250"/>
+                <a:chOff x="7572375" y="1181099"/>
+                <a:chExt cx="219075" cy="476250"/>
+              </a:xfrm>
+            </p:grpSpPr>
+            <p:cxnSp>
+              <p:nvCxnSpPr>
+                <p:cNvPr id="41" name="Curved Connector 40"/>
+                <p:cNvCxnSpPr/>
+                <p:nvPr/>
+              </p:nvCxnSpPr>
+              <p:spPr>
+                <a:xfrm rot="16200000" flipH="1">
+                  <a:off x="7562850" y="1190624"/>
+                  <a:ext cx="238125" cy="219075"/>
+                </a:xfrm>
+                <a:prstGeom prst="curvedConnector3">
+                  <a:avLst/>
+                </a:prstGeom>
+                <a:ln w="50800" cap="rnd">
+                  <a:solidFill>
+                    <a:srgbClr val="8FD0ED"/>
+                  </a:solidFill>
+                  <a:prstDash val="solid"/>
+                  <a:round/>
+                </a:ln>
+              </p:spPr>
+              <p:style>
+                <a:lnRef idx="1">
+                  <a:schemeClr val="accent1"/>
+                </a:lnRef>
+                <a:fillRef idx="0">
+                  <a:schemeClr val="accent1"/>
+                </a:fillRef>
+                <a:effectRef idx="0">
+                  <a:schemeClr val="accent1"/>
+                </a:effectRef>
+                <a:fontRef idx="minor">
+                  <a:schemeClr val="tx1"/>
+                </a:fontRef>
+              </p:style>
+            </p:cxnSp>
+            <p:cxnSp>
+              <p:nvCxnSpPr>
+                <p:cNvPr id="42" name="Curved Connector 41"/>
+                <p:cNvCxnSpPr/>
+                <p:nvPr/>
+              </p:nvCxnSpPr>
+              <p:spPr>
+                <a:xfrm rot="5400000">
+                  <a:off x="7562851" y="1428750"/>
+                  <a:ext cx="238123" cy="219075"/>
+                </a:xfrm>
+                <a:prstGeom prst="curvedConnector3">
+                  <a:avLst/>
+                </a:prstGeom>
+                <a:ln w="50800" cap="rnd">
+                  <a:solidFill>
+                    <a:srgbClr val="8FD0ED"/>
+                  </a:solidFill>
+                  <a:prstDash val="solid"/>
+                  <a:round/>
+                </a:ln>
+              </p:spPr>
+              <p:style>
+                <a:lnRef idx="1">
+                  <a:schemeClr val="accent1"/>
+                </a:lnRef>
+                <a:fillRef idx="0">
+                  <a:schemeClr val="accent1"/>
+                </a:fillRef>
+                <a:effectRef idx="0">
+                  <a:schemeClr val="accent1"/>
+                </a:effectRef>
+                <a:fontRef idx="minor">
+                  <a:schemeClr val="tx1"/>
+                </a:fontRef>
+              </p:style>
+            </p:cxnSp>
+          </p:grpSp>
+        </p:grpSp>
+        <p:grpSp>
+          <p:nvGrpSpPr>
+            <p:cNvPr id="52" name="Group 51"/>
+            <p:cNvGrpSpPr/>
+            <p:nvPr/>
+          </p:nvGrpSpPr>
+          <p:grpSpPr>
+            <a:xfrm>
+              <a:off x="7572374" y="4058928"/>
+              <a:ext cx="219075" cy="952500"/>
+              <a:chOff x="7572375" y="1181099"/>
+              <a:chExt cx="219075" cy="952500"/>
+            </a:xfrm>
+          </p:grpSpPr>
+          <p:grpSp>
+            <p:nvGrpSpPr>
+              <p:cNvPr id="53" name="Group 52"/>
+              <p:cNvGrpSpPr/>
+              <p:nvPr/>
+            </p:nvGrpSpPr>
+            <p:grpSpPr>
+              <a:xfrm>
+                <a:off x="7572375" y="1181099"/>
+                <a:ext cx="219075" cy="476250"/>
+                <a:chOff x="7572375" y="1181099"/>
+                <a:chExt cx="219075" cy="476250"/>
+              </a:xfrm>
+            </p:grpSpPr>
+            <p:cxnSp>
+              <p:nvCxnSpPr>
+                <p:cNvPr id="57" name="Curved Connector 56"/>
+                <p:cNvCxnSpPr/>
+                <p:nvPr/>
+              </p:nvCxnSpPr>
+              <p:spPr>
+                <a:xfrm rot="16200000" flipH="1">
+                  <a:off x="7562850" y="1190624"/>
+                  <a:ext cx="238125" cy="219075"/>
+                </a:xfrm>
+                <a:prstGeom prst="curvedConnector3">
+                  <a:avLst/>
+                </a:prstGeom>
+                <a:ln w="50800" cap="rnd">
+                  <a:solidFill>
+                    <a:srgbClr val="8FD0ED"/>
+                  </a:solidFill>
+                  <a:prstDash val="solid"/>
+                  <a:round/>
+                </a:ln>
+              </p:spPr>
+              <p:style>
+                <a:lnRef idx="1">
+                  <a:schemeClr val="accent1"/>
+                </a:lnRef>
+                <a:fillRef idx="0">
+                  <a:schemeClr val="accent1"/>
+                </a:fillRef>
+                <a:effectRef idx="0">
+                  <a:schemeClr val="accent1"/>
+                </a:effectRef>
+                <a:fontRef idx="minor">
+                  <a:schemeClr val="tx1"/>
+                </a:fontRef>
+              </p:style>
+            </p:cxnSp>
+            <p:cxnSp>
+              <p:nvCxnSpPr>
+                <p:cNvPr id="58" name="Curved Connector 57"/>
+                <p:cNvCxnSpPr/>
+                <p:nvPr/>
+              </p:nvCxnSpPr>
+              <p:spPr>
+                <a:xfrm rot="5400000">
+                  <a:off x="7562851" y="1428750"/>
+                  <a:ext cx="238123" cy="219075"/>
+                </a:xfrm>
+                <a:prstGeom prst="curvedConnector3">
+                  <a:avLst/>
+                </a:prstGeom>
+                <a:ln w="50800" cap="rnd">
+                  <a:solidFill>
+                    <a:srgbClr val="8FD0ED"/>
+                  </a:solidFill>
+                  <a:prstDash val="solid"/>
+                  <a:round/>
+                </a:ln>
+              </p:spPr>
+              <p:style>
+                <a:lnRef idx="1">
+                  <a:schemeClr val="accent1"/>
+                </a:lnRef>
+                <a:fillRef idx="0">
+                  <a:schemeClr val="accent1"/>
+                </a:fillRef>
+                <a:effectRef idx="0">
+                  <a:schemeClr val="accent1"/>
+                </a:effectRef>
+                <a:fontRef idx="minor">
+                  <a:schemeClr val="tx1"/>
+                </a:fontRef>
+              </p:style>
+            </p:cxnSp>
+          </p:grpSp>
+          <p:grpSp>
+            <p:nvGrpSpPr>
+              <p:cNvPr id="54" name="Group 53"/>
+              <p:cNvGrpSpPr/>
+              <p:nvPr/>
+            </p:nvGrpSpPr>
+            <p:grpSpPr>
+              <a:xfrm>
+                <a:off x="7572375" y="1657349"/>
+                <a:ext cx="219075" cy="476250"/>
+                <a:chOff x="7572375" y="1181099"/>
+                <a:chExt cx="219075" cy="476250"/>
+              </a:xfrm>
+            </p:grpSpPr>
+            <p:cxnSp>
+              <p:nvCxnSpPr>
+                <p:cNvPr id="55" name="Curved Connector 54"/>
+                <p:cNvCxnSpPr/>
+                <p:nvPr/>
+              </p:nvCxnSpPr>
+              <p:spPr>
+                <a:xfrm rot="16200000" flipH="1">
+                  <a:off x="7562850" y="1190624"/>
+                  <a:ext cx="238125" cy="219075"/>
+                </a:xfrm>
+                <a:prstGeom prst="curvedConnector3">
+                  <a:avLst/>
+                </a:prstGeom>
+                <a:ln w="50800" cap="rnd">
+                  <a:solidFill>
+                    <a:srgbClr val="8FD0ED"/>
+                  </a:solidFill>
+                  <a:prstDash val="solid"/>
+                  <a:round/>
+                </a:ln>
+              </p:spPr>
+              <p:style>
+                <a:lnRef idx="1">
+                  <a:schemeClr val="accent1"/>
+                </a:lnRef>
+                <a:fillRef idx="0">
+                  <a:schemeClr val="accent1"/>
+                </a:fillRef>
+                <a:effectRef idx="0">
+                  <a:schemeClr val="accent1"/>
+                </a:effectRef>
+                <a:fontRef idx="minor">
+                  <a:schemeClr val="tx1"/>
+                </a:fontRef>
+              </p:style>
+            </p:cxnSp>
+            <p:cxnSp>
+              <p:nvCxnSpPr>
+                <p:cNvPr id="56" name="Curved Connector 55"/>
+                <p:cNvCxnSpPr/>
+                <p:nvPr/>
+              </p:nvCxnSpPr>
+              <p:spPr>
+                <a:xfrm rot="5400000">
+                  <a:off x="7562851" y="1428750"/>
+                  <a:ext cx="238123" cy="219075"/>
+                </a:xfrm>
+                <a:prstGeom prst="curvedConnector3">
+                  <a:avLst/>
+                </a:prstGeom>
+                <a:ln w="50800" cap="rnd">
+                  <a:solidFill>
+                    <a:srgbClr val="8FD0ED"/>
+                  </a:solidFill>
+                  <a:prstDash val="solid"/>
+                  <a:round/>
+                </a:ln>
+              </p:spPr>
+              <p:style>
+                <a:lnRef idx="1">
+                  <a:schemeClr val="accent1"/>
+                </a:lnRef>
+                <a:fillRef idx="0">
+                  <a:schemeClr val="accent1"/>
+                </a:fillRef>
+                <a:effectRef idx="0">
+                  <a:schemeClr val="accent1"/>
+                </a:effectRef>
+                <a:fontRef idx="minor">
+                  <a:schemeClr val="tx1"/>
+                </a:fontRef>
+              </p:style>
+            </p:cxnSp>
+          </p:grpSp>
+        </p:grpSp>
+      </p:grpSp>
+      <p:sp>
+        <p:nvSpPr>
+          <p:cNvPr id="4" name="Oval 3"/>
+          <p:cNvSpPr/>
+          <p:nvPr/>
+        </p:nvSpPr>
+        <p:spPr>
+          <a:xfrm>
+            <a:off x="4819409" y="2736534"/>
+            <a:ext cx="1144025" cy="1144025"/>
+          </a:xfrm>
+          <a:prstGeom prst="ellipse">
+            <a:avLst/>
+          </a:prstGeom>
+          <a:solidFill>
+            <a:srgbClr val="25A5DC"/>
+          </a:solidFill>
+          <a:ln w="25400">
+            <a:solidFill>
+              <a:schemeClr val="bg1"/>
+            </a:solidFill>
+          </a:ln>
+        </p:spPr>
+        <p:style>
+          <a:lnRef idx="2">
+            <a:schemeClr val="accent1">
+              <a:shade val="50000"/>
+            </a:schemeClr>
+          </a:lnRef>
+          <a:fillRef idx="1">
+            <a:schemeClr val="accent1"/>
+          </a:fillRef>
+          <a:effectRef idx="0">
+            <a:schemeClr val="accent1"/>
+          </a:effectRef>
+          <a:fontRef idx="minor">
+            <a:schemeClr val="lt1"/>
+          </a:fontRef>
+        </p:style>
+        <p:txBody>
+          <a:bodyPr lIns="0" tIns="0" rIns="0" bIns="0" rtlCol="0" anchor="ctr"/>
+          <a:lstStyle/>
+          <a:p>
+            <a:pPr algn="ctr"/>
+            <a:r>
+              <a:rPr lang="sv-SE" b="1" dirty="0" smtClean="0">
+                <a:solidFill>
+                  <a:schemeClr val="bg1"/>
+                </a:solidFill>
+              </a:rPr>
+              <a:t>source</a:t>
+            </a:r>
+            <a:endParaRPr lang="sv-SE" sz="1050" b="1" dirty="0" smtClean="0">
+              <a:solidFill>
+                <a:schemeClr val="bg1"/>
+              </a:solidFill>
+            </a:endParaRPr>
+          </a:p>
+        </p:txBody>
+      </p:sp>
+      <p:sp>
+        <p:nvSpPr>
+          <p:cNvPr id="7" name="Oval 6"/>
+          <p:cNvSpPr/>
+          <p:nvPr/>
+        </p:nvSpPr>
+        <p:spPr>
+          <a:xfrm>
+            <a:off x="8702756" y="2736534"/>
+            <a:ext cx="1144025" cy="1144025"/>
+          </a:xfrm>
+          <a:prstGeom prst="ellipse">
+            <a:avLst/>
+          </a:prstGeom>
+          <a:solidFill>
+            <a:srgbClr val="25A5DC"/>
+          </a:solidFill>
+          <a:ln w="25400">
+            <a:solidFill>
+              <a:schemeClr val="bg1"/>
+            </a:solidFill>
+          </a:ln>
+        </p:spPr>
+        <p:style>
+          <a:lnRef idx="2">
+            <a:schemeClr val="accent1">
+              <a:shade val="50000"/>
+            </a:schemeClr>
+          </a:lnRef>
+          <a:fillRef idx="1">
+            <a:schemeClr val="accent1"/>
+          </a:fillRef>
+          <a:effectRef idx="0">
+            <a:schemeClr val="accent1"/>
+          </a:effectRef>
+          <a:fontRef idx="minor">
+            <a:schemeClr val="lt1"/>
+          </a:fontRef>
+        </p:style>
+        <p:txBody>
+          <a:bodyPr rot="0" spcFirstLastPara="0" vertOverflow="overflow" horzOverflow="overflow" vert="horz" wrap="square" lIns="0" tIns="0" rIns="0" bIns="0" numCol="1" spcCol="0" rtlCol="0" fromWordArt="0" anchor="ctr" anchorCtr="0" forceAA="0" compatLnSpc="1">
+            <a:prstTxWarp prst="textNoShape">
+              <a:avLst/>
+            </a:prstTxWarp>
+            <a:noAutofit/>
+          </a:bodyPr>
+          <a:lstStyle/>
+          <a:p>
+            <a:pPr algn="ctr"/>
+            <a:r>
+              <a:rPr lang="sv-SE" b="1" dirty="0" smtClean="0">
+                <a:solidFill>
+                  <a:schemeClr val="bg1"/>
+                </a:solidFill>
+              </a:rPr>
+              <a:t>worker2</a:t>
+            </a:r>
+            <a:endParaRPr lang="sv-SE" b="1" dirty="0">
+              <a:solidFill>
+                <a:schemeClr val="bg1"/>
+              </a:solidFill>
+            </a:endParaRPr>
+          </a:p>
+        </p:txBody>
+      </p:sp>
+      <p:sp>
+        <p:nvSpPr>
+          <p:cNvPr id="8" name="Oval 7"/>
+          <p:cNvSpPr/>
+          <p:nvPr/>
+        </p:nvSpPr>
+        <p:spPr>
+          <a:xfrm>
+            <a:off x="8702755" y="1108415"/>
+            <a:ext cx="1144025" cy="1144025"/>
+          </a:xfrm>
+          <a:prstGeom prst="ellipse">
+            <a:avLst/>
+          </a:prstGeom>
+          <a:solidFill>
+            <a:srgbClr val="25A5DC"/>
+          </a:solidFill>
+          <a:ln w="25400">
+            <a:solidFill>
+              <a:schemeClr val="bg1"/>
+            </a:solidFill>
+          </a:ln>
+        </p:spPr>
+        <p:style>
+          <a:lnRef idx="2">
+            <a:schemeClr val="accent1">
+              <a:shade val="50000"/>
+            </a:schemeClr>
+          </a:lnRef>
+          <a:fillRef idx="1">
+            <a:schemeClr val="accent1"/>
+          </a:fillRef>
+          <a:effectRef idx="0">
+            <a:schemeClr val="accent1"/>
+          </a:effectRef>
+          <a:fontRef idx="minor">
+            <a:schemeClr val="lt1"/>
+          </a:fontRef>
+        </p:style>
+        <p:txBody>
+          <a:bodyPr rot="0" spcFirstLastPara="0" vertOverflow="overflow" horzOverflow="overflow" vert="horz" wrap="square" lIns="0" tIns="0" rIns="0" bIns="0" numCol="1" spcCol="0" rtlCol="0" fromWordArt="0" anchor="ctr" anchorCtr="0" forceAA="0" compatLnSpc="1">
+            <a:prstTxWarp prst="textNoShape">
+              <a:avLst/>
+            </a:prstTxWarp>
+            <a:noAutofit/>
+          </a:bodyPr>
+          <a:lstStyle/>
+          <a:p>
+            <a:pPr algn="ctr"/>
+            <a:r>
+              <a:rPr lang="sv-SE" b="1" dirty="0" smtClean="0">
+                <a:solidFill>
+                  <a:schemeClr val="bg1"/>
+                </a:solidFill>
+              </a:rPr>
+              <a:t>worker1</a:t>
+            </a:r>
+            <a:endParaRPr lang="sv-SE" b="1" dirty="0">
+              <a:solidFill>
+                <a:schemeClr val="bg1"/>
+              </a:solidFill>
+            </a:endParaRPr>
+          </a:p>
+        </p:txBody>
+      </p:sp>
+      <p:sp>
+        <p:nvSpPr>
+          <p:cNvPr id="10" name="Oval 9"/>
+          <p:cNvSpPr/>
+          <p:nvPr/>
+        </p:nvSpPr>
+        <p:spPr>
+          <a:xfrm>
+            <a:off x="8702755" y="4364653"/>
+            <a:ext cx="1144025" cy="1144025"/>
+          </a:xfrm>
+          <a:prstGeom prst="ellipse">
+            <a:avLst/>
+          </a:prstGeom>
+          <a:solidFill>
+            <a:srgbClr val="25A5DC"/>
+          </a:solidFill>
+          <a:ln w="25400">
+            <a:solidFill>
+              <a:schemeClr val="bg1"/>
+            </a:solidFill>
+          </a:ln>
+        </p:spPr>
+        <p:style>
+          <a:lnRef idx="2">
+            <a:schemeClr val="accent1">
+              <a:shade val="50000"/>
+            </a:schemeClr>
+          </a:lnRef>
+          <a:fillRef idx="1">
+            <a:schemeClr val="accent1"/>
+          </a:fillRef>
+          <a:effectRef idx="0">
+            <a:schemeClr val="accent1"/>
+          </a:effectRef>
+          <a:fontRef idx="minor">
+            <a:schemeClr val="lt1"/>
+          </a:fontRef>
+        </p:style>
+        <p:txBody>
+          <a:bodyPr rot="0" spcFirstLastPara="0" vertOverflow="overflow" horzOverflow="overflow" vert="horz" wrap="square" lIns="0" tIns="0" rIns="0" bIns="0" numCol="1" spcCol="0" rtlCol="0" fromWordArt="0" anchor="ctr" anchorCtr="0" forceAA="0" compatLnSpc="1">
+            <a:prstTxWarp prst="textNoShape">
+              <a:avLst/>
+            </a:prstTxWarp>
+            <a:noAutofit/>
+          </a:bodyPr>
+          <a:lstStyle/>
+          <a:p>
+            <a:pPr algn="ctr"/>
+            <a:r>
+              <a:rPr lang="sv-SE" b="1" dirty="0" smtClean="0">
+                <a:solidFill>
+                  <a:schemeClr val="bg1"/>
+                </a:solidFill>
+              </a:rPr>
+              <a:t>worker3</a:t>
+            </a:r>
+            <a:endParaRPr lang="sv-SE" b="1" dirty="0">
+              <a:solidFill>
+                <a:schemeClr val="bg1"/>
+              </a:solidFill>
+            </a:endParaRPr>
+          </a:p>
+        </p:txBody>
+      </p:sp>
+      <p:cxnSp>
+        <p:nvCxnSpPr>
+          <p:cNvPr id="15" name="Straight Arrow Connector 14"/>
+          <p:cNvCxnSpPr>
+            <a:stCxn id="4" idx="6"/>
+            <a:endCxn id="7" idx="2"/>
+          </p:cNvCxnSpPr>
+          <p:nvPr/>
+        </p:nvCxnSpPr>
+        <p:spPr>
+          <a:xfrm>
+            <a:off x="5963434" y="3308547"/>
+            <a:ext cx="2739322" cy="0"/>
+          </a:xfrm>
+          <a:prstGeom prst="straightConnector1">
+            <a:avLst/>
+          </a:prstGeom>
+          <a:ln w="25400">
+            <a:solidFill>
+              <a:schemeClr val="bg1"/>
+            </a:solidFill>
+            <a:tailEnd type="arrow"/>
+          </a:ln>
+        </p:spPr>
+        <p:style>
+          <a:lnRef idx="1">
+            <a:schemeClr val="accent1"/>
+          </a:lnRef>
+          <a:fillRef idx="0">
+            <a:schemeClr val="accent1"/>
+          </a:fillRef>
+          <a:effectRef idx="0">
+            <a:schemeClr val="accent1"/>
+          </a:effectRef>
+          <a:fontRef idx="minor">
+            <a:schemeClr val="tx1"/>
+          </a:fontRef>
+        </p:style>
+      </p:cxnSp>
+      <p:cxnSp>
+        <p:nvCxnSpPr>
+          <p:cNvPr id="19" name="Curved Connector 18"/>
+          <p:cNvCxnSpPr>
+            <a:stCxn id="4" idx="7"/>
+            <a:endCxn id="8" idx="2"/>
+          </p:cNvCxnSpPr>
+          <p:nvPr/>
+        </p:nvCxnSpPr>
+        <p:spPr>
+          <a:xfrm rot="5400000" flipH="1" flipV="1">
+            <a:off x="6637503" y="838821"/>
+            <a:ext cx="1223645" cy="2906860"/>
+          </a:xfrm>
+          <a:prstGeom prst="curvedConnector2">
+            <a:avLst/>
+          </a:prstGeom>
+          <a:ln w="25400">
+            <a:solidFill>
+              <a:schemeClr val="bg1"/>
+            </a:solidFill>
+            <a:tailEnd type="arrow"/>
+          </a:ln>
+        </p:spPr>
+        <p:style>
+          <a:lnRef idx="1">
+            <a:schemeClr val="accent1"/>
+          </a:lnRef>
+          <a:fillRef idx="0">
+            <a:schemeClr val="accent1"/>
+          </a:fillRef>
+          <a:effectRef idx="0">
+            <a:schemeClr val="accent1"/>
+          </a:effectRef>
+          <a:fontRef idx="minor">
+            <a:schemeClr val="tx1"/>
+          </a:fontRef>
+        </p:style>
+      </p:cxnSp>
+      <p:cxnSp>
+        <p:nvCxnSpPr>
+          <p:cNvPr id="21" name="Curved Connector 20"/>
+          <p:cNvCxnSpPr>
+            <a:stCxn id="4" idx="5"/>
+            <a:endCxn id="10" idx="2"/>
+          </p:cNvCxnSpPr>
+          <p:nvPr/>
+        </p:nvCxnSpPr>
+        <p:spPr>
+          <a:xfrm rot="16200000" flipH="1">
+            <a:off x="6637502" y="2871413"/>
+            <a:ext cx="1223646" cy="2906860"/>
+          </a:xfrm>
+          <a:prstGeom prst="curvedConnector2">
+            <a:avLst/>
+          </a:prstGeom>
+          <a:ln w="25400">
+            <a:solidFill>
+              <a:schemeClr val="bg1"/>
+            </a:solidFill>
+            <a:tailEnd type="arrow"/>
+          </a:ln>
+        </p:spPr>
+        <p:style>
+          <a:lnRef idx="1">
+            <a:schemeClr val="accent1"/>
+          </a:lnRef>
+          <a:fillRef idx="0">
+            <a:schemeClr val="accent1"/>
+          </a:fillRef>
+          <a:effectRef idx="0">
+            <a:schemeClr val="accent1"/>
+          </a:effectRef>
+          <a:fontRef idx="minor">
+            <a:schemeClr val="tx1"/>
+          </a:fontRef>
+        </p:style>
+      </p:cxnSp>
+      <p:grpSp>
+        <p:nvGrpSpPr>
+          <p:cNvPr id="29" name="Group 28"/>
+          <p:cNvGrpSpPr/>
+          <p:nvPr/>
+        </p:nvGrpSpPr>
+        <p:grpSpPr>
+          <a:xfrm>
+            <a:off x="4219933" y="293960"/>
+            <a:ext cx="7329869" cy="6029172"/>
+            <a:chOff x="2327565" y="205943"/>
+            <a:chExt cx="7329869" cy="6029172"/>
+          </a:xfrm>
+        </p:grpSpPr>
+        <p:sp>
+          <p:nvSpPr>
+            <p:cNvPr id="27" name="Rounded Rectangle 26"/>
+            <p:cNvSpPr/>
+            <p:nvPr/>
+          </p:nvSpPr>
+          <p:spPr>
+            <a:xfrm>
+              <a:off x="2327565" y="205943"/>
+              <a:ext cx="7329869" cy="6029172"/>
+            </a:xfrm>
+            <a:prstGeom prst="roundRect">
+              <a:avLst>
+                <a:gd name="adj" fmla="val 31833"/>
+              </a:avLst>
+            </a:prstGeom>
+            <a:noFill/>
+            <a:ln w="25400">
+              <a:solidFill>
+                <a:schemeClr val="bg1"/>
+              </a:solidFill>
+              <a:prstDash val="dash"/>
+            </a:ln>
+          </p:spPr>
+          <p:style>
+            <a:lnRef idx="2">
+              <a:schemeClr val="accent1">
+                <a:shade val="50000"/>
+              </a:schemeClr>
+            </a:lnRef>
+            <a:fillRef idx="1">
+              <a:schemeClr val="accent1"/>
+            </a:fillRef>
+            <a:effectRef idx="0">
+              <a:schemeClr val="accent1"/>
+            </a:effectRef>
+            <a:fontRef idx="minor">
+              <a:schemeClr val="lt1"/>
+            </a:fontRef>
+          </p:style>
+          <p:txBody>
+            <a:bodyPr rot="0" spcFirstLastPara="0" vertOverflow="overflow" horzOverflow="overflow" vert="horz" wrap="square" lIns="0" tIns="0" rIns="0" bIns="0" numCol="1" spcCol="0" rtlCol="0" fromWordArt="0" anchor="t" anchorCtr="0" forceAA="0" compatLnSpc="1">
+              <a:prstTxWarp prst="textNoShape">
+                <a:avLst/>
+              </a:prstTxWarp>
+              <a:noAutofit/>
+            </a:bodyPr>
+            <a:lstStyle/>
+            <a:p>
+              <a:pPr algn="ctr"/>
+              <a:endParaRPr lang="sv-SE" sz="3200" b="1" dirty="0">
+                <a:solidFill>
+                  <a:schemeClr val="tx1"/>
+                </a:solidFill>
+              </a:endParaRPr>
+            </a:p>
+          </p:txBody>
+        </p:sp>
+        <p:sp>
+          <p:nvSpPr>
+            <p:cNvPr id="28" name="TextBox 27"/>
+            <p:cNvSpPr txBox="1"/>
+            <p:nvPr/>
+          </p:nvSpPr>
+          <p:spPr>
+            <a:xfrm>
+              <a:off x="5449864" y="400967"/>
+              <a:ext cx="1076705" cy="461665"/>
+            </a:xfrm>
+            <a:prstGeom prst="rect">
+              <a:avLst/>
+            </a:prstGeom>
+            <a:noFill/>
+          </p:spPr>
+          <p:txBody>
+            <a:bodyPr wrap="none" rtlCol="0">
+              <a:spAutoFit/>
+            </a:bodyPr>
+            <a:lstStyle/>
+            <a:p>
+              <a:r>
+                <a:rPr lang="sv-SE" sz="2400" b="1" dirty="0" smtClean="0"/>
+                <a:t>Cluster</a:t>
+              </a:r>
+              <a:endParaRPr lang="sv-SE" sz="2400" b="1" dirty="0"/>
+            </a:p>
+          </p:txBody>
+        </p:sp>
+      </p:grpSp>
+      <p:sp>
+        <p:nvSpPr>
+          <p:cNvPr id="30" name="Rectangle 29"/>
+          <p:cNvSpPr/>
+          <p:nvPr/>
+        </p:nvSpPr>
+        <p:spPr>
+          <a:xfrm>
+            <a:off x="210571" y="132595"/>
+            <a:ext cx="3955572" cy="2375892"/>
+          </a:xfrm>
+          <a:prstGeom prst="rect">
+            <a:avLst/>
+          </a:prstGeom>
+          <a:noFill/>
+          <a:ln>
+            <a:noFill/>
+          </a:ln>
+        </p:spPr>
+        <p:style>
+          <a:lnRef idx="2">
+            <a:schemeClr val="accent1">
+              <a:shade val="50000"/>
+            </a:schemeClr>
+          </a:lnRef>
+          <a:fillRef idx="1">
+            <a:schemeClr val="accent1"/>
+          </a:fillRef>
+          <a:effectRef idx="0">
+            <a:schemeClr val="accent1"/>
+          </a:effectRef>
+          <a:fontRef idx="minor">
+            <a:schemeClr val="lt1"/>
+          </a:fontRef>
+        </p:style>
+        <p:txBody>
+          <a:bodyPr rot="0" spcFirstLastPara="0" vertOverflow="overflow" horzOverflow="overflow" vert="horz" wrap="square" lIns="144000" tIns="144000" rIns="144000" bIns="144000" numCol="1" spcCol="0" rtlCol="0" fromWordArt="0" anchor="t" anchorCtr="0" forceAA="0" compatLnSpc="1">
+            <a:prstTxWarp prst="textNoShape">
+              <a:avLst/>
+            </a:prstTxWarp>
+            <a:noAutofit/>
+          </a:bodyPr>
+          <a:lstStyle/>
+          <a:p>
+            <a:r>
+              <a:rPr lang="sv-SE" sz="1600" b="1" dirty="0" smtClean="0">
+                <a:solidFill>
+                  <a:schemeClr val="tx1"/>
+                </a:solidFill>
+              </a:rPr>
+              <a:t>The problem: Distributed </a:t>
+            </a:r>
+            <a:r>
+              <a:rPr lang="sv-SE" sz="1600" b="1" dirty="0">
+                <a:solidFill>
+                  <a:schemeClr val="tx1"/>
+                </a:solidFill>
+              </a:rPr>
+              <a:t>monolith</a:t>
+            </a:r>
+          </a:p>
+          <a:p>
+            <a:endParaRPr lang="sv-SE" sz="1600" b="1" dirty="0">
+              <a:solidFill>
+                <a:schemeClr val="tx1"/>
+              </a:solidFill>
+            </a:endParaRPr>
+          </a:p>
+          <a:p>
+            <a:r>
+              <a:rPr lang="sv-SE" sz="1600" dirty="0">
+                <a:solidFill>
+                  <a:schemeClr val="tx1"/>
+                </a:solidFill>
+              </a:rPr>
+              <a:t>All </a:t>
+            </a:r>
+            <a:r>
+              <a:rPr lang="sv-SE" sz="1600" dirty="0" smtClean="0">
+                <a:solidFill>
+                  <a:schemeClr val="tx1"/>
+                </a:solidFill>
+              </a:rPr>
+              <a:t>components </a:t>
+            </a:r>
+            <a:r>
+              <a:rPr lang="sv-SE" sz="1600" dirty="0">
+                <a:solidFill>
+                  <a:schemeClr val="tx1"/>
+                </a:solidFill>
+              </a:rPr>
+              <a:t>are bound to the same stack and framework.</a:t>
+            </a:r>
+          </a:p>
+          <a:p>
+            <a:r>
+              <a:rPr lang="sv-SE" sz="1600" dirty="0">
+                <a:solidFill>
+                  <a:schemeClr val="tx1"/>
+                </a:solidFill>
+              </a:rPr>
+              <a:t>One tightly coupled blob of code distributed across machines</a:t>
+            </a:r>
+            <a:r>
+              <a:rPr lang="sv-SE" sz="1600" dirty="0" smtClean="0">
+                <a:solidFill>
+                  <a:schemeClr val="tx1"/>
+                </a:solidFill>
+              </a:rPr>
+              <a:t>.</a:t>
+            </a:r>
+            <a:endParaRPr lang="sv-SE" sz="1600" dirty="0">
+              <a:solidFill>
+                <a:schemeClr val="tx1"/>
+              </a:solidFill>
+            </a:endParaRPr>
+          </a:p>
+        </p:txBody>
+      </p:sp>
+      <p:sp>
+        <p:nvSpPr>
+          <p:cNvPr id="20" name="TextBox 19"/>
+          <p:cNvSpPr txBox="1"/>
+          <p:nvPr/>
+        </p:nvSpPr>
+        <p:spPr>
+          <a:xfrm>
+            <a:off x="7372431" y="961007"/>
+            <a:ext cx="1016304" cy="369332"/>
+          </a:xfrm>
+          <a:prstGeom prst="rect">
+            <a:avLst/>
+          </a:prstGeom>
+          <a:noFill/>
+        </p:spPr>
+        <p:txBody>
+          <a:bodyPr wrap="none" rtlCol="0">
+            <a:spAutoFit/>
+          </a:bodyPr>
+          <a:lstStyle/>
+          <a:p>
+            <a:r>
+              <a:rPr lang="sv-SE" dirty="0" smtClean="0"/>
+              <a:t>Network</a:t>
+            </a:r>
+            <a:endParaRPr lang="sv-SE" dirty="0"/>
+          </a:p>
+        </p:txBody>
+      </p:sp>
+      <p:sp>
+        <p:nvSpPr>
+          <p:cNvPr id="45" name="Line Callout 2 (No Border) 44"/>
+          <p:cNvSpPr/>
+          <p:nvPr/>
+        </p:nvSpPr>
+        <p:spPr>
+          <a:xfrm>
+            <a:off x="2065352" y="3923304"/>
+            <a:ext cx="2586518" cy="434648"/>
+          </a:xfrm>
+          <a:prstGeom prst="callout2">
+            <a:avLst>
+              <a:gd name="adj1" fmla="val 59251"/>
+              <a:gd name="adj2" fmla="val 98886"/>
+              <a:gd name="adj3" fmla="val 61500"/>
+              <a:gd name="adj4" fmla="val 108147"/>
+              <a:gd name="adj5" fmla="val -5626"/>
+              <a:gd name="adj6" fmla="val 120293"/>
+            </a:avLst>
+          </a:prstGeom>
+          <a:solidFill>
+            <a:srgbClr val="1186D5"/>
+          </a:solidFill>
+          <a:ln w="25400">
+            <a:solidFill>
+              <a:schemeClr val="tx1"/>
+            </a:solidFill>
+          </a:ln>
+        </p:spPr>
+        <p:style>
+          <a:lnRef idx="2">
+            <a:schemeClr val="accent1">
+              <a:shade val="50000"/>
+            </a:schemeClr>
+          </a:lnRef>
+          <a:fillRef idx="1">
+            <a:schemeClr val="accent1"/>
+          </a:fillRef>
+          <a:effectRef idx="0">
+            <a:schemeClr val="accent1"/>
+          </a:effectRef>
+          <a:fontRef idx="minor">
+            <a:schemeClr val="lt1"/>
+          </a:fontRef>
+        </p:style>
+        <p:txBody>
+          <a:bodyPr rtlCol="0" anchor="ctr"/>
+          <a:lstStyle/>
+          <a:p>
+            <a:pPr algn="ctr"/>
+            <a:r>
+              <a:rPr lang="sv-SE" b="1" dirty="0" smtClean="0">
+                <a:solidFill>
+                  <a:schemeClr val="tx1"/>
+                </a:solidFill>
+              </a:rPr>
+              <a:t>Whatever you have here</a:t>
+            </a:r>
+            <a:endParaRPr lang="sv-SE" b="1" dirty="0">
+              <a:solidFill>
+                <a:schemeClr val="tx1"/>
+              </a:solidFill>
+            </a:endParaRPr>
+          </a:p>
+        </p:txBody>
+      </p:sp>
+      <p:sp>
+        <p:nvSpPr>
+          <p:cNvPr id="46" name="Line Callout 2 (No Border) 45"/>
+          <p:cNvSpPr/>
+          <p:nvPr/>
+        </p:nvSpPr>
+        <p:spPr>
+          <a:xfrm>
+            <a:off x="6471138" y="5508678"/>
+            <a:ext cx="2018137" cy="434648"/>
+          </a:xfrm>
+          <a:prstGeom prst="callout2">
+            <a:avLst>
+              <a:gd name="adj1" fmla="val 59251"/>
+              <a:gd name="adj2" fmla="val 98886"/>
+              <a:gd name="adj3" fmla="val 61500"/>
+              <a:gd name="adj4" fmla="val 108147"/>
+              <a:gd name="adj5" fmla="val -5626"/>
+              <a:gd name="adj6" fmla="val 120293"/>
+            </a:avLst>
+          </a:prstGeom>
+          <a:solidFill>
+            <a:srgbClr val="1186D5"/>
+          </a:solidFill>
+          <a:ln w="25400">
+            <a:solidFill>
+              <a:schemeClr val="tx1"/>
+            </a:solidFill>
+          </a:ln>
+        </p:spPr>
+        <p:style>
+          <a:lnRef idx="2">
+            <a:schemeClr val="accent1">
+              <a:shade val="50000"/>
+            </a:schemeClr>
+          </a:lnRef>
+          <a:fillRef idx="1">
+            <a:schemeClr val="accent1"/>
+          </a:fillRef>
+          <a:effectRef idx="0">
+            <a:schemeClr val="accent1"/>
+          </a:effectRef>
+          <a:fontRef idx="minor">
+            <a:schemeClr val="lt1"/>
+          </a:fontRef>
+        </p:style>
+        <p:txBody>
+          <a:bodyPr rtlCol="0" anchor="ctr"/>
+          <a:lstStyle/>
+          <a:p>
+            <a:pPr algn="ctr"/>
+            <a:r>
+              <a:rPr lang="sv-SE" b="1" dirty="0" smtClean="0">
+                <a:solidFill>
+                  <a:schemeClr val="tx1"/>
+                </a:solidFill>
+              </a:rPr>
+              <a:t>Must also be here</a:t>
+            </a:r>
+            <a:endParaRPr lang="sv-SE" b="1" dirty="0">
+              <a:solidFill>
+                <a:schemeClr val="tx1"/>
+              </a:solidFill>
+            </a:endParaRPr>
+          </a:p>
+        </p:txBody>
+      </p:sp>
+    </p:spTree>
+    <p:extLst>
+      <p:ext uri="{BB962C8B-B14F-4D97-AF65-F5344CB8AC3E}">
+        <p14:creationId xmlns:p14="http://schemas.microsoft.com/office/powerpoint/2010/main" val="622948777"/>
+      </p:ext>
+    </p:extLst>
+  </p:cSld>
+  <p:clrMapOvr>
+    <a:masterClrMapping/>
+  </p:clrMapOvr>
+  <p:timing>
+    <p:tnLst>
+      <p:par>
+        <p:cTn id="1" dur="indefinite" restart="never" nodeType="tmRoot"/>
+      </p:par>
+    </p:tnLst>
+  </p:timing>
+</p:sld>
+</file>
+
 <file path=ppt/theme/theme1.xml><?xml version="1.0" encoding="utf-8"?>
 <a:theme xmlns:a="http://schemas.openxmlformats.org/drawingml/2006/main" name="Office Theme">
   <a:themeElements>
